--- a/2017-11-23__rostock__forschungscamp/poster.pptx
+++ b/2017-11-23__rostock__forschungscamp/poster.pptx
@@ -2001,34 +2001,7 @@
                 <a:spcPts val="879"/>
               </a:spcBef>
             </a:pPr>
-            <a:r>
-              <a:rPr b="0" lang="en-US" sz="4400" spc="-1" strike="noStrike">
-                <a:solidFill>
-                  <a:srgbClr val="000000"/>
-                </a:solidFill>
-                <a:latin typeface="Arial Narrow"/>
-              </a:rPr>
-              <a:t>Poster Format:</a:t>
-            </a:r>
-            <a:r>
-              <a:rPr b="0" lang="en-US" sz="4400" spc="-1" strike="noStrike">
-                <a:solidFill>
-                  <a:srgbClr val="000000"/>
-                </a:solidFill>
-                <a:latin typeface="Arial Narrow"/>
-              </a:rPr>
-              <a:t>	</a:t>
-            </a:r>
-            <a:r>
-              <a:rPr b="0" lang="en-US" sz="4400" spc="-1" strike="noStrike">
-                <a:solidFill>
-                  <a:srgbClr val="000000"/>
-                </a:solidFill>
-                <a:latin typeface="Arial Narrow"/>
-              </a:rPr>
-              <a:t>DIN A0 (portrait orientation, 841 x 1189 mm)</a:t>
-            </a:r>
-            <a:endParaRPr b="0" lang="en-US" sz="4400" spc="-1" strike="noStrike">
+            <a:endParaRPr b="0" lang="en-US" sz="1800" spc="-1" strike="noStrike">
               <a:latin typeface="Arial"/>
             </a:endParaRPr>
           </a:p>
@@ -2041,34 +2014,7 @@
                 <a:spcPts val="879"/>
               </a:spcBef>
             </a:pPr>
-            <a:r>
-              <a:rPr b="0" lang="en-US" sz="4400" spc="-1" strike="noStrike">
-                <a:solidFill>
-                  <a:srgbClr val="000000"/>
-                </a:solidFill>
-                <a:latin typeface="Arial Narrow"/>
-              </a:rPr>
-              <a:t>Language: </a:t>
-            </a:r>
-            <a:r>
-              <a:rPr b="0" lang="en-US" sz="4400" spc="-1" strike="noStrike">
-                <a:solidFill>
-                  <a:srgbClr val="000000"/>
-                </a:solidFill>
-                <a:latin typeface="Arial Narrow"/>
-              </a:rPr>
-              <a:t>	</a:t>
-            </a:r>
-            <a:r>
-              <a:rPr b="0" lang="en-US" sz="4400" spc="-1" strike="noStrike">
-                <a:solidFill>
-                  <a:srgbClr val="000000"/>
-                </a:solidFill>
-                <a:latin typeface="Arial Narrow"/>
-              </a:rPr>
-              <a:t>English</a:t>
-            </a:r>
-            <a:endParaRPr b="0" lang="en-US" sz="4400" spc="-1" strike="noStrike">
+            <a:endParaRPr b="0" lang="en-US" sz="1800" spc="-1" strike="noStrike">
               <a:latin typeface="Arial"/>
             </a:endParaRPr>
           </a:p>
@@ -2081,7 +2027,7 @@
                 <a:spcPts val="879"/>
               </a:spcBef>
             </a:pPr>
-            <a:endParaRPr b="0" lang="en-US" sz="4400" spc="-1" strike="noStrike">
+            <a:endParaRPr b="0" lang="en-US" sz="1800" spc="-1" strike="noStrike">
               <a:latin typeface="Arial"/>
             </a:endParaRPr>
           </a:p>
@@ -2094,16 +2040,7 @@
                 <a:spcPts val="879"/>
               </a:spcBef>
             </a:pPr>
-            <a:r>
-              <a:rPr b="0" lang="en-US" sz="4400" spc="-1" strike="noStrike">
-                <a:solidFill>
-                  <a:srgbClr val="000000"/>
-                </a:solidFill>
-                <a:latin typeface="Arial Narrow"/>
-              </a:rPr>
-              <a:t>The poster should be clearly legible from a distance of 2 meters.</a:t>
-            </a:r>
-            <a:endParaRPr b="0" lang="en-US" sz="4400" spc="-1" strike="noStrike">
+            <a:endParaRPr b="0" lang="en-US" sz="1800" spc="-1" strike="noStrike">
               <a:latin typeface="Arial"/>
             </a:endParaRPr>
           </a:p>
@@ -2116,7 +2053,7 @@
                 <a:spcPts val="879"/>
               </a:spcBef>
             </a:pPr>
-            <a:endParaRPr b="0" lang="en-US" sz="4400" spc="-1" strike="noStrike">
+            <a:endParaRPr b="0" lang="en-US" sz="1800" spc="-1" strike="noStrike">
               <a:latin typeface="Arial"/>
             </a:endParaRPr>
           </a:p>
@@ -2129,97 +2066,33 @@
                 <a:spcPts val="879"/>
               </a:spcBef>
             </a:pPr>
-            <a:r>
-              <a:rPr b="1" lang="en-US" sz="4400" spc="-1" strike="noStrike">
-                <a:solidFill>
-                  <a:srgbClr val="000000"/>
-                </a:solidFill>
-                <a:latin typeface="Arial Narrow"/>
-              </a:rPr>
-              <a:t>Poster Title</a:t>
-            </a:r>
-            <a:endParaRPr b="0" lang="en-US" sz="4400" spc="-1" strike="noStrike">
-              <a:latin typeface="Arial"/>
-            </a:endParaRPr>
-          </a:p>
-          <a:p>
-            <a:pPr marL="895320" indent="-894600">
+            <a:endParaRPr b="0" lang="en-US" sz="1800" spc="-1" strike="noStrike">
+              <a:latin typeface="Arial"/>
+            </a:endParaRPr>
+          </a:p>
+          <a:p>
+            <a:pPr marL="1566720" indent="-1566000">
               <a:lnSpc>
                 <a:spcPct val="100000"/>
               </a:lnSpc>
               <a:spcBef>
                 <a:spcPts val="879"/>
               </a:spcBef>
-              <a:buClr>
-                <a:srgbClr val="000000"/>
-              </a:buClr>
-              <a:buFont typeface="Arial"/>
-              <a:buChar char="•"/>
-            </a:pPr>
-            <a:r>
-              <a:rPr b="0" lang="en-US" sz="4400" spc="-1" strike="noStrike">
-                <a:solidFill>
-                  <a:srgbClr val="000000"/>
-                </a:solidFill>
-                <a:latin typeface="Arial Narrow"/>
-              </a:rPr>
-              <a:t>Font: Veranda</a:t>
-            </a:r>
-            <a:endParaRPr b="0" lang="en-US" sz="4400" spc="-1" strike="noStrike">
-              <a:latin typeface="Arial"/>
-            </a:endParaRPr>
-          </a:p>
-          <a:p>
-            <a:pPr marL="895320" indent="-894600">
+            </a:pPr>
+            <a:endParaRPr b="0" lang="en-US" sz="1800" spc="-1" strike="noStrike">
+              <a:latin typeface="Arial"/>
+            </a:endParaRPr>
+          </a:p>
+          <a:p>
+            <a:pPr marL="1566720" indent="-1566000">
               <a:lnSpc>
                 <a:spcPct val="100000"/>
               </a:lnSpc>
               <a:spcBef>
                 <a:spcPts val="879"/>
               </a:spcBef>
-              <a:buClr>
-                <a:srgbClr val="000000"/>
-              </a:buClr>
-              <a:buFont typeface="Arial"/>
-              <a:buChar char="•"/>
-            </a:pPr>
-            <a:r>
-              <a:rPr b="0" lang="en-US" sz="4400" spc="-1" strike="noStrike">
-                <a:solidFill>
-                  <a:srgbClr val="000000"/>
-                </a:solidFill>
-                <a:latin typeface="Arial Narrow"/>
-              </a:rPr>
-              <a:t>Font Size: min. 66 pt.</a:t>
-            </a:r>
-            <a:endParaRPr b="0" lang="en-US" sz="4400" spc="-1" strike="noStrike">
-              <a:latin typeface="Arial"/>
-            </a:endParaRPr>
-          </a:p>
-          <a:p>
-            <a:pPr marL="895320" indent="-894600">
-              <a:lnSpc>
-                <a:spcPct val="100000"/>
-              </a:lnSpc>
-              <a:spcBef>
-                <a:spcPts val="879"/>
-              </a:spcBef>
-              <a:buClr>
-                <a:srgbClr val="000000"/>
-              </a:buClr>
-              <a:buFont typeface="Arial"/>
-              <a:buChar char="•"/>
-            </a:pPr>
-            <a:r>
-              <a:rPr b="0" lang="en-US" sz="4400" spc="-1" strike="noStrike">
-                <a:solidFill>
-                  <a:srgbClr val="000000"/>
-                </a:solidFill>
-                <a:latin typeface="Arial Narrow"/>
-              </a:rPr>
-              <a:t>max. 100 characters (including spaces) </a:t>
-            </a:r>
-            <a:endParaRPr b="0" lang="en-US" sz="4400" spc="-1" strike="noStrike">
+            </a:pPr>
+            <a:endParaRPr b="0" lang="en-US" sz="1800" spc="-1" strike="noStrike">
               <a:latin typeface="Arial"/>
             </a:endParaRPr>
           </a:p>
@@ -2254,96 +2127,6 @@
                 <a:spcPts val="879"/>
               </a:spcBef>
             </a:pPr>
-            <a:r>
-              <a:rPr b="1" lang="en-US" sz="4400" spc="-1" strike="noStrike">
-                <a:solidFill>
-                  <a:srgbClr val="000000"/>
-                </a:solidFill>
-                <a:latin typeface="Arial Narrow"/>
-              </a:rPr>
-              <a:t>List of authors</a:t>
-            </a:r>
-            <a:endParaRPr b="0" lang="en-US" sz="4400" spc="-1" strike="noStrike">
-              <a:latin typeface="Arial"/>
-            </a:endParaRPr>
-          </a:p>
-          <a:p>
-            <a:pPr marL="895320" indent="-894600">
-              <a:lnSpc>
-                <a:spcPct val="100000"/>
-              </a:lnSpc>
-              <a:spcBef>
-                <a:spcPts val="879"/>
-              </a:spcBef>
-              <a:buClr>
-                <a:srgbClr val="000000"/>
-              </a:buClr>
-              <a:buFont typeface="Arial"/>
-              <a:buChar char="•"/>
-            </a:pPr>
-            <a:r>
-              <a:rPr b="0" lang="en-US" sz="4400" spc="-1" strike="noStrike">
-                <a:solidFill>
-                  <a:srgbClr val="000000"/>
-                </a:solidFill>
-                <a:latin typeface="Arial Narrow"/>
-              </a:rPr>
-              <a:t>Font: Verdana italic</a:t>
-            </a:r>
-            <a:endParaRPr b="0" lang="en-US" sz="4400" spc="-1" strike="noStrike">
-              <a:latin typeface="Arial"/>
-            </a:endParaRPr>
-          </a:p>
-          <a:p>
-            <a:pPr marL="895320" indent="-894600">
-              <a:lnSpc>
-                <a:spcPct val="100000"/>
-              </a:lnSpc>
-              <a:spcBef>
-                <a:spcPts val="879"/>
-              </a:spcBef>
-              <a:buClr>
-                <a:srgbClr val="000000"/>
-              </a:buClr>
-              <a:buFont typeface="Arial"/>
-              <a:buChar char="•"/>
-            </a:pPr>
-            <a:r>
-              <a:rPr b="0" lang="en-US" sz="4400" spc="-1" strike="noStrike">
-                <a:solidFill>
-                  <a:srgbClr val="000000"/>
-                </a:solidFill>
-                <a:latin typeface="Arial Narrow"/>
-              </a:rPr>
-              <a:t>Font Size: min. 44 pt. (Address of the first author min. 32 pt.) </a:t>
-            </a:r>
-            <a:endParaRPr b="0" lang="en-US" sz="4400" spc="-1" strike="noStrike">
-              <a:latin typeface="Arial"/>
-            </a:endParaRPr>
-          </a:p>
-          <a:p>
-            <a:pPr marL="895320" indent="-894600">
-              <a:lnSpc>
-                <a:spcPct val="100000"/>
-              </a:lnSpc>
-              <a:spcBef>
-                <a:spcPts val="879"/>
-              </a:spcBef>
-              <a:buClr>
-                <a:srgbClr val="000000"/>
-              </a:buClr>
-              <a:buFont typeface="Arial"/>
-              <a:buChar char="•"/>
-            </a:pPr>
-            <a:r>
-              <a:rPr b="0" lang="en-US" sz="4400" spc="-1" strike="noStrike">
-                <a:solidFill>
-                  <a:srgbClr val="000000"/>
-                </a:solidFill>
-                <a:latin typeface="Arial Narrow"/>
-              </a:rPr>
-              <a:t>Please underline the name of the presenting author and give the address of the first author.</a:t>
-            </a:r>
             <a:endParaRPr b="0" lang="en-US" sz="4400" spc="-1" strike="noStrike">
               <a:latin typeface="Arial"/>
             </a:endParaRPr>
@@ -2783,10 +2566,11 @@
               </a:lnSpc>
             </a:pPr>
             <a:r>
-              <a:rPr b="0" i="1" lang="en-US" sz="4400" spc="-1" strike="noStrike">
+              <a:rPr b="0" i="1" lang="en-US" sz="4400" spc="-1" strike="noStrike" u="sng">
                 <a:solidFill>
                   <a:srgbClr val="004a99"/>
                 </a:solidFill>
+                <a:uFillTx/>
                 <a:latin typeface="Verdana"/>
                 <a:ea typeface="DejaVu Sans"/>
               </a:rPr>
@@ -2873,29 +2657,6 @@
           <a:effectRef idx="0"/>
           <a:fontRef idx="minor"/>
         </p:style>
-        <p:txBody>
-          <a:bodyPr lIns="0" rIns="417600" tIns="208800" bIns="208800" anchor="ctr"/>
-          <a:p>
-            <a:pPr algn="r">
-              <a:lnSpc>
-                <a:spcPct val="100000"/>
-              </a:lnSpc>
-            </a:pPr>
-            <a:r>
-              <a:rPr b="1" lang="en-US" sz="4000" spc="-1" strike="noStrike">
-                <a:solidFill>
-                  <a:srgbClr val="004a99"/>
-                </a:solidFill>
-                <a:latin typeface="Verdana"/>
-                <a:ea typeface="DejaVu Sans"/>
-              </a:rPr>
-              <a:t>Please put the logo of your institution here!</a:t>
-            </a:r>
-            <a:endParaRPr b="0" lang="en-US" sz="4000" spc="-1" strike="noStrike">
-              <a:latin typeface="Arial"/>
-            </a:endParaRPr>
-          </a:p>
-        </p:txBody>
       </p:sp>
       <p:sp>
         <p:nvSpPr>
@@ -3047,6 +2808,29 @@
           </a:p>
         </p:txBody>
       </p:sp>
+      <p:pic>
+        <p:nvPicPr>
+          <p:cNvPr id="50" name="" descr=""/>
+          <p:cNvPicPr/>
+          <p:nvPr/>
+        </p:nvPicPr>
+        <p:blipFill>
+          <a:blip r:embed="rId2"/>
+          <a:stretch/>
+        </p:blipFill>
+        <p:spPr>
+          <a:xfrm>
+            <a:off x="20684880" y="1828800"/>
+            <a:ext cx="7517880" cy="2688840"/>
+          </a:xfrm>
+          <a:prstGeom prst="rect">
+            <a:avLst/>
+          </a:prstGeom>
+          <a:ln>
+            <a:noFill/>
+          </a:ln>
+        </p:spPr>
+      </p:pic>
     </p:spTree>
   </p:cSld>
   <p:timing>

--- a/2017-11-23__rostock__forschungscamp/poster.pptx
+++ b/2017-11-23__rostock__forschungscamp/poster.pptx
@@ -1925,7 +1925,7 @@
         </p:nvSpPr>
         <p:spPr>
           <a:xfrm>
-            <a:off x="3006720" y="6606720"/>
+            <a:off x="2934720" y="6606720"/>
             <a:ext cx="24119280" cy="2051640"/>
           </a:xfrm>
           <a:prstGeom prst="rect">
@@ -1973,8 +1973,8 @@
         </p:nvSpPr>
         <p:spPr>
           <a:xfrm>
-            <a:off x="3117240" y="9955080"/>
-            <a:ext cx="24119280" cy="26030160"/>
+            <a:off x="2928960" y="10063080"/>
+            <a:ext cx="11795760" cy="28981800"/>
           </a:xfrm>
           <a:prstGeom prst="rect">
             <a:avLst/>
@@ -1993,146 +1993,29 @@
         <p:txBody>
           <a:bodyPr lIns="0" rIns="0" tIns="208800" bIns="208800"/>
           <a:p>
-            <a:pPr marL="1566720" indent="-1566000">
-              <a:lnSpc>
-                <a:spcPct val="100000"/>
-              </a:lnSpc>
-              <a:spcBef>
-                <a:spcPts val="879"/>
-              </a:spcBef>
-            </a:pPr>
-            <a:endParaRPr b="0" lang="en-US" sz="1800" spc="-1" strike="noStrike">
-              <a:latin typeface="Arial"/>
-            </a:endParaRPr>
-          </a:p>
-          <a:p>
-            <a:pPr marL="1566720" indent="-1566000">
-              <a:lnSpc>
-                <a:spcPct val="100000"/>
-              </a:lnSpc>
-              <a:spcBef>
-                <a:spcPts val="879"/>
-              </a:spcBef>
-            </a:pPr>
-            <a:endParaRPr b="0" lang="en-US" sz="1800" spc="-1" strike="noStrike">
-              <a:latin typeface="Arial"/>
-            </a:endParaRPr>
-          </a:p>
-          <a:p>
-            <a:pPr marL="1566720" indent="-1566000">
-              <a:lnSpc>
-                <a:spcPct val="100000"/>
-              </a:lnSpc>
-              <a:spcBef>
-                <a:spcPts val="879"/>
-              </a:spcBef>
-            </a:pPr>
-            <a:endParaRPr b="0" lang="en-US" sz="1800" spc="-1" strike="noStrike">
-              <a:latin typeface="Arial"/>
-            </a:endParaRPr>
-          </a:p>
-          <a:p>
-            <a:pPr marL="1566720" indent="-1566000">
-              <a:lnSpc>
-                <a:spcPct val="100000"/>
-              </a:lnSpc>
-              <a:spcBef>
-                <a:spcPts val="879"/>
-              </a:spcBef>
-            </a:pPr>
-            <a:endParaRPr b="0" lang="en-US" sz="1800" spc="-1" strike="noStrike">
-              <a:latin typeface="Arial"/>
-            </a:endParaRPr>
-          </a:p>
-          <a:p>
-            <a:pPr marL="1566720" indent="-1566000">
-              <a:lnSpc>
-                <a:spcPct val="100000"/>
-              </a:lnSpc>
-              <a:spcBef>
-                <a:spcPts val="879"/>
-              </a:spcBef>
-            </a:pPr>
-            <a:endParaRPr b="0" lang="en-US" sz="1800" spc="-1" strike="noStrike">
-              <a:latin typeface="Arial"/>
-            </a:endParaRPr>
-          </a:p>
-          <a:p>
-            <a:pPr marL="1566720" indent="-1566000">
-              <a:lnSpc>
-                <a:spcPct val="100000"/>
-              </a:lnSpc>
-              <a:spcBef>
-                <a:spcPts val="879"/>
-              </a:spcBef>
-            </a:pPr>
-            <a:endParaRPr b="0" lang="en-US" sz="1800" spc="-1" strike="noStrike">
-              <a:latin typeface="Arial"/>
-            </a:endParaRPr>
-          </a:p>
-          <a:p>
-            <a:pPr marL="1566720" indent="-1566000">
-              <a:lnSpc>
-                <a:spcPct val="100000"/>
-              </a:lnSpc>
-              <a:spcBef>
-                <a:spcPts val="879"/>
-              </a:spcBef>
-            </a:pPr>
-            <a:endParaRPr b="0" lang="en-US" sz="1800" spc="-1" strike="noStrike">
-              <a:latin typeface="Arial"/>
-            </a:endParaRPr>
-          </a:p>
-          <a:p>
-            <a:pPr marL="1566720" indent="-1566000">
-              <a:lnSpc>
-                <a:spcPct val="100000"/>
-              </a:lnSpc>
-              <a:spcBef>
-                <a:spcPts val="879"/>
-              </a:spcBef>
-            </a:pPr>
-            <a:endParaRPr b="0" lang="en-US" sz="1800" spc="-1" strike="noStrike">
-              <a:latin typeface="Arial"/>
-            </a:endParaRPr>
-          </a:p>
-          <a:p>
-            <a:pPr marL="1566720" indent="-1566000">
-              <a:lnSpc>
-                <a:spcPct val="100000"/>
-              </a:lnSpc>
-              <a:spcBef>
-                <a:spcPts val="879"/>
-              </a:spcBef>
-            </a:pPr>
-            <a:r>
-              <a:rPr b="0" lang="en-US" sz="4400" spc="-1" strike="noStrike">
+            <a:pPr algn="just">
+              <a:lnSpc>
+                <a:spcPct val="100000"/>
+              </a:lnSpc>
+              <a:spcBef>
+                <a:spcPts val="879"/>
+              </a:spcBef>
+            </a:pPr>
+            <a:r>
+              <a:rPr b="1" lang="en-US" sz="5400" spc="-1" strike="noStrike">
                 <a:solidFill>
                   <a:srgbClr val="000000"/>
                 </a:solidFill>
                 <a:latin typeface="Arial Narrow"/>
               </a:rPr>
-              <a:t> </a:t>
-            </a:r>
-            <a:endParaRPr b="0" lang="en-US" sz="4400" spc="-1" strike="noStrike">
-              <a:latin typeface="Arial"/>
-            </a:endParaRPr>
-          </a:p>
-          <a:p>
-            <a:pPr marL="1566720" indent="-1566000">
-              <a:lnSpc>
-                <a:spcPct val="100000"/>
-              </a:lnSpc>
-              <a:spcBef>
-                <a:spcPts val="879"/>
-              </a:spcBef>
-            </a:pPr>
-            <a:endParaRPr b="0" lang="en-US" sz="4400" spc="-1" strike="noStrike">
-              <a:latin typeface="Arial"/>
-            </a:endParaRPr>
-          </a:p>
-          <a:p>
-            <a:pPr marL="1566720" indent="-1566000">
+              <a:t>Introduction</a:t>
+            </a:r>
+            <a:endParaRPr b="0" lang="en-US" sz="5400" spc="-1" strike="noStrike">
+              <a:latin typeface="Arial"/>
+            </a:endParaRPr>
+          </a:p>
+          <a:p>
+            <a:pPr algn="just">
               <a:lnSpc>
                 <a:spcPct val="100000"/>
               </a:lnSpc>
@@ -2147,36 +2030,49 @@
                 </a:solidFill>
                 <a:latin typeface="Arial Narrow"/>
               </a:rPr>
-              <a:t> </a:t>
-            </a:r>
-            <a:endParaRPr b="0" lang="en-US" sz="4400" spc="-1" strike="noStrike">
-              <a:latin typeface="Arial"/>
-            </a:endParaRPr>
-          </a:p>
-          <a:p>
-            <a:pPr marL="1566720" indent="-1566000">
-              <a:lnSpc>
-                <a:spcPct val="100000"/>
-              </a:lnSpc>
-              <a:spcBef>
-                <a:spcPts val="879"/>
-              </a:spcBef>
-            </a:pPr>
-            <a:r>
-              <a:rPr b="1" lang="en-US" sz="4400" spc="-1" strike="noStrike">
+              <a:t>The Galaxy community is promoting RNA-Seq protocols and best practices through the reuse of existing tools, and the consolidation of a Training Network to provide guidance to researchers through example datasets, tutorials, and interactive tours. However, the more tools and techniques are showcased, the more complex the options for tool chaining and parametrization become.</a:t>
+            </a:r>
+            <a:endParaRPr b="0" lang="en-US" sz="4400" spc="-1" strike="noStrike">
+              <a:latin typeface="Arial"/>
+            </a:endParaRPr>
+          </a:p>
+          <a:p>
+            <a:pPr algn="just">
+              <a:lnSpc>
+                <a:spcPct val="100000"/>
+              </a:lnSpc>
+              <a:spcBef>
+                <a:spcPts val="879"/>
+              </a:spcBef>
+            </a:pPr>
+            <a:endParaRPr b="0" lang="en-US" sz="4400" spc="-1" strike="noStrike">
+              <a:latin typeface="Arial"/>
+            </a:endParaRPr>
+          </a:p>
+          <a:p>
+            <a:pPr algn="just">
+              <a:lnSpc>
+                <a:spcPct val="100000"/>
+              </a:lnSpc>
+              <a:spcBef>
+                <a:spcPts val="879"/>
+              </a:spcBef>
+            </a:pPr>
+            <a:r>
+              <a:rPr b="1" lang="en-US" sz="5400" spc="-1" strike="noStrike">
                 <a:solidFill>
                   <a:srgbClr val="000000"/>
                 </a:solidFill>
                 <a:latin typeface="Arial Narrow"/>
               </a:rPr>
-              <a:t>Poster Content</a:t>
-            </a:r>
-            <a:endParaRPr b="0" lang="en-US" sz="4400" spc="-1" strike="noStrike">
-              <a:latin typeface="Arial"/>
-            </a:endParaRPr>
-          </a:p>
-          <a:p>
-            <a:pPr marL="895320" indent="-894600">
+              <a:t>Objectives</a:t>
+            </a:r>
+            <a:endParaRPr b="0" lang="en-US" sz="5400" spc="-1" strike="noStrike">
+              <a:latin typeface="Arial"/>
+            </a:endParaRPr>
+          </a:p>
+          <a:p>
+            <a:pPr marL="895320" indent="-894600" algn="just">
               <a:lnSpc>
                 <a:spcPct val="100000"/>
               </a:lnSpc>
@@ -2196,14 +2092,14 @@
                 </a:solidFill>
                 <a:latin typeface="Arial Narrow"/>
               </a:rPr>
-              <a:t>The text should be limited to brief statements.</a:t>
-            </a:r>
-            <a:endParaRPr b="0" lang="en-US" sz="4400" spc="-1" strike="noStrike">
-              <a:latin typeface="Arial"/>
-            </a:endParaRPr>
-          </a:p>
-          <a:p>
-            <a:pPr marL="895320" indent="-894600">
+              <a:t>Assist researchers in carrying out their analyses</a:t>
+            </a:r>
+            <a:endParaRPr b="0" lang="en-US" sz="4400" spc="-1" strike="noStrike">
+              <a:latin typeface="Arial"/>
+            </a:endParaRPr>
+          </a:p>
+          <a:p>
+            <a:pPr marL="895320" indent="-894600" algn="just">
               <a:lnSpc>
                 <a:spcPct val="100000"/>
               </a:lnSpc>
@@ -2223,14 +2119,14 @@
                 </a:solidFill>
                 <a:latin typeface="Arial Narrow"/>
               </a:rPr>
-              <a:t>Font: Arial Narrow</a:t>
-            </a:r>
-            <a:endParaRPr b="0" lang="en-US" sz="4400" spc="-1" strike="noStrike">
-              <a:latin typeface="Arial"/>
-            </a:endParaRPr>
-          </a:p>
-          <a:p>
-            <a:pPr marL="895320" indent="-894600">
+              <a:t>Integrate the Galaxy framework with an interactive recommendation system leveraging on community consolidated best practices as well as EDAM-annotated tools</a:t>
+            </a:r>
+            <a:endParaRPr b="0" lang="en-US" sz="4400" spc="-1" strike="noStrike">
+              <a:latin typeface="Arial"/>
+            </a:endParaRPr>
+          </a:p>
+          <a:p>
+            <a:pPr marL="895320" indent="-894600" algn="just">
               <a:lnSpc>
                 <a:spcPct val="100000"/>
               </a:lnSpc>
@@ -2250,14 +2146,14 @@
                 </a:solidFill>
                 <a:latin typeface="Arial Narrow"/>
               </a:rPr>
-              <a:t>Font Size: min. 44 pt.</a:t>
-            </a:r>
-            <a:endParaRPr b="0" lang="en-US" sz="4400" spc="-1" strike="noStrike">
-              <a:latin typeface="Arial"/>
-            </a:endParaRPr>
-          </a:p>
-          <a:p>
-            <a:pPr marL="895320" indent="-894600">
+              <a:t>Promote the adoption of well established pipelines</a:t>
+            </a:r>
+            <a:endParaRPr b="0" lang="en-US" sz="4400" spc="-1" strike="noStrike">
+              <a:latin typeface="Arial"/>
+            </a:endParaRPr>
+          </a:p>
+          <a:p>
+            <a:pPr marL="895320" indent="-894600" algn="just">
               <a:lnSpc>
                 <a:spcPct val="100000"/>
               </a:lnSpc>
@@ -2277,14 +2173,14 @@
                 </a:solidFill>
                 <a:latin typeface="Arial Narrow"/>
               </a:rPr>
-              <a:t>max. 4.000 characters (including spaces) </a:t>
-            </a:r>
-            <a:endParaRPr b="0" lang="en-US" sz="4400" spc="-1" strike="noStrike">
-              <a:latin typeface="Arial"/>
-            </a:endParaRPr>
-          </a:p>
-          <a:p>
-            <a:pPr marL="895320" indent="-894600">
+              <a:t>Allow room for experimental tools</a:t>
+            </a:r>
+            <a:endParaRPr b="0" lang="en-US" sz="4400" spc="-1" strike="noStrike">
+              <a:latin typeface="Arial"/>
+            </a:endParaRPr>
+          </a:p>
+          <a:p>
+            <a:pPr marL="895320" indent="-894600" algn="just">
               <a:lnSpc>
                 <a:spcPct val="100000"/>
               </a:lnSpc>
@@ -2304,181 +2200,57 @@
                 </a:solidFill>
                 <a:latin typeface="Arial Narrow"/>
               </a:rPr>
-              <a:t>Structure: Introduction, Objective, Material &amp; Methods, Results, Discussion, Conclusion</a:t>
-            </a:r>
-            <a:endParaRPr b="0" lang="en-US" sz="4400" spc="-1" strike="noStrike">
-              <a:latin typeface="Arial"/>
-            </a:endParaRPr>
-          </a:p>
-          <a:p>
-            <a:pPr marL="895320" indent="-894600">
-              <a:lnSpc>
-                <a:spcPct val="100000"/>
-              </a:lnSpc>
-              <a:spcBef>
-                <a:spcPts val="879"/>
-              </a:spcBef>
-              <a:buClr>
-                <a:srgbClr val="000000"/>
-              </a:buClr>
-              <a:buFont typeface="Arial"/>
-              <a:buChar char="•"/>
-            </a:pPr>
-            <a:r>
-              <a:rPr b="0" lang="en-US" sz="4400" spc="-1" strike="noStrike">
+              <a:t>Consolidate protocols and reproducibility</a:t>
+            </a:r>
+            <a:endParaRPr b="0" lang="en-US" sz="4400" spc="-1" strike="noStrike">
+              <a:latin typeface="Arial"/>
+            </a:endParaRPr>
+          </a:p>
+          <a:p>
+            <a:pPr algn="just">
+              <a:lnSpc>
+                <a:spcPct val="100000"/>
+              </a:lnSpc>
+              <a:spcBef>
+                <a:spcPts val="879"/>
+              </a:spcBef>
+            </a:pPr>
+            <a:endParaRPr b="0" lang="en-US" sz="4400" spc="-1" strike="noStrike">
+              <a:latin typeface="Arial"/>
+            </a:endParaRPr>
+          </a:p>
+          <a:p>
+            <a:pPr algn="just">
+              <a:lnSpc>
+                <a:spcPct val="100000"/>
+              </a:lnSpc>
+              <a:spcBef>
+                <a:spcPts val="879"/>
+              </a:spcBef>
+            </a:pPr>
+            <a:r>
+              <a:rPr b="1" lang="en-US" sz="5400" spc="-1" strike="noStrike">
                 <a:solidFill>
                   <a:srgbClr val="000000"/>
                 </a:solidFill>
                 <a:latin typeface="Arial Narrow"/>
               </a:rPr>
-              <a:t>The use of figures as well as tables is very welcome. Please make sure that the font size of their description is sufficient.</a:t>
-            </a:r>
-            <a:endParaRPr b="0" lang="en-US" sz="4400" spc="-1" strike="noStrike">
-              <a:latin typeface="Arial"/>
-            </a:endParaRPr>
-          </a:p>
-          <a:p>
-            <a:pPr marL="1566720" indent="-1566000">
-              <a:lnSpc>
-                <a:spcPct val="100000"/>
-              </a:lnSpc>
-              <a:spcBef>
-                <a:spcPts val="879"/>
-              </a:spcBef>
-            </a:pPr>
-            <a:r>
-              <a:rPr b="1" lang="en-US" sz="4400" spc="-1" strike="noStrike">
-                <a:solidFill>
-                  <a:srgbClr val="000000"/>
-                </a:solidFill>
-                <a:latin typeface="Arial Narrow"/>
-              </a:rPr>
-              <a:t> </a:t>
-            </a:r>
-            <a:endParaRPr b="0" lang="en-US" sz="4400" spc="-1" strike="noStrike">
-              <a:latin typeface="Arial"/>
-            </a:endParaRPr>
-          </a:p>
-          <a:p>
-            <a:pPr marL="1566720" indent="-1566000">
-              <a:lnSpc>
-                <a:spcPct val="100000"/>
-              </a:lnSpc>
-              <a:spcBef>
-                <a:spcPts val="879"/>
-              </a:spcBef>
-            </a:pPr>
-            <a:r>
-              <a:rPr b="1" lang="en-US" sz="4400" spc="-1" strike="noStrike">
-                <a:solidFill>
-                  <a:srgbClr val="000000"/>
-                </a:solidFill>
-                <a:latin typeface="Arial Narrow"/>
-              </a:rPr>
-              <a:t>Tagging</a:t>
-            </a:r>
-            <a:endParaRPr b="0" lang="en-US" sz="4400" spc="-1" strike="noStrike">
-              <a:latin typeface="Arial"/>
-            </a:endParaRPr>
-          </a:p>
-          <a:p>
-            <a:pPr marL="895320" indent="-894600">
-              <a:lnSpc>
-                <a:spcPct val="100000"/>
-              </a:lnSpc>
-              <a:spcBef>
-                <a:spcPts val="879"/>
-              </a:spcBef>
-              <a:buClr>
-                <a:srgbClr val="000000"/>
-              </a:buClr>
-              <a:buFont typeface="Arial"/>
-              <a:buChar char="•"/>
-            </a:pPr>
-            <a:r>
-              <a:rPr b="0" lang="en-US" sz="4400" spc="-1" strike="noStrike">
-                <a:solidFill>
-                  <a:srgbClr val="000000"/>
-                </a:solidFill>
-                <a:latin typeface="Arial Narrow"/>
-              </a:rPr>
-              <a:t>Please list the professional and popular science keywords from your application for a hashtag line in the footer of your poster. Write an double cross in front of each keyword without a space character (see the examples below).</a:t>
-            </a:r>
-            <a:endParaRPr b="0" lang="en-US" sz="4400" spc="-1" strike="noStrike">
-              <a:latin typeface="Arial"/>
-            </a:endParaRPr>
-          </a:p>
-          <a:p>
-            <a:pPr marL="895320" indent="-894600">
-              <a:lnSpc>
-                <a:spcPct val="100000"/>
-              </a:lnSpc>
-              <a:spcBef>
-                <a:spcPts val="879"/>
-              </a:spcBef>
-              <a:buClr>
-                <a:srgbClr val="000000"/>
-              </a:buClr>
-              <a:buFont typeface="Arial"/>
-              <a:buChar char="•"/>
-            </a:pPr>
-            <a:r>
-              <a:rPr b="0" lang="en-US" sz="4400" spc="-1" strike="noStrike">
-                <a:solidFill>
-                  <a:srgbClr val="000000"/>
-                </a:solidFill>
-                <a:latin typeface="Arial Narrow"/>
-              </a:rPr>
-              <a:t>Font: Verdana</a:t>
-            </a:r>
-            <a:endParaRPr b="0" lang="en-US" sz="4400" spc="-1" strike="noStrike">
-              <a:latin typeface="Arial"/>
-            </a:endParaRPr>
-          </a:p>
-          <a:p>
-            <a:pPr marL="895320" indent="-894600">
-              <a:lnSpc>
-                <a:spcPct val="100000"/>
-              </a:lnSpc>
-              <a:spcBef>
-                <a:spcPts val="879"/>
-              </a:spcBef>
-              <a:buClr>
-                <a:srgbClr val="000000"/>
-              </a:buClr>
-              <a:buFont typeface="Arial"/>
-              <a:buChar char="•"/>
-            </a:pPr>
-            <a:r>
-              <a:rPr b="0" lang="en-US" sz="4400" spc="-1" strike="noStrike">
-                <a:solidFill>
-                  <a:srgbClr val="000000"/>
-                </a:solidFill>
-                <a:latin typeface="Arial Narrow"/>
-              </a:rPr>
-              <a:t>Font Size: 44 pt.</a:t>
-            </a:r>
-            <a:endParaRPr b="0" lang="en-US" sz="4400" spc="-1" strike="noStrike">
-              <a:latin typeface="Arial"/>
-            </a:endParaRPr>
-          </a:p>
-          <a:p>
-            <a:pPr>
-              <a:lnSpc>
-                <a:spcPct val="100000"/>
-              </a:lnSpc>
-            </a:pPr>
-            <a:endParaRPr b="0" lang="en-US" sz="4400" spc="-1" strike="noStrike">
-              <a:latin typeface="Arial"/>
-            </a:endParaRPr>
-          </a:p>
-          <a:p>
-            <a:pPr>
-              <a:lnSpc>
-                <a:spcPct val="100000"/>
-              </a:lnSpc>
-            </a:pPr>
-            <a:endParaRPr b="0" lang="en-US" sz="4400" spc="-1" strike="noStrike">
+              <a:t>Materials and Methods</a:t>
+            </a:r>
+            <a:endParaRPr b="0" lang="en-US" sz="5400" spc="-1" strike="noStrike">
+              <a:latin typeface="Arial"/>
+            </a:endParaRPr>
+          </a:p>
+          <a:p>
+            <a:pPr algn="just">
+              <a:lnSpc>
+                <a:spcPct val="100000"/>
+              </a:lnSpc>
+              <a:spcBef>
+                <a:spcPts val="879"/>
+              </a:spcBef>
+            </a:pPr>
+            <a:endParaRPr b="0" lang="en-US" sz="5400" spc="-1" strike="noStrike">
               <a:latin typeface="Arial"/>
             </a:endParaRPr>
           </a:p>
@@ -2540,7 +2312,7 @@
         </p:nvSpPr>
         <p:spPr>
           <a:xfrm>
-            <a:off x="3006720" y="8118720"/>
+            <a:off x="2934720" y="8298720"/>
             <a:ext cx="24119280" cy="1583280"/>
           </a:xfrm>
           <a:prstGeom prst="rect">
@@ -2722,7 +2494,7 @@
         </p:blipFill>
         <p:spPr>
           <a:xfrm>
-            <a:off x="18937800" y="10159200"/>
+            <a:off x="17726040" y="25511760"/>
             <a:ext cx="8242920" cy="5879880"/>
           </a:xfrm>
           <a:prstGeom prst="rect">
@@ -2741,7 +2513,7 @@
         </p:nvSpPr>
         <p:spPr>
           <a:xfrm>
-            <a:off x="18883080" y="16219800"/>
+            <a:off x="17647920" y="31391640"/>
             <a:ext cx="8242920" cy="1570320"/>
           </a:xfrm>
           <a:prstGeom prst="rect">
@@ -2831,6 +2603,1345 @@
           </a:ln>
         </p:spPr>
       </p:pic>
+      <p:sp>
+        <p:nvSpPr>
+          <p:cNvPr id="51" name="CustomShape 9"/>
+          <p:cNvSpPr/>
+          <p:nvPr/>
+        </p:nvSpPr>
+        <p:spPr>
+          <a:xfrm>
+            <a:off x="15475680" y="9969840"/>
+            <a:ext cx="11795760" cy="26030160"/>
+          </a:xfrm>
+          <a:prstGeom prst="rect">
+            <a:avLst/>
+          </a:prstGeom>
+          <a:noFill/>
+          <a:ln w="9360">
+            <a:noFill/>
+          </a:ln>
+        </p:spPr>
+        <p:style>
+          <a:lnRef idx="0"/>
+          <a:fillRef idx="0"/>
+          <a:effectRef idx="0"/>
+          <a:fontRef idx="minor"/>
+        </p:style>
+        <p:txBody>
+          <a:bodyPr lIns="0" rIns="0" tIns="208800" bIns="208800"/>
+          <a:p>
+            <a:pPr algn="just">
+              <a:lnSpc>
+                <a:spcPct val="100000"/>
+              </a:lnSpc>
+              <a:spcBef>
+                <a:spcPts val="879"/>
+              </a:spcBef>
+            </a:pPr>
+            <a:r>
+              <a:rPr b="1" lang="en-US" sz="5400" spc="-1" strike="noStrike">
+                <a:solidFill>
+                  <a:srgbClr val="000000"/>
+                </a:solidFill>
+                <a:latin typeface="Arial Narrow"/>
+              </a:rPr>
+              <a:t>Introduction</a:t>
+            </a:r>
+            <a:endParaRPr b="0" lang="en-US" sz="5400" spc="-1" strike="noStrike">
+              <a:latin typeface="Arial"/>
+            </a:endParaRPr>
+          </a:p>
+          <a:p>
+            <a:pPr algn="just">
+              <a:lnSpc>
+                <a:spcPct val="100000"/>
+              </a:lnSpc>
+              <a:spcBef>
+                <a:spcPts val="879"/>
+              </a:spcBef>
+            </a:pPr>
+            <a:r>
+              <a:rPr b="0" lang="en-US" sz="4400" spc="-1" strike="noStrike">
+                <a:solidFill>
+                  <a:srgbClr val="000000"/>
+                </a:solidFill>
+                <a:latin typeface="Arial Narrow"/>
+              </a:rPr>
+              <a:t>The Galaxy community is promoting RNA-Seq protocols and best practices through the reuse of existing tools, and the consolidation of a Training Network to provide guidance to researchers through example datasets, tutorials, and interactive tours. However, the more tools and techniques are showcased, the more complex the options for tool chaining and parametrization become.</a:t>
+            </a:r>
+            <a:endParaRPr b="0" lang="en-US" sz="4400" spc="-1" strike="noStrike">
+              <a:latin typeface="Arial"/>
+            </a:endParaRPr>
+          </a:p>
+          <a:p>
+            <a:pPr algn="just">
+              <a:lnSpc>
+                <a:spcPct val="100000"/>
+              </a:lnSpc>
+              <a:spcBef>
+                <a:spcPts val="879"/>
+              </a:spcBef>
+            </a:pPr>
+            <a:endParaRPr b="0" lang="en-US" sz="4400" spc="-1" strike="noStrike">
+              <a:latin typeface="Arial"/>
+            </a:endParaRPr>
+          </a:p>
+          <a:p>
+            <a:pPr algn="just">
+              <a:lnSpc>
+                <a:spcPct val="100000"/>
+              </a:lnSpc>
+              <a:spcBef>
+                <a:spcPts val="879"/>
+              </a:spcBef>
+            </a:pPr>
+            <a:r>
+              <a:rPr b="1" lang="en-US" sz="5400" spc="-1" strike="noStrike">
+                <a:solidFill>
+                  <a:srgbClr val="000000"/>
+                </a:solidFill>
+                <a:latin typeface="Arial Narrow"/>
+              </a:rPr>
+              <a:t>Objectives</a:t>
+            </a:r>
+            <a:endParaRPr b="0" lang="en-US" sz="5400" spc="-1" strike="noStrike">
+              <a:latin typeface="Arial"/>
+            </a:endParaRPr>
+          </a:p>
+          <a:p>
+            <a:pPr marL="895320" indent="-894600" algn="just">
+              <a:lnSpc>
+                <a:spcPct val="100000"/>
+              </a:lnSpc>
+              <a:spcBef>
+                <a:spcPts val="879"/>
+              </a:spcBef>
+              <a:buClr>
+                <a:srgbClr val="000000"/>
+              </a:buClr>
+              <a:buFont typeface="Arial"/>
+              <a:buChar char="•"/>
+            </a:pPr>
+            <a:r>
+              <a:rPr b="0" lang="en-US" sz="4400" spc="-1" strike="noStrike">
+                <a:solidFill>
+                  <a:srgbClr val="000000"/>
+                </a:solidFill>
+                <a:latin typeface="Arial Narrow"/>
+              </a:rPr>
+              <a:t>Assist researchers in carrying out their analyses</a:t>
+            </a:r>
+            <a:endParaRPr b="0" lang="en-US" sz="4400" spc="-1" strike="noStrike">
+              <a:latin typeface="Arial"/>
+            </a:endParaRPr>
+          </a:p>
+          <a:p>
+            <a:pPr marL="895320" indent="-894600" algn="just">
+              <a:lnSpc>
+                <a:spcPct val="100000"/>
+              </a:lnSpc>
+              <a:spcBef>
+                <a:spcPts val="879"/>
+              </a:spcBef>
+              <a:buClr>
+                <a:srgbClr val="000000"/>
+              </a:buClr>
+              <a:buFont typeface="Arial"/>
+              <a:buChar char="•"/>
+            </a:pPr>
+            <a:r>
+              <a:rPr b="0" lang="en-US" sz="4400" spc="-1" strike="noStrike">
+                <a:solidFill>
+                  <a:srgbClr val="000000"/>
+                </a:solidFill>
+                <a:latin typeface="Arial Narrow"/>
+              </a:rPr>
+              <a:t>Integrate the Galaxy framework with an interactive recommendation system leveraging on community consolidated best practices as well as EDAM-annotated tools</a:t>
+            </a:r>
+            <a:endParaRPr b="0" lang="en-US" sz="4400" spc="-1" strike="noStrike">
+              <a:latin typeface="Arial"/>
+            </a:endParaRPr>
+          </a:p>
+          <a:p>
+            <a:pPr marL="895320" indent="-894600" algn="just">
+              <a:lnSpc>
+                <a:spcPct val="100000"/>
+              </a:lnSpc>
+              <a:spcBef>
+                <a:spcPts val="879"/>
+              </a:spcBef>
+              <a:buClr>
+                <a:srgbClr val="000000"/>
+              </a:buClr>
+              <a:buFont typeface="Arial"/>
+              <a:buChar char="•"/>
+            </a:pPr>
+            <a:r>
+              <a:rPr b="0" lang="en-US" sz="4400" spc="-1" strike="noStrike">
+                <a:solidFill>
+                  <a:srgbClr val="000000"/>
+                </a:solidFill>
+                <a:latin typeface="Arial Narrow"/>
+              </a:rPr>
+              <a:t>Promote the adoption of well established pipelines</a:t>
+            </a:r>
+            <a:endParaRPr b="0" lang="en-US" sz="4400" spc="-1" strike="noStrike">
+              <a:latin typeface="Arial"/>
+            </a:endParaRPr>
+          </a:p>
+          <a:p>
+            <a:pPr marL="895320" indent="-894600" algn="just">
+              <a:lnSpc>
+                <a:spcPct val="100000"/>
+              </a:lnSpc>
+              <a:spcBef>
+                <a:spcPts val="879"/>
+              </a:spcBef>
+              <a:buClr>
+                <a:srgbClr val="000000"/>
+              </a:buClr>
+              <a:buFont typeface="Arial"/>
+              <a:buChar char="•"/>
+            </a:pPr>
+            <a:r>
+              <a:rPr b="0" lang="en-US" sz="4400" spc="-1" strike="noStrike">
+                <a:solidFill>
+                  <a:srgbClr val="000000"/>
+                </a:solidFill>
+                <a:latin typeface="Arial Narrow"/>
+              </a:rPr>
+              <a:t>Allow room for experimental tools</a:t>
+            </a:r>
+            <a:endParaRPr b="0" lang="en-US" sz="4400" spc="-1" strike="noStrike">
+              <a:latin typeface="Arial"/>
+            </a:endParaRPr>
+          </a:p>
+          <a:p>
+            <a:pPr marL="895320" indent="-894600" algn="just">
+              <a:lnSpc>
+                <a:spcPct val="100000"/>
+              </a:lnSpc>
+              <a:spcBef>
+                <a:spcPts val="879"/>
+              </a:spcBef>
+              <a:buClr>
+                <a:srgbClr val="000000"/>
+              </a:buClr>
+              <a:buFont typeface="Arial"/>
+              <a:buChar char="•"/>
+            </a:pPr>
+            <a:r>
+              <a:rPr b="0" lang="en-US" sz="4400" spc="-1" strike="noStrike">
+                <a:solidFill>
+                  <a:srgbClr val="000000"/>
+                </a:solidFill>
+                <a:latin typeface="Arial Narrow"/>
+              </a:rPr>
+              <a:t>Consolidate protocols and reproducibility</a:t>
+            </a:r>
+            <a:endParaRPr b="0" lang="en-US" sz="4400" spc="-1" strike="noStrike">
+              <a:latin typeface="Arial"/>
+            </a:endParaRPr>
+          </a:p>
+          <a:p>
+            <a:pPr algn="just">
+              <a:lnSpc>
+                <a:spcPct val="100000"/>
+              </a:lnSpc>
+              <a:spcBef>
+                <a:spcPts val="879"/>
+              </a:spcBef>
+            </a:pPr>
+            <a:endParaRPr b="0" lang="en-US" sz="4400" spc="-1" strike="noStrike">
+              <a:latin typeface="Arial"/>
+            </a:endParaRPr>
+          </a:p>
+          <a:p>
+            <a:pPr algn="just">
+              <a:lnSpc>
+                <a:spcPct val="100000"/>
+              </a:lnSpc>
+              <a:spcBef>
+                <a:spcPts val="879"/>
+              </a:spcBef>
+            </a:pPr>
+            <a:endParaRPr b="0" lang="en-US" sz="4400" spc="-1" strike="noStrike">
+              <a:latin typeface="Arial"/>
+            </a:endParaRPr>
+          </a:p>
+          <a:p>
+            <a:pPr algn="just">
+              <a:lnSpc>
+                <a:spcPct val="100000"/>
+              </a:lnSpc>
+              <a:spcBef>
+                <a:spcPts val="879"/>
+              </a:spcBef>
+            </a:pPr>
+            <a:endParaRPr b="0" lang="en-US" sz="4400" spc="-1" strike="noStrike">
+              <a:latin typeface="Arial"/>
+            </a:endParaRPr>
+          </a:p>
+          <a:p>
+            <a:pPr algn="just">
+              <a:lnSpc>
+                <a:spcPct val="100000"/>
+              </a:lnSpc>
+              <a:spcBef>
+                <a:spcPts val="879"/>
+              </a:spcBef>
+            </a:pPr>
+            <a:endParaRPr b="0" lang="en-US" sz="4400" spc="-1" strike="noStrike">
+              <a:latin typeface="Arial"/>
+            </a:endParaRPr>
+          </a:p>
+          <a:p>
+            <a:pPr algn="just">
+              <a:lnSpc>
+                <a:spcPct val="100000"/>
+              </a:lnSpc>
+              <a:spcBef>
+                <a:spcPts val="879"/>
+              </a:spcBef>
+            </a:pPr>
+            <a:endParaRPr b="0" lang="en-US" sz="4400" spc="-1" strike="noStrike">
+              <a:latin typeface="Arial"/>
+            </a:endParaRPr>
+          </a:p>
+          <a:p>
+            <a:pPr algn="just">
+              <a:lnSpc>
+                <a:spcPct val="100000"/>
+              </a:lnSpc>
+              <a:spcBef>
+                <a:spcPts val="879"/>
+              </a:spcBef>
+            </a:pPr>
+            <a:endParaRPr b="0" lang="en-US" sz="4400" spc="-1" strike="noStrike">
+              <a:latin typeface="Arial"/>
+            </a:endParaRPr>
+          </a:p>
+          <a:p>
+            <a:pPr algn="just">
+              <a:lnSpc>
+                <a:spcPct val="100000"/>
+              </a:lnSpc>
+              <a:spcBef>
+                <a:spcPts val="879"/>
+              </a:spcBef>
+            </a:pPr>
+            <a:endParaRPr b="0" lang="en-US" sz="4400" spc="-1" strike="noStrike">
+              <a:latin typeface="Arial"/>
+            </a:endParaRPr>
+          </a:p>
+          <a:p>
+            <a:pPr algn="just">
+              <a:lnSpc>
+                <a:spcPct val="100000"/>
+              </a:lnSpc>
+              <a:spcBef>
+                <a:spcPts val="879"/>
+              </a:spcBef>
+            </a:pPr>
+            <a:endParaRPr b="0" lang="en-US" sz="4400" spc="-1" strike="noStrike">
+              <a:latin typeface="Arial"/>
+            </a:endParaRPr>
+          </a:p>
+          <a:p>
+            <a:pPr algn="just">
+              <a:lnSpc>
+                <a:spcPct val="100000"/>
+              </a:lnSpc>
+              <a:spcBef>
+                <a:spcPts val="879"/>
+              </a:spcBef>
+            </a:pPr>
+            <a:endParaRPr b="0" lang="en-US" sz="4400" spc="-1" strike="noStrike">
+              <a:latin typeface="Arial"/>
+            </a:endParaRPr>
+          </a:p>
+          <a:p>
+            <a:pPr algn="just">
+              <a:lnSpc>
+                <a:spcPct val="100000"/>
+              </a:lnSpc>
+              <a:spcBef>
+                <a:spcPts val="879"/>
+              </a:spcBef>
+            </a:pPr>
+            <a:r>
+              <a:rPr b="0" lang="en-US" sz="4400" spc="-1" strike="noStrike">
+                <a:solidFill>
+                  <a:srgbClr val="000000"/>
+                </a:solidFill>
+                <a:latin typeface="Arial Narrow"/>
+              </a:rPr>
+              <a:t> </a:t>
+            </a:r>
+            <a:endParaRPr b="0" lang="en-US" sz="4400" spc="-1" strike="noStrike">
+              <a:latin typeface="Arial"/>
+            </a:endParaRPr>
+          </a:p>
+          <a:p>
+            <a:pPr algn="just">
+              <a:lnSpc>
+                <a:spcPct val="100000"/>
+              </a:lnSpc>
+              <a:spcBef>
+                <a:spcPts val="879"/>
+              </a:spcBef>
+            </a:pPr>
+            <a:endParaRPr b="0" lang="en-US" sz="4400" spc="-1" strike="noStrike">
+              <a:latin typeface="Arial"/>
+            </a:endParaRPr>
+          </a:p>
+          <a:p>
+            <a:pPr algn="just">
+              <a:lnSpc>
+                <a:spcPct val="100000"/>
+              </a:lnSpc>
+              <a:spcBef>
+                <a:spcPts val="879"/>
+              </a:spcBef>
+            </a:pPr>
+            <a:endParaRPr b="0" lang="en-US" sz="4400" spc="-1" strike="noStrike">
+              <a:latin typeface="Arial"/>
+            </a:endParaRPr>
+          </a:p>
+          <a:p>
+            <a:pPr marL="1566720" indent="-1566000">
+              <a:lnSpc>
+                <a:spcPct val="100000"/>
+              </a:lnSpc>
+              <a:spcBef>
+                <a:spcPts val="879"/>
+              </a:spcBef>
+            </a:pPr>
+            <a:r>
+              <a:rPr b="1" lang="en-US" sz="4400" spc="-1" strike="noStrike">
+                <a:solidFill>
+                  <a:srgbClr val="000000"/>
+                </a:solidFill>
+                <a:latin typeface="Arial Narrow"/>
+              </a:rPr>
+              <a:t>Poster Content</a:t>
+            </a:r>
+            <a:endParaRPr b="0" lang="en-US" sz="4400" spc="-1" strike="noStrike">
+              <a:latin typeface="Arial"/>
+            </a:endParaRPr>
+          </a:p>
+          <a:p>
+            <a:pPr marL="895320" indent="-894600">
+              <a:lnSpc>
+                <a:spcPct val="100000"/>
+              </a:lnSpc>
+              <a:spcBef>
+                <a:spcPts val="879"/>
+              </a:spcBef>
+              <a:buClr>
+                <a:srgbClr val="000000"/>
+              </a:buClr>
+              <a:buFont typeface="Arial"/>
+              <a:buChar char="•"/>
+            </a:pPr>
+            <a:r>
+              <a:rPr b="0" lang="en-US" sz="4400" spc="-1" strike="noStrike">
+                <a:solidFill>
+                  <a:srgbClr val="000000"/>
+                </a:solidFill>
+                <a:latin typeface="Arial Narrow"/>
+              </a:rPr>
+              <a:t>The text should be limited to brief statements.</a:t>
+            </a:r>
+            <a:endParaRPr b="0" lang="en-US" sz="4400" spc="-1" strike="noStrike">
+              <a:latin typeface="Arial"/>
+            </a:endParaRPr>
+          </a:p>
+          <a:p>
+            <a:pPr marL="895320" indent="-894600">
+              <a:lnSpc>
+                <a:spcPct val="100000"/>
+              </a:lnSpc>
+              <a:spcBef>
+                <a:spcPts val="879"/>
+              </a:spcBef>
+              <a:buClr>
+                <a:srgbClr val="000000"/>
+              </a:buClr>
+              <a:buFont typeface="Arial"/>
+              <a:buChar char="•"/>
+            </a:pPr>
+            <a:r>
+              <a:rPr b="0" lang="en-US" sz="4400" spc="-1" strike="noStrike">
+                <a:solidFill>
+                  <a:srgbClr val="000000"/>
+                </a:solidFill>
+                <a:latin typeface="Arial Narrow"/>
+              </a:rPr>
+              <a:t>Font: Arial Narrow</a:t>
+            </a:r>
+            <a:endParaRPr b="0" lang="en-US" sz="4400" spc="-1" strike="noStrike">
+              <a:latin typeface="Arial"/>
+            </a:endParaRPr>
+          </a:p>
+          <a:p>
+            <a:pPr marL="895320" indent="-894600">
+              <a:lnSpc>
+                <a:spcPct val="100000"/>
+              </a:lnSpc>
+              <a:spcBef>
+                <a:spcPts val="879"/>
+              </a:spcBef>
+              <a:buClr>
+                <a:srgbClr val="000000"/>
+              </a:buClr>
+              <a:buFont typeface="Arial"/>
+              <a:buChar char="•"/>
+            </a:pPr>
+            <a:r>
+              <a:rPr b="0" lang="en-US" sz="4400" spc="-1" strike="noStrike">
+                <a:solidFill>
+                  <a:srgbClr val="000000"/>
+                </a:solidFill>
+                <a:latin typeface="Arial Narrow"/>
+              </a:rPr>
+              <a:t>Font Size: min. 44 pt.</a:t>
+            </a:r>
+            <a:endParaRPr b="0" lang="en-US" sz="4400" spc="-1" strike="noStrike">
+              <a:latin typeface="Arial"/>
+            </a:endParaRPr>
+          </a:p>
+          <a:p>
+            <a:pPr marL="895320" indent="-894600">
+              <a:lnSpc>
+                <a:spcPct val="100000"/>
+              </a:lnSpc>
+              <a:spcBef>
+                <a:spcPts val="879"/>
+              </a:spcBef>
+              <a:buClr>
+                <a:srgbClr val="000000"/>
+              </a:buClr>
+              <a:buFont typeface="Arial"/>
+              <a:buChar char="•"/>
+            </a:pPr>
+            <a:r>
+              <a:rPr b="0" lang="en-US" sz="4400" spc="-1" strike="noStrike">
+                <a:solidFill>
+                  <a:srgbClr val="000000"/>
+                </a:solidFill>
+                <a:latin typeface="Arial Narrow"/>
+              </a:rPr>
+              <a:t>max. 4.000 characters (including spaces) </a:t>
+            </a:r>
+            <a:endParaRPr b="0" lang="en-US" sz="4400" spc="-1" strike="noStrike">
+              <a:latin typeface="Arial"/>
+            </a:endParaRPr>
+          </a:p>
+          <a:p>
+            <a:pPr marL="895320" indent="-894600">
+              <a:lnSpc>
+                <a:spcPct val="100000"/>
+              </a:lnSpc>
+              <a:spcBef>
+                <a:spcPts val="879"/>
+              </a:spcBef>
+              <a:buClr>
+                <a:srgbClr val="000000"/>
+              </a:buClr>
+              <a:buFont typeface="Arial"/>
+              <a:buChar char="•"/>
+            </a:pPr>
+            <a:r>
+              <a:rPr b="0" lang="en-US" sz="4400" spc="-1" strike="noStrike">
+                <a:solidFill>
+                  <a:srgbClr val="000000"/>
+                </a:solidFill>
+                <a:latin typeface="Arial Narrow"/>
+              </a:rPr>
+              <a:t>Structure: Introduction, Objective, Material &amp; Methods, Results, Discussion, Conclusion</a:t>
+            </a:r>
+            <a:endParaRPr b="0" lang="en-US" sz="4400" spc="-1" strike="noStrike">
+              <a:latin typeface="Arial"/>
+            </a:endParaRPr>
+          </a:p>
+          <a:p>
+            <a:pPr marL="895320" indent="-894600">
+              <a:lnSpc>
+                <a:spcPct val="100000"/>
+              </a:lnSpc>
+              <a:spcBef>
+                <a:spcPts val="879"/>
+              </a:spcBef>
+              <a:buClr>
+                <a:srgbClr val="000000"/>
+              </a:buClr>
+              <a:buFont typeface="Arial"/>
+              <a:buChar char="•"/>
+            </a:pPr>
+            <a:r>
+              <a:rPr b="0" lang="en-US" sz="4400" spc="-1" strike="noStrike">
+                <a:solidFill>
+                  <a:srgbClr val="000000"/>
+                </a:solidFill>
+                <a:latin typeface="Arial Narrow"/>
+              </a:rPr>
+              <a:t>The use of figures as well as tables is very welcome. Please make sure that the font size of their description is sufficient.</a:t>
+            </a:r>
+            <a:endParaRPr b="0" lang="en-US" sz="4400" spc="-1" strike="noStrike">
+              <a:latin typeface="Arial"/>
+            </a:endParaRPr>
+          </a:p>
+          <a:p>
+            <a:pPr marL="1566720" indent="-1566000">
+              <a:lnSpc>
+                <a:spcPct val="100000"/>
+              </a:lnSpc>
+              <a:spcBef>
+                <a:spcPts val="879"/>
+              </a:spcBef>
+            </a:pPr>
+            <a:r>
+              <a:rPr b="1" lang="en-US" sz="4400" spc="-1" strike="noStrike">
+                <a:solidFill>
+                  <a:srgbClr val="000000"/>
+                </a:solidFill>
+                <a:latin typeface="Arial Narrow"/>
+              </a:rPr>
+              <a:t> </a:t>
+            </a:r>
+            <a:endParaRPr b="0" lang="en-US" sz="4400" spc="-1" strike="noStrike">
+              <a:latin typeface="Arial"/>
+            </a:endParaRPr>
+          </a:p>
+          <a:p>
+            <a:pPr marL="1566720" indent="-1566000">
+              <a:lnSpc>
+                <a:spcPct val="100000"/>
+              </a:lnSpc>
+              <a:spcBef>
+                <a:spcPts val="879"/>
+              </a:spcBef>
+            </a:pPr>
+            <a:r>
+              <a:rPr b="1" lang="en-US" sz="4400" spc="-1" strike="noStrike">
+                <a:solidFill>
+                  <a:srgbClr val="000000"/>
+                </a:solidFill>
+                <a:latin typeface="Arial Narrow"/>
+              </a:rPr>
+              <a:t>Tagging</a:t>
+            </a:r>
+            <a:endParaRPr b="0" lang="en-US" sz="4400" spc="-1" strike="noStrike">
+              <a:latin typeface="Arial"/>
+            </a:endParaRPr>
+          </a:p>
+          <a:p>
+            <a:pPr marL="895320" indent="-894600">
+              <a:lnSpc>
+                <a:spcPct val="100000"/>
+              </a:lnSpc>
+              <a:spcBef>
+                <a:spcPts val="879"/>
+              </a:spcBef>
+              <a:buClr>
+                <a:srgbClr val="000000"/>
+              </a:buClr>
+              <a:buFont typeface="Arial"/>
+              <a:buChar char="•"/>
+            </a:pPr>
+            <a:r>
+              <a:rPr b="0" lang="en-US" sz="4400" spc="-1" strike="noStrike">
+                <a:solidFill>
+                  <a:srgbClr val="000000"/>
+                </a:solidFill>
+                <a:latin typeface="Arial Narrow"/>
+              </a:rPr>
+              <a:t>Please list the professional and popular science keywords from your application for a hashtag line in the footer of your poster. Write an double cross in front of each keyword without a space character (see the examples below).</a:t>
+            </a:r>
+            <a:endParaRPr b="0" lang="en-US" sz="4400" spc="-1" strike="noStrike">
+              <a:latin typeface="Arial"/>
+            </a:endParaRPr>
+          </a:p>
+          <a:p>
+            <a:pPr marL="895320" indent="-894600">
+              <a:lnSpc>
+                <a:spcPct val="100000"/>
+              </a:lnSpc>
+              <a:spcBef>
+                <a:spcPts val="879"/>
+              </a:spcBef>
+              <a:buClr>
+                <a:srgbClr val="000000"/>
+              </a:buClr>
+              <a:buFont typeface="Arial"/>
+              <a:buChar char="•"/>
+            </a:pPr>
+            <a:r>
+              <a:rPr b="0" lang="en-US" sz="4400" spc="-1" strike="noStrike">
+                <a:solidFill>
+                  <a:srgbClr val="000000"/>
+                </a:solidFill>
+                <a:latin typeface="Arial Narrow"/>
+              </a:rPr>
+              <a:t>Font: Verdana</a:t>
+            </a:r>
+            <a:endParaRPr b="0" lang="en-US" sz="4400" spc="-1" strike="noStrike">
+              <a:latin typeface="Arial"/>
+            </a:endParaRPr>
+          </a:p>
+          <a:p>
+            <a:pPr marL="895320" indent="-894600">
+              <a:lnSpc>
+                <a:spcPct val="100000"/>
+              </a:lnSpc>
+              <a:spcBef>
+                <a:spcPts val="879"/>
+              </a:spcBef>
+              <a:buClr>
+                <a:srgbClr val="000000"/>
+              </a:buClr>
+              <a:buFont typeface="Arial"/>
+              <a:buChar char="•"/>
+            </a:pPr>
+            <a:r>
+              <a:rPr b="0" lang="en-US" sz="4400" spc="-1" strike="noStrike">
+                <a:solidFill>
+                  <a:srgbClr val="000000"/>
+                </a:solidFill>
+                <a:latin typeface="Arial Narrow"/>
+              </a:rPr>
+              <a:t>Font Size: 44 pt.</a:t>
+            </a:r>
+            <a:endParaRPr b="0" lang="en-US" sz="4400" spc="-1" strike="noStrike">
+              <a:latin typeface="Arial"/>
+            </a:endParaRPr>
+          </a:p>
+          <a:p>
+            <a:pPr>
+              <a:lnSpc>
+                <a:spcPct val="100000"/>
+              </a:lnSpc>
+            </a:pPr>
+            <a:endParaRPr b="0" lang="en-US" sz="4400" spc="-1" strike="noStrike">
+              <a:latin typeface="Arial"/>
+            </a:endParaRPr>
+          </a:p>
+          <a:p>
+            <a:pPr>
+              <a:lnSpc>
+                <a:spcPct val="100000"/>
+              </a:lnSpc>
+            </a:pPr>
+            <a:endParaRPr b="0" lang="en-US" sz="4400" spc="-1" strike="noStrike">
+              <a:latin typeface="Arial"/>
+            </a:endParaRPr>
+          </a:p>
+        </p:txBody>
+      </p:sp>
+      <p:sp>
+        <p:nvSpPr>
+          <p:cNvPr id="52" name="CustomShape 10"/>
+          <p:cNvSpPr/>
+          <p:nvPr/>
+        </p:nvSpPr>
+        <p:spPr>
+          <a:xfrm>
+            <a:off x="2743200" y="25603200"/>
+            <a:ext cx="7589520" cy="2834640"/>
+          </a:xfrm>
+          <a:prstGeom prst="rect">
+            <a:avLst/>
+          </a:prstGeom>
+          <a:solidFill>
+            <a:srgbClr val="ffffff"/>
+          </a:solidFill>
+          <a:ln>
+            <a:solidFill>
+              <a:srgbClr val="3465a4"/>
+            </a:solidFill>
+          </a:ln>
+        </p:spPr>
+        <p:style>
+          <a:lnRef idx="0"/>
+          <a:fillRef idx="0"/>
+          <a:effectRef idx="0"/>
+          <a:fontRef idx="minor"/>
+        </p:style>
+      </p:sp>
+      <p:sp>
+        <p:nvSpPr>
+          <p:cNvPr id="53" name="CustomShape 11"/>
+          <p:cNvSpPr/>
+          <p:nvPr/>
+        </p:nvSpPr>
+        <p:spPr>
+          <a:xfrm>
+            <a:off x="2743200" y="29671200"/>
+            <a:ext cx="7589520" cy="2834640"/>
+          </a:xfrm>
+          <a:prstGeom prst="rect">
+            <a:avLst/>
+          </a:prstGeom>
+          <a:solidFill>
+            <a:srgbClr val="ffffff"/>
+          </a:solidFill>
+          <a:ln>
+            <a:solidFill>
+              <a:srgbClr val="3465a4"/>
+            </a:solidFill>
+          </a:ln>
+        </p:spPr>
+        <p:style>
+          <a:lnRef idx="0"/>
+          <a:fillRef idx="0"/>
+          <a:effectRef idx="0"/>
+          <a:fontRef idx="minor"/>
+        </p:style>
+      </p:sp>
+      <p:sp>
+        <p:nvSpPr>
+          <p:cNvPr id="54" name="CustomShape 12"/>
+          <p:cNvSpPr/>
+          <p:nvPr/>
+        </p:nvSpPr>
+        <p:spPr>
+          <a:xfrm>
+            <a:off x="2743200" y="33847200"/>
+            <a:ext cx="7589520" cy="2834640"/>
+          </a:xfrm>
+          <a:prstGeom prst="rect">
+            <a:avLst/>
+          </a:prstGeom>
+          <a:solidFill>
+            <a:srgbClr val="ffffff"/>
+          </a:solidFill>
+          <a:ln>
+            <a:solidFill>
+              <a:srgbClr val="3465a4"/>
+            </a:solidFill>
+          </a:ln>
+        </p:spPr>
+        <p:style>
+          <a:lnRef idx="0"/>
+          <a:fillRef idx="0"/>
+          <a:effectRef idx="0"/>
+          <a:fontRef idx="minor"/>
+        </p:style>
+      </p:sp>
+      <p:sp>
+        <p:nvSpPr>
+          <p:cNvPr id="55" name="TextShape 13"/>
+          <p:cNvSpPr txBox="1"/>
+          <p:nvPr/>
+        </p:nvSpPr>
+        <p:spPr>
+          <a:xfrm>
+            <a:off x="2928960" y="26364960"/>
+            <a:ext cx="7292880" cy="1499040"/>
+          </a:xfrm>
+          <a:prstGeom prst="rect">
+            <a:avLst/>
+          </a:prstGeom>
+          <a:noFill/>
+          <a:ln>
+            <a:noFill/>
+          </a:ln>
+        </p:spPr>
+        <p:txBody>
+          <a:bodyPr lIns="90000" rIns="90000" tIns="45000" bIns="45000"/>
+          <a:p>
+            <a:pPr algn="ctr">
+              <a:lnSpc>
+                <a:spcPct val="115000"/>
+              </a:lnSpc>
+              <a:spcBef>
+                <a:spcPts val="850"/>
+              </a:spcBef>
+              <a:spcAft>
+                <a:spcPts val="850"/>
+              </a:spcAft>
+            </a:pPr>
+            <a:r>
+              <a:rPr b="0" lang="en-US" sz="4400" spc="-1" strike="noStrike">
+                <a:latin typeface="Arial Narrow"/>
+              </a:rPr>
+              <a:t>Tool chaining and parametrization  through Galaxy’s interactive tours</a:t>
+            </a:r>
+            <a:endParaRPr b="0" lang="en-US" sz="4400" spc="-1" strike="noStrike">
+              <a:latin typeface="Arial Narrow"/>
+              <a:ea typeface="Noto Sans CJK SC Regular"/>
+            </a:endParaRPr>
+          </a:p>
+        </p:txBody>
+      </p:sp>
+      <p:sp>
+        <p:nvSpPr>
+          <p:cNvPr id="56" name="TextShape 14"/>
+          <p:cNvSpPr txBox="1"/>
+          <p:nvPr/>
+        </p:nvSpPr>
+        <p:spPr>
+          <a:xfrm>
+            <a:off x="2931840" y="30540960"/>
+            <a:ext cx="7290000" cy="1662840"/>
+          </a:xfrm>
+          <a:prstGeom prst="rect">
+            <a:avLst/>
+          </a:prstGeom>
+          <a:noFill/>
+          <a:ln>
+            <a:noFill/>
+          </a:ln>
+        </p:spPr>
+        <p:txBody>
+          <a:bodyPr lIns="90000" rIns="90000" tIns="45000" bIns="45000"/>
+          <a:p>
+            <a:pPr algn="ctr"/>
+            <a:r>
+              <a:rPr b="0" lang="en-US" sz="4400" spc="-1" strike="noStrike">
+                <a:latin typeface="Arial Narrow"/>
+              </a:rPr>
+              <a:t>T</a:t>
+            </a:r>
+            <a:r>
+              <a:rPr b="0" lang="en-US" sz="4400" spc="-1" strike="noStrike">
+                <a:latin typeface="Arial Narrow"/>
+              </a:rPr>
+              <a:t>o</a:t>
+            </a:r>
+            <a:r>
+              <a:rPr b="0" lang="en-US" sz="4400" spc="-1" strike="noStrike">
+                <a:latin typeface="Arial Narrow"/>
+              </a:rPr>
+              <a:t>o</a:t>
+            </a:r>
+            <a:r>
+              <a:rPr b="0" lang="en-US" sz="4400" spc="-1" strike="noStrike">
+                <a:latin typeface="Arial Narrow"/>
+              </a:rPr>
+              <a:t>l </a:t>
+            </a:r>
+            <a:r>
+              <a:rPr b="0" lang="en-US" sz="4400" spc="-1" strike="noStrike">
+                <a:latin typeface="Arial Narrow"/>
+              </a:rPr>
+              <a:t>o</a:t>
+            </a:r>
+            <a:r>
+              <a:rPr b="0" lang="en-US" sz="4400" spc="-1" strike="noStrike">
+                <a:latin typeface="Arial Narrow"/>
+              </a:rPr>
+              <a:t>p</a:t>
+            </a:r>
+            <a:r>
+              <a:rPr b="0" lang="en-US" sz="4400" spc="-1" strike="noStrike">
+                <a:latin typeface="Arial Narrow"/>
+              </a:rPr>
+              <a:t>e</a:t>
+            </a:r>
+            <a:r>
+              <a:rPr b="0" lang="en-US" sz="4400" spc="-1" strike="noStrike">
+                <a:latin typeface="Arial Narrow"/>
+              </a:rPr>
+              <a:t>r</a:t>
+            </a:r>
+            <a:r>
+              <a:rPr b="0" lang="en-US" sz="4400" spc="-1" strike="noStrike">
+                <a:latin typeface="Arial Narrow"/>
+              </a:rPr>
+              <a:t>a</a:t>
+            </a:r>
+            <a:r>
+              <a:rPr b="0" lang="en-US" sz="4400" spc="-1" strike="noStrike">
+                <a:latin typeface="Arial Narrow"/>
+              </a:rPr>
+              <a:t>t</a:t>
+            </a:r>
+            <a:r>
+              <a:rPr b="0" lang="en-US" sz="4400" spc="-1" strike="noStrike">
+                <a:latin typeface="Arial Narrow"/>
+              </a:rPr>
+              <a:t>i</a:t>
+            </a:r>
+            <a:r>
+              <a:rPr b="0" lang="en-US" sz="4400" spc="-1" strike="noStrike">
+                <a:latin typeface="Arial Narrow"/>
+              </a:rPr>
+              <a:t>o</a:t>
+            </a:r>
+            <a:r>
+              <a:rPr b="0" lang="en-US" sz="4400" spc="-1" strike="noStrike">
+                <a:latin typeface="Arial Narrow"/>
+              </a:rPr>
+              <a:t>n</a:t>
+            </a:r>
+            <a:r>
+              <a:rPr b="0" lang="en-US" sz="4400" spc="-1" strike="noStrike">
+                <a:latin typeface="Arial Narrow"/>
+              </a:rPr>
+              <a:t>s</a:t>
+            </a:r>
+            <a:r>
+              <a:rPr b="0" lang="en-US" sz="4400" spc="-1" strike="noStrike">
+                <a:latin typeface="Arial Narrow"/>
+              </a:rPr>
+              <a:t> </a:t>
+            </a:r>
+            <a:r>
+              <a:rPr b="0" lang="en-US" sz="4400" spc="-1" strike="noStrike">
+                <a:latin typeface="Arial Narrow"/>
+              </a:rPr>
+              <a:t>a</a:t>
+            </a:r>
+            <a:r>
+              <a:rPr b="0" lang="en-US" sz="4400" spc="-1" strike="noStrike">
+                <a:latin typeface="Arial Narrow"/>
+              </a:rPr>
+              <a:t>n</a:t>
+            </a:r>
+            <a:r>
+              <a:rPr b="0" lang="en-US" sz="4400" spc="-1" strike="noStrike">
+                <a:latin typeface="Arial Narrow"/>
+              </a:rPr>
+              <a:t>d</a:t>
+            </a:r>
+            <a:r>
+              <a:rPr b="0" lang="en-US" sz="4400" spc="-1" strike="noStrike">
+                <a:latin typeface="Arial Narrow"/>
+              </a:rPr>
+              <a:t> </a:t>
+            </a:r>
+            <a:r>
+              <a:rPr b="0" lang="en-US" sz="4400" spc="-1" strike="noStrike">
+                <a:latin typeface="Arial Narrow"/>
+              </a:rPr>
+              <a:t>i</a:t>
+            </a:r>
+            <a:r>
+              <a:rPr b="0" lang="en-US" sz="4400" spc="-1" strike="noStrike">
+                <a:latin typeface="Arial Narrow"/>
+              </a:rPr>
+              <a:t>n</a:t>
+            </a:r>
+            <a:r>
+              <a:rPr b="0" lang="en-US" sz="4400" spc="-1" strike="noStrike">
+                <a:latin typeface="Arial Narrow"/>
+              </a:rPr>
+              <a:t>p</a:t>
+            </a:r>
+            <a:r>
+              <a:rPr b="0" lang="en-US" sz="4400" spc="-1" strike="noStrike">
+                <a:latin typeface="Arial Narrow"/>
+              </a:rPr>
+              <a:t>u</a:t>
+            </a:r>
+            <a:r>
+              <a:rPr b="0" lang="en-US" sz="4400" spc="-1" strike="noStrike">
+                <a:latin typeface="Arial Narrow"/>
+              </a:rPr>
+              <a:t>t </a:t>
+            </a:r>
+            <a:r>
+              <a:rPr b="0" lang="en-US" sz="4400" spc="-1" strike="noStrike">
+                <a:latin typeface="Arial Narrow"/>
+              </a:rPr>
+              <a:t>/ </a:t>
+            </a:r>
+            <a:r>
+              <a:rPr b="0" lang="en-US" sz="4400" spc="-1" strike="noStrike">
+                <a:latin typeface="Arial Narrow"/>
+              </a:rPr>
+              <a:t>o</a:t>
+            </a:r>
+            <a:r>
+              <a:rPr b="0" lang="en-US" sz="4400" spc="-1" strike="noStrike">
+                <a:latin typeface="Arial Narrow"/>
+              </a:rPr>
+              <a:t>u</a:t>
+            </a:r>
+            <a:r>
+              <a:rPr b="0" lang="en-US" sz="4400" spc="-1" strike="noStrike">
+                <a:latin typeface="Arial Narrow"/>
+              </a:rPr>
+              <a:t>t</a:t>
+            </a:r>
+            <a:r>
+              <a:rPr b="0" lang="en-US" sz="4400" spc="-1" strike="noStrike">
+                <a:latin typeface="Arial Narrow"/>
+              </a:rPr>
+              <a:t>p</a:t>
+            </a:r>
+            <a:r>
+              <a:rPr b="0" lang="en-US" sz="4400" spc="-1" strike="noStrike">
+                <a:latin typeface="Arial Narrow"/>
+              </a:rPr>
+              <a:t>u</a:t>
+            </a:r>
+            <a:r>
+              <a:rPr b="0" lang="en-US" sz="4400" spc="-1" strike="noStrike">
+                <a:latin typeface="Arial Narrow"/>
+              </a:rPr>
+              <a:t>t </a:t>
+            </a:r>
+            <a:r>
+              <a:rPr b="0" lang="en-US" sz="4400" spc="-1" strike="noStrike">
+                <a:latin typeface="Arial Narrow"/>
+              </a:rPr>
+              <a:t>f</a:t>
+            </a:r>
+            <a:r>
+              <a:rPr b="0" lang="en-US" sz="4400" spc="-1" strike="noStrike">
+                <a:latin typeface="Arial Narrow"/>
+              </a:rPr>
+              <a:t>o</a:t>
+            </a:r>
+            <a:r>
+              <a:rPr b="0" lang="en-US" sz="4400" spc="-1" strike="noStrike">
+                <a:latin typeface="Arial Narrow"/>
+              </a:rPr>
+              <a:t>r</a:t>
+            </a:r>
+            <a:r>
+              <a:rPr b="0" lang="en-US" sz="4400" spc="-1" strike="noStrike">
+                <a:latin typeface="Arial Narrow"/>
+              </a:rPr>
+              <a:t>m</a:t>
+            </a:r>
+            <a:r>
+              <a:rPr b="0" lang="en-US" sz="4400" spc="-1" strike="noStrike">
+                <a:latin typeface="Arial Narrow"/>
+              </a:rPr>
+              <a:t>a</a:t>
+            </a:r>
+            <a:r>
+              <a:rPr b="0" lang="en-US" sz="4400" spc="-1" strike="noStrike">
+                <a:latin typeface="Arial Narrow"/>
+              </a:rPr>
+              <a:t>t</a:t>
+            </a:r>
+            <a:r>
+              <a:rPr b="0" lang="en-US" sz="4400" spc="-1" strike="noStrike">
+                <a:latin typeface="Arial Narrow"/>
+              </a:rPr>
+              <a:t>s</a:t>
+            </a:r>
+            <a:r>
+              <a:rPr b="0" lang="en-US" sz="4400" spc="-1" strike="noStrike">
+                <a:latin typeface="Arial Narrow"/>
+              </a:rPr>
+              <a:t> </a:t>
+            </a:r>
+            <a:r>
+              <a:rPr b="0" lang="en-US" sz="4400" spc="-1" strike="noStrike">
+                <a:latin typeface="Arial Narrow"/>
+              </a:rPr>
+              <a:t>t</a:t>
+            </a:r>
+            <a:r>
+              <a:rPr b="0" lang="en-US" sz="4400" spc="-1" strike="noStrike">
+                <a:latin typeface="Arial Narrow"/>
+              </a:rPr>
+              <a:t>h</a:t>
+            </a:r>
+            <a:r>
+              <a:rPr b="0" lang="en-US" sz="4400" spc="-1" strike="noStrike">
+                <a:latin typeface="Arial Narrow"/>
+              </a:rPr>
+              <a:t>r</a:t>
+            </a:r>
+            <a:r>
+              <a:rPr b="0" lang="en-US" sz="4400" spc="-1" strike="noStrike">
+                <a:latin typeface="Arial Narrow"/>
+              </a:rPr>
+              <a:t>o</a:t>
+            </a:r>
+            <a:r>
+              <a:rPr b="0" lang="en-US" sz="4400" spc="-1" strike="noStrike">
+                <a:latin typeface="Arial Narrow"/>
+              </a:rPr>
+              <a:t>u</a:t>
+            </a:r>
+            <a:r>
+              <a:rPr b="0" lang="en-US" sz="4400" spc="-1" strike="noStrike">
+                <a:latin typeface="Arial Narrow"/>
+              </a:rPr>
+              <a:t>g</a:t>
+            </a:r>
+            <a:r>
+              <a:rPr b="0" lang="en-US" sz="4400" spc="-1" strike="noStrike">
+                <a:latin typeface="Arial Narrow"/>
+              </a:rPr>
+              <a:t>h</a:t>
+            </a:r>
+            <a:r>
+              <a:rPr b="0" lang="en-US" sz="4400" spc="-1" strike="noStrike">
+                <a:latin typeface="Arial Narrow"/>
+              </a:rPr>
+              <a:t> </a:t>
+            </a:r>
+            <a:r>
+              <a:rPr b="0" lang="en-US" sz="4400" spc="-1" strike="noStrike">
+                <a:latin typeface="Arial Narrow"/>
+              </a:rPr>
+              <a:t>E</a:t>
+            </a:r>
+            <a:r>
+              <a:rPr b="0" lang="en-US" sz="4400" spc="-1" strike="noStrike">
+                <a:latin typeface="Arial Narrow"/>
+              </a:rPr>
+              <a:t>l</a:t>
+            </a:r>
+            <a:r>
+              <a:rPr b="0" lang="en-US" sz="4400" spc="-1" strike="noStrike">
+                <a:latin typeface="Arial Narrow"/>
+              </a:rPr>
+              <a:t>i</a:t>
+            </a:r>
+            <a:r>
+              <a:rPr b="0" lang="en-US" sz="4400" spc="-1" strike="noStrike">
+                <a:latin typeface="Arial Narrow"/>
+              </a:rPr>
+              <a:t>x</a:t>
+            </a:r>
+            <a:r>
+              <a:rPr b="0" lang="en-US" sz="4400" spc="-1" strike="noStrike">
+                <a:latin typeface="Arial Narrow"/>
+              </a:rPr>
+              <a:t>i</a:t>
+            </a:r>
+            <a:r>
+              <a:rPr b="0" lang="en-US" sz="4400" spc="-1" strike="noStrike">
+                <a:latin typeface="Arial Narrow"/>
+              </a:rPr>
+              <a:t>r</a:t>
+            </a:r>
+            <a:r>
+              <a:rPr b="0" lang="en-US" sz="4400" spc="-1" strike="noStrike">
+                <a:latin typeface="Arial Narrow"/>
+              </a:rPr>
+              <a:t>’</a:t>
+            </a:r>
+            <a:r>
+              <a:rPr b="0" lang="en-US" sz="4400" spc="-1" strike="noStrike">
+                <a:latin typeface="Arial Narrow"/>
+              </a:rPr>
+              <a:t>s</a:t>
+            </a:r>
+            <a:r>
+              <a:rPr b="0" lang="en-US" sz="4400" spc="-1" strike="noStrike">
+                <a:latin typeface="Arial Narrow"/>
+              </a:rPr>
+              <a:t> </a:t>
+            </a:r>
+            <a:r>
+              <a:rPr b="0" lang="en-US" sz="4400" spc="-1" strike="noStrike">
+                <a:latin typeface="Arial Narrow"/>
+              </a:rPr>
+              <a:t>b</a:t>
+            </a:r>
+            <a:r>
+              <a:rPr b="0" lang="en-US" sz="4400" spc="-1" strike="noStrike">
+                <a:latin typeface="Arial Narrow"/>
+              </a:rPr>
+              <a:t>i</a:t>
+            </a:r>
+            <a:r>
+              <a:rPr b="0" lang="en-US" sz="4400" spc="-1" strike="noStrike">
+                <a:latin typeface="Arial Narrow"/>
+              </a:rPr>
+              <a:t>o</a:t>
+            </a:r>
+            <a:r>
+              <a:rPr b="0" lang="en-US" sz="4400" spc="-1" strike="noStrike">
+                <a:latin typeface="Arial Narrow"/>
+              </a:rPr>
+              <a:t>.</a:t>
+            </a:r>
+            <a:r>
+              <a:rPr b="0" lang="en-US" sz="4400" spc="-1" strike="noStrike">
+                <a:latin typeface="Arial Narrow"/>
+              </a:rPr>
+              <a:t>t</a:t>
+            </a:r>
+            <a:r>
+              <a:rPr b="0" lang="en-US" sz="4400" spc="-1" strike="noStrike">
+                <a:latin typeface="Arial Narrow"/>
+              </a:rPr>
+              <a:t>o</a:t>
+            </a:r>
+            <a:r>
+              <a:rPr b="0" lang="en-US" sz="4400" spc="-1" strike="noStrike">
+                <a:latin typeface="Arial Narrow"/>
+              </a:rPr>
+              <a:t>o</a:t>
+            </a:r>
+            <a:r>
+              <a:rPr b="0" lang="en-US" sz="4400" spc="-1" strike="noStrike">
+                <a:latin typeface="Arial Narrow"/>
+              </a:rPr>
+              <a:t>l</a:t>
+            </a:r>
+            <a:r>
+              <a:rPr b="0" lang="en-US" sz="4400" spc="-1" strike="noStrike">
+                <a:latin typeface="Arial Narrow"/>
+              </a:rPr>
+              <a:t>s</a:t>
+            </a:r>
+            <a:endParaRPr b="0" lang="en-US" sz="4400" spc="-1" strike="noStrike">
+              <a:latin typeface="Arial"/>
+            </a:endParaRPr>
+          </a:p>
+          <a:p>
+            <a:pPr algn="just"/>
+            <a:endParaRPr b="0" lang="en-US" sz="4400" spc="-1" strike="noStrike">
+              <a:latin typeface="Arial"/>
+            </a:endParaRPr>
+          </a:p>
+        </p:txBody>
+      </p:sp>
+      <p:sp>
+        <p:nvSpPr>
+          <p:cNvPr id="57" name="TextShape 15"/>
+          <p:cNvSpPr txBox="1"/>
+          <p:nvPr/>
+        </p:nvSpPr>
+        <p:spPr>
+          <a:xfrm>
+            <a:off x="2926080" y="34683120"/>
+            <a:ext cx="7223760" cy="1662840"/>
+          </a:xfrm>
+          <a:prstGeom prst="rect">
+            <a:avLst/>
+          </a:prstGeom>
+          <a:noFill/>
+          <a:ln>
+            <a:noFill/>
+          </a:ln>
+        </p:spPr>
+        <p:txBody>
+          <a:bodyPr lIns="90000" rIns="90000" tIns="45000" bIns="45000"/>
+          <a:p>
+            <a:pPr algn="ctr"/>
+            <a:r>
+              <a:rPr b="0" lang="en-US" sz="4400" spc="-1" strike="noStrike">
+                <a:latin typeface="Arial Narrow"/>
+              </a:rPr>
+              <a:t>Best practices and user-tracked data of RBC’s Galaxy instance</a:t>
+            </a:r>
+            <a:endParaRPr b="0" lang="en-US" sz="4400" spc="-1" strike="noStrike">
+              <a:latin typeface="Arial Narrow"/>
+            </a:endParaRPr>
+          </a:p>
+          <a:p>
+            <a:pPr algn="just"/>
+            <a:endParaRPr b="0" lang="en-US" sz="4400" spc="-1" strike="noStrike">
+              <a:latin typeface="Arial Narrow"/>
+            </a:endParaRPr>
+          </a:p>
+        </p:txBody>
+      </p:sp>
     </p:spTree>
   </p:cSld>
   <p:timing>

--- a/2017-11-23__rostock__forschungscamp/poster.pptx
+++ b/2017-11-23__rostock__forschungscamp/poster.pptx
@@ -1917,9 +1917,32 @@
           <a:chExt cx="0" cy="0"/>
         </a:xfrm>
       </p:grpSpPr>
-      <p:sp>
-        <p:nvSpPr>
-          <p:cNvPr id="41" name="CustomShape 1"/>
+      <p:pic>
+        <p:nvPicPr>
+          <p:cNvPr id="41" name="Bild 4" descr=""/>
+          <p:cNvPicPr/>
+          <p:nvPr/>
+        </p:nvPicPr>
+        <p:blipFill>
+          <a:blip r:embed="rId1"/>
+          <a:stretch/>
+        </p:blipFill>
+        <p:spPr>
+          <a:xfrm rot="10795200">
+            <a:off x="2358000" y="41299920"/>
+            <a:ext cx="25658640" cy="1497960"/>
+          </a:xfrm>
+          <a:prstGeom prst="rect">
+            <a:avLst/>
+          </a:prstGeom>
+          <a:ln>
+            <a:noFill/>
+          </a:ln>
+        </p:spPr>
+      </p:pic>
+      <p:sp>
+        <p:nvSpPr>
+          <p:cNvPr id="42" name="CustomShape 1"/>
           <p:cNvSpPr/>
           <p:nvPr/>
         </p:nvSpPr>
@@ -1967,7 +1990,7 @@
       </p:sp>
       <p:sp>
         <p:nvSpPr>
-          <p:cNvPr id="42" name="CustomShape 2"/>
+          <p:cNvPr id="43" name="CustomShape 2"/>
           <p:cNvSpPr/>
           <p:nvPr/>
         </p:nvSpPr>
@@ -2258,14 +2281,14 @@
       </p:sp>
       <p:sp>
         <p:nvSpPr>
-          <p:cNvPr id="43" name="CustomShape 3"/>
+          <p:cNvPr id="44" name="CustomShape 3"/>
           <p:cNvSpPr/>
           <p:nvPr/>
         </p:nvSpPr>
         <p:spPr>
           <a:xfrm>
-            <a:off x="2826720" y="39311280"/>
-            <a:ext cx="24949440" cy="3496680"/>
+            <a:off x="14204880" y="41583240"/>
+            <a:ext cx="19476720" cy="844920"/>
           </a:xfrm>
           <a:prstGeom prst="rect">
             <a:avLst/>
@@ -2286,27 +2309,30 @@
           <a:p>
             <a:pPr>
               <a:lnSpc>
-                <a:spcPct val="100000"/>
+                <a:spcPct val="150000"/>
               </a:lnSpc>
             </a:pPr>
             <a:r>
-              <a:rPr b="1" lang="en-US" sz="4500" spc="-1" strike="noStrike">
+              <a:rPr b="1" lang="en-US" sz="4400" spc="-1" strike="noStrike">
                 <a:solidFill>
                   <a:srgbClr val="ffffff"/>
                 </a:solidFill>
                 <a:latin typeface="Arial Narrow"/>
               </a:rPr>
-              <a:t>forschungscamp2017 – postersession – posterguidelines – sciene – research – scientificcommunication – visibility – youngscientists </a:t>
-            </a:r>
-            <a:endParaRPr b="0" lang="en-US" sz="4500" spc="-1" strike="noStrike">
-              <a:latin typeface="Arial"/>
-            </a:endParaRPr>
-          </a:p>
-        </p:txBody>
-      </p:sp>
-      <p:sp>
-        <p:nvSpPr>
-          <p:cNvPr id="44" name="CustomShape 4"/>
+              <a:t>#forschungscamp2017 #galaxy #elixir #RNA #EDAM #AI #denbi</a:t>
+            </a:r>
+            <a:endParaRPr b="1" lang="en-US" sz="4400" spc="-1" strike="noStrike">
+              <a:solidFill>
+                <a:srgbClr val="ffffff"/>
+              </a:solidFill>
+              <a:latin typeface="Arial Narrow"/>
+            </a:endParaRPr>
+          </a:p>
+        </p:txBody>
+      </p:sp>
+      <p:sp>
+        <p:nvSpPr>
+          <p:cNvPr id="45" name="CustomShape 4"/>
           <p:cNvSpPr/>
           <p:nvPr/>
         </p:nvSpPr>
@@ -2396,7 +2422,7 @@
                 <a:latin typeface="Verdana"/>
                 <a:ea typeface="DejaVu Sans"/>
               </a:rPr>
-              <a:t>Systems Biology and Bioinformatics, University of Rostock, Rostock</a:t>
+              <a:t>Systems Biology and Bioinformatics, University of Rostock, Ulmenstr. 69, 18051 Rostock</a:t>
             </a:r>
             <a:endParaRPr b="0" lang="en-US" sz="3200" spc="-1" strike="noStrike">
               <a:latin typeface="Arial"/>
@@ -2406,7 +2432,7 @@
       </p:sp>
       <p:sp>
         <p:nvSpPr>
-          <p:cNvPr id="45" name="CustomShape 5"/>
+          <p:cNvPr id="46" name="CustomShape 5"/>
           <p:cNvSpPr/>
           <p:nvPr/>
         </p:nvSpPr>
@@ -2432,7 +2458,7 @@
       </p:sp>
       <p:sp>
         <p:nvSpPr>
-          <p:cNvPr id="46" name="CustomShape 6"/>
+          <p:cNvPr id="47" name="CustomShape 6"/>
           <p:cNvSpPr/>
           <p:nvPr/>
         </p:nvSpPr>
@@ -2458,7 +2484,7 @@
       </p:sp>
       <p:sp>
         <p:nvSpPr>
-          <p:cNvPr id="47" name="CustomShape 7"/>
+          <p:cNvPr id="48" name="CustomShape 7"/>
           <p:cNvSpPr/>
           <p:nvPr/>
         </p:nvSpPr>
@@ -2484,12 +2510,12 @@
       </p:sp>
       <p:pic>
         <p:nvPicPr>
-          <p:cNvPr id="48" name="Picture 6" descr=""/>
+          <p:cNvPr id="49" name="Picture 6" descr=""/>
           <p:cNvPicPr/>
           <p:nvPr/>
         </p:nvPicPr>
         <p:blipFill>
-          <a:blip r:embed="rId1"/>
+          <a:blip r:embed="rId2"/>
           <a:stretch/>
         </p:blipFill>
         <p:spPr>
@@ -2507,7 +2533,7 @@
       </p:pic>
       <p:sp>
         <p:nvSpPr>
-          <p:cNvPr id="49" name="CustomShape 8"/>
+          <p:cNvPr id="50" name="CustomShape 8"/>
           <p:cNvSpPr/>
           <p:nvPr/>
         </p:nvSpPr>
@@ -2582,12 +2608,12 @@
       </p:sp>
       <p:pic>
         <p:nvPicPr>
-          <p:cNvPr id="50" name="" descr=""/>
+          <p:cNvPr id="51" name="" descr=""/>
           <p:cNvPicPr/>
           <p:nvPr/>
         </p:nvPicPr>
         <p:blipFill>
-          <a:blip r:embed="rId2"/>
+          <a:blip r:embed="rId3"/>
           <a:stretch/>
         </p:blipFill>
         <p:spPr>
@@ -2605,7 +2631,7 @@
       </p:pic>
       <p:sp>
         <p:nvSpPr>
-          <p:cNvPr id="51" name="CustomShape 9"/>
+          <p:cNvPr id="52" name="CustomShape 9"/>
           <p:cNvSpPr/>
           <p:nvPr/>
         </p:nvSpPr>
@@ -2646,388 +2672,9 @@
                 </a:solidFill>
                 <a:latin typeface="Arial Narrow"/>
               </a:rPr>
-              <a:t>Introduction</a:t>
+              <a:t>Poster Content</a:t>
             </a:r>
             <a:endParaRPr b="0" lang="en-US" sz="5400" spc="-1" strike="noStrike">
-              <a:latin typeface="Arial"/>
-            </a:endParaRPr>
-          </a:p>
-          <a:p>
-            <a:pPr algn="just">
-              <a:lnSpc>
-                <a:spcPct val="100000"/>
-              </a:lnSpc>
-              <a:spcBef>
-                <a:spcPts val="879"/>
-              </a:spcBef>
-            </a:pPr>
-            <a:r>
-              <a:rPr b="0" lang="en-US" sz="4400" spc="-1" strike="noStrike">
-                <a:solidFill>
-                  <a:srgbClr val="000000"/>
-                </a:solidFill>
-                <a:latin typeface="Arial Narrow"/>
-              </a:rPr>
-              <a:t>The Galaxy community is promoting RNA-Seq protocols and best practices through the reuse of existing tools, and the consolidation of a Training Network to provide guidance to researchers through example datasets, tutorials, and interactive tours. However, the more tools and techniques are showcased, the more complex the options for tool chaining and parametrization become.</a:t>
-            </a:r>
-            <a:endParaRPr b="0" lang="en-US" sz="4400" spc="-1" strike="noStrike">
-              <a:latin typeface="Arial"/>
-            </a:endParaRPr>
-          </a:p>
-          <a:p>
-            <a:pPr algn="just">
-              <a:lnSpc>
-                <a:spcPct val="100000"/>
-              </a:lnSpc>
-              <a:spcBef>
-                <a:spcPts val="879"/>
-              </a:spcBef>
-            </a:pPr>
-            <a:endParaRPr b="0" lang="en-US" sz="4400" spc="-1" strike="noStrike">
-              <a:latin typeface="Arial"/>
-            </a:endParaRPr>
-          </a:p>
-          <a:p>
-            <a:pPr algn="just">
-              <a:lnSpc>
-                <a:spcPct val="100000"/>
-              </a:lnSpc>
-              <a:spcBef>
-                <a:spcPts val="879"/>
-              </a:spcBef>
-            </a:pPr>
-            <a:r>
-              <a:rPr b="1" lang="en-US" sz="5400" spc="-1" strike="noStrike">
-                <a:solidFill>
-                  <a:srgbClr val="000000"/>
-                </a:solidFill>
-                <a:latin typeface="Arial Narrow"/>
-              </a:rPr>
-              <a:t>Objectives</a:t>
-            </a:r>
-            <a:endParaRPr b="0" lang="en-US" sz="5400" spc="-1" strike="noStrike">
-              <a:latin typeface="Arial"/>
-            </a:endParaRPr>
-          </a:p>
-          <a:p>
-            <a:pPr marL="895320" indent="-894600" algn="just">
-              <a:lnSpc>
-                <a:spcPct val="100000"/>
-              </a:lnSpc>
-              <a:spcBef>
-                <a:spcPts val="879"/>
-              </a:spcBef>
-              <a:buClr>
-                <a:srgbClr val="000000"/>
-              </a:buClr>
-              <a:buFont typeface="Arial"/>
-              <a:buChar char="•"/>
-            </a:pPr>
-            <a:r>
-              <a:rPr b="0" lang="en-US" sz="4400" spc="-1" strike="noStrike">
-                <a:solidFill>
-                  <a:srgbClr val="000000"/>
-                </a:solidFill>
-                <a:latin typeface="Arial Narrow"/>
-              </a:rPr>
-              <a:t>Assist researchers in carrying out their analyses</a:t>
-            </a:r>
-            <a:endParaRPr b="0" lang="en-US" sz="4400" spc="-1" strike="noStrike">
-              <a:latin typeface="Arial"/>
-            </a:endParaRPr>
-          </a:p>
-          <a:p>
-            <a:pPr marL="895320" indent="-894600" algn="just">
-              <a:lnSpc>
-                <a:spcPct val="100000"/>
-              </a:lnSpc>
-              <a:spcBef>
-                <a:spcPts val="879"/>
-              </a:spcBef>
-              <a:buClr>
-                <a:srgbClr val="000000"/>
-              </a:buClr>
-              <a:buFont typeface="Arial"/>
-              <a:buChar char="•"/>
-            </a:pPr>
-            <a:r>
-              <a:rPr b="0" lang="en-US" sz="4400" spc="-1" strike="noStrike">
-                <a:solidFill>
-                  <a:srgbClr val="000000"/>
-                </a:solidFill>
-                <a:latin typeface="Arial Narrow"/>
-              </a:rPr>
-              <a:t>Integrate the Galaxy framework with an interactive recommendation system leveraging on community consolidated best practices as well as EDAM-annotated tools</a:t>
-            </a:r>
-            <a:endParaRPr b="0" lang="en-US" sz="4400" spc="-1" strike="noStrike">
-              <a:latin typeface="Arial"/>
-            </a:endParaRPr>
-          </a:p>
-          <a:p>
-            <a:pPr marL="895320" indent="-894600" algn="just">
-              <a:lnSpc>
-                <a:spcPct val="100000"/>
-              </a:lnSpc>
-              <a:spcBef>
-                <a:spcPts val="879"/>
-              </a:spcBef>
-              <a:buClr>
-                <a:srgbClr val="000000"/>
-              </a:buClr>
-              <a:buFont typeface="Arial"/>
-              <a:buChar char="•"/>
-            </a:pPr>
-            <a:r>
-              <a:rPr b="0" lang="en-US" sz="4400" spc="-1" strike="noStrike">
-                <a:solidFill>
-                  <a:srgbClr val="000000"/>
-                </a:solidFill>
-                <a:latin typeface="Arial Narrow"/>
-              </a:rPr>
-              <a:t>Promote the adoption of well established pipelines</a:t>
-            </a:r>
-            <a:endParaRPr b="0" lang="en-US" sz="4400" spc="-1" strike="noStrike">
-              <a:latin typeface="Arial"/>
-            </a:endParaRPr>
-          </a:p>
-          <a:p>
-            <a:pPr marL="895320" indent="-894600" algn="just">
-              <a:lnSpc>
-                <a:spcPct val="100000"/>
-              </a:lnSpc>
-              <a:spcBef>
-                <a:spcPts val="879"/>
-              </a:spcBef>
-              <a:buClr>
-                <a:srgbClr val="000000"/>
-              </a:buClr>
-              <a:buFont typeface="Arial"/>
-              <a:buChar char="•"/>
-            </a:pPr>
-            <a:r>
-              <a:rPr b="0" lang="en-US" sz="4400" spc="-1" strike="noStrike">
-                <a:solidFill>
-                  <a:srgbClr val="000000"/>
-                </a:solidFill>
-                <a:latin typeface="Arial Narrow"/>
-              </a:rPr>
-              <a:t>Allow room for experimental tools</a:t>
-            </a:r>
-            <a:endParaRPr b="0" lang="en-US" sz="4400" spc="-1" strike="noStrike">
-              <a:latin typeface="Arial"/>
-            </a:endParaRPr>
-          </a:p>
-          <a:p>
-            <a:pPr marL="895320" indent="-894600" algn="just">
-              <a:lnSpc>
-                <a:spcPct val="100000"/>
-              </a:lnSpc>
-              <a:spcBef>
-                <a:spcPts val="879"/>
-              </a:spcBef>
-              <a:buClr>
-                <a:srgbClr val="000000"/>
-              </a:buClr>
-              <a:buFont typeface="Arial"/>
-              <a:buChar char="•"/>
-            </a:pPr>
-            <a:r>
-              <a:rPr b="0" lang="en-US" sz="4400" spc="-1" strike="noStrike">
-                <a:solidFill>
-                  <a:srgbClr val="000000"/>
-                </a:solidFill>
-                <a:latin typeface="Arial Narrow"/>
-              </a:rPr>
-              <a:t>Consolidate protocols and reproducibility</a:t>
-            </a:r>
-            <a:endParaRPr b="0" lang="en-US" sz="4400" spc="-1" strike="noStrike">
-              <a:latin typeface="Arial"/>
-            </a:endParaRPr>
-          </a:p>
-          <a:p>
-            <a:pPr algn="just">
-              <a:lnSpc>
-                <a:spcPct val="100000"/>
-              </a:lnSpc>
-              <a:spcBef>
-                <a:spcPts val="879"/>
-              </a:spcBef>
-            </a:pPr>
-            <a:endParaRPr b="0" lang="en-US" sz="4400" spc="-1" strike="noStrike">
-              <a:latin typeface="Arial"/>
-            </a:endParaRPr>
-          </a:p>
-          <a:p>
-            <a:pPr algn="just">
-              <a:lnSpc>
-                <a:spcPct val="100000"/>
-              </a:lnSpc>
-              <a:spcBef>
-                <a:spcPts val="879"/>
-              </a:spcBef>
-            </a:pPr>
-            <a:endParaRPr b="0" lang="en-US" sz="4400" spc="-1" strike="noStrike">
-              <a:latin typeface="Arial"/>
-            </a:endParaRPr>
-          </a:p>
-          <a:p>
-            <a:pPr algn="just">
-              <a:lnSpc>
-                <a:spcPct val="100000"/>
-              </a:lnSpc>
-              <a:spcBef>
-                <a:spcPts val="879"/>
-              </a:spcBef>
-            </a:pPr>
-            <a:endParaRPr b="0" lang="en-US" sz="4400" spc="-1" strike="noStrike">
-              <a:latin typeface="Arial"/>
-            </a:endParaRPr>
-          </a:p>
-          <a:p>
-            <a:pPr algn="just">
-              <a:lnSpc>
-                <a:spcPct val="100000"/>
-              </a:lnSpc>
-              <a:spcBef>
-                <a:spcPts val="879"/>
-              </a:spcBef>
-            </a:pPr>
-            <a:endParaRPr b="0" lang="en-US" sz="4400" spc="-1" strike="noStrike">
-              <a:latin typeface="Arial"/>
-            </a:endParaRPr>
-          </a:p>
-          <a:p>
-            <a:pPr algn="just">
-              <a:lnSpc>
-                <a:spcPct val="100000"/>
-              </a:lnSpc>
-              <a:spcBef>
-                <a:spcPts val="879"/>
-              </a:spcBef>
-            </a:pPr>
-            <a:endParaRPr b="0" lang="en-US" sz="4400" spc="-1" strike="noStrike">
-              <a:latin typeface="Arial"/>
-            </a:endParaRPr>
-          </a:p>
-          <a:p>
-            <a:pPr algn="just">
-              <a:lnSpc>
-                <a:spcPct val="100000"/>
-              </a:lnSpc>
-              <a:spcBef>
-                <a:spcPts val="879"/>
-              </a:spcBef>
-            </a:pPr>
-            <a:endParaRPr b="0" lang="en-US" sz="4400" spc="-1" strike="noStrike">
-              <a:latin typeface="Arial"/>
-            </a:endParaRPr>
-          </a:p>
-          <a:p>
-            <a:pPr algn="just">
-              <a:lnSpc>
-                <a:spcPct val="100000"/>
-              </a:lnSpc>
-              <a:spcBef>
-                <a:spcPts val="879"/>
-              </a:spcBef>
-            </a:pPr>
-            <a:endParaRPr b="0" lang="en-US" sz="4400" spc="-1" strike="noStrike">
-              <a:latin typeface="Arial"/>
-            </a:endParaRPr>
-          </a:p>
-          <a:p>
-            <a:pPr algn="just">
-              <a:lnSpc>
-                <a:spcPct val="100000"/>
-              </a:lnSpc>
-              <a:spcBef>
-                <a:spcPts val="879"/>
-              </a:spcBef>
-            </a:pPr>
-            <a:endParaRPr b="0" lang="en-US" sz="4400" spc="-1" strike="noStrike">
-              <a:latin typeface="Arial"/>
-            </a:endParaRPr>
-          </a:p>
-          <a:p>
-            <a:pPr algn="just">
-              <a:lnSpc>
-                <a:spcPct val="100000"/>
-              </a:lnSpc>
-              <a:spcBef>
-                <a:spcPts val="879"/>
-              </a:spcBef>
-            </a:pPr>
-            <a:endParaRPr b="0" lang="en-US" sz="4400" spc="-1" strike="noStrike">
-              <a:latin typeface="Arial"/>
-            </a:endParaRPr>
-          </a:p>
-          <a:p>
-            <a:pPr algn="just">
-              <a:lnSpc>
-                <a:spcPct val="100000"/>
-              </a:lnSpc>
-              <a:spcBef>
-                <a:spcPts val="879"/>
-              </a:spcBef>
-            </a:pPr>
-            <a:r>
-              <a:rPr b="0" lang="en-US" sz="4400" spc="-1" strike="noStrike">
-                <a:solidFill>
-                  <a:srgbClr val="000000"/>
-                </a:solidFill>
-                <a:latin typeface="Arial Narrow"/>
-              </a:rPr>
-              <a:t> </a:t>
-            </a:r>
-            <a:endParaRPr b="0" lang="en-US" sz="4400" spc="-1" strike="noStrike">
-              <a:latin typeface="Arial"/>
-            </a:endParaRPr>
-          </a:p>
-          <a:p>
-            <a:pPr algn="just">
-              <a:lnSpc>
-                <a:spcPct val="100000"/>
-              </a:lnSpc>
-              <a:spcBef>
-                <a:spcPts val="879"/>
-              </a:spcBef>
-            </a:pPr>
-            <a:endParaRPr b="0" lang="en-US" sz="4400" spc="-1" strike="noStrike">
-              <a:latin typeface="Arial"/>
-            </a:endParaRPr>
-          </a:p>
-          <a:p>
-            <a:pPr algn="just">
-              <a:lnSpc>
-                <a:spcPct val="100000"/>
-              </a:lnSpc>
-              <a:spcBef>
-                <a:spcPts val="879"/>
-              </a:spcBef>
-            </a:pPr>
-            <a:endParaRPr b="0" lang="en-US" sz="4400" spc="-1" strike="noStrike">
-              <a:latin typeface="Arial"/>
-            </a:endParaRPr>
-          </a:p>
-          <a:p>
-            <a:pPr marL="1566720" indent="-1566000">
-              <a:lnSpc>
-                <a:spcPct val="100000"/>
-              </a:lnSpc>
-              <a:spcBef>
-                <a:spcPts val="879"/>
-              </a:spcBef>
-            </a:pPr>
-            <a:r>
-              <a:rPr b="1" lang="en-US" sz="4400" spc="-1" strike="noStrike">
-                <a:solidFill>
-                  <a:srgbClr val="000000"/>
-                </a:solidFill>
-                <a:latin typeface="Arial Narrow"/>
-              </a:rPr>
-              <a:t>Poster Content</a:t>
-            </a:r>
-            <a:endParaRPr b="0" lang="en-US" sz="4400" spc="-1" strike="noStrike">
               <a:latin typeface="Arial"/>
             </a:endParaRPr>
           </a:p>
@@ -3342,7 +2989,7 @@
       </p:sp>
       <p:sp>
         <p:nvSpPr>
-          <p:cNvPr id="52" name="CustomShape 10"/>
+          <p:cNvPr id="53" name="CustomShape 10"/>
           <p:cNvSpPr/>
           <p:nvPr/>
         </p:nvSpPr>
@@ -3372,7 +3019,7 @@
       </p:sp>
       <p:sp>
         <p:nvSpPr>
-          <p:cNvPr id="53" name="CustomShape 11"/>
+          <p:cNvPr id="54" name="CustomShape 11"/>
           <p:cNvSpPr/>
           <p:nvPr/>
         </p:nvSpPr>
@@ -3402,7 +3049,7 @@
       </p:sp>
       <p:sp>
         <p:nvSpPr>
-          <p:cNvPr id="54" name="CustomShape 12"/>
+          <p:cNvPr id="55" name="CustomShape 12"/>
           <p:cNvSpPr/>
           <p:nvPr/>
         </p:nvSpPr>
@@ -3432,7 +3079,7 @@
       </p:sp>
       <p:sp>
         <p:nvSpPr>
-          <p:cNvPr id="55" name="TextShape 13"/>
+          <p:cNvPr id="56" name="TextShape 13"/>
           <p:cNvSpPr txBox="1"/>
           <p:nvPr/>
         </p:nvSpPr>
@@ -3478,7 +3125,7 @@
       </p:sp>
       <p:sp>
         <p:nvSpPr>
-          <p:cNvPr id="56" name="TextShape 14"/>
+          <p:cNvPr id="57" name="TextShape 14"/>
           <p:cNvSpPr txBox="1"/>
           <p:nvPr/>
         </p:nvSpPr>
@@ -3503,391 +3150,7 @@
               <a:rPr b="0" lang="en-US" sz="4400" spc="-1" strike="noStrike">
                 <a:latin typeface="Arial Narrow"/>
               </a:rPr>
-              <a:t>T</a:t>
-            </a:r>
-            <a:r>
-              <a:rPr b="0" lang="en-US" sz="4400" spc="-1" strike="noStrike">
-                <a:latin typeface="Arial Narrow"/>
-              </a:rPr>
-              <a:t>o</a:t>
-            </a:r>
-            <a:r>
-              <a:rPr b="0" lang="en-US" sz="4400" spc="-1" strike="noStrike">
-                <a:latin typeface="Arial Narrow"/>
-              </a:rPr>
-              <a:t>o</a:t>
-            </a:r>
-            <a:r>
-              <a:rPr b="0" lang="en-US" sz="4400" spc="-1" strike="noStrike">
-                <a:latin typeface="Arial Narrow"/>
-              </a:rPr>
-              <a:t>l </a:t>
-            </a:r>
-            <a:r>
-              <a:rPr b="0" lang="en-US" sz="4400" spc="-1" strike="noStrike">
-                <a:latin typeface="Arial Narrow"/>
-              </a:rPr>
-              <a:t>o</a:t>
-            </a:r>
-            <a:r>
-              <a:rPr b="0" lang="en-US" sz="4400" spc="-1" strike="noStrike">
-                <a:latin typeface="Arial Narrow"/>
-              </a:rPr>
-              <a:t>p</a:t>
-            </a:r>
-            <a:r>
-              <a:rPr b="0" lang="en-US" sz="4400" spc="-1" strike="noStrike">
-                <a:latin typeface="Arial Narrow"/>
-              </a:rPr>
-              <a:t>e</a:t>
-            </a:r>
-            <a:r>
-              <a:rPr b="0" lang="en-US" sz="4400" spc="-1" strike="noStrike">
-                <a:latin typeface="Arial Narrow"/>
-              </a:rPr>
-              <a:t>r</a:t>
-            </a:r>
-            <a:r>
-              <a:rPr b="0" lang="en-US" sz="4400" spc="-1" strike="noStrike">
-                <a:latin typeface="Arial Narrow"/>
-              </a:rPr>
-              <a:t>a</a:t>
-            </a:r>
-            <a:r>
-              <a:rPr b="0" lang="en-US" sz="4400" spc="-1" strike="noStrike">
-                <a:latin typeface="Arial Narrow"/>
-              </a:rPr>
-              <a:t>t</a:t>
-            </a:r>
-            <a:r>
-              <a:rPr b="0" lang="en-US" sz="4400" spc="-1" strike="noStrike">
-                <a:latin typeface="Arial Narrow"/>
-              </a:rPr>
-              <a:t>i</a:t>
-            </a:r>
-            <a:r>
-              <a:rPr b="0" lang="en-US" sz="4400" spc="-1" strike="noStrike">
-                <a:latin typeface="Arial Narrow"/>
-              </a:rPr>
-              <a:t>o</a:t>
-            </a:r>
-            <a:r>
-              <a:rPr b="0" lang="en-US" sz="4400" spc="-1" strike="noStrike">
-                <a:latin typeface="Arial Narrow"/>
-              </a:rPr>
-              <a:t>n</a:t>
-            </a:r>
-            <a:r>
-              <a:rPr b="0" lang="en-US" sz="4400" spc="-1" strike="noStrike">
-                <a:latin typeface="Arial Narrow"/>
-              </a:rPr>
-              <a:t>s</a:t>
-            </a:r>
-            <a:r>
-              <a:rPr b="0" lang="en-US" sz="4400" spc="-1" strike="noStrike">
-                <a:latin typeface="Arial Narrow"/>
-              </a:rPr>
-              <a:t> </a:t>
-            </a:r>
-            <a:r>
-              <a:rPr b="0" lang="en-US" sz="4400" spc="-1" strike="noStrike">
-                <a:latin typeface="Arial Narrow"/>
-              </a:rPr>
-              <a:t>a</a:t>
-            </a:r>
-            <a:r>
-              <a:rPr b="0" lang="en-US" sz="4400" spc="-1" strike="noStrike">
-                <a:latin typeface="Arial Narrow"/>
-              </a:rPr>
-              <a:t>n</a:t>
-            </a:r>
-            <a:r>
-              <a:rPr b="0" lang="en-US" sz="4400" spc="-1" strike="noStrike">
-                <a:latin typeface="Arial Narrow"/>
-              </a:rPr>
-              <a:t>d</a:t>
-            </a:r>
-            <a:r>
-              <a:rPr b="0" lang="en-US" sz="4400" spc="-1" strike="noStrike">
-                <a:latin typeface="Arial Narrow"/>
-              </a:rPr>
-              <a:t> </a:t>
-            </a:r>
-            <a:r>
-              <a:rPr b="0" lang="en-US" sz="4400" spc="-1" strike="noStrike">
-                <a:latin typeface="Arial Narrow"/>
-              </a:rPr>
-              <a:t>i</a:t>
-            </a:r>
-            <a:r>
-              <a:rPr b="0" lang="en-US" sz="4400" spc="-1" strike="noStrike">
-                <a:latin typeface="Arial Narrow"/>
-              </a:rPr>
-              <a:t>n</a:t>
-            </a:r>
-            <a:r>
-              <a:rPr b="0" lang="en-US" sz="4400" spc="-1" strike="noStrike">
-                <a:latin typeface="Arial Narrow"/>
-              </a:rPr>
-              <a:t>p</a:t>
-            </a:r>
-            <a:r>
-              <a:rPr b="0" lang="en-US" sz="4400" spc="-1" strike="noStrike">
-                <a:latin typeface="Arial Narrow"/>
-              </a:rPr>
-              <a:t>u</a:t>
-            </a:r>
-            <a:r>
-              <a:rPr b="0" lang="en-US" sz="4400" spc="-1" strike="noStrike">
-                <a:latin typeface="Arial Narrow"/>
-              </a:rPr>
-              <a:t>t </a:t>
-            </a:r>
-            <a:r>
-              <a:rPr b="0" lang="en-US" sz="4400" spc="-1" strike="noStrike">
-                <a:latin typeface="Arial Narrow"/>
-              </a:rPr>
-              <a:t>/ </a:t>
-            </a:r>
-            <a:r>
-              <a:rPr b="0" lang="en-US" sz="4400" spc="-1" strike="noStrike">
-                <a:latin typeface="Arial Narrow"/>
-              </a:rPr>
-              <a:t>o</a:t>
-            </a:r>
-            <a:r>
-              <a:rPr b="0" lang="en-US" sz="4400" spc="-1" strike="noStrike">
-                <a:latin typeface="Arial Narrow"/>
-              </a:rPr>
-              <a:t>u</a:t>
-            </a:r>
-            <a:r>
-              <a:rPr b="0" lang="en-US" sz="4400" spc="-1" strike="noStrike">
-                <a:latin typeface="Arial Narrow"/>
-              </a:rPr>
-              <a:t>t</a:t>
-            </a:r>
-            <a:r>
-              <a:rPr b="0" lang="en-US" sz="4400" spc="-1" strike="noStrike">
-                <a:latin typeface="Arial Narrow"/>
-              </a:rPr>
-              <a:t>p</a:t>
-            </a:r>
-            <a:r>
-              <a:rPr b="0" lang="en-US" sz="4400" spc="-1" strike="noStrike">
-                <a:latin typeface="Arial Narrow"/>
-              </a:rPr>
-              <a:t>u</a:t>
-            </a:r>
-            <a:r>
-              <a:rPr b="0" lang="en-US" sz="4400" spc="-1" strike="noStrike">
-                <a:latin typeface="Arial Narrow"/>
-              </a:rPr>
-              <a:t>t </a:t>
-            </a:r>
-            <a:r>
-              <a:rPr b="0" lang="en-US" sz="4400" spc="-1" strike="noStrike">
-                <a:latin typeface="Arial Narrow"/>
-              </a:rPr>
-              <a:t>f</a:t>
-            </a:r>
-            <a:r>
-              <a:rPr b="0" lang="en-US" sz="4400" spc="-1" strike="noStrike">
-                <a:latin typeface="Arial Narrow"/>
-              </a:rPr>
-              <a:t>o</a:t>
-            </a:r>
-            <a:r>
-              <a:rPr b="0" lang="en-US" sz="4400" spc="-1" strike="noStrike">
-                <a:latin typeface="Arial Narrow"/>
-              </a:rPr>
-              <a:t>r</a:t>
-            </a:r>
-            <a:r>
-              <a:rPr b="0" lang="en-US" sz="4400" spc="-1" strike="noStrike">
-                <a:latin typeface="Arial Narrow"/>
-              </a:rPr>
-              <a:t>m</a:t>
-            </a:r>
-            <a:r>
-              <a:rPr b="0" lang="en-US" sz="4400" spc="-1" strike="noStrike">
-                <a:latin typeface="Arial Narrow"/>
-              </a:rPr>
-              <a:t>a</a:t>
-            </a:r>
-            <a:r>
-              <a:rPr b="0" lang="en-US" sz="4400" spc="-1" strike="noStrike">
-                <a:latin typeface="Arial Narrow"/>
-              </a:rPr>
-              <a:t>t</a:t>
-            </a:r>
-            <a:r>
-              <a:rPr b="0" lang="en-US" sz="4400" spc="-1" strike="noStrike">
-                <a:latin typeface="Arial Narrow"/>
-              </a:rPr>
-              <a:t>s</a:t>
-            </a:r>
-            <a:r>
-              <a:rPr b="0" lang="en-US" sz="4400" spc="-1" strike="noStrike">
-                <a:latin typeface="Arial Narrow"/>
-              </a:rPr>
-              <a:t> </a:t>
-            </a:r>
-            <a:r>
-              <a:rPr b="0" lang="en-US" sz="4400" spc="-1" strike="noStrike">
-                <a:latin typeface="Arial Narrow"/>
-              </a:rPr>
-              <a:t>t</a:t>
-            </a:r>
-            <a:r>
-              <a:rPr b="0" lang="en-US" sz="4400" spc="-1" strike="noStrike">
-                <a:latin typeface="Arial Narrow"/>
-              </a:rPr>
-              <a:t>h</a:t>
-            </a:r>
-            <a:r>
-              <a:rPr b="0" lang="en-US" sz="4400" spc="-1" strike="noStrike">
-                <a:latin typeface="Arial Narrow"/>
-              </a:rPr>
-              <a:t>r</a:t>
-            </a:r>
-            <a:r>
-              <a:rPr b="0" lang="en-US" sz="4400" spc="-1" strike="noStrike">
-                <a:latin typeface="Arial Narrow"/>
-              </a:rPr>
-              <a:t>o</a:t>
-            </a:r>
-            <a:r>
-              <a:rPr b="0" lang="en-US" sz="4400" spc="-1" strike="noStrike">
-                <a:latin typeface="Arial Narrow"/>
-              </a:rPr>
-              <a:t>u</a:t>
-            </a:r>
-            <a:r>
-              <a:rPr b="0" lang="en-US" sz="4400" spc="-1" strike="noStrike">
-                <a:latin typeface="Arial Narrow"/>
-              </a:rPr>
-              <a:t>g</a:t>
-            </a:r>
-            <a:r>
-              <a:rPr b="0" lang="en-US" sz="4400" spc="-1" strike="noStrike">
-                <a:latin typeface="Arial Narrow"/>
-              </a:rPr>
-              <a:t>h</a:t>
-            </a:r>
-            <a:r>
-              <a:rPr b="0" lang="en-US" sz="4400" spc="-1" strike="noStrike">
-                <a:latin typeface="Arial Narrow"/>
-              </a:rPr>
-              <a:t> </a:t>
-            </a:r>
-            <a:r>
-              <a:rPr b="0" lang="en-US" sz="4400" spc="-1" strike="noStrike">
-                <a:latin typeface="Arial Narrow"/>
-              </a:rPr>
-              <a:t>E</a:t>
-            </a:r>
-            <a:r>
-              <a:rPr b="0" lang="en-US" sz="4400" spc="-1" strike="noStrike">
-                <a:latin typeface="Arial Narrow"/>
-              </a:rPr>
-              <a:t>l</a:t>
-            </a:r>
-            <a:r>
-              <a:rPr b="0" lang="en-US" sz="4400" spc="-1" strike="noStrike">
-                <a:latin typeface="Arial Narrow"/>
-              </a:rPr>
-              <a:t>i</a:t>
-            </a:r>
-            <a:r>
-              <a:rPr b="0" lang="en-US" sz="4400" spc="-1" strike="noStrike">
-                <a:latin typeface="Arial Narrow"/>
-              </a:rPr>
-              <a:t>x</a:t>
-            </a:r>
-            <a:r>
-              <a:rPr b="0" lang="en-US" sz="4400" spc="-1" strike="noStrike">
-                <a:latin typeface="Arial Narrow"/>
-              </a:rPr>
-              <a:t>i</a:t>
-            </a:r>
-            <a:r>
-              <a:rPr b="0" lang="en-US" sz="4400" spc="-1" strike="noStrike">
-                <a:latin typeface="Arial Narrow"/>
-              </a:rPr>
-              <a:t>r</a:t>
-            </a:r>
-            <a:r>
-              <a:rPr b="0" lang="en-US" sz="4400" spc="-1" strike="noStrike">
-                <a:latin typeface="Arial Narrow"/>
-              </a:rPr>
-              <a:t>’</a:t>
-            </a:r>
-            <a:r>
-              <a:rPr b="0" lang="en-US" sz="4400" spc="-1" strike="noStrike">
-                <a:latin typeface="Arial Narrow"/>
-              </a:rPr>
-              <a:t>s</a:t>
-            </a:r>
-            <a:r>
-              <a:rPr b="0" lang="en-US" sz="4400" spc="-1" strike="noStrike">
-                <a:latin typeface="Arial Narrow"/>
-              </a:rPr>
-              <a:t> </a:t>
-            </a:r>
-            <a:r>
-              <a:rPr b="0" lang="en-US" sz="4400" spc="-1" strike="noStrike">
-                <a:latin typeface="Arial Narrow"/>
-              </a:rPr>
-              <a:t>b</a:t>
-            </a:r>
-            <a:r>
-              <a:rPr b="0" lang="en-US" sz="4400" spc="-1" strike="noStrike">
-                <a:latin typeface="Arial Narrow"/>
-              </a:rPr>
-              <a:t>i</a:t>
-            </a:r>
-            <a:r>
-              <a:rPr b="0" lang="en-US" sz="4400" spc="-1" strike="noStrike">
-                <a:latin typeface="Arial Narrow"/>
-              </a:rPr>
-              <a:t>o</a:t>
-            </a:r>
-            <a:r>
-              <a:rPr b="0" lang="en-US" sz="4400" spc="-1" strike="noStrike">
-                <a:latin typeface="Arial Narrow"/>
-              </a:rPr>
-              <a:t>.</a:t>
-            </a:r>
-            <a:r>
-              <a:rPr b="0" lang="en-US" sz="4400" spc="-1" strike="noStrike">
-                <a:latin typeface="Arial Narrow"/>
-              </a:rPr>
-              <a:t>t</a:t>
-            </a:r>
-            <a:r>
-              <a:rPr b="0" lang="en-US" sz="4400" spc="-1" strike="noStrike">
-                <a:latin typeface="Arial Narrow"/>
-              </a:rPr>
-              <a:t>o</a:t>
-            </a:r>
-            <a:r>
-              <a:rPr b="0" lang="en-US" sz="4400" spc="-1" strike="noStrike">
-                <a:latin typeface="Arial Narrow"/>
-              </a:rPr>
-              <a:t>o</a:t>
-            </a:r>
-            <a:r>
-              <a:rPr b="0" lang="en-US" sz="4400" spc="-1" strike="noStrike">
-                <a:latin typeface="Arial Narrow"/>
-              </a:rPr>
-              <a:t>l</a:t>
-            </a:r>
-            <a:r>
-              <a:rPr b="0" lang="en-US" sz="4400" spc="-1" strike="noStrike">
-                <a:latin typeface="Arial Narrow"/>
-              </a:rPr>
-              <a:t>s</a:t>
+              <a:t>Tool operations and input / output formats through Elixir’s bio.tools</a:t>
             </a:r>
             <a:endParaRPr b="0" lang="en-US" sz="4400" spc="-1" strike="noStrike">
               <a:latin typeface="Arial"/>
@@ -3903,7 +3166,7 @@
       </p:sp>
       <p:sp>
         <p:nvSpPr>
-          <p:cNvPr id="57" name="TextShape 15"/>
+          <p:cNvPr id="58" name="TextShape 15"/>
           <p:cNvSpPr txBox="1"/>
           <p:nvPr/>
         </p:nvSpPr>
@@ -3937,6 +3200,186 @@
           <a:p>
             <a:pPr algn="just"/>
             <a:endParaRPr b="0" lang="en-US" sz="4400" spc="-1" strike="noStrike">
+              <a:latin typeface="Arial Narrow"/>
+            </a:endParaRPr>
+          </a:p>
+        </p:txBody>
+      </p:sp>
+      <p:pic>
+        <p:nvPicPr>
+          <p:cNvPr id="59" name="" descr=""/>
+          <p:cNvPicPr/>
+          <p:nvPr/>
+        </p:nvPicPr>
+        <p:blipFill>
+          <a:blip r:embed="rId4"/>
+          <a:stretch/>
+        </p:blipFill>
+        <p:spPr>
+          <a:xfrm>
+            <a:off x="2358000" y="39322080"/>
+            <a:ext cx="9401760" cy="1946520"/>
+          </a:xfrm>
+          <a:prstGeom prst="rect">
+            <a:avLst/>
+          </a:prstGeom>
+          <a:ln>
+            <a:noFill/>
+          </a:ln>
+        </p:spPr>
+      </p:pic>
+      <p:pic>
+        <p:nvPicPr>
+          <p:cNvPr id="60" name="" descr=""/>
+          <p:cNvPicPr/>
+          <p:nvPr/>
+        </p:nvPicPr>
+        <p:blipFill>
+          <a:blip r:embed="rId5"/>
+          <a:stretch/>
+        </p:blipFill>
+        <p:spPr>
+          <a:xfrm>
+            <a:off x="22348800" y="39322080"/>
+            <a:ext cx="2764080" cy="1920240"/>
+          </a:xfrm>
+          <a:prstGeom prst="rect">
+            <a:avLst/>
+          </a:prstGeom>
+          <a:ln>
+            <a:noFill/>
+          </a:ln>
+        </p:spPr>
+      </p:pic>
+      <p:pic>
+        <p:nvPicPr>
+          <p:cNvPr id="61" name="" descr=""/>
+          <p:cNvPicPr/>
+          <p:nvPr/>
+        </p:nvPicPr>
+        <p:blipFill>
+          <a:blip r:embed="rId6"/>
+          <a:stretch/>
+        </p:blipFill>
+        <p:spPr>
+          <a:xfrm>
+            <a:off x="25205760" y="39322080"/>
+            <a:ext cx="2786040" cy="1920240"/>
+          </a:xfrm>
+          <a:prstGeom prst="rect">
+            <a:avLst/>
+          </a:prstGeom>
+          <a:ln>
+            <a:noFill/>
+          </a:ln>
+        </p:spPr>
+      </p:pic>
+      <p:sp>
+        <p:nvSpPr>
+          <p:cNvPr id="62" name="TextShape 16"/>
+          <p:cNvSpPr txBox="1"/>
+          <p:nvPr/>
+        </p:nvSpPr>
+        <p:spPr>
+          <a:xfrm>
+            <a:off x="11801880" y="39322080"/>
+            <a:ext cx="6267960" cy="1996200"/>
+          </a:xfrm>
+          <a:prstGeom prst="rect">
+            <a:avLst/>
+          </a:prstGeom>
+          <a:noFill/>
+          <a:ln>
+            <a:noFill/>
+          </a:ln>
+        </p:spPr>
+        <p:txBody>
+          <a:bodyPr lIns="90000" rIns="90000" tIns="45000" bIns="45000"/>
+          <a:p>
+            <a:pPr algn="just">
+              <a:lnSpc>
+                <a:spcPct val="115000"/>
+              </a:lnSpc>
+            </a:pPr>
+            <a:r>
+              <a:rPr b="0" lang="en-US" sz="3600" spc="-1" strike="noStrike">
+                <a:solidFill>
+                  <a:srgbClr val="ffffff"/>
+                </a:solidFill>
+                <a:latin typeface="Arial Narrow"/>
+              </a:rPr>
+              <a:t>Systems Biology and Bioinformatics</a:t>
+            </a:r>
+            <a:endParaRPr b="0" lang="en-US" sz="3600" spc="-1" strike="noStrike">
+              <a:solidFill>
+                <a:srgbClr val="ffffff"/>
+              </a:solidFill>
+              <a:latin typeface="Arial Narrow"/>
+            </a:endParaRPr>
+          </a:p>
+          <a:p>
+            <a:pPr algn="just">
+              <a:lnSpc>
+                <a:spcPct val="115000"/>
+              </a:lnSpc>
+            </a:pPr>
+            <a:r>
+              <a:rPr b="0" lang="en-US" sz="3600" spc="-1" strike="noStrike">
+                <a:solidFill>
+                  <a:srgbClr val="ffffff"/>
+                </a:solidFill>
+                <a:latin typeface="Arial Narrow"/>
+              </a:rPr>
+              <a:t>University of Rostock</a:t>
+            </a:r>
+            <a:endParaRPr b="0" lang="en-US" sz="3600" spc="-1" strike="noStrike">
+              <a:solidFill>
+                <a:srgbClr val="ffffff"/>
+              </a:solidFill>
+              <a:latin typeface="Arial Narrow"/>
+            </a:endParaRPr>
+          </a:p>
+          <a:p>
+            <a:pPr algn="just">
+              <a:lnSpc>
+                <a:spcPct val="115000"/>
+              </a:lnSpc>
+            </a:pPr>
+            <a:r>
+              <a:rPr b="0" lang="en-US" sz="3600" spc="-1" strike="noStrike">
+                <a:solidFill>
+                  <a:srgbClr val="ffffff"/>
+                </a:solidFill>
+                <a:latin typeface="Arial Narrow"/>
+              </a:rPr>
+              <a:t>Ulmenstr. 69, 18051 Rostock</a:t>
+            </a:r>
+            <a:endParaRPr b="0" lang="en-US" sz="3600" spc="-1" strike="noStrike">
+              <a:solidFill>
+                <a:srgbClr val="ffffff"/>
+              </a:solidFill>
+              <a:latin typeface="Arial Narrow"/>
+            </a:endParaRPr>
+          </a:p>
+          <a:p>
+            <a:pPr algn="just">
+              <a:lnSpc>
+                <a:spcPct val="115000"/>
+              </a:lnSpc>
+            </a:pPr>
+            <a:r>
+              <a:rPr b="1" lang="en-US" sz="3600" spc="-1" strike="noStrike">
+                <a:solidFill>
+                  <a:srgbClr val="ffffff"/>
+                </a:solidFill>
+                <a:latin typeface="Arial Narrow"/>
+              </a:rPr>
+              <a:t>www.sbi.uni-rostock.de</a:t>
+            </a:r>
+            <a:endParaRPr b="0" lang="en-US" sz="3600" spc="-1" strike="noStrike">
+              <a:solidFill>
+                <a:srgbClr val="ffffff"/>
+              </a:solidFill>
               <a:latin typeface="Arial Narrow"/>
             </a:endParaRPr>
           </a:p>

--- a/2017-11-23__rostock__forschungscamp/poster.pptx
+++ b/2017-11-23__rostock__forschungscamp/poster.pptx
@@ -1929,8 +1929,8 @@
         </p:blipFill>
         <p:spPr>
           <a:xfrm rot="10795200">
-            <a:off x="2358000" y="41299920"/>
-            <a:ext cx="25658640" cy="1497960"/>
+            <a:off x="2250000" y="41291640"/>
+            <a:ext cx="25857000" cy="1509480"/>
           </a:xfrm>
           <a:prstGeom prst="rect">
             <a:avLst/>
@@ -2287,8 +2287,8 @@
         </p:nvSpPr>
         <p:spPr>
           <a:xfrm>
-            <a:off x="14204880" y="41583240"/>
-            <a:ext cx="19476720" cy="844920"/>
+            <a:off x="16688880" y="41583240"/>
+            <a:ext cx="11295360" cy="844920"/>
           </a:xfrm>
           <a:prstGeom prst="rect">
             <a:avLst/>
@@ -2307,9 +2307,9 @@
         <p:txBody>
           <a:bodyPr lIns="0" rIns="417600" tIns="208800" bIns="208800" anchor="ctr"/>
           <a:p>
-            <a:pPr>
+            <a:pPr algn="just">
               <a:lnSpc>
-                <a:spcPct val="150000"/>
+                <a:spcPct val="100000"/>
               </a:lnSpc>
             </a:pPr>
             <a:r>
@@ -2317,15 +2317,15 @@
                 <a:solidFill>
                   <a:srgbClr val="ffffff"/>
                 </a:solidFill>
-                <a:latin typeface="Arial Narrow"/>
-              </a:rPr>
-              <a:t>#forschungscamp2017 #galaxy #elixir #RNA #EDAM #AI #denbi</a:t>
+                <a:latin typeface="Verdana"/>
+              </a:rPr>
+              <a:t>#forschungscamp2017 #galaxy #elixir #RNA #EDAM #AI #de.NBI</a:t>
             </a:r>
             <a:endParaRPr b="1" lang="en-US" sz="4400" spc="-1" strike="noStrike">
               <a:solidFill>
                 <a:srgbClr val="ffffff"/>
               </a:solidFill>
-              <a:latin typeface="Arial Narrow"/>
+              <a:latin typeface="Verdana"/>
             </a:endParaRPr>
           </a:p>
         </p:txBody>
@@ -2637,7 +2637,7 @@
         </p:nvSpPr>
         <p:spPr>
           <a:xfrm>
-            <a:off x="15475680" y="9969840"/>
+            <a:off x="15475680" y="10041840"/>
             <a:ext cx="11795760" cy="26030160"/>
           </a:xfrm>
           <a:prstGeom prst="rect">
@@ -2995,7 +2995,7 @@
         </p:nvSpPr>
         <p:spPr>
           <a:xfrm>
-            <a:off x="2743200" y="25603200"/>
+            <a:off x="3031200" y="25603200"/>
             <a:ext cx="7589520" cy="2834640"/>
           </a:xfrm>
           <a:prstGeom prst="rect">
@@ -3004,10 +3004,11 @@
           <a:solidFill>
             <a:srgbClr val="ffffff"/>
           </a:solidFill>
-          <a:ln>
+          <a:ln w="19080">
             <a:solidFill>
               <a:srgbClr val="3465a4"/>
             </a:solidFill>
+            <a:round/>
           </a:ln>
         </p:spPr>
         <p:style>
@@ -3025,7 +3026,7 @@
         </p:nvSpPr>
         <p:spPr>
           <a:xfrm>
-            <a:off x="2743200" y="29671200"/>
+            <a:off x="3031200" y="29275200"/>
             <a:ext cx="7589520" cy="2834640"/>
           </a:xfrm>
           <a:prstGeom prst="rect">
@@ -3034,10 +3035,11 @@
           <a:solidFill>
             <a:srgbClr val="ffffff"/>
           </a:solidFill>
-          <a:ln>
+          <a:ln w="19080">
             <a:solidFill>
               <a:srgbClr val="3465a4"/>
             </a:solidFill>
+            <a:round/>
           </a:ln>
         </p:spPr>
         <p:style>
@@ -3055,7 +3057,7 @@
         </p:nvSpPr>
         <p:spPr>
           <a:xfrm>
-            <a:off x="2743200" y="33847200"/>
+            <a:off x="3031200" y="32947200"/>
             <a:ext cx="7589520" cy="2834640"/>
           </a:xfrm>
           <a:prstGeom prst="rect">
@@ -3064,10 +3066,11 @@
           <a:solidFill>
             <a:srgbClr val="ffffff"/>
           </a:solidFill>
-          <a:ln>
+          <a:ln w="19080">
             <a:solidFill>
               <a:srgbClr val="3465a4"/>
             </a:solidFill>
+            <a:round/>
           </a:ln>
         </p:spPr>
         <p:style>
@@ -3085,7 +3088,7 @@
         </p:nvSpPr>
         <p:spPr>
           <a:xfrm>
-            <a:off x="2928960" y="26364960"/>
+            <a:off x="3216960" y="26364960"/>
             <a:ext cx="7292880" cy="1499040"/>
           </a:xfrm>
           <a:prstGeom prst="rect">
@@ -3131,7 +3134,7 @@
         </p:nvSpPr>
         <p:spPr>
           <a:xfrm>
-            <a:off x="2931840" y="30540960"/>
+            <a:off x="3219840" y="30144960"/>
             <a:ext cx="7290000" cy="1662840"/>
           </a:xfrm>
           <a:prstGeom prst="rect">
@@ -3150,7 +3153,55 @@
               <a:rPr b="0" lang="en-US" sz="4400" spc="-1" strike="noStrike">
                 <a:latin typeface="Arial Narrow"/>
               </a:rPr>
-              <a:t>Tool operations and input / output formats through Elixir’s bio.tools</a:t>
+              <a:t>Tool </a:t>
+            </a:r>
+            <a:r>
+              <a:rPr b="0" lang="en-US" sz="4400" spc="-1" strike="noStrike">
+                <a:latin typeface="Arial Narrow"/>
+              </a:rPr>
+              <a:t>operatio</a:t>
+            </a:r>
+            <a:r>
+              <a:rPr b="0" lang="en-US" sz="4400" spc="-1" strike="noStrike">
+                <a:latin typeface="Arial Narrow"/>
+              </a:rPr>
+              <a:t>ns and </a:t>
+            </a:r>
+            <a:r>
+              <a:rPr b="0" lang="en-US" sz="4400" spc="-1" strike="noStrike">
+                <a:latin typeface="Arial Narrow"/>
+              </a:rPr>
+              <a:t>input / </a:t>
+            </a:r>
+            <a:r>
+              <a:rPr b="0" lang="en-US" sz="4400" spc="-1" strike="noStrike">
+                <a:latin typeface="Arial Narrow"/>
+              </a:rPr>
+              <a:t>output </a:t>
+            </a:r>
+            <a:r>
+              <a:rPr b="0" lang="en-US" sz="4400" spc="-1" strike="noStrike">
+                <a:latin typeface="Arial Narrow"/>
+              </a:rPr>
+              <a:t>formats </a:t>
+            </a:r>
+            <a:r>
+              <a:rPr b="0" lang="en-US" sz="4400" spc="-1" strike="noStrike">
+                <a:latin typeface="Arial Narrow"/>
+              </a:rPr>
+              <a:t>through </a:t>
+            </a:r>
+            <a:r>
+              <a:rPr b="0" lang="en-US" sz="4400" spc="-1" strike="noStrike">
+                <a:latin typeface="Arial Narrow"/>
+              </a:rPr>
+              <a:t>Elixir’s </a:t>
+            </a:r>
+            <a:r>
+              <a:rPr b="0" lang="en-US" sz="4400" spc="-1" strike="noStrike">
+                <a:latin typeface="Arial Narrow"/>
+              </a:rPr>
+              <a:t>bio.tools</a:t>
             </a:r>
             <a:endParaRPr b="0" lang="en-US" sz="4400" spc="-1" strike="noStrike">
               <a:latin typeface="Arial"/>
@@ -3172,7 +3223,7 @@
         </p:nvSpPr>
         <p:spPr>
           <a:xfrm>
-            <a:off x="2926080" y="34683120"/>
+            <a:off x="3214080" y="33783120"/>
             <a:ext cx="7223760" cy="1662840"/>
           </a:xfrm>
           <a:prstGeom prst="rect">
@@ -3217,7 +3268,7 @@
         </p:blipFill>
         <p:spPr>
           <a:xfrm>
-            <a:off x="2358000" y="39322080"/>
+            <a:off x="2250000" y="39322080"/>
             <a:ext cx="9401760" cy="1946520"/>
           </a:xfrm>
           <a:prstGeom prst="rect">
@@ -3240,7 +3291,7 @@
         </p:blipFill>
         <p:spPr>
           <a:xfrm>
-            <a:off x="22348800" y="39322080"/>
+            <a:off x="22492800" y="39322080"/>
             <a:ext cx="2764080" cy="1920240"/>
           </a:xfrm>
           <a:prstGeom prst="rect">
@@ -3263,7 +3314,7 @@
         </p:blipFill>
         <p:spPr>
           <a:xfrm>
-            <a:off x="25205760" y="39322080"/>
+            <a:off x="25313760" y="39322080"/>
             <a:ext cx="2786040" cy="1920240"/>
           </a:xfrm>
           <a:prstGeom prst="rect">
@@ -3308,7 +3359,25 @@
                 </a:solidFill>
                 <a:latin typeface="Arial Narrow"/>
               </a:rPr>
-              <a:t>Systems Biology and Bioinformatics</a:t>
+              <a:t>Systems </a:t>
+            </a:r>
+            <a:r>
+              <a:rPr b="0" lang="en-US" sz="3600" spc="-1" strike="noStrike">
+                <a:solidFill>
+                  <a:srgbClr val="ffffff"/>
+                </a:solidFill>
+                <a:latin typeface="Arial Narrow"/>
+              </a:rPr>
+              <a:t>Biology and </a:t>
+            </a:r>
+            <a:r>
+              <a:rPr b="0" lang="en-US" sz="3600" spc="-1" strike="noStrike">
+                <a:solidFill>
+                  <a:srgbClr val="ffffff"/>
+                </a:solidFill>
+                <a:latin typeface="Arial Narrow"/>
+              </a:rPr>
+              <a:t>Bioinformatics</a:t>
             </a:r>
             <a:endParaRPr b="0" lang="en-US" sz="3600" spc="-1" strike="noStrike">
               <a:solidFill>
@@ -3330,7 +3399,16 @@
                 </a:solidFill>
                 <a:latin typeface="Arial Narrow"/>
               </a:rPr>
-              <a:t>University of Rostock</a:t>
+              <a:t>University of </a:t>
+            </a:r>
+            <a:r>
+              <a:rPr b="0" lang="en-US" sz="3600" spc="-1" strike="noStrike">
+                <a:solidFill>
+                  <a:srgbClr val="ffffff"/>
+                </a:solidFill>
+                <a:latin typeface="Arial Narrow"/>
+              </a:rPr>
+              <a:t>Rostock</a:t>
             </a:r>
             <a:endParaRPr b="0" lang="en-US" sz="3600" spc="-1" strike="noStrike">
               <a:solidFill>
@@ -3352,7 +3430,16 @@
                 </a:solidFill>
                 <a:latin typeface="Arial Narrow"/>
               </a:rPr>
-              <a:t>Ulmenstr. 69, 18051 Rostock</a:t>
+              <a:t>Ulmenstr. 69, </a:t>
+            </a:r>
+            <a:r>
+              <a:rPr b="0" lang="en-US" sz="3600" spc="-1" strike="noStrike">
+                <a:solidFill>
+                  <a:srgbClr val="ffffff"/>
+                </a:solidFill>
+                <a:latin typeface="Arial Narrow"/>
+              </a:rPr>
+              <a:t>18051 Rostock</a:t>
             </a:r>
             <a:endParaRPr b="0" lang="en-US" sz="3600" spc="-1" strike="noStrike">
               <a:solidFill>
@@ -3374,7 +3461,16 @@
                 </a:solidFill>
                 <a:latin typeface="Arial Narrow"/>
               </a:rPr>
-              <a:t>www.sbi.uni-rostock.de</a:t>
+              <a:t>www.sbi.uni-</a:t>
+            </a:r>
+            <a:r>
+              <a:rPr b="1" lang="en-US" sz="3600" spc="-1" strike="noStrike">
+                <a:solidFill>
+                  <a:srgbClr val="ffffff"/>
+                </a:solidFill>
+                <a:latin typeface="Arial Narrow"/>
+              </a:rPr>
+              <a:t>rostock.de</a:t>
             </a:r>
             <a:endParaRPr b="0" lang="en-US" sz="3600" spc="-1" strike="noStrike">
               <a:solidFill>
@@ -3384,6 +3480,385 @@
             </a:endParaRPr>
           </a:p>
         </p:txBody>
+      </p:sp>
+      <p:pic>
+        <p:nvPicPr>
+          <p:cNvPr id="63" name="" descr=""/>
+          <p:cNvPicPr/>
+          <p:nvPr/>
+        </p:nvPicPr>
+        <p:blipFill>
+          <a:blip r:embed="rId7"/>
+          <a:stretch/>
+        </p:blipFill>
+        <p:spPr>
+          <a:xfrm>
+            <a:off x="11266560" y="29322000"/>
+            <a:ext cx="1807560" cy="1792800"/>
+          </a:xfrm>
+          <a:prstGeom prst="rect">
+            <a:avLst/>
+          </a:prstGeom>
+          <a:ln>
+            <a:noFill/>
+          </a:ln>
+        </p:spPr>
+      </p:pic>
+      <p:pic>
+        <p:nvPicPr>
+          <p:cNvPr id="64" name="" descr=""/>
+          <p:cNvPicPr/>
+          <p:nvPr/>
+        </p:nvPicPr>
+        <p:blipFill>
+          <a:blip r:embed="rId8"/>
+          <a:stretch/>
+        </p:blipFill>
+        <p:spPr>
+          <a:xfrm>
+            <a:off x="11208240" y="25610760"/>
+            <a:ext cx="1981080" cy="2004120"/>
+          </a:xfrm>
+          <a:prstGeom prst="rect">
+            <a:avLst/>
+          </a:prstGeom>
+          <a:ln>
+            <a:noFill/>
+          </a:ln>
+        </p:spPr>
+      </p:pic>
+      <p:pic>
+        <p:nvPicPr>
+          <p:cNvPr id="65" name="" descr=""/>
+          <p:cNvPicPr/>
+          <p:nvPr/>
+        </p:nvPicPr>
+        <p:blipFill>
+          <a:blip r:embed="rId9"/>
+          <a:stretch/>
+        </p:blipFill>
+        <p:spPr>
+          <a:xfrm>
+            <a:off x="11162160" y="32932800"/>
+            <a:ext cx="2129760" cy="3011040"/>
+          </a:xfrm>
+          <a:prstGeom prst="rect">
+            <a:avLst/>
+          </a:prstGeom>
+          <a:ln>
+            <a:noFill/>
+          </a:ln>
+        </p:spPr>
+      </p:pic>
+      <p:sp>
+        <p:nvSpPr>
+          <p:cNvPr id="66" name="TextShape 17"/>
+          <p:cNvSpPr txBox="1"/>
+          <p:nvPr/>
+        </p:nvSpPr>
+        <p:spPr>
+          <a:xfrm>
+            <a:off x="11169360" y="35307360"/>
+            <a:ext cx="2286000" cy="640080"/>
+          </a:xfrm>
+          <a:prstGeom prst="rect">
+            <a:avLst/>
+          </a:prstGeom>
+          <a:noFill/>
+          <a:ln>
+            <a:noFill/>
+          </a:ln>
+        </p:spPr>
+        <p:txBody>
+          <a:bodyPr lIns="90000" rIns="90000" tIns="45000" bIns="45000"/>
+          <a:p>
+            <a:pPr algn="just"/>
+            <a:r>
+              <a:rPr b="0" lang="en-US" sz="3200" spc="-1" strike="noStrike">
+                <a:solidFill>
+                  <a:srgbClr val="3465a4"/>
+                </a:solidFill>
+                <a:latin typeface="Arial Narrow"/>
+              </a:rPr>
+              <a:t>denbi.de/rbc</a:t>
+            </a:r>
+            <a:endParaRPr b="0" lang="en-US" sz="3200" spc="-1" strike="noStrike">
+              <a:solidFill>
+                <a:srgbClr val="3465a4"/>
+              </a:solidFill>
+              <a:latin typeface="Arial Narrow"/>
+            </a:endParaRPr>
+          </a:p>
+        </p:txBody>
+      </p:sp>
+      <p:sp>
+        <p:nvSpPr>
+          <p:cNvPr id="67" name="TextShape 18"/>
+          <p:cNvSpPr txBox="1"/>
+          <p:nvPr/>
+        </p:nvSpPr>
+        <p:spPr>
+          <a:xfrm>
+            <a:off x="11169360" y="31671360"/>
+            <a:ext cx="3108960" cy="852120"/>
+          </a:xfrm>
+          <a:prstGeom prst="rect">
+            <a:avLst/>
+          </a:prstGeom>
+          <a:noFill/>
+          <a:ln>
+            <a:noFill/>
+          </a:ln>
+        </p:spPr>
+        <p:txBody>
+          <a:bodyPr lIns="90000" rIns="90000" tIns="45000" bIns="45000"/>
+          <a:p>
+            <a:pPr algn="just"/>
+            <a:r>
+              <a:rPr b="0" lang="en-US" sz="3200" spc="-1" strike="noStrike">
+                <a:solidFill>
+                  <a:srgbClr val="3465a4"/>
+                </a:solidFill>
+                <a:latin typeface="Arial Narrow"/>
+              </a:rPr>
+              <a:t>edamontology.or</a:t>
+            </a:r>
+            <a:r>
+              <a:rPr b="0" lang="en-US" sz="3200" spc="-1" strike="noStrike">
+                <a:solidFill>
+                  <a:srgbClr val="3465a4"/>
+                </a:solidFill>
+                <a:latin typeface="Arial Narrow"/>
+              </a:rPr>
+              <a:t>g</a:t>
+            </a:r>
+            <a:endParaRPr b="0" lang="en-US" sz="3200" spc="-1" strike="noStrike">
+              <a:solidFill>
+                <a:srgbClr val="3465a4"/>
+              </a:solidFill>
+              <a:latin typeface="Arial Narrow"/>
+            </a:endParaRPr>
+          </a:p>
+        </p:txBody>
+      </p:sp>
+      <p:sp>
+        <p:nvSpPr>
+          <p:cNvPr id="68" name="TextShape 19"/>
+          <p:cNvSpPr txBox="1"/>
+          <p:nvPr/>
+        </p:nvSpPr>
+        <p:spPr>
+          <a:xfrm>
+            <a:off x="11169360" y="27999720"/>
+            <a:ext cx="3108960" cy="852120"/>
+          </a:xfrm>
+          <a:prstGeom prst="rect">
+            <a:avLst/>
+          </a:prstGeom>
+          <a:noFill/>
+          <a:ln>
+            <a:noFill/>
+          </a:ln>
+        </p:spPr>
+        <p:txBody>
+          <a:bodyPr lIns="90000" rIns="90000" tIns="45000" bIns="45000"/>
+          <a:p>
+            <a:pPr algn="just"/>
+            <a:r>
+              <a:rPr b="0" lang="en-US" sz="3200" spc="-1" strike="noStrike">
+                <a:solidFill>
+                  <a:srgbClr val="3465a4"/>
+                </a:solidFill>
+                <a:latin typeface="Arial Narrow"/>
+              </a:rPr>
+              <a:t>galaxyproject.org</a:t>
+            </a:r>
+            <a:endParaRPr b="0" lang="en-US" sz="3200" spc="-1" strike="noStrike">
+              <a:solidFill>
+                <a:srgbClr val="3465a4"/>
+              </a:solidFill>
+              <a:latin typeface="Arial Narrow"/>
+            </a:endParaRPr>
+          </a:p>
+        </p:txBody>
+      </p:sp>
+      <p:pic>
+        <p:nvPicPr>
+          <p:cNvPr id="69" name="" descr=""/>
+          <p:cNvPicPr/>
+          <p:nvPr/>
+        </p:nvPicPr>
+        <p:blipFill>
+          <a:blip r:embed="rId10"/>
+          <a:stretch/>
+        </p:blipFill>
+        <p:spPr>
+          <a:xfrm>
+            <a:off x="3096360" y="36635760"/>
+            <a:ext cx="1671480" cy="1671480"/>
+          </a:xfrm>
+          <a:prstGeom prst="rect">
+            <a:avLst/>
+          </a:prstGeom>
+          <a:ln>
+            <a:noFill/>
+          </a:ln>
+        </p:spPr>
+      </p:pic>
+      <p:sp>
+        <p:nvSpPr>
+          <p:cNvPr id="70" name="TextShape 20"/>
+          <p:cNvSpPr txBox="1"/>
+          <p:nvPr/>
+        </p:nvSpPr>
+        <p:spPr>
+          <a:xfrm>
+            <a:off x="5069520" y="36969840"/>
+            <a:ext cx="2907000" cy="614520"/>
+          </a:xfrm>
+          <a:prstGeom prst="rect">
+            <a:avLst/>
+          </a:prstGeom>
+          <a:noFill/>
+          <a:ln>
+            <a:noFill/>
+          </a:ln>
+        </p:spPr>
+        <p:txBody>
+          <a:bodyPr lIns="90000" rIns="90000" tIns="45000" bIns="45000"/>
+          <a:p>
+            <a:pPr algn="just"/>
+            <a:r>
+              <a:rPr b="1" lang="en-US" sz="4400" spc="-1" strike="noStrike">
+                <a:latin typeface="Arial Narrow"/>
+              </a:rPr>
+              <a:t>destairdenbi</a:t>
+            </a:r>
+            <a:endParaRPr b="0" lang="en-US" sz="4400" spc="-1" strike="noStrike">
+              <a:latin typeface="Arial"/>
+            </a:endParaRPr>
+          </a:p>
+        </p:txBody>
+      </p:sp>
+      <p:sp>
+        <p:nvSpPr>
+          <p:cNvPr id="71" name="TextShape 21"/>
+          <p:cNvSpPr txBox="1"/>
+          <p:nvPr/>
+        </p:nvSpPr>
+        <p:spPr>
+          <a:xfrm>
+            <a:off x="5069880" y="37582200"/>
+            <a:ext cx="4124880" cy="471240"/>
+          </a:xfrm>
+          <a:prstGeom prst="rect">
+            <a:avLst/>
+          </a:prstGeom>
+          <a:noFill/>
+          <a:ln>
+            <a:noFill/>
+          </a:ln>
+        </p:spPr>
+        <p:txBody>
+          <a:bodyPr lIns="90000" rIns="90000" tIns="45000" bIns="45000"/>
+          <a:p>
+            <a:pPr algn="just"/>
+            <a:r>
+              <a:rPr b="0" lang="en-US" sz="3200" spc="-1" strike="noStrike">
+                <a:latin typeface="Arial Narrow"/>
+              </a:rPr>
+              <a:t>destair.bioinf.uni-</a:t>
+            </a:r>
+            <a:r>
+              <a:rPr b="0" lang="en-US" sz="3200" spc="-1" strike="noStrike">
+                <a:latin typeface="Arial Narrow"/>
+              </a:rPr>
+              <a:t>leipzig.de</a:t>
+            </a:r>
+            <a:endParaRPr b="0" lang="en-US" sz="3200" spc="-1" strike="noStrike">
+              <a:latin typeface="Arial"/>
+            </a:endParaRPr>
+          </a:p>
+        </p:txBody>
+      </p:sp>
+      <p:pic>
+        <p:nvPicPr>
+          <p:cNvPr id="72" name="" descr=""/>
+          <p:cNvPicPr/>
+          <p:nvPr/>
+        </p:nvPicPr>
+        <p:blipFill>
+          <a:blip r:embed="rId11"/>
+          <a:stretch/>
+        </p:blipFill>
+        <p:spPr>
+          <a:xfrm>
+            <a:off x="9047880" y="35589600"/>
+            <a:ext cx="5564520" cy="3931920"/>
+          </a:xfrm>
+          <a:prstGeom prst="rect">
+            <a:avLst/>
+          </a:prstGeom>
+          <a:ln>
+            <a:noFill/>
+          </a:ln>
+        </p:spPr>
+      </p:pic>
+      <p:sp>
+        <p:nvSpPr>
+          <p:cNvPr id="73" name="Line 22"/>
+          <p:cNvSpPr/>
+          <p:nvPr/>
+        </p:nvSpPr>
+        <p:spPr>
+          <a:xfrm>
+            <a:off x="6858000" y="28437840"/>
+            <a:ext cx="0" cy="837360"/>
+          </a:xfrm>
+          <a:prstGeom prst="line">
+            <a:avLst/>
+          </a:prstGeom>
+          <a:ln w="19080">
+            <a:solidFill>
+              <a:srgbClr val="3465a4"/>
+            </a:solidFill>
+            <a:round/>
+          </a:ln>
+        </p:spPr>
+        <p:style>
+          <a:lnRef idx="0"/>
+          <a:fillRef idx="0"/>
+          <a:effectRef idx="0"/>
+          <a:fontRef idx="minor"/>
+        </p:style>
+      </p:sp>
+      <p:sp>
+        <p:nvSpPr>
+          <p:cNvPr id="74" name="Line 23"/>
+          <p:cNvSpPr/>
+          <p:nvPr/>
+        </p:nvSpPr>
+        <p:spPr>
+          <a:xfrm>
+            <a:off x="6858000" y="32123160"/>
+            <a:ext cx="0" cy="837360"/>
+          </a:xfrm>
+          <a:prstGeom prst="line">
+            <a:avLst/>
+          </a:prstGeom>
+          <a:ln w="19080">
+            <a:solidFill>
+              <a:srgbClr val="3465a4"/>
+            </a:solidFill>
+            <a:round/>
+          </a:ln>
+        </p:spPr>
+        <p:style>
+          <a:lnRef idx="0"/>
+          <a:fillRef idx="0"/>
+          <a:effectRef idx="0"/>
+          <a:fontRef idx="minor"/>
+        </p:style>
       </p:sp>
     </p:spTree>
   </p:cSld>

--- a/2017-11-23__rostock__forschungscamp/poster.pptx
+++ b/2017-11-23__rostock__forschungscamp/poster.pptx
@@ -1693,7 +1693,13 @@
               <a:rPr b="0" lang="en-US" sz="4400" spc="-1" strike="noStrike">
                 <a:latin typeface="Arial"/>
               </a:rPr>
-              <a:t>Click to edit the title text format</a:t>
+              <a:t>Click to edit the title text </a:t>
+            </a:r>
+            <a:r>
+              <a:rPr b="0" lang="en-US" sz="4400" spc="-1" strike="noStrike">
+                <a:latin typeface="Arial"/>
+              </a:rPr>
+              <a:t>format</a:t>
             </a:r>
             <a:endParaRPr b="0" lang="en-US" sz="4400" spc="-1" strike="noStrike">
               <a:latin typeface="Arial"/>
@@ -1917,9 +1923,39 @@
           <a:chExt cx="0" cy="0"/>
         </a:xfrm>
       </p:grpSpPr>
+      <p:sp>
+        <p:nvSpPr>
+          <p:cNvPr id="41" name="CustomShape 1"/>
+          <p:cNvSpPr/>
+          <p:nvPr/>
+        </p:nvSpPr>
+        <p:spPr>
+          <a:xfrm>
+            <a:off x="22020480" y="39355200"/>
+            <a:ext cx="3436920" cy="1828800"/>
+          </a:xfrm>
+          <a:prstGeom prst="rect">
+            <a:avLst/>
+          </a:prstGeom>
+          <a:solidFill>
+            <a:srgbClr val="ffffff"/>
+          </a:solidFill>
+          <a:ln>
+            <a:solidFill>
+              <a:srgbClr val="ffffff"/>
+            </a:solidFill>
+          </a:ln>
+        </p:spPr>
+        <p:style>
+          <a:lnRef idx="0"/>
+          <a:fillRef idx="0"/>
+          <a:effectRef idx="0"/>
+          <a:fontRef idx="minor"/>
+        </p:style>
+      </p:sp>
       <p:pic>
         <p:nvPicPr>
-          <p:cNvPr id="41" name="Bild 4" descr=""/>
+          <p:cNvPr id="42" name="Bild 4" descr=""/>
           <p:cNvPicPr/>
           <p:nvPr/>
         </p:nvPicPr>
@@ -1942,7 +1978,7 @@
       </p:pic>
       <p:sp>
         <p:nvSpPr>
-          <p:cNvPr id="42" name="CustomShape 1"/>
+          <p:cNvPr id="43" name="CustomShape 2"/>
           <p:cNvSpPr/>
           <p:nvPr/>
         </p:nvSpPr>
@@ -1990,7 +2026,7 @@
       </p:sp>
       <p:sp>
         <p:nvSpPr>
-          <p:cNvPr id="43" name="CustomShape 2"/>
+          <p:cNvPr id="44" name="CustomShape 3"/>
           <p:cNvSpPr/>
           <p:nvPr/>
         </p:nvSpPr>
@@ -2281,7 +2317,7 @@
       </p:sp>
       <p:sp>
         <p:nvSpPr>
-          <p:cNvPr id="44" name="CustomShape 3"/>
+          <p:cNvPr id="45" name="CustomShape 4"/>
           <p:cNvSpPr/>
           <p:nvPr/>
         </p:nvSpPr>
@@ -2332,7 +2368,7 @@
       </p:sp>
       <p:sp>
         <p:nvSpPr>
-          <p:cNvPr id="45" name="CustomShape 4"/>
+          <p:cNvPr id="46" name="CustomShape 5"/>
           <p:cNvSpPr/>
           <p:nvPr/>
         </p:nvSpPr>
@@ -2392,20 +2428,10 @@
                 <a:latin typeface="Verdana"/>
                 <a:ea typeface="DejaVu Sans"/>
               </a:rPr>
-              <a:t>, Markus Wolfien, Martin Scharm, Olaf Wolkenhauer</a:t>
-            </a:r>
-            <a:endParaRPr b="0" lang="en-US" sz="4400" spc="-1" strike="noStrike">
-              <a:latin typeface="Arial"/>
-            </a:endParaRPr>
-          </a:p>
-          <a:p>
-            <a:pPr>
-              <a:lnSpc>
-                <a:spcPct val="100000"/>
-              </a:lnSpc>
-            </a:pPr>
-            <a:r>
-              <a:rPr b="0" i="1" lang="en-US" sz="3200" spc="-1" strike="noStrike" baseline="30000">
+              <a:t>, Markus Wolfien</a:t>
+            </a:r>
+            <a:r>
+              <a:rPr b="0" i="1" lang="en-US" sz="4400" spc="-1" strike="noStrike" baseline="30000">
                 <a:solidFill>
                   <a:srgbClr val="004a99"/>
                 </a:solidFill>
@@ -2415,13 +2441,73 @@
               <a:t>1</a:t>
             </a:r>
             <a:r>
-              <a:rPr b="0" i="1" lang="en-US" sz="3200" spc="-1" strike="noStrike">
+              <a:rPr b="0" i="1" lang="en-US" sz="4400" spc="-1" strike="noStrike">
                 <a:solidFill>
                   <a:srgbClr val="004a99"/>
                 </a:solidFill>
                 <a:latin typeface="Verdana"/>
                 <a:ea typeface="DejaVu Sans"/>
               </a:rPr>
+              <a:t>, Martin Scharm</a:t>
+            </a:r>
+            <a:r>
+              <a:rPr b="0" i="1" lang="en-US" sz="4400" spc="-1" strike="noStrike" baseline="30000">
+                <a:solidFill>
+                  <a:srgbClr val="004a99"/>
+                </a:solidFill>
+                <a:latin typeface="Verdana"/>
+                <a:ea typeface="DejaVu Sans"/>
+              </a:rPr>
+              <a:t>1</a:t>
+            </a:r>
+            <a:r>
+              <a:rPr b="0" i="1" lang="en-US" sz="4400" spc="-1" strike="noStrike">
+                <a:solidFill>
+                  <a:srgbClr val="004a99"/>
+                </a:solidFill>
+                <a:latin typeface="Verdana"/>
+                <a:ea typeface="DejaVu Sans"/>
+              </a:rPr>
+              <a:t>, Olaf Wolkenhauer</a:t>
+            </a:r>
+            <a:r>
+              <a:rPr b="0" i="1" lang="en-US" sz="4400" spc="-1" strike="noStrike" baseline="30000">
+                <a:solidFill>
+                  <a:srgbClr val="004a99"/>
+                </a:solidFill>
+                <a:latin typeface="Verdana"/>
+                <a:ea typeface="DejaVu Sans"/>
+              </a:rPr>
+              <a:t>1</a:t>
+            </a:r>
+            <a:endParaRPr b="0" lang="en-US" sz="4400" spc="-1" strike="noStrike">
+              <a:latin typeface="Arial"/>
+            </a:endParaRPr>
+          </a:p>
+          <a:p>
+            <a:pPr>
+              <a:lnSpc>
+                <a:spcPct val="100000"/>
+              </a:lnSpc>
+            </a:pPr>
+            <a:r>
+              <a:rPr b="0" i="1" lang="en-US" sz="3200" spc="-1" strike="noStrike" baseline="30000">
+                <a:solidFill>
+                  <a:srgbClr val="004a99"/>
+                </a:solidFill>
+                <a:latin typeface="Verdana"/>
+                <a:ea typeface="DejaVu Sans"/>
+              </a:rPr>
+              <a:t>1</a:t>
+            </a:r>
+            <a:r>
+              <a:rPr b="0" i="1" lang="en-US" sz="3200" spc="-1" strike="noStrike">
+                <a:solidFill>
+                  <a:srgbClr val="004a99"/>
+                </a:solidFill>
+                <a:latin typeface="Verdana"/>
+                <a:ea typeface="DejaVu Sans"/>
+              </a:rPr>
               <a:t>Systems Biology and Bioinformatics, University of Rostock, Ulmenstr. 69, 18051 Rostock</a:t>
             </a:r>
             <a:endParaRPr b="0" lang="en-US" sz="3200" spc="-1" strike="noStrike">
@@ -2432,7 +2518,7 @@
       </p:sp>
       <p:sp>
         <p:nvSpPr>
-          <p:cNvPr id="46" name="CustomShape 5"/>
+          <p:cNvPr id="47" name="CustomShape 6"/>
           <p:cNvSpPr/>
           <p:nvPr/>
         </p:nvSpPr>
@@ -2458,7 +2544,7 @@
       </p:sp>
       <p:sp>
         <p:nvSpPr>
-          <p:cNvPr id="47" name="CustomShape 6"/>
+          <p:cNvPr id="48" name="CustomShape 7"/>
           <p:cNvSpPr/>
           <p:nvPr/>
         </p:nvSpPr>
@@ -2484,7 +2570,7 @@
       </p:sp>
       <p:sp>
         <p:nvSpPr>
-          <p:cNvPr id="48" name="CustomShape 7"/>
+          <p:cNvPr id="49" name="CustomShape 8"/>
           <p:cNvSpPr/>
           <p:nvPr/>
         </p:nvSpPr>
@@ -2510,7 +2596,7 @@
       </p:sp>
       <p:pic>
         <p:nvPicPr>
-          <p:cNvPr id="49" name="Picture 6" descr=""/>
+          <p:cNvPr id="50" name="Picture 6" descr=""/>
           <p:cNvPicPr/>
           <p:nvPr/>
         </p:nvPicPr>
@@ -2520,7 +2606,7 @@
         </p:blipFill>
         <p:spPr>
           <a:xfrm>
-            <a:off x="17726040" y="25511760"/>
+            <a:off x="17726040" y="25547760"/>
             <a:ext cx="8242920" cy="5879880"/>
           </a:xfrm>
           <a:prstGeom prst="rect">
@@ -2533,13 +2619,13 @@
       </p:pic>
       <p:sp>
         <p:nvSpPr>
-          <p:cNvPr id="50" name="CustomShape 8"/>
+          <p:cNvPr id="51" name="CustomShape 9"/>
           <p:cNvSpPr/>
           <p:nvPr/>
         </p:nvSpPr>
         <p:spPr>
           <a:xfrm>
-            <a:off x="17647920" y="31391640"/>
+            <a:off x="17647920" y="31427640"/>
             <a:ext cx="8242920" cy="1570320"/>
           </a:xfrm>
           <a:prstGeom prst="rect">
@@ -2608,7 +2694,7 @@
       </p:sp>
       <p:pic>
         <p:nvPicPr>
-          <p:cNvPr id="51" name="" descr=""/>
+          <p:cNvPr id="52" name="" descr=""/>
           <p:cNvPicPr/>
           <p:nvPr/>
         </p:nvPicPr>
@@ -2631,14 +2717,14 @@
       </p:pic>
       <p:sp>
         <p:nvSpPr>
-          <p:cNvPr id="52" name="CustomShape 9"/>
+          <p:cNvPr id="53" name="CustomShape 10"/>
           <p:cNvSpPr/>
           <p:nvPr/>
         </p:nvSpPr>
         <p:spPr>
           <a:xfrm>
-            <a:off x="15475680" y="10041840"/>
-            <a:ext cx="11795760" cy="26030160"/>
+            <a:off x="15475680" y="10077840"/>
+            <a:ext cx="11864880" cy="26030160"/>
           </a:xfrm>
           <a:prstGeom prst="rect">
             <a:avLst/>
@@ -2672,8 +2758,112 @@
                 </a:solidFill>
                 <a:latin typeface="Arial Narrow"/>
               </a:rPr>
-              <a:t>Poster Content</a:t>
-            </a:r>
+              <a:t>Results</a:t>
+            </a:r>
+            <a:endParaRPr b="0" lang="en-US" sz="5400" spc="-1" strike="noStrike">
+              <a:latin typeface="Arial"/>
+            </a:endParaRPr>
+          </a:p>
+          <a:p>
+            <a:pPr algn="just">
+              <a:lnSpc>
+                <a:spcPct val="100000"/>
+              </a:lnSpc>
+              <a:spcBef>
+                <a:spcPts val="879"/>
+              </a:spcBef>
+            </a:pPr>
+            <a:endParaRPr b="0" lang="en-US" sz="5400" spc="-1" strike="noStrike">
+              <a:latin typeface="Arial"/>
+            </a:endParaRPr>
+          </a:p>
+          <a:p>
+            <a:pPr algn="just">
+              <a:lnSpc>
+                <a:spcPct val="100000"/>
+              </a:lnSpc>
+              <a:spcBef>
+                <a:spcPts val="879"/>
+              </a:spcBef>
+            </a:pPr>
+            <a:endParaRPr b="0" lang="en-US" sz="5400" spc="-1" strike="noStrike">
+              <a:latin typeface="Arial"/>
+            </a:endParaRPr>
+          </a:p>
+          <a:p>
+            <a:pPr algn="just">
+              <a:lnSpc>
+                <a:spcPct val="100000"/>
+              </a:lnSpc>
+              <a:spcBef>
+                <a:spcPts val="879"/>
+              </a:spcBef>
+            </a:pPr>
+            <a:endParaRPr b="0" lang="en-US" sz="5400" spc="-1" strike="noStrike">
+              <a:latin typeface="Arial"/>
+            </a:endParaRPr>
+          </a:p>
+          <a:p>
+            <a:pPr algn="just">
+              <a:lnSpc>
+                <a:spcPct val="100000"/>
+              </a:lnSpc>
+              <a:spcBef>
+                <a:spcPts val="879"/>
+              </a:spcBef>
+            </a:pPr>
+            <a:endParaRPr b="0" lang="en-US" sz="5400" spc="-1" strike="noStrike">
+              <a:latin typeface="Arial"/>
+            </a:endParaRPr>
+          </a:p>
+          <a:p>
+            <a:pPr algn="just">
+              <a:lnSpc>
+                <a:spcPct val="100000"/>
+              </a:lnSpc>
+              <a:spcBef>
+                <a:spcPts val="879"/>
+              </a:spcBef>
+            </a:pPr>
+            <a:endParaRPr b="0" lang="en-US" sz="5400" spc="-1" strike="noStrike">
+              <a:latin typeface="Arial"/>
+            </a:endParaRPr>
+          </a:p>
+          <a:p>
+            <a:pPr algn="just">
+              <a:lnSpc>
+                <a:spcPct val="100000"/>
+              </a:lnSpc>
+              <a:spcBef>
+                <a:spcPts val="879"/>
+              </a:spcBef>
+            </a:pPr>
+            <a:endParaRPr b="0" lang="en-US" sz="5400" spc="-1" strike="noStrike">
+              <a:latin typeface="Arial"/>
+            </a:endParaRPr>
+          </a:p>
+          <a:p>
+            <a:pPr algn="just">
+              <a:lnSpc>
+                <a:spcPct val="100000"/>
+              </a:lnSpc>
+              <a:spcBef>
+                <a:spcPts val="879"/>
+              </a:spcBef>
+            </a:pPr>
+            <a:endParaRPr b="0" lang="en-US" sz="5400" spc="-1" strike="noStrike">
+              <a:latin typeface="Arial"/>
+            </a:endParaRPr>
+          </a:p>
+          <a:p>
+            <a:pPr algn="just">
+              <a:lnSpc>
+                <a:spcPct val="100000"/>
+              </a:lnSpc>
+              <a:spcBef>
+                <a:spcPts val="879"/>
+              </a:spcBef>
+            </a:pPr>
             <a:endParaRPr b="0" lang="en-US" sz="5400" spc="-1" strike="noStrike">
               <a:latin typeface="Arial"/>
             </a:endParaRPr>
@@ -2692,16 +2882,7 @@
               <a:buFont typeface="Arial"/>
               <a:buChar char="•"/>
             </a:pPr>
-            <a:r>
-              <a:rPr b="0" lang="en-US" sz="4400" spc="-1" strike="noStrike">
-                <a:solidFill>
-                  <a:srgbClr val="000000"/>
-                </a:solidFill>
-                <a:latin typeface="Arial Narrow"/>
-              </a:rPr>
-              <a:t>The text should be limited to brief statements.</a:t>
-            </a:r>
-            <a:endParaRPr b="0" lang="en-US" sz="4400" spc="-1" strike="noStrike">
+            <a:endParaRPr b="0" lang="en-US" sz="5400" spc="-1" strike="noStrike">
               <a:latin typeface="Arial"/>
             </a:endParaRPr>
           </a:p>
@@ -2726,7 +2907,7 @@
                 </a:solidFill>
                 <a:latin typeface="Arial Narrow"/>
               </a:rPr>
-              <a:t>Font: Arial Narrow</a:t>
+              <a:t>Galaxy tools are grouped by function</a:t>
             </a:r>
             <a:endParaRPr b="0" lang="en-US" sz="4400" spc="-1" strike="noStrike">
               <a:latin typeface="Arial"/>
@@ -2753,7 +2934,7 @@
                 </a:solidFill>
                 <a:latin typeface="Arial Narrow"/>
               </a:rPr>
-              <a:t>Font Size: min. 44 pt.</a:t>
+              <a:t>Each tool function bridges two different states of data</a:t>
             </a:r>
             <a:endParaRPr b="0" lang="en-US" sz="4400" spc="-1" strike="noStrike">
               <a:latin typeface="Arial"/>
@@ -2780,7 +2961,7 @@
                 </a:solidFill>
                 <a:latin typeface="Arial Narrow"/>
               </a:rPr>
-              <a:t>max. 4.000 characters (including spaces) </a:t>
+              <a:t>Tools are chained on their input / output data formats</a:t>
             </a:r>
             <a:endParaRPr b="0" lang="en-US" sz="4400" spc="-1" strike="noStrike">
               <a:latin typeface="Arial"/>
@@ -2807,7 +2988,7 @@
                 </a:solidFill>
                 <a:latin typeface="Arial Narrow"/>
               </a:rPr>
-              <a:t>Structure: Introduction, Objective, Material &amp; Methods, Results, Discussion, Conclusion</a:t>
+              <a:t>Galaxy tours recommends pertinent tools step by step</a:t>
             </a:r>
             <a:endParaRPr b="0" lang="en-US" sz="4400" spc="-1" strike="noStrike">
               <a:latin typeface="Arial"/>
@@ -2834,51 +3015,7 @@
                 </a:solidFill>
                 <a:latin typeface="Arial Narrow"/>
               </a:rPr>
-              <a:t>The use of figures as well as tables is very welcome. Please make sure that the font size of their description is sufficient.</a:t>
-            </a:r>
-            <a:endParaRPr b="0" lang="en-US" sz="4400" spc="-1" strike="noStrike">
-              <a:latin typeface="Arial"/>
-            </a:endParaRPr>
-          </a:p>
-          <a:p>
-            <a:pPr marL="1566720" indent="-1566000">
-              <a:lnSpc>
-                <a:spcPct val="100000"/>
-              </a:lnSpc>
-              <a:spcBef>
-                <a:spcPts val="879"/>
-              </a:spcBef>
-            </a:pPr>
-            <a:r>
-              <a:rPr b="1" lang="en-US" sz="4400" spc="-1" strike="noStrike">
-                <a:solidFill>
-                  <a:srgbClr val="000000"/>
-                </a:solidFill>
-                <a:latin typeface="Arial Narrow"/>
-              </a:rPr>
-              <a:t> </a:t>
-            </a:r>
-            <a:endParaRPr b="0" lang="en-US" sz="4400" spc="-1" strike="noStrike">
-              <a:latin typeface="Arial"/>
-            </a:endParaRPr>
-          </a:p>
-          <a:p>
-            <a:pPr marL="1566720" indent="-1566000">
-              <a:lnSpc>
-                <a:spcPct val="100000"/>
-              </a:lnSpc>
-              <a:spcBef>
-                <a:spcPts val="879"/>
-              </a:spcBef>
-            </a:pPr>
-            <a:r>
-              <a:rPr b="1" lang="en-US" sz="4400" spc="-1" strike="noStrike">
-                <a:solidFill>
-                  <a:srgbClr val="000000"/>
-                </a:solidFill>
-                <a:latin typeface="Arial Narrow"/>
-              </a:rPr>
-              <a:t>Tagging</a:t>
+              <a:t>Users decide which tool to select and parametrize </a:t>
             </a:r>
             <a:endParaRPr b="0" lang="en-US" sz="4400" spc="-1" strike="noStrike">
               <a:latin typeface="Arial"/>
@@ -2898,15 +3035,6 @@
               <a:buFont typeface="Arial"/>
               <a:buChar char="•"/>
             </a:pPr>
-            <a:r>
-              <a:rPr b="0" lang="en-US" sz="4400" spc="-1" strike="noStrike">
-                <a:solidFill>
-                  <a:srgbClr val="000000"/>
-                </a:solidFill>
-                <a:latin typeface="Arial Narrow"/>
-              </a:rPr>
-              <a:t>Please list the professional and popular science keywords from your application for a hashtag line in the footer of your poster. Write an double cross in front of each keyword without a space character (see the examples below).</a:t>
-            </a:r>
             <a:endParaRPr b="0" lang="en-US" sz="4400" spc="-1" strike="noStrike">
               <a:latin typeface="Arial"/>
             </a:endParaRPr>
@@ -2932,7 +3060,7 @@
                 </a:solidFill>
                 <a:latin typeface="Arial Narrow"/>
               </a:rPr>
-              <a:t>Font: Verdana</a:t>
+              <a:t>Font: Arial Narrow</a:t>
             </a:r>
             <a:endParaRPr b="0" lang="en-US" sz="4400" spc="-1" strike="noStrike">
               <a:latin typeface="Arial"/>
@@ -2959,6 +3087,212 @@
                 </a:solidFill>
                 <a:latin typeface="Arial Narrow"/>
               </a:rPr>
+              <a:t>Font Size: min. 44 pt.</a:t>
+            </a:r>
+            <a:endParaRPr b="0" lang="en-US" sz="4400" spc="-1" strike="noStrike">
+              <a:latin typeface="Arial"/>
+            </a:endParaRPr>
+          </a:p>
+          <a:p>
+            <a:pPr marL="895320" indent="-894600">
+              <a:lnSpc>
+                <a:spcPct val="100000"/>
+              </a:lnSpc>
+              <a:spcBef>
+                <a:spcPts val="879"/>
+              </a:spcBef>
+              <a:buClr>
+                <a:srgbClr val="000000"/>
+              </a:buClr>
+              <a:buFont typeface="Arial"/>
+              <a:buChar char="•"/>
+            </a:pPr>
+            <a:r>
+              <a:rPr b="0" lang="en-US" sz="4400" spc="-1" strike="noStrike">
+                <a:solidFill>
+                  <a:srgbClr val="000000"/>
+                </a:solidFill>
+                <a:latin typeface="Arial Narrow"/>
+              </a:rPr>
+              <a:t>max. 4.000 characters (including spaces) </a:t>
+            </a:r>
+            <a:endParaRPr b="0" lang="en-US" sz="4400" spc="-1" strike="noStrike">
+              <a:latin typeface="Arial"/>
+            </a:endParaRPr>
+          </a:p>
+          <a:p>
+            <a:pPr marL="895320" indent="-894600">
+              <a:lnSpc>
+                <a:spcPct val="100000"/>
+              </a:lnSpc>
+              <a:spcBef>
+                <a:spcPts val="879"/>
+              </a:spcBef>
+              <a:buClr>
+                <a:srgbClr val="000000"/>
+              </a:buClr>
+              <a:buFont typeface="Arial"/>
+              <a:buChar char="•"/>
+            </a:pPr>
+            <a:r>
+              <a:rPr b="0" lang="en-US" sz="4400" spc="-1" strike="noStrike">
+                <a:solidFill>
+                  <a:srgbClr val="000000"/>
+                </a:solidFill>
+                <a:latin typeface="Arial Narrow"/>
+              </a:rPr>
+              <a:t>Structure: Introduction, Objective, Material &amp; Methods, Results, Discussion, Conclusion</a:t>
+            </a:r>
+            <a:endParaRPr b="0" lang="en-US" sz="4400" spc="-1" strike="noStrike">
+              <a:latin typeface="Arial"/>
+            </a:endParaRPr>
+          </a:p>
+          <a:p>
+            <a:pPr marL="895320" indent="-894600">
+              <a:lnSpc>
+                <a:spcPct val="100000"/>
+              </a:lnSpc>
+              <a:spcBef>
+                <a:spcPts val="879"/>
+              </a:spcBef>
+              <a:buClr>
+                <a:srgbClr val="000000"/>
+              </a:buClr>
+              <a:buFont typeface="Arial"/>
+              <a:buChar char="•"/>
+            </a:pPr>
+            <a:r>
+              <a:rPr b="0" lang="en-US" sz="4400" spc="-1" strike="noStrike">
+                <a:solidFill>
+                  <a:srgbClr val="000000"/>
+                </a:solidFill>
+                <a:latin typeface="Arial Narrow"/>
+              </a:rPr>
+              <a:t>The use of figures as well as tables is very welcome. Please make sure that the font size of their description is sufficient.</a:t>
+            </a:r>
+            <a:endParaRPr b="0" lang="en-US" sz="4400" spc="-1" strike="noStrike">
+              <a:latin typeface="Arial"/>
+            </a:endParaRPr>
+          </a:p>
+          <a:p>
+            <a:pPr marL="1566720" indent="-1566000">
+              <a:lnSpc>
+                <a:spcPct val="100000"/>
+              </a:lnSpc>
+              <a:spcBef>
+                <a:spcPts val="879"/>
+              </a:spcBef>
+            </a:pPr>
+            <a:r>
+              <a:rPr b="1" lang="en-US" sz="4400" spc="-1" strike="noStrike">
+                <a:solidFill>
+                  <a:srgbClr val="000000"/>
+                </a:solidFill>
+                <a:latin typeface="Arial Narrow"/>
+              </a:rPr>
+              <a:t> </a:t>
+            </a:r>
+            <a:endParaRPr b="0" lang="en-US" sz="4400" spc="-1" strike="noStrike">
+              <a:latin typeface="Arial"/>
+            </a:endParaRPr>
+          </a:p>
+          <a:p>
+            <a:pPr marL="1566720" indent="-1566000">
+              <a:lnSpc>
+                <a:spcPct val="100000"/>
+              </a:lnSpc>
+              <a:spcBef>
+                <a:spcPts val="879"/>
+              </a:spcBef>
+            </a:pPr>
+            <a:r>
+              <a:rPr b="1" lang="en-US" sz="4400" spc="-1" strike="noStrike">
+                <a:solidFill>
+                  <a:srgbClr val="000000"/>
+                </a:solidFill>
+                <a:latin typeface="Arial Narrow"/>
+              </a:rPr>
+              <a:t>Tagging</a:t>
+            </a:r>
+            <a:endParaRPr b="0" lang="en-US" sz="4400" spc="-1" strike="noStrike">
+              <a:latin typeface="Arial"/>
+            </a:endParaRPr>
+          </a:p>
+          <a:p>
+            <a:pPr marL="895320" indent="-894600">
+              <a:lnSpc>
+                <a:spcPct val="100000"/>
+              </a:lnSpc>
+              <a:spcBef>
+                <a:spcPts val="879"/>
+              </a:spcBef>
+              <a:buClr>
+                <a:srgbClr val="000000"/>
+              </a:buClr>
+              <a:buFont typeface="Arial"/>
+              <a:buChar char="•"/>
+            </a:pPr>
+            <a:r>
+              <a:rPr b="0" lang="en-US" sz="4400" spc="-1" strike="noStrike">
+                <a:solidFill>
+                  <a:srgbClr val="000000"/>
+                </a:solidFill>
+                <a:latin typeface="Arial Narrow"/>
+              </a:rPr>
+              <a:t>Please list the professional and popular science keywords from your application for a hashtag line in the footer of your poster. Write an double cross in front of each keyword without a space character (see the examples below).</a:t>
+            </a:r>
+            <a:endParaRPr b="0" lang="en-US" sz="4400" spc="-1" strike="noStrike">
+              <a:latin typeface="Arial"/>
+            </a:endParaRPr>
+          </a:p>
+          <a:p>
+            <a:pPr marL="895320" indent="-894600">
+              <a:lnSpc>
+                <a:spcPct val="100000"/>
+              </a:lnSpc>
+              <a:spcBef>
+                <a:spcPts val="879"/>
+              </a:spcBef>
+              <a:buClr>
+                <a:srgbClr val="000000"/>
+              </a:buClr>
+              <a:buFont typeface="Arial"/>
+              <a:buChar char="•"/>
+            </a:pPr>
+            <a:r>
+              <a:rPr b="0" lang="en-US" sz="4400" spc="-1" strike="noStrike">
+                <a:solidFill>
+                  <a:srgbClr val="000000"/>
+                </a:solidFill>
+                <a:latin typeface="Arial Narrow"/>
+              </a:rPr>
+              <a:t>Font: Verdana</a:t>
+            </a:r>
+            <a:endParaRPr b="0" lang="en-US" sz="4400" spc="-1" strike="noStrike">
+              <a:latin typeface="Arial"/>
+            </a:endParaRPr>
+          </a:p>
+          <a:p>
+            <a:pPr marL="895320" indent="-894600">
+              <a:lnSpc>
+                <a:spcPct val="100000"/>
+              </a:lnSpc>
+              <a:spcBef>
+                <a:spcPts val="879"/>
+              </a:spcBef>
+              <a:buClr>
+                <a:srgbClr val="000000"/>
+              </a:buClr>
+              <a:buFont typeface="Arial"/>
+              <a:buChar char="•"/>
+            </a:pPr>
+            <a:r>
+              <a:rPr b="0" lang="en-US" sz="4400" spc="-1" strike="noStrike">
+                <a:solidFill>
+                  <a:srgbClr val="000000"/>
+                </a:solidFill>
+                <a:latin typeface="Arial Narrow"/>
+              </a:rPr>
               <a:t>Font Size: 44 pt.</a:t>
             </a:r>
             <a:endParaRPr b="0" lang="en-US" sz="4400" spc="-1" strike="noStrike">
@@ -2989,7 +3323,7 @@
       </p:sp>
       <p:sp>
         <p:nvSpPr>
-          <p:cNvPr id="53" name="CustomShape 10"/>
+          <p:cNvPr id="54" name="CustomShape 11"/>
           <p:cNvSpPr/>
           <p:nvPr/>
         </p:nvSpPr>
@@ -3020,7 +3354,7 @@
       </p:sp>
       <p:sp>
         <p:nvSpPr>
-          <p:cNvPr id="54" name="CustomShape 11"/>
+          <p:cNvPr id="55" name="CustomShape 12"/>
           <p:cNvSpPr/>
           <p:nvPr/>
         </p:nvSpPr>
@@ -3051,7 +3385,7 @@
       </p:sp>
       <p:sp>
         <p:nvSpPr>
-          <p:cNvPr id="55" name="CustomShape 12"/>
+          <p:cNvPr id="56" name="CustomShape 13"/>
           <p:cNvSpPr/>
           <p:nvPr/>
         </p:nvSpPr>
@@ -3082,7 +3416,7 @@
       </p:sp>
       <p:sp>
         <p:nvSpPr>
-          <p:cNvPr id="56" name="TextShape 13"/>
+          <p:cNvPr id="57" name="TextShape 14"/>
           <p:cNvSpPr txBox="1"/>
           <p:nvPr/>
         </p:nvSpPr>
@@ -3117,7 +3451,55 @@
               <a:rPr b="0" lang="en-US" sz="4400" spc="-1" strike="noStrike">
                 <a:latin typeface="Arial Narrow"/>
               </a:rPr>
-              <a:t>Tool chaining and parametrization  through Galaxy’s interactive tours</a:t>
+              <a:t>Tool </a:t>
+            </a:r>
+            <a:r>
+              <a:rPr b="0" lang="en-US" sz="4400" spc="-1" strike="noStrike">
+                <a:latin typeface="Arial Narrow"/>
+              </a:rPr>
+              <a:t>chaining </a:t>
+            </a:r>
+            <a:r>
+              <a:rPr b="0" lang="en-US" sz="4400" spc="-1" strike="noStrike">
+                <a:latin typeface="Arial Narrow"/>
+              </a:rPr>
+              <a:t>and </a:t>
+            </a:r>
+            <a:r>
+              <a:rPr b="0" lang="en-US" sz="4400" spc="-1" strike="noStrike">
+                <a:latin typeface="Arial Narrow"/>
+              </a:rPr>
+              <a:t>paramet</a:t>
+            </a:r>
+            <a:r>
+              <a:rPr b="0" lang="en-US" sz="4400" spc="-1" strike="noStrike">
+                <a:latin typeface="Arial Narrow"/>
+              </a:rPr>
+              <a:t>rization  </a:t>
+            </a:r>
+            <a:r>
+              <a:rPr b="0" lang="en-US" sz="4400" spc="-1" strike="noStrike">
+                <a:latin typeface="Arial Narrow"/>
+              </a:rPr>
+              <a:t>through </a:t>
+            </a:r>
+            <a:r>
+              <a:rPr b="0" lang="en-US" sz="4400" spc="-1" strike="noStrike">
+                <a:latin typeface="Arial Narrow"/>
+              </a:rPr>
+              <a:t>Galaxy’s </a:t>
+            </a:r>
+            <a:r>
+              <a:rPr b="0" lang="en-US" sz="4400" spc="-1" strike="noStrike">
+                <a:latin typeface="Arial Narrow"/>
+              </a:rPr>
+              <a:t>interacti</a:t>
+            </a:r>
+            <a:r>
+              <a:rPr b="0" lang="en-US" sz="4400" spc="-1" strike="noStrike">
+                <a:latin typeface="Arial Narrow"/>
+              </a:rPr>
+              <a:t>ve tours</a:t>
             </a:r>
             <a:endParaRPr b="0" lang="en-US" sz="4400" spc="-1" strike="noStrike">
               <a:latin typeface="Arial Narrow"/>
@@ -3128,7 +3510,7 @@
       </p:sp>
       <p:sp>
         <p:nvSpPr>
-          <p:cNvPr id="57" name="TextShape 14"/>
+          <p:cNvPr id="58" name="TextShape 15"/>
           <p:cNvSpPr txBox="1"/>
           <p:nvPr/>
         </p:nvSpPr>
@@ -3153,55 +3535,13 @@
               <a:rPr b="0" lang="en-US" sz="4400" spc="-1" strike="noStrike">
                 <a:latin typeface="Arial Narrow"/>
               </a:rPr>
-              <a:t>Tool </a:t>
+              <a:t>Tool operations and input / output </a:t>
             </a:r>
             <a:r>
               <a:rPr b="0" lang="en-US" sz="4400" spc="-1" strike="noStrike">
                 <a:latin typeface="Arial Narrow"/>
               </a:rPr>
-              <a:t>operatio</a:t>
-            </a:r>
-            <a:r>
-              <a:rPr b="0" lang="en-US" sz="4400" spc="-1" strike="noStrike">
-                <a:latin typeface="Arial Narrow"/>
-              </a:rPr>
-              <a:t>ns and </a:t>
-            </a:r>
-            <a:r>
-              <a:rPr b="0" lang="en-US" sz="4400" spc="-1" strike="noStrike">
-                <a:latin typeface="Arial Narrow"/>
-              </a:rPr>
-              <a:t>input / </a:t>
-            </a:r>
-            <a:r>
-              <a:rPr b="0" lang="en-US" sz="4400" spc="-1" strike="noStrike">
-                <a:latin typeface="Arial Narrow"/>
-              </a:rPr>
-              <a:t>output </a:t>
-            </a:r>
-            <a:r>
-              <a:rPr b="0" lang="en-US" sz="4400" spc="-1" strike="noStrike">
-                <a:latin typeface="Arial Narrow"/>
-              </a:rPr>
-              <a:t>formats </a:t>
-            </a:r>
-            <a:r>
-              <a:rPr b="0" lang="en-US" sz="4400" spc="-1" strike="noStrike">
-                <a:latin typeface="Arial Narrow"/>
-              </a:rPr>
-              <a:t>through </a:t>
-            </a:r>
-            <a:r>
-              <a:rPr b="0" lang="en-US" sz="4400" spc="-1" strike="noStrike">
-                <a:latin typeface="Arial Narrow"/>
-              </a:rPr>
-              <a:t>Elixir’s </a:t>
-            </a:r>
-            <a:r>
-              <a:rPr b="0" lang="en-US" sz="4400" spc="-1" strike="noStrike">
-                <a:latin typeface="Arial Narrow"/>
-              </a:rPr>
-              <a:t>bio.tools</a:t>
+              <a:t>formats through Elixir’s bio.tools</a:t>
             </a:r>
             <a:endParaRPr b="0" lang="en-US" sz="4400" spc="-1" strike="noStrike">
               <a:latin typeface="Arial"/>
@@ -3217,7 +3557,7 @@
       </p:sp>
       <p:sp>
         <p:nvSpPr>
-          <p:cNvPr id="58" name="TextShape 15"/>
+          <p:cNvPr id="59" name="TextShape 16"/>
           <p:cNvSpPr txBox="1"/>
           <p:nvPr/>
         </p:nvSpPr>
@@ -3242,7 +3582,13 @@
               <a:rPr b="0" lang="en-US" sz="4400" spc="-1" strike="noStrike">
                 <a:latin typeface="Arial Narrow"/>
               </a:rPr>
-              <a:t>Best practices and user-tracked data of RBC’s Galaxy instance</a:t>
+              <a:t>Best practices and user-tracked </a:t>
+            </a:r>
+            <a:r>
+              <a:rPr b="0" lang="en-US" sz="4400" spc="-1" strike="noStrike">
+                <a:latin typeface="Arial Narrow"/>
+              </a:rPr>
+              <a:t>data of RBC’s Galaxy instance</a:t>
             </a:r>
             <a:endParaRPr b="0" lang="en-US" sz="4400" spc="-1" strike="noStrike">
               <a:latin typeface="Arial Narrow"/>
@@ -3258,7 +3604,7 @@
       </p:sp>
       <p:pic>
         <p:nvPicPr>
-          <p:cNvPr id="59" name="" descr=""/>
+          <p:cNvPr id="60" name="" descr=""/>
           <p:cNvPicPr/>
           <p:nvPr/>
         </p:nvPicPr>
@@ -3279,9 +3625,165 @@
           </a:ln>
         </p:spPr>
       </p:pic>
+      <p:sp>
+        <p:nvSpPr>
+          <p:cNvPr id="61" name="TextShape 17"/>
+          <p:cNvSpPr txBox="1"/>
+          <p:nvPr/>
+        </p:nvSpPr>
+        <p:spPr>
+          <a:xfrm>
+            <a:off x="11801880" y="39322080"/>
+            <a:ext cx="6267960" cy="1996200"/>
+          </a:xfrm>
+          <a:prstGeom prst="rect">
+            <a:avLst/>
+          </a:prstGeom>
+          <a:noFill/>
+          <a:ln>
+            <a:noFill/>
+          </a:ln>
+        </p:spPr>
+        <p:txBody>
+          <a:bodyPr lIns="90000" rIns="90000" tIns="45000" bIns="45000"/>
+          <a:p>
+            <a:pPr algn="just">
+              <a:lnSpc>
+                <a:spcPct val="115000"/>
+              </a:lnSpc>
+            </a:pPr>
+            <a:r>
+              <a:rPr b="0" lang="en-US" sz="3600" spc="-1" strike="noStrike">
+                <a:solidFill>
+                  <a:srgbClr val="ffffff"/>
+                </a:solidFill>
+                <a:latin typeface="Arial Narrow"/>
+              </a:rPr>
+              <a:t>Systems </a:t>
+            </a:r>
+            <a:r>
+              <a:rPr b="0" lang="en-US" sz="3600" spc="-1" strike="noStrike">
+                <a:solidFill>
+                  <a:srgbClr val="ffffff"/>
+                </a:solidFill>
+                <a:latin typeface="Arial Narrow"/>
+              </a:rPr>
+              <a:t>Biology and </a:t>
+            </a:r>
+            <a:r>
+              <a:rPr b="0" lang="en-US" sz="3600" spc="-1" strike="noStrike">
+                <a:solidFill>
+                  <a:srgbClr val="ffffff"/>
+                </a:solidFill>
+                <a:latin typeface="Arial Narrow"/>
+              </a:rPr>
+              <a:t>Bioinformatics</a:t>
+            </a:r>
+            <a:endParaRPr b="0" lang="en-US" sz="3600" spc="-1" strike="noStrike">
+              <a:solidFill>
+                <a:srgbClr val="ffffff"/>
+              </a:solidFill>
+              <a:latin typeface="Arial Narrow"/>
+            </a:endParaRPr>
+          </a:p>
+          <a:p>
+            <a:pPr algn="just">
+              <a:lnSpc>
+                <a:spcPct val="115000"/>
+              </a:lnSpc>
+            </a:pPr>
+            <a:r>
+              <a:rPr b="0" lang="en-US" sz="3600" spc="-1" strike="noStrike">
+                <a:solidFill>
+                  <a:srgbClr val="ffffff"/>
+                </a:solidFill>
+                <a:latin typeface="Arial Narrow"/>
+              </a:rPr>
+              <a:t>University of </a:t>
+            </a:r>
+            <a:r>
+              <a:rPr b="0" lang="en-US" sz="3600" spc="-1" strike="noStrike">
+                <a:solidFill>
+                  <a:srgbClr val="ffffff"/>
+                </a:solidFill>
+                <a:latin typeface="Arial Narrow"/>
+              </a:rPr>
+              <a:t>Rostock</a:t>
+            </a:r>
+            <a:endParaRPr b="0" lang="en-US" sz="3600" spc="-1" strike="noStrike">
+              <a:solidFill>
+                <a:srgbClr val="ffffff"/>
+              </a:solidFill>
+              <a:latin typeface="Arial Narrow"/>
+            </a:endParaRPr>
+          </a:p>
+          <a:p>
+            <a:pPr algn="just">
+              <a:lnSpc>
+                <a:spcPct val="115000"/>
+              </a:lnSpc>
+            </a:pPr>
+            <a:r>
+              <a:rPr b="0" lang="en-US" sz="3600" spc="-1" strike="noStrike">
+                <a:solidFill>
+                  <a:srgbClr val="ffffff"/>
+                </a:solidFill>
+                <a:latin typeface="Arial Narrow"/>
+              </a:rPr>
+              <a:t>Ulmenstr. 69, </a:t>
+            </a:r>
+            <a:r>
+              <a:rPr b="0" lang="en-US" sz="3600" spc="-1" strike="noStrike">
+                <a:solidFill>
+                  <a:srgbClr val="ffffff"/>
+                </a:solidFill>
+                <a:latin typeface="Arial Narrow"/>
+              </a:rPr>
+              <a:t>18051 Rostock</a:t>
+            </a:r>
+            <a:endParaRPr b="0" lang="en-US" sz="3600" spc="-1" strike="noStrike">
+              <a:solidFill>
+                <a:srgbClr val="ffffff"/>
+              </a:solidFill>
+              <a:latin typeface="Arial Narrow"/>
+            </a:endParaRPr>
+          </a:p>
+          <a:p>
+            <a:pPr algn="just">
+              <a:lnSpc>
+                <a:spcPct val="115000"/>
+              </a:lnSpc>
+            </a:pPr>
+            <a:r>
+              <a:rPr b="1" lang="en-US" sz="3600" spc="-1" strike="noStrike">
+                <a:solidFill>
+                  <a:srgbClr val="ffffff"/>
+                </a:solidFill>
+                <a:latin typeface="Arial Narrow"/>
+              </a:rPr>
+              <a:t>www.sbi.uni-</a:t>
+            </a:r>
+            <a:r>
+              <a:rPr b="1" lang="en-US" sz="3600" spc="-1" strike="noStrike">
+                <a:solidFill>
+                  <a:srgbClr val="ffffff"/>
+                </a:solidFill>
+                <a:latin typeface="Arial Narrow"/>
+              </a:rPr>
+              <a:t>rostock.de</a:t>
+            </a:r>
+            <a:endParaRPr b="0" lang="en-US" sz="3600" spc="-1" strike="noStrike">
+              <a:solidFill>
+                <a:srgbClr val="ffffff"/>
+              </a:solidFill>
+              <a:latin typeface="Arial Narrow"/>
+            </a:endParaRPr>
+          </a:p>
+        </p:txBody>
+      </p:sp>
       <p:pic>
         <p:nvPicPr>
-          <p:cNvPr id="60" name="" descr=""/>
+          <p:cNvPr id="62" name="" descr=""/>
           <p:cNvPicPr/>
           <p:nvPr/>
         </p:nvPicPr>
@@ -3291,8 +3793,8 @@
         </p:blipFill>
         <p:spPr>
           <a:xfrm>
-            <a:off x="22492800" y="39322080"/>
-            <a:ext cx="2764080" cy="1920240"/>
+            <a:off x="11266560" y="29322000"/>
+            <a:ext cx="1807560" cy="1792800"/>
           </a:xfrm>
           <a:prstGeom prst="rect">
             <a:avLst/>
@@ -3304,7 +3806,7 @@
       </p:pic>
       <p:pic>
         <p:nvPicPr>
-          <p:cNvPr id="61" name="" descr=""/>
+          <p:cNvPr id="63" name="" descr=""/>
           <p:cNvPicPr/>
           <p:nvPr/>
         </p:nvPicPr>
@@ -3314,187 +3816,8 @@
         </p:blipFill>
         <p:spPr>
           <a:xfrm>
-            <a:off x="25313760" y="39322080"/>
-            <a:ext cx="2786040" cy="1920240"/>
-          </a:xfrm>
-          <a:prstGeom prst="rect">
-            <a:avLst/>
-          </a:prstGeom>
-          <a:ln>
-            <a:noFill/>
-          </a:ln>
-        </p:spPr>
-      </p:pic>
-      <p:sp>
-        <p:nvSpPr>
-          <p:cNvPr id="62" name="TextShape 16"/>
-          <p:cNvSpPr txBox="1"/>
-          <p:nvPr/>
-        </p:nvSpPr>
-        <p:spPr>
-          <a:xfrm>
-            <a:off x="11801880" y="39322080"/>
-            <a:ext cx="6267960" cy="1996200"/>
-          </a:xfrm>
-          <a:prstGeom prst="rect">
-            <a:avLst/>
-          </a:prstGeom>
-          <a:noFill/>
-          <a:ln>
-            <a:noFill/>
-          </a:ln>
-        </p:spPr>
-        <p:txBody>
-          <a:bodyPr lIns="90000" rIns="90000" tIns="45000" bIns="45000"/>
-          <a:p>
-            <a:pPr algn="just">
-              <a:lnSpc>
-                <a:spcPct val="115000"/>
-              </a:lnSpc>
-            </a:pPr>
-            <a:r>
-              <a:rPr b="0" lang="en-US" sz="3600" spc="-1" strike="noStrike">
-                <a:solidFill>
-                  <a:srgbClr val="ffffff"/>
-                </a:solidFill>
-                <a:latin typeface="Arial Narrow"/>
-              </a:rPr>
-              <a:t>Systems </a:t>
-            </a:r>
-            <a:r>
-              <a:rPr b="0" lang="en-US" sz="3600" spc="-1" strike="noStrike">
-                <a:solidFill>
-                  <a:srgbClr val="ffffff"/>
-                </a:solidFill>
-                <a:latin typeface="Arial Narrow"/>
-              </a:rPr>
-              <a:t>Biology and </a:t>
-            </a:r>
-            <a:r>
-              <a:rPr b="0" lang="en-US" sz="3600" spc="-1" strike="noStrike">
-                <a:solidFill>
-                  <a:srgbClr val="ffffff"/>
-                </a:solidFill>
-                <a:latin typeface="Arial Narrow"/>
-              </a:rPr>
-              <a:t>Bioinformatics</a:t>
-            </a:r>
-            <a:endParaRPr b="0" lang="en-US" sz="3600" spc="-1" strike="noStrike">
-              <a:solidFill>
-                <a:srgbClr val="ffffff"/>
-              </a:solidFill>
-              <a:latin typeface="Arial Narrow"/>
-            </a:endParaRPr>
-          </a:p>
-          <a:p>
-            <a:pPr algn="just">
-              <a:lnSpc>
-                <a:spcPct val="115000"/>
-              </a:lnSpc>
-            </a:pPr>
-            <a:r>
-              <a:rPr b="0" lang="en-US" sz="3600" spc="-1" strike="noStrike">
-                <a:solidFill>
-                  <a:srgbClr val="ffffff"/>
-                </a:solidFill>
-                <a:latin typeface="Arial Narrow"/>
-              </a:rPr>
-              <a:t>University of </a:t>
-            </a:r>
-            <a:r>
-              <a:rPr b="0" lang="en-US" sz="3600" spc="-1" strike="noStrike">
-                <a:solidFill>
-                  <a:srgbClr val="ffffff"/>
-                </a:solidFill>
-                <a:latin typeface="Arial Narrow"/>
-              </a:rPr>
-              <a:t>Rostock</a:t>
-            </a:r>
-            <a:endParaRPr b="0" lang="en-US" sz="3600" spc="-1" strike="noStrike">
-              <a:solidFill>
-                <a:srgbClr val="ffffff"/>
-              </a:solidFill>
-              <a:latin typeface="Arial Narrow"/>
-            </a:endParaRPr>
-          </a:p>
-          <a:p>
-            <a:pPr algn="just">
-              <a:lnSpc>
-                <a:spcPct val="115000"/>
-              </a:lnSpc>
-            </a:pPr>
-            <a:r>
-              <a:rPr b="0" lang="en-US" sz="3600" spc="-1" strike="noStrike">
-                <a:solidFill>
-                  <a:srgbClr val="ffffff"/>
-                </a:solidFill>
-                <a:latin typeface="Arial Narrow"/>
-              </a:rPr>
-              <a:t>Ulmenstr. 69, </a:t>
-            </a:r>
-            <a:r>
-              <a:rPr b="0" lang="en-US" sz="3600" spc="-1" strike="noStrike">
-                <a:solidFill>
-                  <a:srgbClr val="ffffff"/>
-                </a:solidFill>
-                <a:latin typeface="Arial Narrow"/>
-              </a:rPr>
-              <a:t>18051 Rostock</a:t>
-            </a:r>
-            <a:endParaRPr b="0" lang="en-US" sz="3600" spc="-1" strike="noStrike">
-              <a:solidFill>
-                <a:srgbClr val="ffffff"/>
-              </a:solidFill>
-              <a:latin typeface="Arial Narrow"/>
-            </a:endParaRPr>
-          </a:p>
-          <a:p>
-            <a:pPr algn="just">
-              <a:lnSpc>
-                <a:spcPct val="115000"/>
-              </a:lnSpc>
-            </a:pPr>
-            <a:r>
-              <a:rPr b="1" lang="en-US" sz="3600" spc="-1" strike="noStrike">
-                <a:solidFill>
-                  <a:srgbClr val="ffffff"/>
-                </a:solidFill>
-                <a:latin typeface="Arial Narrow"/>
-              </a:rPr>
-              <a:t>www.sbi.uni-</a:t>
-            </a:r>
-            <a:r>
-              <a:rPr b="1" lang="en-US" sz="3600" spc="-1" strike="noStrike">
-                <a:solidFill>
-                  <a:srgbClr val="ffffff"/>
-                </a:solidFill>
-                <a:latin typeface="Arial Narrow"/>
-              </a:rPr>
-              <a:t>rostock.de</a:t>
-            </a:r>
-            <a:endParaRPr b="0" lang="en-US" sz="3600" spc="-1" strike="noStrike">
-              <a:solidFill>
-                <a:srgbClr val="ffffff"/>
-              </a:solidFill>
-              <a:latin typeface="Arial Narrow"/>
-            </a:endParaRPr>
-          </a:p>
-        </p:txBody>
-      </p:sp>
-      <p:pic>
-        <p:nvPicPr>
-          <p:cNvPr id="63" name="" descr=""/>
-          <p:cNvPicPr/>
-          <p:nvPr/>
-        </p:nvPicPr>
-        <p:blipFill>
-          <a:blip r:embed="rId7"/>
-          <a:stretch/>
-        </p:blipFill>
-        <p:spPr>
-          <a:xfrm>
-            <a:off x="11266560" y="29322000"/>
-            <a:ext cx="1807560" cy="1792800"/>
+            <a:off x="11208240" y="25610760"/>
+            <a:ext cx="1981080" cy="2004120"/>
           </a:xfrm>
           <a:prstGeom prst="rect">
             <a:avLst/>
@@ -3511,13 +3834,168 @@
           <p:nvPr/>
         </p:nvPicPr>
         <p:blipFill>
+          <a:blip r:embed="rId7"/>
+          <a:stretch/>
+        </p:blipFill>
+        <p:spPr>
+          <a:xfrm>
+            <a:off x="11162160" y="32932800"/>
+            <a:ext cx="2129760" cy="3011040"/>
+          </a:xfrm>
+          <a:prstGeom prst="rect">
+            <a:avLst/>
+          </a:prstGeom>
+          <a:ln>
+            <a:noFill/>
+          </a:ln>
+        </p:spPr>
+      </p:pic>
+      <p:sp>
+        <p:nvSpPr>
+          <p:cNvPr id="65" name="TextShape 18"/>
+          <p:cNvSpPr txBox="1"/>
+          <p:nvPr/>
+        </p:nvSpPr>
+        <p:spPr>
+          <a:xfrm>
+            <a:off x="11169360" y="35307360"/>
+            <a:ext cx="2286000" cy="640080"/>
+          </a:xfrm>
+          <a:prstGeom prst="rect">
+            <a:avLst/>
+          </a:prstGeom>
+          <a:noFill/>
+          <a:ln>
+            <a:noFill/>
+          </a:ln>
+        </p:spPr>
+        <p:txBody>
+          <a:bodyPr lIns="90000" rIns="90000" tIns="45000" bIns="45000"/>
+          <a:p>
+            <a:pPr algn="just"/>
+            <a:r>
+              <a:rPr b="0" lang="en-US" sz="3200" spc="-1" strike="noStrike">
+                <a:solidFill>
+                  <a:srgbClr val="3465a4"/>
+                </a:solidFill>
+                <a:latin typeface="Arial Narrow"/>
+              </a:rPr>
+              <a:t>denbi.de/rbc</a:t>
+            </a:r>
+            <a:endParaRPr b="0" lang="en-US" sz="3200" spc="-1" strike="noStrike">
+              <a:solidFill>
+                <a:srgbClr val="3465a4"/>
+              </a:solidFill>
+              <a:latin typeface="Arial Narrow"/>
+            </a:endParaRPr>
+          </a:p>
+        </p:txBody>
+      </p:sp>
+      <p:sp>
+        <p:nvSpPr>
+          <p:cNvPr id="66" name="TextShape 19"/>
+          <p:cNvSpPr txBox="1"/>
+          <p:nvPr/>
+        </p:nvSpPr>
+        <p:spPr>
+          <a:xfrm>
+            <a:off x="11169360" y="31671360"/>
+            <a:ext cx="3108960" cy="852120"/>
+          </a:xfrm>
+          <a:prstGeom prst="rect">
+            <a:avLst/>
+          </a:prstGeom>
+          <a:noFill/>
+          <a:ln>
+            <a:noFill/>
+          </a:ln>
+        </p:spPr>
+        <p:txBody>
+          <a:bodyPr lIns="90000" rIns="90000" tIns="45000" bIns="45000"/>
+          <a:p>
+            <a:pPr algn="just"/>
+            <a:r>
+              <a:rPr b="0" lang="en-US" sz="3200" spc="-1" strike="noStrike">
+                <a:solidFill>
+                  <a:srgbClr val="3465a4"/>
+                </a:solidFill>
+                <a:latin typeface="Arial Narrow"/>
+              </a:rPr>
+              <a:t>edamontology.or</a:t>
+            </a:r>
+            <a:r>
+              <a:rPr b="0" lang="en-US" sz="3200" spc="-1" strike="noStrike">
+                <a:solidFill>
+                  <a:srgbClr val="3465a4"/>
+                </a:solidFill>
+                <a:latin typeface="Arial Narrow"/>
+              </a:rPr>
+              <a:t>g</a:t>
+            </a:r>
+            <a:endParaRPr b="0" lang="en-US" sz="3200" spc="-1" strike="noStrike">
+              <a:solidFill>
+                <a:srgbClr val="3465a4"/>
+              </a:solidFill>
+              <a:latin typeface="Arial Narrow"/>
+            </a:endParaRPr>
+          </a:p>
+        </p:txBody>
+      </p:sp>
+      <p:sp>
+        <p:nvSpPr>
+          <p:cNvPr id="67" name="TextShape 20"/>
+          <p:cNvSpPr txBox="1"/>
+          <p:nvPr/>
+        </p:nvSpPr>
+        <p:spPr>
+          <a:xfrm>
+            <a:off x="11169360" y="27999720"/>
+            <a:ext cx="3108960" cy="852120"/>
+          </a:xfrm>
+          <a:prstGeom prst="rect">
+            <a:avLst/>
+          </a:prstGeom>
+          <a:noFill/>
+          <a:ln>
+            <a:noFill/>
+          </a:ln>
+        </p:spPr>
+        <p:txBody>
+          <a:bodyPr lIns="90000" rIns="90000" tIns="45000" bIns="45000"/>
+          <a:p>
+            <a:pPr algn="just"/>
+            <a:r>
+              <a:rPr b="0" lang="en-US" sz="3200" spc="-1" strike="noStrike">
+                <a:solidFill>
+                  <a:srgbClr val="3465a4"/>
+                </a:solidFill>
+                <a:latin typeface="Arial Narrow"/>
+              </a:rPr>
+              <a:t>galaxyproject.org</a:t>
+            </a:r>
+            <a:endParaRPr b="0" lang="en-US" sz="3200" spc="-1" strike="noStrike">
+              <a:solidFill>
+                <a:srgbClr val="3465a4"/>
+              </a:solidFill>
+              <a:latin typeface="Arial Narrow"/>
+            </a:endParaRPr>
+          </a:p>
+        </p:txBody>
+      </p:sp>
+      <p:pic>
+        <p:nvPicPr>
+          <p:cNvPr id="68" name="" descr=""/>
+          <p:cNvPicPr/>
+          <p:nvPr/>
+        </p:nvPicPr>
+        <p:blipFill>
           <a:blip r:embed="rId8"/>
           <a:stretch/>
         </p:blipFill>
         <p:spPr>
           <a:xfrm>
-            <a:off x="11208240" y="25610760"/>
-            <a:ext cx="1981080" cy="2004120"/>
+            <a:off x="3096360" y="36635760"/>
+            <a:ext cx="1671480" cy="1671480"/>
           </a:xfrm>
           <a:prstGeom prst="rect">
             <a:avLst/>
@@ -3527,9 +4005,91 @@
           </a:ln>
         </p:spPr>
       </p:pic>
+      <p:sp>
+        <p:nvSpPr>
+          <p:cNvPr id="69" name="TextShape 21"/>
+          <p:cNvSpPr txBox="1"/>
+          <p:nvPr/>
+        </p:nvSpPr>
+        <p:spPr>
+          <a:xfrm>
+            <a:off x="5069520" y="36969840"/>
+            <a:ext cx="2907000" cy="614520"/>
+          </a:xfrm>
+          <a:prstGeom prst="rect">
+            <a:avLst/>
+          </a:prstGeom>
+          <a:noFill/>
+          <a:ln>
+            <a:noFill/>
+          </a:ln>
+        </p:spPr>
+        <p:txBody>
+          <a:bodyPr lIns="90000" rIns="90000" tIns="45000" bIns="45000"/>
+          <a:p>
+            <a:pPr algn="just"/>
+            <a:r>
+              <a:rPr b="1" lang="en-US" sz="4400" spc="-1" strike="noStrike">
+                <a:latin typeface="Arial Narrow"/>
+              </a:rPr>
+              <a:t>destai</a:t>
+            </a:r>
+            <a:r>
+              <a:rPr b="1" lang="en-US" sz="4400" spc="-1" strike="noStrike">
+                <a:latin typeface="Arial Narrow"/>
+              </a:rPr>
+              <a:t>rdenbi</a:t>
+            </a:r>
+            <a:endParaRPr b="0" lang="en-US" sz="4400" spc="-1" strike="noStrike">
+              <a:latin typeface="Arial"/>
+            </a:endParaRPr>
+          </a:p>
+        </p:txBody>
+      </p:sp>
+      <p:sp>
+        <p:nvSpPr>
+          <p:cNvPr id="70" name="TextShape 22"/>
+          <p:cNvSpPr txBox="1"/>
+          <p:nvPr/>
+        </p:nvSpPr>
+        <p:spPr>
+          <a:xfrm>
+            <a:off x="5069880" y="37582200"/>
+            <a:ext cx="4124880" cy="471240"/>
+          </a:xfrm>
+          <a:prstGeom prst="rect">
+            <a:avLst/>
+          </a:prstGeom>
+          <a:noFill/>
+          <a:ln>
+            <a:noFill/>
+          </a:ln>
+        </p:spPr>
+        <p:txBody>
+          <a:bodyPr lIns="90000" rIns="90000" tIns="45000" bIns="45000"/>
+          <a:p>
+            <a:pPr algn="just"/>
+            <a:r>
+              <a:rPr b="0" lang="en-US" sz="3200" spc="-1" strike="noStrike">
+                <a:latin typeface="Arial Narrow"/>
+              </a:rPr>
+              <a:t>destair.bioinf.uni-</a:t>
+            </a:r>
+            <a:r>
+              <a:rPr b="0" lang="en-US" sz="3200" spc="-1" strike="noStrike">
+                <a:latin typeface="Arial Narrow"/>
+              </a:rPr>
+              <a:t>leipzig.de</a:t>
+            </a:r>
+            <a:endParaRPr b="0" lang="en-US" sz="3200" spc="-1" strike="noStrike">
+              <a:latin typeface="Arial"/>
+            </a:endParaRPr>
+          </a:p>
+        </p:txBody>
+      </p:sp>
       <p:pic>
         <p:nvPicPr>
-          <p:cNvPr id="65" name="" descr=""/>
+          <p:cNvPr id="71" name="" descr=""/>
           <p:cNvPicPr/>
           <p:nvPr/>
         </p:nvPicPr>
@@ -3539,8 +4099,8 @@
         </p:blipFill>
         <p:spPr>
           <a:xfrm>
-            <a:off x="11162160" y="32932800"/>
-            <a:ext cx="2129760" cy="3011040"/>
+            <a:off x="9047880" y="35589600"/>
+            <a:ext cx="5564520" cy="3931920"/>
           </a:xfrm>
           <a:prstGeom prst="rect">
             <a:avLst/>
@@ -3552,139 +4112,63 @@
       </p:pic>
       <p:sp>
         <p:nvSpPr>
-          <p:cNvPr id="66" name="TextShape 17"/>
-          <p:cNvSpPr txBox="1"/>
+          <p:cNvPr id="72" name="Line 23"/>
+          <p:cNvSpPr/>
           <p:nvPr/>
         </p:nvSpPr>
         <p:spPr>
           <a:xfrm>
-            <a:off x="11169360" y="35307360"/>
-            <a:ext cx="2286000" cy="640080"/>
-          </a:xfrm>
-          <a:prstGeom prst="rect">
-            <a:avLst/>
-          </a:prstGeom>
-          <a:noFill/>
-          <a:ln>
-            <a:noFill/>
+            <a:off x="6858000" y="28437840"/>
+            <a:ext cx="0" cy="837360"/>
+          </a:xfrm>
+          <a:prstGeom prst="line">
+            <a:avLst/>
+          </a:prstGeom>
+          <a:ln w="19080">
+            <a:solidFill>
+              <a:srgbClr val="3465a4"/>
+            </a:solidFill>
+            <a:round/>
           </a:ln>
         </p:spPr>
-        <p:txBody>
-          <a:bodyPr lIns="90000" rIns="90000" tIns="45000" bIns="45000"/>
-          <a:p>
-            <a:pPr algn="just"/>
-            <a:r>
-              <a:rPr b="0" lang="en-US" sz="3200" spc="-1" strike="noStrike">
-                <a:solidFill>
-                  <a:srgbClr val="3465a4"/>
-                </a:solidFill>
-                <a:latin typeface="Arial Narrow"/>
-              </a:rPr>
-              <a:t>denbi.de/rbc</a:t>
-            </a:r>
-            <a:endParaRPr b="0" lang="en-US" sz="3200" spc="-1" strike="noStrike">
-              <a:solidFill>
-                <a:srgbClr val="3465a4"/>
-              </a:solidFill>
-              <a:latin typeface="Arial Narrow"/>
-            </a:endParaRPr>
-          </a:p>
-        </p:txBody>
-      </p:sp>
-      <p:sp>
-        <p:nvSpPr>
-          <p:cNvPr id="67" name="TextShape 18"/>
-          <p:cNvSpPr txBox="1"/>
+        <p:style>
+          <a:lnRef idx="0"/>
+          <a:fillRef idx="0"/>
+          <a:effectRef idx="0"/>
+          <a:fontRef idx="minor"/>
+        </p:style>
+      </p:sp>
+      <p:sp>
+        <p:nvSpPr>
+          <p:cNvPr id="73" name="Line 24"/>
+          <p:cNvSpPr/>
           <p:nvPr/>
         </p:nvSpPr>
         <p:spPr>
           <a:xfrm>
-            <a:off x="11169360" y="31671360"/>
-            <a:ext cx="3108960" cy="852120"/>
-          </a:xfrm>
-          <a:prstGeom prst="rect">
-            <a:avLst/>
-          </a:prstGeom>
-          <a:noFill/>
-          <a:ln>
-            <a:noFill/>
+            <a:off x="6858000" y="32123160"/>
+            <a:ext cx="0" cy="837360"/>
+          </a:xfrm>
+          <a:prstGeom prst="line">
+            <a:avLst/>
+          </a:prstGeom>
+          <a:ln w="19080">
+            <a:solidFill>
+              <a:srgbClr val="3465a4"/>
+            </a:solidFill>
+            <a:round/>
           </a:ln>
         </p:spPr>
-        <p:txBody>
-          <a:bodyPr lIns="90000" rIns="90000" tIns="45000" bIns="45000"/>
-          <a:p>
-            <a:pPr algn="just"/>
-            <a:r>
-              <a:rPr b="0" lang="en-US" sz="3200" spc="-1" strike="noStrike">
-                <a:solidFill>
-                  <a:srgbClr val="3465a4"/>
-                </a:solidFill>
-                <a:latin typeface="Arial Narrow"/>
-              </a:rPr>
-              <a:t>edamontology.or</a:t>
-            </a:r>
-            <a:r>
-              <a:rPr b="0" lang="en-US" sz="3200" spc="-1" strike="noStrike">
-                <a:solidFill>
-                  <a:srgbClr val="3465a4"/>
-                </a:solidFill>
-                <a:latin typeface="Arial Narrow"/>
-              </a:rPr>
-              <a:t>g</a:t>
-            </a:r>
-            <a:endParaRPr b="0" lang="en-US" sz="3200" spc="-1" strike="noStrike">
-              <a:solidFill>
-                <a:srgbClr val="3465a4"/>
-              </a:solidFill>
-              <a:latin typeface="Arial Narrow"/>
-            </a:endParaRPr>
-          </a:p>
-        </p:txBody>
-      </p:sp>
-      <p:sp>
-        <p:nvSpPr>
-          <p:cNvPr id="68" name="TextShape 19"/>
-          <p:cNvSpPr txBox="1"/>
-          <p:nvPr/>
-        </p:nvSpPr>
-        <p:spPr>
-          <a:xfrm>
-            <a:off x="11169360" y="27999720"/>
-            <a:ext cx="3108960" cy="852120"/>
-          </a:xfrm>
-          <a:prstGeom prst="rect">
-            <a:avLst/>
-          </a:prstGeom>
-          <a:noFill/>
-          <a:ln>
-            <a:noFill/>
-          </a:ln>
-        </p:spPr>
-        <p:txBody>
-          <a:bodyPr lIns="90000" rIns="90000" tIns="45000" bIns="45000"/>
-          <a:p>
-            <a:pPr algn="just"/>
-            <a:r>
-              <a:rPr b="0" lang="en-US" sz="3200" spc="-1" strike="noStrike">
-                <a:solidFill>
-                  <a:srgbClr val="3465a4"/>
-                </a:solidFill>
-                <a:latin typeface="Arial Narrow"/>
-              </a:rPr>
-              <a:t>galaxyproject.org</a:t>
-            </a:r>
-            <a:endParaRPr b="0" lang="en-US" sz="3200" spc="-1" strike="noStrike">
-              <a:solidFill>
-                <a:srgbClr val="3465a4"/>
-              </a:solidFill>
-              <a:latin typeface="Arial Narrow"/>
-            </a:endParaRPr>
-          </a:p>
-        </p:txBody>
+        <p:style>
+          <a:lnRef idx="0"/>
+          <a:fillRef idx="0"/>
+          <a:effectRef idx="0"/>
+          <a:fontRef idx="minor"/>
+        </p:style>
       </p:sp>
       <p:pic>
         <p:nvPicPr>
-          <p:cNvPr id="69" name="" descr=""/>
+          <p:cNvPr id="74" name="" descr=""/>
           <p:cNvPicPr/>
           <p:nvPr/>
         </p:nvPicPr>
@@ -3694,8 +4178,8 @@
         </p:blipFill>
         <p:spPr>
           <a:xfrm>
-            <a:off x="3096360" y="36635760"/>
-            <a:ext cx="1671480" cy="1671480"/>
+            <a:off x="25584480" y="39359520"/>
+            <a:ext cx="2484000" cy="1856880"/>
           </a:xfrm>
           <a:prstGeom prst="rect">
             <a:avLst/>
@@ -3705,85 +4189,9 @@
           </a:ln>
         </p:spPr>
       </p:pic>
-      <p:sp>
-        <p:nvSpPr>
-          <p:cNvPr id="70" name="TextShape 20"/>
-          <p:cNvSpPr txBox="1"/>
-          <p:nvPr/>
-        </p:nvSpPr>
-        <p:spPr>
-          <a:xfrm>
-            <a:off x="5069520" y="36969840"/>
-            <a:ext cx="2907000" cy="614520"/>
-          </a:xfrm>
-          <a:prstGeom prst="rect">
-            <a:avLst/>
-          </a:prstGeom>
-          <a:noFill/>
-          <a:ln>
-            <a:noFill/>
-          </a:ln>
-        </p:spPr>
-        <p:txBody>
-          <a:bodyPr lIns="90000" rIns="90000" tIns="45000" bIns="45000"/>
-          <a:p>
-            <a:pPr algn="just"/>
-            <a:r>
-              <a:rPr b="1" lang="en-US" sz="4400" spc="-1" strike="noStrike">
-                <a:latin typeface="Arial Narrow"/>
-              </a:rPr>
-              <a:t>destairdenbi</a:t>
-            </a:r>
-            <a:endParaRPr b="0" lang="en-US" sz="4400" spc="-1" strike="noStrike">
-              <a:latin typeface="Arial"/>
-            </a:endParaRPr>
-          </a:p>
-        </p:txBody>
-      </p:sp>
-      <p:sp>
-        <p:nvSpPr>
-          <p:cNvPr id="71" name="TextShape 21"/>
-          <p:cNvSpPr txBox="1"/>
-          <p:nvPr/>
-        </p:nvSpPr>
-        <p:spPr>
-          <a:xfrm>
-            <a:off x="5069880" y="37582200"/>
-            <a:ext cx="4124880" cy="471240"/>
-          </a:xfrm>
-          <a:prstGeom prst="rect">
-            <a:avLst/>
-          </a:prstGeom>
-          <a:noFill/>
-          <a:ln>
-            <a:noFill/>
-          </a:ln>
-        </p:spPr>
-        <p:txBody>
-          <a:bodyPr lIns="90000" rIns="90000" tIns="45000" bIns="45000"/>
-          <a:p>
-            <a:pPr algn="just"/>
-            <a:r>
-              <a:rPr b="0" lang="en-US" sz="3200" spc="-1" strike="noStrike">
-                <a:latin typeface="Arial Narrow"/>
-              </a:rPr>
-              <a:t>destair.bioinf.uni-</a:t>
-            </a:r>
-            <a:r>
-              <a:rPr b="0" lang="en-US" sz="3200" spc="-1" strike="noStrike">
-                <a:latin typeface="Arial Narrow"/>
-              </a:rPr>
-              <a:t>leipzig.de</a:t>
-            </a:r>
-            <a:endParaRPr b="0" lang="en-US" sz="3200" spc="-1" strike="noStrike">
-              <a:latin typeface="Arial"/>
-            </a:endParaRPr>
-          </a:p>
-        </p:txBody>
-      </p:sp>
       <p:pic>
         <p:nvPicPr>
-          <p:cNvPr id="72" name="" descr=""/>
+          <p:cNvPr id="75" name="" descr=""/>
           <p:cNvPicPr/>
           <p:nvPr/>
         </p:nvPicPr>
@@ -3793,8 +4201,8 @@
         </p:blipFill>
         <p:spPr>
           <a:xfrm>
-            <a:off x="9047880" y="35589600"/>
-            <a:ext cx="5564520" cy="3931920"/>
+            <a:off x="22020480" y="39410640"/>
+            <a:ext cx="3436920" cy="1773360"/>
           </a:xfrm>
           <a:prstGeom prst="rect">
             <a:avLst/>
@@ -3804,62 +4212,29 @@
           </a:ln>
         </p:spPr>
       </p:pic>
-      <p:sp>
-        <p:nvSpPr>
-          <p:cNvPr id="73" name="Line 22"/>
-          <p:cNvSpPr/>
+      <p:pic>
+        <p:nvPicPr>
+          <p:cNvPr id="76" name="" descr=""/>
+          <p:cNvPicPr/>
           <p:nvPr/>
-        </p:nvSpPr>
-        <p:spPr>
-          <a:xfrm>
-            <a:off x="6858000" y="28437840"/>
-            <a:ext cx="0" cy="837360"/>
-          </a:xfrm>
-          <a:prstGeom prst="line">
-            <a:avLst/>
-          </a:prstGeom>
-          <a:ln w="19080">
-            <a:solidFill>
-              <a:srgbClr val="3465a4"/>
-            </a:solidFill>
-            <a:round/>
+        </p:nvPicPr>
+        <p:blipFill>
+          <a:blip r:embed="rId12"/>
+          <a:stretch/>
+        </p:blipFill>
+        <p:spPr>
+          <a:xfrm>
+            <a:off x="15365160" y="11352600"/>
+            <a:ext cx="12715920" cy="7849800"/>
+          </a:xfrm>
+          <a:prstGeom prst="rect">
+            <a:avLst/>
+          </a:prstGeom>
+          <a:ln>
+            <a:noFill/>
           </a:ln>
         </p:spPr>
-        <p:style>
-          <a:lnRef idx="0"/>
-          <a:fillRef idx="0"/>
-          <a:effectRef idx="0"/>
-          <a:fontRef idx="minor"/>
-        </p:style>
-      </p:sp>
-      <p:sp>
-        <p:nvSpPr>
-          <p:cNvPr id="74" name="Line 23"/>
-          <p:cNvSpPr/>
-          <p:nvPr/>
-        </p:nvSpPr>
-        <p:spPr>
-          <a:xfrm>
-            <a:off x="6858000" y="32123160"/>
-            <a:ext cx="0" cy="837360"/>
-          </a:xfrm>
-          <a:prstGeom prst="line">
-            <a:avLst/>
-          </a:prstGeom>
-          <a:ln w="19080">
-            <a:solidFill>
-              <a:srgbClr val="3465a4"/>
-            </a:solidFill>
-            <a:round/>
-          </a:ln>
-        </p:spPr>
-        <p:style>
-          <a:lnRef idx="0"/>
-          <a:fillRef idx="0"/>
-          <a:effectRef idx="0"/>
-          <a:fontRef idx="minor"/>
-        </p:style>
-      </p:sp>
+      </p:pic>
     </p:spTree>
   </p:cSld>
   <p:timing>

--- a/2017-11-23__rostock__forschungscamp/poster.pptx
+++ b/2017-11-23__rostock__forschungscamp/poster.pptx
@@ -1693,13 +1693,7 @@
               <a:rPr b="0" lang="en-US" sz="4400" spc="-1" strike="noStrike">
                 <a:latin typeface="Arial"/>
               </a:rPr>
-              <a:t>Click to edit the title text </a:t>
-            </a:r>
-            <a:r>
-              <a:rPr b="0" lang="en-US" sz="4400" spc="-1" strike="noStrike">
-                <a:latin typeface="Arial"/>
-              </a:rPr>
-              <a:t>format</a:t>
+              <a:t>Click to edit the title text format</a:t>
             </a:r>
             <a:endParaRPr b="0" lang="en-US" sz="4400" spc="-1" strike="noStrike">
               <a:latin typeface="Arial"/>
@@ -2178,7 +2172,7 @@
                 </a:solidFill>
                 <a:latin typeface="Arial Narrow"/>
               </a:rPr>
-              <a:t>Integrate the Galaxy framework with an interactive recommendation system leveraging on community consolidated best practices as well as EDAM-annotated tools</a:t>
+              <a:t>Integrate the Galaxy framework with an interactive recommendation system leveraging on community consolidated best practices as well as EDAM annotated tools</a:t>
             </a:r>
             <a:endParaRPr b="0" lang="en-US" sz="4400" spc="-1" strike="noStrike">
               <a:latin typeface="Arial"/>
@@ -2355,7 +2349,7 @@
                 </a:solidFill>
                 <a:latin typeface="Verdana"/>
               </a:rPr>
-              <a:t>#forschungscamp2017 #galaxy #elixir #RNA #EDAM #AI #de.NBI</a:t>
+              <a:t>#forschungscamp2017 #galaxy #elixir #RNA #EDAM  #AI  #denbi</a:t>
             </a:r>
             <a:endParaRPr b="1" lang="en-US" sz="4400" spc="-1" strike="noStrike">
               <a:solidFill>
@@ -2596,7 +2590,7 @@
       </p:sp>
       <p:pic>
         <p:nvPicPr>
-          <p:cNvPr id="50" name="Picture 6" descr=""/>
+          <p:cNvPr id="50" name="" descr=""/>
           <p:cNvPicPr/>
           <p:nvPr/>
         </p:nvPicPr>
@@ -2606,8 +2600,8 @@
         </p:blipFill>
         <p:spPr>
           <a:xfrm>
-            <a:off x="17726040" y="25547760"/>
-            <a:ext cx="8242920" cy="5879880"/>
+            <a:off x="20684880" y="1828800"/>
+            <a:ext cx="7517880" cy="2688840"/>
           </a:xfrm>
           <a:prstGeom prst="rect">
             <a:avLst/>
@@ -2625,8 +2619,8 @@
         </p:nvSpPr>
         <p:spPr>
           <a:xfrm>
-            <a:off x="17647920" y="31427640"/>
-            <a:ext cx="8242920" cy="1570320"/>
+            <a:off x="15475680" y="10077840"/>
+            <a:ext cx="11864880" cy="26030160"/>
           </a:xfrm>
           <a:prstGeom prst="rect">
             <a:avLst/>
@@ -2645,104 +2639,6 @@
         <p:txBody>
           <a:bodyPr lIns="0" rIns="0" tIns="208800" bIns="208800"/>
           <a:p>
-            <a:pPr>
-              <a:lnSpc>
-                <a:spcPct val="100000"/>
-              </a:lnSpc>
-              <a:spcBef>
-                <a:spcPts val="720"/>
-              </a:spcBef>
-            </a:pPr>
-            <a:r>
-              <a:rPr b="1" lang="en-US" sz="3600" spc="-1" strike="noStrike">
-                <a:solidFill>
-                  <a:srgbClr val="000000"/>
-                </a:solidFill>
-                <a:latin typeface="Arial Narrow"/>
-                <a:ea typeface="DejaVu Sans"/>
-              </a:rPr>
-              <a:t>Figure 1.</a:t>
-            </a:r>
-            <a:r>
-              <a:rPr b="0" lang="en-US" sz="3600" spc="-1" strike="noStrike">
-                <a:solidFill>
-                  <a:srgbClr val="000000"/>
-                </a:solidFill>
-                <a:latin typeface="Arial Narrow"/>
-                <a:ea typeface="DejaVu Sans"/>
-              </a:rPr>
-              <a:t> Poster session at the Forschungscamp 2016 in the Atrium of the Konrad-Zuse-Haus. </a:t>
-            </a:r>
-            <a:endParaRPr b="0" lang="en-US" sz="3600" spc="-1" strike="noStrike">
-              <a:latin typeface="Arial"/>
-            </a:endParaRPr>
-          </a:p>
-          <a:p>
-            <a:pPr>
-              <a:lnSpc>
-                <a:spcPct val="100000"/>
-              </a:lnSpc>
-              <a:spcBef>
-                <a:spcPts val="720"/>
-              </a:spcBef>
-            </a:pPr>
-            <a:endParaRPr b="0" lang="en-US" sz="3600" spc="-1" strike="noStrike">
-              <a:latin typeface="Arial"/>
-            </a:endParaRPr>
-          </a:p>
-        </p:txBody>
-      </p:sp>
-      <p:pic>
-        <p:nvPicPr>
-          <p:cNvPr id="52" name="" descr=""/>
-          <p:cNvPicPr/>
-          <p:nvPr/>
-        </p:nvPicPr>
-        <p:blipFill>
-          <a:blip r:embed="rId3"/>
-          <a:stretch/>
-        </p:blipFill>
-        <p:spPr>
-          <a:xfrm>
-            <a:off x="20684880" y="1828800"/>
-            <a:ext cx="7517880" cy="2688840"/>
-          </a:xfrm>
-          <a:prstGeom prst="rect">
-            <a:avLst/>
-          </a:prstGeom>
-          <a:ln>
-            <a:noFill/>
-          </a:ln>
-        </p:spPr>
-      </p:pic>
-      <p:sp>
-        <p:nvSpPr>
-          <p:cNvPr id="53" name="CustomShape 10"/>
-          <p:cNvSpPr/>
-          <p:nvPr/>
-        </p:nvSpPr>
-        <p:spPr>
-          <a:xfrm>
-            <a:off x="15475680" y="10077840"/>
-            <a:ext cx="11864880" cy="26030160"/>
-          </a:xfrm>
-          <a:prstGeom prst="rect">
-            <a:avLst/>
-          </a:prstGeom>
-          <a:noFill/>
-          <a:ln w="9360">
-            <a:noFill/>
-          </a:ln>
-        </p:spPr>
-        <p:style>
-          <a:lnRef idx="0"/>
-          <a:fillRef idx="0"/>
-          <a:effectRef idx="0"/>
-          <a:fontRef idx="minor"/>
-        </p:style>
-        <p:txBody>
-          <a:bodyPr lIns="0" rIns="0" tIns="208800" bIns="208800"/>
-          <a:p>
             <a:pPr algn="just">
               <a:lnSpc>
                 <a:spcPct val="100000"/>
@@ -2758,7 +2654,7 @@
                 </a:solidFill>
                 <a:latin typeface="Arial Narrow"/>
               </a:rPr>
-              <a:t>Results</a:t>
+              <a:t>Results and discussion</a:t>
             </a:r>
             <a:endParaRPr b="0" lang="en-US" sz="5400" spc="-1" strike="noStrike">
               <a:latin typeface="Arial"/>
@@ -2857,6 +2753,84 @@
           </a:p>
           <a:p>
             <a:pPr algn="just">
+              <a:lnSpc>
+                <a:spcPct val="100000"/>
+              </a:lnSpc>
+              <a:spcBef>
+                <a:spcPts val="879"/>
+              </a:spcBef>
+            </a:pPr>
+            <a:endParaRPr b="0" lang="en-US" sz="5400" spc="-1" strike="noStrike">
+              <a:latin typeface="Arial"/>
+            </a:endParaRPr>
+          </a:p>
+          <a:p>
+            <a:pPr algn="just">
+              <a:lnSpc>
+                <a:spcPct val="100000"/>
+              </a:lnSpc>
+              <a:spcBef>
+                <a:spcPts val="879"/>
+              </a:spcBef>
+            </a:pPr>
+            <a:endParaRPr b="0" lang="en-US" sz="5400" spc="-1" strike="noStrike">
+              <a:latin typeface="Arial"/>
+            </a:endParaRPr>
+          </a:p>
+          <a:p>
+            <a:pPr algn="just">
+              <a:lnSpc>
+                <a:spcPct val="100000"/>
+              </a:lnSpc>
+              <a:spcBef>
+                <a:spcPts val="879"/>
+              </a:spcBef>
+            </a:pPr>
+            <a:endParaRPr b="0" lang="en-US" sz="5400" spc="-1" strike="noStrike">
+              <a:latin typeface="Arial"/>
+            </a:endParaRPr>
+          </a:p>
+          <a:p>
+            <a:pPr algn="just">
+              <a:lnSpc>
+                <a:spcPct val="100000"/>
+              </a:lnSpc>
+              <a:spcBef>
+                <a:spcPts val="879"/>
+              </a:spcBef>
+            </a:pPr>
+            <a:endParaRPr b="0" lang="en-US" sz="5400" spc="-1" strike="noStrike">
+              <a:latin typeface="Arial"/>
+            </a:endParaRPr>
+          </a:p>
+          <a:p>
+            <a:pPr algn="just">
+              <a:lnSpc>
+                <a:spcPct val="100000"/>
+              </a:lnSpc>
+              <a:spcBef>
+                <a:spcPts val="879"/>
+              </a:spcBef>
+            </a:pPr>
+            <a:endParaRPr b="0" lang="en-US" sz="5400" spc="-1" strike="noStrike">
+              <a:latin typeface="Arial"/>
+            </a:endParaRPr>
+          </a:p>
+          <a:p>
+            <a:pPr algn="just">
+              <a:lnSpc>
+                <a:spcPct val="100000"/>
+              </a:lnSpc>
+              <a:spcBef>
+                <a:spcPts val="879"/>
+              </a:spcBef>
+            </a:pPr>
+            <a:endParaRPr b="0" lang="en-US" sz="5400" spc="-1" strike="noStrike">
+              <a:latin typeface="Arial"/>
+            </a:endParaRPr>
+          </a:p>
+          <a:p>
+            <a:pPr>
               <a:lnSpc>
                 <a:spcPct val="100000"/>
               </a:lnSpc>
@@ -2882,7 +2856,16 @@
               <a:buFont typeface="Arial"/>
               <a:buChar char="•"/>
             </a:pPr>
-            <a:endParaRPr b="0" lang="en-US" sz="5400" spc="-1" strike="noStrike">
+            <a:r>
+              <a:rPr b="0" lang="en-US" sz="4400" spc="-1" strike="noStrike">
+                <a:solidFill>
+                  <a:srgbClr val="000000"/>
+                </a:solidFill>
+                <a:latin typeface="Arial Narrow"/>
+              </a:rPr>
+              <a:t>Galaxy tools are grouped by function</a:t>
+            </a:r>
+            <a:endParaRPr b="0" lang="en-US" sz="4400" spc="-1" strike="noStrike">
               <a:latin typeface="Arial"/>
             </a:endParaRPr>
           </a:p>
@@ -2907,7 +2890,7 @@
                 </a:solidFill>
                 <a:latin typeface="Arial Narrow"/>
               </a:rPr>
-              <a:t>Galaxy tools are grouped by function</a:t>
+              <a:t>Each tool function bridges two different states of data</a:t>
             </a:r>
             <a:endParaRPr b="0" lang="en-US" sz="4400" spc="-1" strike="noStrike">
               <a:latin typeface="Arial"/>
@@ -2934,7 +2917,7 @@
                 </a:solidFill>
                 <a:latin typeface="Arial Narrow"/>
               </a:rPr>
-              <a:t>Each tool function bridges two different states of data</a:t>
+              <a:t>Tools are chained on their input / output data formats</a:t>
             </a:r>
             <a:endParaRPr b="0" lang="en-US" sz="4400" spc="-1" strike="noStrike">
               <a:latin typeface="Arial"/>
@@ -2961,7 +2944,7 @@
                 </a:solidFill>
                 <a:latin typeface="Arial Narrow"/>
               </a:rPr>
-              <a:t>Tools are chained on their input / output data formats</a:t>
+              <a:t>Galaxy tours recommends pertinent tools step by step</a:t>
             </a:r>
             <a:endParaRPr b="0" lang="en-US" sz="4400" spc="-1" strike="noStrike">
               <a:latin typeface="Arial"/>
@@ -2988,7 +2971,7 @@
                 </a:solidFill>
                 <a:latin typeface="Arial Narrow"/>
               </a:rPr>
-              <a:t>Galaxy tours recommends pertinent tools step by step</a:t>
+              <a:t>Users decide which tool to select and parametrize</a:t>
             </a:r>
             <a:endParaRPr b="0" lang="en-US" sz="4400" spc="-1" strike="noStrike">
               <a:latin typeface="Arial"/>
@@ -3009,20 +2992,264 @@
               <a:buChar char="•"/>
             </a:pPr>
             <a:r>
+              <a:rPr b="0" lang="en-US" sz="600" spc="-1" strike="noStrike">
+                <a:solidFill>
+                  <a:srgbClr val="000000"/>
+                </a:solidFill>
+                <a:latin typeface="Arial Narrow"/>
+              </a:rPr>
+              <a:t> </a:t>
+            </a:r>
+            <a:endParaRPr b="0" lang="en-US" sz="600" spc="-1" strike="noStrike">
+              <a:latin typeface="Arial"/>
+            </a:endParaRPr>
+          </a:p>
+          <a:p>
+            <a:pPr algn="just">
+              <a:lnSpc>
+                <a:spcPct val="100000"/>
+              </a:lnSpc>
+              <a:spcBef>
+                <a:spcPts val="879"/>
+              </a:spcBef>
+            </a:pPr>
+            <a:r>
+              <a:rPr b="1" lang="en-US" sz="5400" spc="-1" strike="noStrike">
+                <a:solidFill>
+                  <a:srgbClr val="000000"/>
+                </a:solidFill>
+                <a:latin typeface="Arial Narrow"/>
+              </a:rPr>
+              <a:t>Conclusion</a:t>
+            </a:r>
+            <a:endParaRPr b="0" lang="en-US" sz="5400" spc="-1" strike="noStrike">
+              <a:latin typeface="Arial"/>
+            </a:endParaRPr>
+          </a:p>
+          <a:p>
+            <a:pPr algn="just">
+              <a:lnSpc>
+                <a:spcPct val="100000"/>
+              </a:lnSpc>
+              <a:spcBef>
+                <a:spcPts val="879"/>
+              </a:spcBef>
+            </a:pPr>
+            <a:endParaRPr b="0" lang="en-US" sz="5400" spc="-1" strike="noStrike">
+              <a:latin typeface="Arial"/>
+            </a:endParaRPr>
+          </a:p>
+          <a:p>
+            <a:pPr algn="just">
+              <a:lnSpc>
+                <a:spcPct val="100000"/>
+              </a:lnSpc>
+              <a:spcBef>
+                <a:spcPts val="879"/>
+              </a:spcBef>
+            </a:pPr>
+            <a:endParaRPr b="0" lang="en-US" sz="5400" spc="-1" strike="noStrike">
+              <a:latin typeface="Arial"/>
+            </a:endParaRPr>
+          </a:p>
+          <a:p>
+            <a:pPr algn="just">
+              <a:lnSpc>
+                <a:spcPct val="100000"/>
+              </a:lnSpc>
+              <a:spcBef>
+                <a:spcPts val="879"/>
+              </a:spcBef>
+            </a:pPr>
+            <a:endParaRPr b="0" lang="en-US" sz="5400" spc="-1" strike="noStrike">
+              <a:latin typeface="Arial"/>
+            </a:endParaRPr>
+          </a:p>
+          <a:p>
+            <a:pPr algn="just">
+              <a:lnSpc>
+                <a:spcPct val="100000"/>
+              </a:lnSpc>
+              <a:spcBef>
+                <a:spcPts val="879"/>
+              </a:spcBef>
+            </a:pPr>
+            <a:endParaRPr b="0" lang="en-US" sz="5400" spc="-1" strike="noStrike">
+              <a:latin typeface="Arial"/>
+            </a:endParaRPr>
+          </a:p>
+          <a:p>
+            <a:pPr algn="just">
+              <a:lnSpc>
+                <a:spcPct val="100000"/>
+              </a:lnSpc>
+              <a:spcBef>
+                <a:spcPts val="879"/>
+              </a:spcBef>
+            </a:pPr>
+            <a:endParaRPr b="0" lang="en-US" sz="5400" spc="-1" strike="noStrike">
+              <a:latin typeface="Arial"/>
+            </a:endParaRPr>
+          </a:p>
+          <a:p>
+            <a:pPr algn="just">
+              <a:lnSpc>
+                <a:spcPct val="100000"/>
+              </a:lnSpc>
+              <a:spcBef>
+                <a:spcPts val="879"/>
+              </a:spcBef>
+            </a:pPr>
+            <a:endParaRPr b="0" lang="en-US" sz="5400" spc="-1" strike="noStrike">
+              <a:latin typeface="Arial"/>
+            </a:endParaRPr>
+          </a:p>
+          <a:p>
+            <a:pPr algn="just">
+              <a:lnSpc>
+                <a:spcPct val="100000"/>
+              </a:lnSpc>
+              <a:spcBef>
+                <a:spcPts val="879"/>
+              </a:spcBef>
+            </a:pPr>
+            <a:endParaRPr b="0" lang="en-US" sz="5400" spc="-1" strike="noStrike">
+              <a:latin typeface="Arial"/>
+            </a:endParaRPr>
+          </a:p>
+          <a:p>
+            <a:pPr algn="just">
+              <a:lnSpc>
+                <a:spcPct val="100000"/>
+              </a:lnSpc>
+              <a:spcBef>
+                <a:spcPts val="879"/>
+              </a:spcBef>
+            </a:pPr>
+            <a:endParaRPr b="0" lang="en-US" sz="5400" spc="-1" strike="noStrike">
+              <a:latin typeface="Arial"/>
+            </a:endParaRPr>
+          </a:p>
+          <a:p>
+            <a:pPr algn="just">
+              <a:lnSpc>
+                <a:spcPct val="100000"/>
+              </a:lnSpc>
+              <a:spcBef>
+                <a:spcPts val="879"/>
+              </a:spcBef>
+            </a:pPr>
+            <a:endParaRPr b="0" lang="en-US" sz="5400" spc="-1" strike="noStrike">
+              <a:latin typeface="Arial"/>
+            </a:endParaRPr>
+          </a:p>
+          <a:p>
+            <a:pPr algn="just">
+              <a:lnSpc>
+                <a:spcPct val="100000"/>
+              </a:lnSpc>
+              <a:spcBef>
+                <a:spcPts val="879"/>
+              </a:spcBef>
+            </a:pPr>
+            <a:endParaRPr b="0" lang="en-US" sz="5400" spc="-1" strike="noStrike">
+              <a:latin typeface="Arial"/>
+            </a:endParaRPr>
+          </a:p>
+          <a:p>
+            <a:pPr algn="just">
+              <a:lnSpc>
+                <a:spcPct val="100000"/>
+              </a:lnSpc>
+              <a:spcBef>
+                <a:spcPts val="879"/>
+              </a:spcBef>
+            </a:pPr>
+            <a:endParaRPr b="0" lang="en-US" sz="5400" spc="-1" strike="noStrike">
+              <a:latin typeface="Arial"/>
+            </a:endParaRPr>
+          </a:p>
+          <a:p>
+            <a:pPr algn="just">
+              <a:lnSpc>
+                <a:spcPct val="100000"/>
+              </a:lnSpc>
+              <a:spcBef>
+                <a:spcPts val="879"/>
+              </a:spcBef>
+            </a:pPr>
+            <a:endParaRPr b="0" lang="en-US" sz="5400" spc="-1" strike="noStrike">
+              <a:latin typeface="Arial"/>
+            </a:endParaRPr>
+          </a:p>
+          <a:p>
+            <a:pPr algn="just">
+              <a:lnSpc>
+                <a:spcPct val="100000"/>
+              </a:lnSpc>
+              <a:spcBef>
+                <a:spcPts val="879"/>
+              </a:spcBef>
+            </a:pPr>
+            <a:endParaRPr b="0" lang="en-US" sz="5400" spc="-1" strike="noStrike">
+              <a:latin typeface="Arial"/>
+            </a:endParaRPr>
+          </a:p>
+          <a:p>
+            <a:pPr algn="just">
+              <a:lnSpc>
+                <a:spcPct val="100000"/>
+              </a:lnSpc>
+              <a:spcBef>
+                <a:spcPts val="879"/>
+              </a:spcBef>
+            </a:pPr>
+            <a:endParaRPr b="0" lang="en-US" sz="5400" spc="-1" strike="noStrike">
+              <a:latin typeface="Arial"/>
+            </a:endParaRPr>
+          </a:p>
+          <a:p>
+            <a:pPr algn="just">
+              <a:lnSpc>
+                <a:spcPct val="100000"/>
+              </a:lnSpc>
+              <a:spcBef>
+                <a:spcPts val="879"/>
+              </a:spcBef>
+            </a:pPr>
+            <a:endParaRPr b="0" lang="en-US" sz="5400" spc="-1" strike="noStrike">
+              <a:latin typeface="Arial"/>
+            </a:endParaRPr>
+          </a:p>
+          <a:p>
+            <a:pPr marL="895320" indent="-894600" algn="just">
+              <a:lnSpc>
+                <a:spcPct val="100000"/>
+              </a:lnSpc>
+              <a:spcBef>
+                <a:spcPts val="879"/>
+              </a:spcBef>
+              <a:buClr>
+                <a:srgbClr val="000000"/>
+              </a:buClr>
+              <a:buFont typeface="Arial"/>
+              <a:buChar char="•"/>
+            </a:pPr>
+            <a:r>
               <a:rPr b="0" lang="en-US" sz="4400" spc="-1" strike="noStrike">
                 <a:solidFill>
                   <a:srgbClr val="000000"/>
                 </a:solidFill>
                 <a:latin typeface="Arial Narrow"/>
               </a:rPr>
-              <a:t>Users decide which tool to select and parametrize </a:t>
+              <a:t>A recommendation system enhances the visibility of each Galaxy tool, relieving the user from browsing tool categories, or sticking to the usual analysis tools</a:t>
             </a:r>
             <a:endParaRPr b="0" lang="en-US" sz="4400" spc="-1" strike="noStrike">
               <a:latin typeface="Arial"/>
             </a:endParaRPr>
           </a:p>
           <a:p>
-            <a:pPr marL="895320" indent="-894600">
+            <a:pPr marL="895320" indent="-894600" algn="just">
               <a:lnSpc>
                 <a:spcPct val="100000"/>
               </a:lnSpc>
@@ -3035,6 +3262,15 @@
               <a:buFont typeface="Arial"/>
               <a:buChar char="•"/>
             </a:pPr>
+            <a:r>
+              <a:rPr b="0" lang="en-US" sz="4400" spc="-1" strike="noStrike">
+                <a:solidFill>
+                  <a:srgbClr val="000000"/>
+                </a:solidFill>
+                <a:latin typeface="Arial Narrow"/>
+              </a:rPr>
+              <a:t>Tool pertinence is inferred from manually curated EDAM annotations, therefore a tool’s pertinence is as accurate as its bio.tools annotation</a:t>
+            </a:r>
             <a:endParaRPr b="0" lang="en-US" sz="4400" spc="-1" strike="noStrike">
               <a:latin typeface="Arial"/>
             </a:endParaRPr>
@@ -3054,282 +3290,82 @@
               <a:buChar char="•"/>
             </a:pPr>
             <a:r>
-              <a:rPr b="0" lang="en-US" sz="4400" spc="-1" strike="noStrike">
+              <a:rPr b="0" lang="en-US" sz="600" spc="-1" strike="noStrike">
                 <a:solidFill>
                   <a:srgbClr val="000000"/>
                 </a:solidFill>
                 <a:latin typeface="Arial Narrow"/>
               </a:rPr>
-              <a:t>Font: Arial Narrow</a:t>
-            </a:r>
-            <a:endParaRPr b="0" lang="en-US" sz="4400" spc="-1" strike="noStrike">
-              <a:latin typeface="Arial"/>
-            </a:endParaRPr>
-          </a:p>
-          <a:p>
-            <a:pPr marL="895320" indent="-894600">
-              <a:lnSpc>
-                <a:spcPct val="100000"/>
-              </a:lnSpc>
-              <a:spcBef>
-                <a:spcPts val="879"/>
-              </a:spcBef>
-              <a:buClr>
-                <a:srgbClr val="000000"/>
-              </a:buClr>
-              <a:buFont typeface="Arial"/>
-              <a:buChar char="•"/>
-            </a:pPr>
-            <a:r>
-              <a:rPr b="0" lang="en-US" sz="4400" spc="-1" strike="noStrike">
+              <a:t> </a:t>
+            </a:r>
+            <a:endParaRPr b="0" lang="en-US" sz="600" spc="-1" strike="noStrike">
+              <a:latin typeface="Arial"/>
+            </a:endParaRPr>
+          </a:p>
+          <a:p>
+            <a:pPr algn="just">
+              <a:lnSpc>
+                <a:spcPct val="100000"/>
+              </a:lnSpc>
+              <a:spcBef>
+                <a:spcPts val="879"/>
+              </a:spcBef>
+            </a:pPr>
+            <a:r>
+              <a:rPr b="1" lang="en-US" sz="5400" spc="-1" strike="noStrike">
                 <a:solidFill>
                   <a:srgbClr val="000000"/>
                 </a:solidFill>
                 <a:latin typeface="Arial Narrow"/>
               </a:rPr>
-              <a:t>Font Size: min. 44 pt.</a:t>
-            </a:r>
-            <a:endParaRPr b="0" lang="en-US" sz="4400" spc="-1" strike="noStrike">
-              <a:latin typeface="Arial"/>
-            </a:endParaRPr>
-          </a:p>
-          <a:p>
-            <a:pPr marL="895320" indent="-894600">
-              <a:lnSpc>
-                <a:spcPct val="100000"/>
-              </a:lnSpc>
-              <a:spcBef>
-                <a:spcPts val="879"/>
-              </a:spcBef>
-              <a:buClr>
-                <a:srgbClr val="000000"/>
-              </a:buClr>
-              <a:buFont typeface="Arial"/>
-              <a:buChar char="•"/>
-            </a:pPr>
-            <a:r>
-              <a:rPr b="0" lang="en-US" sz="4400" spc="-1" strike="noStrike">
+              <a:t>References</a:t>
+            </a:r>
+            <a:endParaRPr b="0" lang="en-US" sz="5400" spc="-1" strike="noStrike">
+              <a:latin typeface="Arial"/>
+            </a:endParaRPr>
+          </a:p>
+          <a:p>
+            <a:pPr algn="just">
+              <a:lnSpc>
+                <a:spcPct val="100000"/>
+              </a:lnSpc>
+              <a:spcBef>
+                <a:spcPts val="879"/>
+              </a:spcBef>
+            </a:pPr>
+            <a:r>
+              <a:rPr b="0" lang="en-US" sz="3200" spc="-1" strike="noStrike">
                 <a:solidFill>
                   <a:srgbClr val="000000"/>
                 </a:solidFill>
                 <a:latin typeface="Arial Narrow"/>
               </a:rPr>
-              <a:t>max. 4.000 characters (including spaces) </a:t>
-            </a:r>
-            <a:endParaRPr b="0" lang="en-US" sz="4400" spc="-1" strike="noStrike">
-              <a:latin typeface="Arial"/>
-            </a:endParaRPr>
-          </a:p>
-          <a:p>
-            <a:pPr marL="895320" indent="-894600">
-              <a:lnSpc>
-                <a:spcPct val="100000"/>
-              </a:lnSpc>
-              <a:spcBef>
-                <a:spcPts val="879"/>
-              </a:spcBef>
-              <a:buClr>
-                <a:srgbClr val="000000"/>
-              </a:buClr>
-              <a:buFont typeface="Arial"/>
-              <a:buChar char="•"/>
-            </a:pPr>
-            <a:r>
-              <a:rPr b="0" lang="en-US" sz="4400" spc="-1" strike="noStrike">
+              <a:t>Lott SC et al. Customized workflow development and data modularization concepts for RNA-Sequencing and metatranscriptome experiments. Journal of Biotechnology, 2017. </a:t>
+            </a:r>
+            <a:r>
+              <a:rPr b="1" lang="en-US" sz="3200" spc="-1" strike="noStrike">
                 <a:solidFill>
-                  <a:srgbClr val="000000"/>
+                  <a:srgbClr val="3465a4"/>
                 </a:solidFill>
                 <a:latin typeface="Arial Narrow"/>
               </a:rPr>
-              <a:t>Structure: Introduction, Objective, Material &amp; Methods, Results, Discussion, Conclusion</a:t>
-            </a:r>
-            <a:endParaRPr b="0" lang="en-US" sz="4400" spc="-1" strike="noStrike">
-              <a:latin typeface="Arial"/>
-            </a:endParaRPr>
-          </a:p>
-          <a:p>
-            <a:pPr marL="895320" indent="-894600">
-              <a:lnSpc>
-                <a:spcPct val="100000"/>
-              </a:lnSpc>
-              <a:spcBef>
-                <a:spcPts val="879"/>
-              </a:spcBef>
-              <a:buClr>
-                <a:srgbClr val="000000"/>
-              </a:buClr>
-              <a:buFont typeface="Arial"/>
-              <a:buChar char="•"/>
-            </a:pPr>
-            <a:r>
-              <a:rPr b="0" lang="en-US" sz="4400" spc="-1" strike="noStrike">
-                <a:solidFill>
-                  <a:srgbClr val="000000"/>
-                </a:solidFill>
-                <a:latin typeface="Arial Narrow"/>
-              </a:rPr>
-              <a:t>The use of figures as well as tables is very welcome. Please make sure that the font size of their description is sufficient.</a:t>
-            </a:r>
-            <a:endParaRPr b="0" lang="en-US" sz="4400" spc="-1" strike="noStrike">
-              <a:latin typeface="Arial"/>
-            </a:endParaRPr>
-          </a:p>
-          <a:p>
-            <a:pPr marL="1566720" indent="-1566000">
-              <a:lnSpc>
-                <a:spcPct val="100000"/>
-              </a:lnSpc>
-              <a:spcBef>
-                <a:spcPts val="879"/>
-              </a:spcBef>
-            </a:pPr>
-            <a:r>
-              <a:rPr b="1" lang="en-US" sz="4400" spc="-1" strike="noStrike">
-                <a:solidFill>
-                  <a:srgbClr val="000000"/>
-                </a:solidFill>
-                <a:latin typeface="Arial Narrow"/>
-              </a:rPr>
-              <a:t> </a:t>
-            </a:r>
-            <a:endParaRPr b="0" lang="en-US" sz="4400" spc="-1" strike="noStrike">
-              <a:latin typeface="Arial"/>
-            </a:endParaRPr>
-          </a:p>
-          <a:p>
-            <a:pPr marL="1566720" indent="-1566000">
-              <a:lnSpc>
-                <a:spcPct val="100000"/>
-              </a:lnSpc>
-              <a:spcBef>
-                <a:spcPts val="879"/>
-              </a:spcBef>
-            </a:pPr>
-            <a:r>
-              <a:rPr b="1" lang="en-US" sz="4400" spc="-1" strike="noStrike">
-                <a:solidFill>
-                  <a:srgbClr val="000000"/>
-                </a:solidFill>
-                <a:latin typeface="Arial Narrow"/>
-              </a:rPr>
-              <a:t>Tagging</a:t>
-            </a:r>
-            <a:endParaRPr b="0" lang="en-US" sz="4400" spc="-1" strike="noStrike">
-              <a:latin typeface="Arial"/>
-            </a:endParaRPr>
-          </a:p>
-          <a:p>
-            <a:pPr marL="895320" indent="-894600">
-              <a:lnSpc>
-                <a:spcPct val="100000"/>
-              </a:lnSpc>
-              <a:spcBef>
-                <a:spcPts val="879"/>
-              </a:spcBef>
-              <a:buClr>
-                <a:srgbClr val="000000"/>
-              </a:buClr>
-              <a:buFont typeface="Arial"/>
-              <a:buChar char="•"/>
-            </a:pPr>
-            <a:r>
-              <a:rPr b="0" lang="en-US" sz="4400" spc="-1" strike="noStrike">
-                <a:solidFill>
-                  <a:srgbClr val="000000"/>
-                </a:solidFill>
-                <a:latin typeface="Arial Narrow"/>
-              </a:rPr>
-              <a:t>Please list the professional and popular science keywords from your application for a hashtag line in the footer of your poster. Write an double cross in front of each keyword without a space character (see the examples below).</a:t>
-            </a:r>
-            <a:endParaRPr b="0" lang="en-US" sz="4400" spc="-1" strike="noStrike">
-              <a:latin typeface="Arial"/>
-            </a:endParaRPr>
-          </a:p>
-          <a:p>
-            <a:pPr marL="895320" indent="-894600">
-              <a:lnSpc>
-                <a:spcPct val="100000"/>
-              </a:lnSpc>
-              <a:spcBef>
-                <a:spcPts val="879"/>
-              </a:spcBef>
-              <a:buClr>
-                <a:srgbClr val="000000"/>
-              </a:buClr>
-              <a:buFont typeface="Arial"/>
-              <a:buChar char="•"/>
-            </a:pPr>
-            <a:r>
-              <a:rPr b="0" lang="en-US" sz="4400" spc="-1" strike="noStrike">
-                <a:solidFill>
-                  <a:srgbClr val="000000"/>
-                </a:solidFill>
-                <a:latin typeface="Arial Narrow"/>
-              </a:rPr>
-              <a:t>Font: Verdana</a:t>
-            </a:r>
-            <a:endParaRPr b="0" lang="en-US" sz="4400" spc="-1" strike="noStrike">
-              <a:latin typeface="Arial"/>
-            </a:endParaRPr>
-          </a:p>
-          <a:p>
-            <a:pPr marL="895320" indent="-894600">
-              <a:lnSpc>
-                <a:spcPct val="100000"/>
-              </a:lnSpc>
-              <a:spcBef>
-                <a:spcPts val="879"/>
-              </a:spcBef>
-              <a:buClr>
-                <a:srgbClr val="000000"/>
-              </a:buClr>
-              <a:buFont typeface="Arial"/>
-              <a:buChar char="•"/>
-            </a:pPr>
-            <a:r>
-              <a:rPr b="0" lang="en-US" sz="4400" spc="-1" strike="noStrike">
-                <a:solidFill>
-                  <a:srgbClr val="000000"/>
-                </a:solidFill>
-                <a:latin typeface="Arial Narrow"/>
-              </a:rPr>
-              <a:t>Font Size: 44 pt.</a:t>
-            </a:r>
-            <a:endParaRPr b="0" lang="en-US" sz="4400" spc="-1" strike="noStrike">
-              <a:latin typeface="Arial"/>
-            </a:endParaRPr>
-          </a:p>
-          <a:p>
-            <a:pPr>
-              <a:lnSpc>
-                <a:spcPct val="100000"/>
-              </a:lnSpc>
-            </a:pPr>
-            <a:endParaRPr b="0" lang="en-US" sz="4400" spc="-1" strike="noStrike">
-              <a:latin typeface="Arial"/>
-            </a:endParaRPr>
-          </a:p>
-          <a:p>
-            <a:pPr>
-              <a:lnSpc>
-                <a:spcPct val="100000"/>
-              </a:lnSpc>
-            </a:pPr>
-            <a:endParaRPr b="0" lang="en-US" sz="4400" spc="-1" strike="noStrike">
-              <a:latin typeface="Arial"/>
-            </a:endParaRPr>
-          </a:p>
-        </p:txBody>
-      </p:sp>
-      <p:sp>
-        <p:nvSpPr>
-          <p:cNvPr id="54" name="CustomShape 11"/>
+              <a:t>10.1016/j.jbiotec.2017.06.1203</a:t>
+            </a:r>
+            <a:endParaRPr b="0" lang="en-US" sz="3200" spc="-1" strike="noStrike">
+              <a:latin typeface="Arial"/>
+            </a:endParaRPr>
+          </a:p>
+        </p:txBody>
+      </p:sp>
+      <p:sp>
+        <p:nvSpPr>
+          <p:cNvPr id="52" name="CustomShape 10"/>
           <p:cNvSpPr/>
           <p:nvPr/>
         </p:nvSpPr>
         <p:spPr>
           <a:xfrm>
-            <a:off x="3031200" y="25603200"/>
+            <a:off x="2959200" y="24991200"/>
             <a:ext cx="7589520" cy="2834640"/>
           </a:xfrm>
           <a:prstGeom prst="rect">
@@ -3354,13 +3390,13 @@
       </p:sp>
       <p:sp>
         <p:nvSpPr>
-          <p:cNvPr id="55" name="CustomShape 12"/>
+          <p:cNvPr id="53" name="CustomShape 11"/>
           <p:cNvSpPr/>
           <p:nvPr/>
         </p:nvSpPr>
         <p:spPr>
           <a:xfrm>
-            <a:off x="3031200" y="29275200"/>
+            <a:off x="2959200" y="28843200"/>
             <a:ext cx="7589520" cy="2834640"/>
           </a:xfrm>
           <a:prstGeom prst="rect">
@@ -3385,13 +3421,13 @@
       </p:sp>
       <p:sp>
         <p:nvSpPr>
-          <p:cNvPr id="56" name="CustomShape 13"/>
+          <p:cNvPr id="54" name="CustomShape 12"/>
           <p:cNvSpPr/>
           <p:nvPr/>
         </p:nvSpPr>
         <p:spPr>
           <a:xfrm>
-            <a:off x="3031200" y="32947200"/>
+            <a:off x="2959200" y="32659200"/>
             <a:ext cx="7589520" cy="2834640"/>
           </a:xfrm>
           <a:prstGeom prst="rect">
@@ -3416,13 +3452,13 @@
       </p:sp>
       <p:sp>
         <p:nvSpPr>
-          <p:cNvPr id="57" name="TextShape 14"/>
+          <p:cNvPr id="55" name="TextShape 13"/>
           <p:cNvSpPr txBox="1"/>
           <p:nvPr/>
         </p:nvSpPr>
         <p:spPr>
           <a:xfrm>
-            <a:off x="3216960" y="26364960"/>
+            <a:off x="3144960" y="25752960"/>
             <a:ext cx="7292880" cy="1499040"/>
           </a:xfrm>
           <a:prstGeom prst="rect">
@@ -3451,55 +3487,19 @@
               <a:rPr b="0" lang="en-US" sz="4400" spc="-1" strike="noStrike">
                 <a:latin typeface="Arial Narrow"/>
               </a:rPr>
-              <a:t>Tool </a:t>
+              <a:t>Tool chaining and </a:t>
             </a:r>
             <a:r>
               <a:rPr b="0" lang="en-US" sz="4400" spc="-1" strike="noStrike">
                 <a:latin typeface="Arial Narrow"/>
               </a:rPr>
-              <a:t>chaining </a:t>
+              <a:t>parametrization  through </a:t>
             </a:r>
             <a:r>
               <a:rPr b="0" lang="en-US" sz="4400" spc="-1" strike="noStrike">
                 <a:latin typeface="Arial Narrow"/>
               </a:rPr>
-              <a:t>and </a:t>
-            </a:r>
-            <a:r>
-              <a:rPr b="0" lang="en-US" sz="4400" spc="-1" strike="noStrike">
-                <a:latin typeface="Arial Narrow"/>
-              </a:rPr>
-              <a:t>paramet</a:t>
-            </a:r>
-            <a:r>
-              <a:rPr b="0" lang="en-US" sz="4400" spc="-1" strike="noStrike">
-                <a:latin typeface="Arial Narrow"/>
-              </a:rPr>
-              <a:t>rization  </a:t>
-            </a:r>
-            <a:r>
-              <a:rPr b="0" lang="en-US" sz="4400" spc="-1" strike="noStrike">
-                <a:latin typeface="Arial Narrow"/>
-              </a:rPr>
-              <a:t>through </a:t>
-            </a:r>
-            <a:r>
-              <a:rPr b="0" lang="en-US" sz="4400" spc="-1" strike="noStrike">
-                <a:latin typeface="Arial Narrow"/>
-              </a:rPr>
-              <a:t>Galaxy’s </a:t>
-            </a:r>
-            <a:r>
-              <a:rPr b="0" lang="en-US" sz="4400" spc="-1" strike="noStrike">
-                <a:latin typeface="Arial Narrow"/>
-              </a:rPr>
-              <a:t>interacti</a:t>
-            </a:r>
-            <a:r>
-              <a:rPr b="0" lang="en-US" sz="4400" spc="-1" strike="noStrike">
-                <a:latin typeface="Arial Narrow"/>
-              </a:rPr>
-              <a:t>ve tours</a:t>
+              <a:t>Galaxy’s interactive tours</a:t>
             </a:r>
             <a:endParaRPr b="0" lang="en-US" sz="4400" spc="-1" strike="noStrike">
               <a:latin typeface="Arial Narrow"/>
@@ -3510,14 +3510,14 @@
       </p:sp>
       <p:sp>
         <p:nvSpPr>
-          <p:cNvPr id="58" name="TextShape 15"/>
+          <p:cNvPr id="56" name="TextShape 14"/>
           <p:cNvSpPr txBox="1"/>
           <p:nvPr/>
         </p:nvSpPr>
         <p:spPr>
           <a:xfrm>
-            <a:off x="3219840" y="30144960"/>
-            <a:ext cx="7290000" cy="1662840"/>
+            <a:off x="3147840" y="29676960"/>
+            <a:ext cx="7290000" cy="1217160"/>
           </a:xfrm>
           <a:prstGeom prst="rect">
             <a:avLst/>
@@ -3530,41 +3530,39 @@
         <p:txBody>
           <a:bodyPr lIns="90000" rIns="90000" tIns="45000" bIns="45000"/>
           <a:p>
-            <a:pPr algn="ctr"/>
+            <a:pPr algn="ctr">
+              <a:lnSpc>
+                <a:spcPct val="115000"/>
+              </a:lnSpc>
+            </a:pPr>
             <a:r>
               <a:rPr b="0" lang="en-US" sz="4400" spc="-1" strike="noStrike">
                 <a:latin typeface="Arial Narrow"/>
               </a:rPr>
-              <a:t>Tool operations and input / output </a:t>
+              <a:t>Tool operations and input / output formats </a:t>
             </a:r>
             <a:r>
               <a:rPr b="0" lang="en-US" sz="4400" spc="-1" strike="noStrike">
                 <a:latin typeface="Arial Narrow"/>
               </a:rPr>
-              <a:t>formats through Elixir’s bio.tools</a:t>
+              <a:t>through Elixir’s bio.tools</a:t>
             </a:r>
             <a:endParaRPr b="0" lang="en-US" sz="4400" spc="-1" strike="noStrike">
               <a:latin typeface="Arial"/>
             </a:endParaRPr>
           </a:p>
-          <a:p>
-            <a:pPr algn="just"/>
-            <a:endParaRPr b="0" lang="en-US" sz="4400" spc="-1" strike="noStrike">
-              <a:latin typeface="Arial"/>
-            </a:endParaRPr>
-          </a:p>
-        </p:txBody>
-      </p:sp>
-      <p:sp>
-        <p:nvSpPr>
-          <p:cNvPr id="59" name="TextShape 16"/>
+        </p:txBody>
+      </p:sp>
+      <p:sp>
+        <p:nvSpPr>
+          <p:cNvPr id="57" name="TextShape 15"/>
           <p:cNvSpPr txBox="1"/>
           <p:nvPr/>
         </p:nvSpPr>
         <p:spPr>
           <a:xfrm>
-            <a:off x="3214080" y="33783120"/>
-            <a:ext cx="7223760" cy="1662840"/>
+            <a:off x="3142080" y="33459120"/>
+            <a:ext cx="7223760" cy="1645920"/>
           </a:xfrm>
           <a:prstGeom prst="rect">
             <a:avLst/>
@@ -3577,26 +3575,176 @@
         <p:txBody>
           <a:bodyPr lIns="90000" rIns="90000" tIns="45000" bIns="45000"/>
           <a:p>
-            <a:pPr algn="ctr"/>
+            <a:pPr algn="ctr">
+              <a:lnSpc>
+                <a:spcPct val="115000"/>
+              </a:lnSpc>
+            </a:pPr>
             <a:r>
               <a:rPr b="0" lang="en-US" sz="4400" spc="-1" strike="noStrike">
                 <a:latin typeface="Arial Narrow"/>
               </a:rPr>
-              <a:t>Best practices and user-tracked </a:t>
+              <a:t>Best practices </a:t>
             </a:r>
             <a:r>
               <a:rPr b="0" lang="en-US" sz="4400" spc="-1" strike="noStrike">
                 <a:latin typeface="Arial Narrow"/>
               </a:rPr>
-              <a:t>data of RBC’s Galaxy instance</a:t>
+              <a:t>and user-</a:t>
+            </a:r>
+            <a:r>
+              <a:rPr b="0" lang="en-US" sz="4400" spc="-1" strike="noStrike">
+                <a:latin typeface="Arial Narrow"/>
+              </a:rPr>
+              <a:t>tracked data of </a:t>
+            </a:r>
+            <a:r>
+              <a:rPr b="0" lang="en-US" sz="4400" spc="-1" strike="noStrike">
+                <a:latin typeface="Arial Narrow"/>
+              </a:rPr>
+              <a:t>RBC’s Galaxy </a:t>
+            </a:r>
+            <a:r>
+              <a:rPr b="0" lang="en-US" sz="4400" spc="-1" strike="noStrike">
+                <a:latin typeface="Arial Narrow"/>
+              </a:rPr>
+              <a:t>instance</a:t>
             </a:r>
             <a:endParaRPr b="0" lang="en-US" sz="4400" spc="-1" strike="noStrike">
               <a:latin typeface="Arial Narrow"/>
             </a:endParaRPr>
           </a:p>
-          <a:p>
-            <a:pPr algn="just"/>
-            <a:endParaRPr b="0" lang="en-US" sz="4400" spc="-1" strike="noStrike">
+        </p:txBody>
+      </p:sp>
+      <p:pic>
+        <p:nvPicPr>
+          <p:cNvPr id="58" name="" descr=""/>
+          <p:cNvPicPr/>
+          <p:nvPr/>
+        </p:nvPicPr>
+        <p:blipFill>
+          <a:blip r:embed="rId3"/>
+          <a:stretch/>
+        </p:blipFill>
+        <p:spPr>
+          <a:xfrm>
+            <a:off x="2250000" y="39322080"/>
+            <a:ext cx="9401760" cy="1946520"/>
+          </a:xfrm>
+          <a:prstGeom prst="rect">
+            <a:avLst/>
+          </a:prstGeom>
+          <a:ln>
+            <a:noFill/>
+          </a:ln>
+        </p:spPr>
+      </p:pic>
+      <p:sp>
+        <p:nvSpPr>
+          <p:cNvPr id="59" name="TextShape 16"/>
+          <p:cNvSpPr txBox="1"/>
+          <p:nvPr/>
+        </p:nvSpPr>
+        <p:spPr>
+          <a:xfrm>
+            <a:off x="11801880" y="39322080"/>
+            <a:ext cx="6267960" cy="1996200"/>
+          </a:xfrm>
+          <a:prstGeom prst="rect">
+            <a:avLst/>
+          </a:prstGeom>
+          <a:noFill/>
+          <a:ln>
+            <a:noFill/>
+          </a:ln>
+        </p:spPr>
+        <p:txBody>
+          <a:bodyPr lIns="90000" rIns="90000" tIns="45000" bIns="45000"/>
+          <a:p>
+            <a:pPr algn="just">
+              <a:lnSpc>
+                <a:spcPct val="115000"/>
+              </a:lnSpc>
+            </a:pPr>
+            <a:r>
+              <a:rPr b="0" lang="en-US" sz="3600" spc="-1" strike="noStrike">
+                <a:solidFill>
+                  <a:srgbClr val="ffffff"/>
+                </a:solidFill>
+                <a:latin typeface="Arial Narrow"/>
+              </a:rPr>
+              <a:t>Systems Biology and Bioinformatics</a:t>
+            </a:r>
+            <a:endParaRPr b="0" lang="en-US" sz="3600" spc="-1" strike="noStrike">
+              <a:solidFill>
+                <a:srgbClr val="ffffff"/>
+              </a:solidFill>
+              <a:latin typeface="Arial Narrow"/>
+            </a:endParaRPr>
+          </a:p>
+          <a:p>
+            <a:pPr algn="just">
+              <a:lnSpc>
+                <a:spcPct val="115000"/>
+              </a:lnSpc>
+            </a:pPr>
+            <a:r>
+              <a:rPr b="0" lang="en-US" sz="3600" spc="-1" strike="noStrike">
+                <a:solidFill>
+                  <a:srgbClr val="ffffff"/>
+                </a:solidFill>
+                <a:latin typeface="Arial Narrow"/>
+              </a:rPr>
+              <a:t>University of Rostock</a:t>
+            </a:r>
+            <a:endParaRPr b="0" lang="en-US" sz="3600" spc="-1" strike="noStrike">
+              <a:solidFill>
+                <a:srgbClr val="ffffff"/>
+              </a:solidFill>
+              <a:latin typeface="Arial Narrow"/>
+            </a:endParaRPr>
+          </a:p>
+          <a:p>
+            <a:pPr algn="just">
+              <a:lnSpc>
+                <a:spcPct val="115000"/>
+              </a:lnSpc>
+            </a:pPr>
+            <a:r>
+              <a:rPr b="0" lang="en-US" sz="3600" spc="-1" strike="noStrike">
+                <a:solidFill>
+                  <a:srgbClr val="ffffff"/>
+                </a:solidFill>
+                <a:latin typeface="Arial Narrow"/>
+              </a:rPr>
+              <a:t>Ulmenstr. 69, 18051 Rostock</a:t>
+            </a:r>
+            <a:endParaRPr b="0" lang="en-US" sz="3600" spc="-1" strike="noStrike">
+              <a:solidFill>
+                <a:srgbClr val="ffffff"/>
+              </a:solidFill>
+              <a:latin typeface="Arial Narrow"/>
+            </a:endParaRPr>
+          </a:p>
+          <a:p>
+            <a:pPr algn="just">
+              <a:lnSpc>
+                <a:spcPct val="115000"/>
+              </a:lnSpc>
+            </a:pPr>
+            <a:r>
+              <a:rPr b="1" lang="en-US" sz="3600" spc="-1" strike="noStrike">
+                <a:solidFill>
+                  <a:srgbClr val="ffffff"/>
+                </a:solidFill>
+                <a:latin typeface="Arial Narrow"/>
+              </a:rPr>
+              <a:t>www.sbi.uni-rostock.de</a:t>
+            </a:r>
+            <a:endParaRPr b="0" lang="en-US" sz="3600" spc="-1" strike="noStrike">
+              <a:solidFill>
+                <a:srgbClr val="ffffff"/>
+              </a:solidFill>
               <a:latin typeface="Arial Narrow"/>
             </a:endParaRPr>
           </a:p>
@@ -3614,8 +3762,8 @@
         </p:blipFill>
         <p:spPr>
           <a:xfrm>
-            <a:off x="2250000" y="39322080"/>
-            <a:ext cx="9401760" cy="1946520"/>
+            <a:off x="11194560" y="28890000"/>
+            <a:ext cx="1807560" cy="1792800"/>
           </a:xfrm>
           <a:prstGeom prst="rect">
             <a:avLst/>
@@ -3625,162 +3773,29 @@
           </a:ln>
         </p:spPr>
       </p:pic>
-      <p:sp>
-        <p:nvSpPr>
-          <p:cNvPr id="61" name="TextShape 17"/>
-          <p:cNvSpPr txBox="1"/>
+      <p:pic>
+        <p:nvPicPr>
+          <p:cNvPr id="61" name="" descr=""/>
+          <p:cNvPicPr/>
           <p:nvPr/>
-        </p:nvSpPr>
-        <p:spPr>
-          <a:xfrm>
-            <a:off x="11801880" y="39322080"/>
-            <a:ext cx="6267960" cy="1996200"/>
-          </a:xfrm>
-          <a:prstGeom prst="rect">
-            <a:avLst/>
-          </a:prstGeom>
-          <a:noFill/>
+        </p:nvPicPr>
+        <p:blipFill>
+          <a:blip r:embed="rId5"/>
+          <a:stretch/>
+        </p:blipFill>
+        <p:spPr>
+          <a:xfrm>
+            <a:off x="11136240" y="24998760"/>
+            <a:ext cx="1981080" cy="2004120"/>
+          </a:xfrm>
+          <a:prstGeom prst="rect">
+            <a:avLst/>
+          </a:prstGeom>
           <a:ln>
             <a:noFill/>
           </a:ln>
         </p:spPr>
-        <p:txBody>
-          <a:bodyPr lIns="90000" rIns="90000" tIns="45000" bIns="45000"/>
-          <a:p>
-            <a:pPr algn="just">
-              <a:lnSpc>
-                <a:spcPct val="115000"/>
-              </a:lnSpc>
-            </a:pPr>
-            <a:r>
-              <a:rPr b="0" lang="en-US" sz="3600" spc="-1" strike="noStrike">
-                <a:solidFill>
-                  <a:srgbClr val="ffffff"/>
-                </a:solidFill>
-                <a:latin typeface="Arial Narrow"/>
-              </a:rPr>
-              <a:t>Systems </a:t>
-            </a:r>
-            <a:r>
-              <a:rPr b="0" lang="en-US" sz="3600" spc="-1" strike="noStrike">
-                <a:solidFill>
-                  <a:srgbClr val="ffffff"/>
-                </a:solidFill>
-                <a:latin typeface="Arial Narrow"/>
-              </a:rPr>
-              <a:t>Biology and </a:t>
-            </a:r>
-            <a:r>
-              <a:rPr b="0" lang="en-US" sz="3600" spc="-1" strike="noStrike">
-                <a:solidFill>
-                  <a:srgbClr val="ffffff"/>
-                </a:solidFill>
-                <a:latin typeface="Arial Narrow"/>
-              </a:rPr>
-              <a:t>Bioinformatics</a:t>
-            </a:r>
-            <a:endParaRPr b="0" lang="en-US" sz="3600" spc="-1" strike="noStrike">
-              <a:solidFill>
-                <a:srgbClr val="ffffff"/>
-              </a:solidFill>
-              <a:latin typeface="Arial Narrow"/>
-            </a:endParaRPr>
-          </a:p>
-          <a:p>
-            <a:pPr algn="just">
-              <a:lnSpc>
-                <a:spcPct val="115000"/>
-              </a:lnSpc>
-            </a:pPr>
-            <a:r>
-              <a:rPr b="0" lang="en-US" sz="3600" spc="-1" strike="noStrike">
-                <a:solidFill>
-                  <a:srgbClr val="ffffff"/>
-                </a:solidFill>
-                <a:latin typeface="Arial Narrow"/>
-              </a:rPr>
-              <a:t>University of </a:t>
-            </a:r>
-            <a:r>
-              <a:rPr b="0" lang="en-US" sz="3600" spc="-1" strike="noStrike">
-                <a:solidFill>
-                  <a:srgbClr val="ffffff"/>
-                </a:solidFill>
-                <a:latin typeface="Arial Narrow"/>
-              </a:rPr>
-              <a:t>Rostock</a:t>
-            </a:r>
-            <a:endParaRPr b="0" lang="en-US" sz="3600" spc="-1" strike="noStrike">
-              <a:solidFill>
-                <a:srgbClr val="ffffff"/>
-              </a:solidFill>
-              <a:latin typeface="Arial Narrow"/>
-            </a:endParaRPr>
-          </a:p>
-          <a:p>
-            <a:pPr algn="just">
-              <a:lnSpc>
-                <a:spcPct val="115000"/>
-              </a:lnSpc>
-            </a:pPr>
-            <a:r>
-              <a:rPr b="0" lang="en-US" sz="3600" spc="-1" strike="noStrike">
-                <a:solidFill>
-                  <a:srgbClr val="ffffff"/>
-                </a:solidFill>
-                <a:latin typeface="Arial Narrow"/>
-              </a:rPr>
-              <a:t>Ulmenstr. 69, </a:t>
-            </a:r>
-            <a:r>
-              <a:rPr b="0" lang="en-US" sz="3600" spc="-1" strike="noStrike">
-                <a:solidFill>
-                  <a:srgbClr val="ffffff"/>
-                </a:solidFill>
-                <a:latin typeface="Arial Narrow"/>
-              </a:rPr>
-              <a:t>18051 Rostock</a:t>
-            </a:r>
-            <a:endParaRPr b="0" lang="en-US" sz="3600" spc="-1" strike="noStrike">
-              <a:solidFill>
-                <a:srgbClr val="ffffff"/>
-              </a:solidFill>
-              <a:latin typeface="Arial Narrow"/>
-            </a:endParaRPr>
-          </a:p>
-          <a:p>
-            <a:pPr algn="just">
-              <a:lnSpc>
-                <a:spcPct val="115000"/>
-              </a:lnSpc>
-            </a:pPr>
-            <a:r>
-              <a:rPr b="1" lang="en-US" sz="3600" spc="-1" strike="noStrike">
-                <a:solidFill>
-                  <a:srgbClr val="ffffff"/>
-                </a:solidFill>
-                <a:latin typeface="Arial Narrow"/>
-              </a:rPr>
-              <a:t>www.sbi.uni-</a:t>
-            </a:r>
-            <a:r>
-              <a:rPr b="1" lang="en-US" sz="3600" spc="-1" strike="noStrike">
-                <a:solidFill>
-                  <a:srgbClr val="ffffff"/>
-                </a:solidFill>
-                <a:latin typeface="Arial Narrow"/>
-              </a:rPr>
-              <a:t>rostock.de</a:t>
-            </a:r>
-            <a:endParaRPr b="0" lang="en-US" sz="3600" spc="-1" strike="noStrike">
-              <a:solidFill>
-                <a:srgbClr val="ffffff"/>
-              </a:solidFill>
-              <a:latin typeface="Arial Narrow"/>
-            </a:endParaRPr>
-          </a:p>
-        </p:txBody>
-      </p:sp>
+      </p:pic>
       <p:pic>
         <p:nvPicPr>
           <p:cNvPr id="62" name="" descr=""/>
@@ -3788,13 +3803,13 @@
           <p:nvPr/>
         </p:nvPicPr>
         <p:blipFill>
-          <a:blip r:embed="rId5"/>
+          <a:blip r:embed="rId6"/>
           <a:stretch/>
         </p:blipFill>
         <p:spPr>
           <a:xfrm>
-            <a:off x="11266560" y="29322000"/>
-            <a:ext cx="1807560" cy="1792800"/>
+            <a:off x="11090160" y="32644800"/>
+            <a:ext cx="2129760" cy="3011040"/>
           </a:xfrm>
           <a:prstGeom prst="rect">
             <a:avLst/>
@@ -3804,32 +3819,132 @@
           </a:ln>
         </p:spPr>
       </p:pic>
-      <p:pic>
-        <p:nvPicPr>
-          <p:cNvPr id="63" name="" descr=""/>
-          <p:cNvPicPr/>
+      <p:sp>
+        <p:nvSpPr>
+          <p:cNvPr id="63" name="TextShape 17"/>
+          <p:cNvSpPr txBox="1"/>
           <p:nvPr/>
-        </p:nvPicPr>
-        <p:blipFill>
-          <a:blip r:embed="rId6"/>
-          <a:stretch/>
-        </p:blipFill>
-        <p:spPr>
-          <a:xfrm>
-            <a:off x="11208240" y="25610760"/>
-            <a:ext cx="1981080" cy="2004120"/>
-          </a:xfrm>
-          <a:prstGeom prst="rect">
-            <a:avLst/>
-          </a:prstGeom>
+        </p:nvSpPr>
+        <p:spPr>
+          <a:xfrm>
+            <a:off x="11097360" y="35019360"/>
+            <a:ext cx="2286000" cy="640080"/>
+          </a:xfrm>
+          <a:prstGeom prst="rect">
+            <a:avLst/>
+          </a:prstGeom>
+          <a:noFill/>
           <a:ln>
             <a:noFill/>
           </a:ln>
         </p:spPr>
-      </p:pic>
+        <p:txBody>
+          <a:bodyPr lIns="90000" rIns="90000" tIns="45000" bIns="45000"/>
+          <a:p>
+            <a:pPr algn="just"/>
+            <a:r>
+              <a:rPr b="0" lang="en-US" sz="3200" spc="-1" strike="noStrike">
+                <a:solidFill>
+                  <a:srgbClr val="3465a4"/>
+                </a:solidFill>
+                <a:latin typeface="Arial Narrow"/>
+              </a:rPr>
+              <a:t>denbi.de/rbc</a:t>
+            </a:r>
+            <a:endParaRPr b="0" lang="en-US" sz="3200" spc="-1" strike="noStrike">
+              <a:solidFill>
+                <a:srgbClr val="3465a4"/>
+              </a:solidFill>
+              <a:latin typeface="Arial Narrow"/>
+            </a:endParaRPr>
+          </a:p>
+        </p:txBody>
+      </p:sp>
+      <p:sp>
+        <p:nvSpPr>
+          <p:cNvPr id="64" name="TextShape 18"/>
+          <p:cNvSpPr txBox="1"/>
+          <p:nvPr/>
+        </p:nvSpPr>
+        <p:spPr>
+          <a:xfrm>
+            <a:off x="11097360" y="31131360"/>
+            <a:ext cx="3108960" cy="852120"/>
+          </a:xfrm>
+          <a:prstGeom prst="rect">
+            <a:avLst/>
+          </a:prstGeom>
+          <a:noFill/>
+          <a:ln>
+            <a:noFill/>
+          </a:ln>
+        </p:spPr>
+        <p:txBody>
+          <a:bodyPr lIns="90000" rIns="90000" tIns="45000" bIns="45000"/>
+          <a:p>
+            <a:pPr algn="just"/>
+            <a:r>
+              <a:rPr b="0" lang="en-US" sz="3200" spc="-1" strike="noStrike">
+                <a:solidFill>
+                  <a:srgbClr val="3465a4"/>
+                </a:solidFill>
+                <a:latin typeface="Arial Narrow"/>
+              </a:rPr>
+              <a:t>edamontology.org</a:t>
+            </a:r>
+            <a:endParaRPr b="0" lang="en-US" sz="3200" spc="-1" strike="noStrike">
+              <a:solidFill>
+                <a:srgbClr val="3465a4"/>
+              </a:solidFill>
+              <a:latin typeface="Arial Narrow"/>
+            </a:endParaRPr>
+          </a:p>
+        </p:txBody>
+      </p:sp>
+      <p:sp>
+        <p:nvSpPr>
+          <p:cNvPr id="65" name="TextShape 19"/>
+          <p:cNvSpPr txBox="1"/>
+          <p:nvPr/>
+        </p:nvSpPr>
+        <p:spPr>
+          <a:xfrm>
+            <a:off x="11097360" y="27387720"/>
+            <a:ext cx="3108960" cy="852120"/>
+          </a:xfrm>
+          <a:prstGeom prst="rect">
+            <a:avLst/>
+          </a:prstGeom>
+          <a:noFill/>
+          <a:ln>
+            <a:noFill/>
+          </a:ln>
+        </p:spPr>
+        <p:txBody>
+          <a:bodyPr lIns="90000" rIns="90000" tIns="45000" bIns="45000"/>
+          <a:p>
+            <a:pPr algn="just"/>
+            <a:r>
+              <a:rPr b="0" lang="en-US" sz="3200" spc="-1" strike="noStrike">
+                <a:solidFill>
+                  <a:srgbClr val="3465a4"/>
+                </a:solidFill>
+                <a:latin typeface="Arial Narrow"/>
+              </a:rPr>
+              <a:t>galaxyproject.org</a:t>
+            </a:r>
+            <a:endParaRPr b="0" lang="en-US" sz="3200" spc="-1" strike="noStrike">
+              <a:solidFill>
+                <a:srgbClr val="3465a4"/>
+              </a:solidFill>
+              <a:latin typeface="Arial Narrow"/>
+            </a:endParaRPr>
+          </a:p>
+        </p:txBody>
+      </p:sp>
       <p:pic>
         <p:nvPicPr>
-          <p:cNvPr id="64" name="" descr=""/>
+          <p:cNvPr id="66" name="" descr=""/>
           <p:cNvPicPr/>
           <p:nvPr/>
         </p:nvPicPr>
@@ -3839,8 +3954,8 @@
         </p:blipFill>
         <p:spPr>
           <a:xfrm>
-            <a:off x="11162160" y="32932800"/>
-            <a:ext cx="2129760" cy="3011040"/>
+            <a:off x="3096360" y="36383760"/>
+            <a:ext cx="1671480" cy="1671480"/>
           </a:xfrm>
           <a:prstGeom prst="rect">
             <a:avLst/>
@@ -3852,14 +3967,14 @@
       </p:pic>
       <p:sp>
         <p:nvSpPr>
-          <p:cNvPr id="65" name="TextShape 18"/>
+          <p:cNvPr id="67" name="TextShape 20"/>
           <p:cNvSpPr txBox="1"/>
           <p:nvPr/>
         </p:nvSpPr>
         <p:spPr>
           <a:xfrm>
-            <a:off x="11169360" y="35307360"/>
-            <a:ext cx="2286000" cy="640080"/>
+            <a:off x="5069520" y="36717840"/>
+            <a:ext cx="2907000" cy="614520"/>
           </a:xfrm>
           <a:prstGeom prst="rect">
             <a:avLst/>
@@ -3874,33 +3989,27 @@
           <a:p>
             <a:pPr algn="just"/>
             <a:r>
-              <a:rPr b="0" lang="en-US" sz="3200" spc="-1" strike="noStrike">
-                <a:solidFill>
-                  <a:srgbClr val="3465a4"/>
-                </a:solidFill>
+              <a:rPr b="1" lang="en-US" sz="4400" spc="-1" strike="noStrike">
                 <a:latin typeface="Arial Narrow"/>
               </a:rPr>
-              <a:t>denbi.de/rbc</a:t>
-            </a:r>
-            <a:endParaRPr b="0" lang="en-US" sz="3200" spc="-1" strike="noStrike">
-              <a:solidFill>
-                <a:srgbClr val="3465a4"/>
-              </a:solidFill>
-              <a:latin typeface="Arial Narrow"/>
-            </a:endParaRPr>
-          </a:p>
-        </p:txBody>
-      </p:sp>
-      <p:sp>
-        <p:nvSpPr>
-          <p:cNvPr id="66" name="TextShape 19"/>
+              <a:t>destairdenbi</a:t>
+            </a:r>
+            <a:endParaRPr b="0" lang="en-US" sz="4400" spc="-1" strike="noStrike">
+              <a:latin typeface="Arial"/>
+            </a:endParaRPr>
+          </a:p>
+        </p:txBody>
+      </p:sp>
+      <p:sp>
+        <p:nvSpPr>
+          <p:cNvPr id="68" name="TextShape 21"/>
           <p:cNvSpPr txBox="1"/>
           <p:nvPr/>
         </p:nvSpPr>
         <p:spPr>
           <a:xfrm>
-            <a:off x="11169360" y="31671360"/>
-            <a:ext cx="3108960" cy="852120"/>
+            <a:off x="5069880" y="37330200"/>
+            <a:ext cx="4124880" cy="471240"/>
           </a:xfrm>
           <a:prstGeom prst="rect">
             <a:avLst/>
@@ -3916,75 +4025,31 @@
             <a:pPr algn="just"/>
             <a:r>
               <a:rPr b="0" lang="en-US" sz="3200" spc="-1" strike="noStrike">
-                <a:solidFill>
-                  <a:srgbClr val="3465a4"/>
-                </a:solidFill>
                 <a:latin typeface="Arial Narrow"/>
               </a:rPr>
-              <a:t>edamontology.or</a:t>
+              <a:t>destair.bio</a:t>
             </a:r>
             <a:r>
               <a:rPr b="0" lang="en-US" sz="3200" spc="-1" strike="noStrike">
-                <a:solidFill>
-                  <a:srgbClr val="3465a4"/>
-                </a:solidFill>
                 <a:latin typeface="Arial Narrow"/>
               </a:rPr>
-              <a:t>g</a:t>
+              <a:t>inf.uni-</a:t>
+            </a:r>
+            <a:r>
+              <a:rPr b="0" lang="en-US" sz="3200" spc="-1" strike="noStrike">
+                <a:latin typeface="Arial Narrow"/>
+              </a:rPr>
+              <a:t>leipzig.de</a:t>
             </a:r>
             <a:endParaRPr b="0" lang="en-US" sz="3200" spc="-1" strike="noStrike">
-              <a:solidFill>
-                <a:srgbClr val="3465a4"/>
-              </a:solidFill>
-              <a:latin typeface="Arial Narrow"/>
-            </a:endParaRPr>
-          </a:p>
-        </p:txBody>
-      </p:sp>
-      <p:sp>
-        <p:nvSpPr>
-          <p:cNvPr id="67" name="TextShape 20"/>
-          <p:cNvSpPr txBox="1"/>
-          <p:nvPr/>
-        </p:nvSpPr>
-        <p:spPr>
-          <a:xfrm>
-            <a:off x="11169360" y="27999720"/>
-            <a:ext cx="3108960" cy="852120"/>
-          </a:xfrm>
-          <a:prstGeom prst="rect">
-            <a:avLst/>
-          </a:prstGeom>
-          <a:noFill/>
-          <a:ln>
-            <a:noFill/>
-          </a:ln>
-        </p:spPr>
-        <p:txBody>
-          <a:bodyPr lIns="90000" rIns="90000" tIns="45000" bIns="45000"/>
-          <a:p>
-            <a:pPr algn="just"/>
-            <a:r>
-              <a:rPr b="0" lang="en-US" sz="3200" spc="-1" strike="noStrike">
-                <a:solidFill>
-                  <a:srgbClr val="3465a4"/>
-                </a:solidFill>
-                <a:latin typeface="Arial Narrow"/>
-              </a:rPr>
-              <a:t>galaxyproject.org</a:t>
-            </a:r>
-            <a:endParaRPr b="0" lang="en-US" sz="3200" spc="-1" strike="noStrike">
-              <a:solidFill>
-                <a:srgbClr val="3465a4"/>
-              </a:solidFill>
-              <a:latin typeface="Arial Narrow"/>
+              <a:latin typeface="Arial"/>
             </a:endParaRPr>
           </a:p>
         </p:txBody>
       </p:sp>
       <p:pic>
         <p:nvPicPr>
-          <p:cNvPr id="68" name="" descr=""/>
+          <p:cNvPr id="69" name="" descr=""/>
           <p:cNvPicPr/>
           <p:nvPr/>
         </p:nvPicPr>
@@ -3994,8 +4059,8 @@
         </p:blipFill>
         <p:spPr>
           <a:xfrm>
-            <a:off x="3096360" y="36635760"/>
-            <a:ext cx="1671480" cy="1671480"/>
+            <a:off x="9047880" y="35337600"/>
+            <a:ext cx="5564520" cy="3931920"/>
           </a:xfrm>
           <a:prstGeom prst="rect">
             <a:avLst/>
@@ -4005,88 +4070,29 @@
           </a:ln>
         </p:spPr>
       </p:pic>
-      <p:sp>
-        <p:nvSpPr>
-          <p:cNvPr id="69" name="TextShape 21"/>
-          <p:cNvSpPr txBox="1"/>
+      <p:pic>
+        <p:nvPicPr>
+          <p:cNvPr id="70" name="" descr=""/>
+          <p:cNvPicPr/>
           <p:nvPr/>
-        </p:nvSpPr>
-        <p:spPr>
-          <a:xfrm>
-            <a:off x="5069520" y="36969840"/>
-            <a:ext cx="2907000" cy="614520"/>
-          </a:xfrm>
-          <a:prstGeom prst="rect">
-            <a:avLst/>
-          </a:prstGeom>
-          <a:noFill/>
+        </p:nvPicPr>
+        <p:blipFill>
+          <a:blip r:embed="rId9"/>
+          <a:stretch/>
+        </p:blipFill>
+        <p:spPr>
+          <a:xfrm>
+            <a:off x="25584480" y="39359520"/>
+            <a:ext cx="2484000" cy="1856880"/>
+          </a:xfrm>
+          <a:prstGeom prst="rect">
+            <a:avLst/>
+          </a:prstGeom>
           <a:ln>
             <a:noFill/>
           </a:ln>
         </p:spPr>
-        <p:txBody>
-          <a:bodyPr lIns="90000" rIns="90000" tIns="45000" bIns="45000"/>
-          <a:p>
-            <a:pPr algn="just"/>
-            <a:r>
-              <a:rPr b="1" lang="en-US" sz="4400" spc="-1" strike="noStrike">
-                <a:latin typeface="Arial Narrow"/>
-              </a:rPr>
-              <a:t>destai</a:t>
-            </a:r>
-            <a:r>
-              <a:rPr b="1" lang="en-US" sz="4400" spc="-1" strike="noStrike">
-                <a:latin typeface="Arial Narrow"/>
-              </a:rPr>
-              <a:t>rdenbi</a:t>
-            </a:r>
-            <a:endParaRPr b="0" lang="en-US" sz="4400" spc="-1" strike="noStrike">
-              <a:latin typeface="Arial"/>
-            </a:endParaRPr>
-          </a:p>
-        </p:txBody>
-      </p:sp>
-      <p:sp>
-        <p:nvSpPr>
-          <p:cNvPr id="70" name="TextShape 22"/>
-          <p:cNvSpPr txBox="1"/>
-          <p:nvPr/>
-        </p:nvSpPr>
-        <p:spPr>
-          <a:xfrm>
-            <a:off x="5069880" y="37582200"/>
-            <a:ext cx="4124880" cy="471240"/>
-          </a:xfrm>
-          <a:prstGeom prst="rect">
-            <a:avLst/>
-          </a:prstGeom>
-          <a:noFill/>
-          <a:ln>
-            <a:noFill/>
-          </a:ln>
-        </p:spPr>
-        <p:txBody>
-          <a:bodyPr lIns="90000" rIns="90000" tIns="45000" bIns="45000"/>
-          <a:p>
-            <a:pPr algn="just"/>
-            <a:r>
-              <a:rPr b="0" lang="en-US" sz="3200" spc="-1" strike="noStrike">
-                <a:latin typeface="Arial Narrow"/>
-              </a:rPr>
-              <a:t>destair.bioinf.uni-</a:t>
-            </a:r>
-            <a:r>
-              <a:rPr b="0" lang="en-US" sz="3200" spc="-1" strike="noStrike">
-                <a:latin typeface="Arial Narrow"/>
-              </a:rPr>
-              <a:t>leipzig.de</a:t>
-            </a:r>
-            <a:endParaRPr b="0" lang="en-US" sz="3200" spc="-1" strike="noStrike">
-              <a:latin typeface="Arial"/>
-            </a:endParaRPr>
-          </a:p>
-        </p:txBody>
-      </p:sp>
+      </p:pic>
       <p:pic>
         <p:nvPicPr>
           <p:cNvPr id="71" name="" descr=""/>
@@ -4094,13 +4100,13 @@
           <p:nvPr/>
         </p:nvPicPr>
         <p:blipFill>
-          <a:blip r:embed="rId9"/>
+          <a:blip r:embed="rId10"/>
           <a:stretch/>
         </p:blipFill>
         <p:spPr>
           <a:xfrm>
-            <a:off x="9047880" y="35589600"/>
-            <a:ext cx="5564520" cy="3931920"/>
+            <a:off x="22020480" y="39410640"/>
+            <a:ext cx="3436920" cy="1773360"/>
           </a:xfrm>
           <a:prstGeom prst="rect">
             <a:avLst/>
@@ -4110,16 +4116,39 @@
           </a:ln>
         </p:spPr>
       </p:pic>
-      <p:sp>
-        <p:nvSpPr>
-          <p:cNvPr id="72" name="Line 23"/>
+      <p:pic>
+        <p:nvPicPr>
+          <p:cNvPr id="72" name="" descr=""/>
+          <p:cNvPicPr/>
+          <p:nvPr/>
+        </p:nvPicPr>
+        <p:blipFill>
+          <a:blip r:embed="rId11"/>
+          <a:stretch/>
+        </p:blipFill>
+        <p:spPr>
+          <a:xfrm>
+            <a:off x="15365160" y="11208600"/>
+            <a:ext cx="12715920" cy="7849800"/>
+          </a:xfrm>
+          <a:prstGeom prst="rect">
+            <a:avLst/>
+          </a:prstGeom>
+          <a:ln>
+            <a:noFill/>
+          </a:ln>
+        </p:spPr>
+      </p:pic>
+      <p:sp>
+        <p:nvSpPr>
+          <p:cNvPr id="73" name="Line 22"/>
           <p:cNvSpPr/>
           <p:nvPr/>
         </p:nvSpPr>
         <p:spPr>
           <a:xfrm>
-            <a:off x="6858000" y="28437840"/>
-            <a:ext cx="0" cy="837360"/>
+            <a:off x="6858000" y="27825840"/>
+            <a:ext cx="0" cy="1017360"/>
           </a:xfrm>
           <a:prstGeom prst="line">
             <a:avLst/>
@@ -4140,14 +4169,14 @@
       </p:sp>
       <p:sp>
         <p:nvSpPr>
-          <p:cNvPr id="73" name="Line 24"/>
+          <p:cNvPr id="74" name="Line 23"/>
           <p:cNvSpPr/>
           <p:nvPr/>
         </p:nvSpPr>
         <p:spPr>
           <a:xfrm>
-            <a:off x="6858000" y="32123160"/>
-            <a:ext cx="0" cy="837360"/>
+            <a:off x="6858000" y="31673160"/>
+            <a:ext cx="0" cy="1017360"/>
           </a:xfrm>
           <a:prstGeom prst="line">
             <a:avLst/>
@@ -4166,29 +4195,6 @@
           <a:fontRef idx="minor"/>
         </p:style>
       </p:sp>
-      <p:pic>
-        <p:nvPicPr>
-          <p:cNvPr id="74" name="" descr=""/>
-          <p:cNvPicPr/>
-          <p:nvPr/>
-        </p:nvPicPr>
-        <p:blipFill>
-          <a:blip r:embed="rId10"/>
-          <a:stretch/>
-        </p:blipFill>
-        <p:spPr>
-          <a:xfrm>
-            <a:off x="25584480" y="39359520"/>
-            <a:ext cx="2484000" cy="1856880"/>
-          </a:xfrm>
-          <a:prstGeom prst="rect">
-            <a:avLst/>
-          </a:prstGeom>
-          <a:ln>
-            <a:noFill/>
-          </a:ln>
-        </p:spPr>
-      </p:pic>
       <p:pic>
         <p:nvPicPr>
           <p:cNvPr id="75" name="" descr=""/>
@@ -4196,36 +4202,13 @@
           <p:nvPr/>
         </p:nvPicPr>
         <p:blipFill>
-          <a:blip r:embed="rId11"/>
-          <a:stretch/>
-        </p:blipFill>
-        <p:spPr>
-          <a:xfrm>
-            <a:off x="22020480" y="39410640"/>
-            <a:ext cx="3436920" cy="1773360"/>
-          </a:xfrm>
-          <a:prstGeom prst="rect">
-            <a:avLst/>
-          </a:prstGeom>
-          <a:ln>
-            <a:noFill/>
-          </a:ln>
-        </p:spPr>
-      </p:pic>
-      <p:pic>
-        <p:nvPicPr>
-          <p:cNvPr id="76" name="" descr=""/>
-          <p:cNvPicPr/>
-          <p:nvPr/>
-        </p:nvPicPr>
-        <p:blipFill>
           <a:blip r:embed="rId12"/>
           <a:stretch/>
         </p:blipFill>
         <p:spPr>
           <a:xfrm>
-            <a:off x="15365160" y="11352600"/>
-            <a:ext cx="12715920" cy="7849800"/>
+            <a:off x="15508440" y="24628320"/>
+            <a:ext cx="12563640" cy="6894360"/>
           </a:xfrm>
           <a:prstGeom prst="rect">
             <a:avLst/>

--- a/2017-11-23__rostock__forschungscamp/poster.pptx
+++ b/2017-11-23__rostock__forschungscamp/poster.pptx
@@ -1693,7 +1693,13 @@
               <a:rPr b="0" lang="en-US" sz="4400" spc="-1" strike="noStrike">
                 <a:latin typeface="Arial"/>
               </a:rPr>
-              <a:t>Click to edit the title text format</a:t>
+              <a:t>Click to edit the title text </a:t>
+            </a:r>
+            <a:r>
+              <a:rPr b="0" lang="en-US" sz="4400" spc="-1" strike="noStrike">
+                <a:latin typeface="Arial"/>
+              </a:rPr>
+              <a:t>format</a:t>
             </a:r>
             <a:endParaRPr b="0" lang="en-US" sz="4400" spc="-1" strike="noStrike">
               <a:latin typeface="Arial"/>
@@ -3118,110 +3124,6 @@
             </a:endParaRPr>
           </a:p>
           <a:p>
-            <a:pPr algn="just">
-              <a:lnSpc>
-                <a:spcPct val="100000"/>
-              </a:lnSpc>
-              <a:spcBef>
-                <a:spcPts val="879"/>
-              </a:spcBef>
-            </a:pPr>
-            <a:endParaRPr b="0" lang="en-US" sz="5400" spc="-1" strike="noStrike">
-              <a:latin typeface="Arial"/>
-            </a:endParaRPr>
-          </a:p>
-          <a:p>
-            <a:pPr algn="just">
-              <a:lnSpc>
-                <a:spcPct val="100000"/>
-              </a:lnSpc>
-              <a:spcBef>
-                <a:spcPts val="879"/>
-              </a:spcBef>
-            </a:pPr>
-            <a:endParaRPr b="0" lang="en-US" sz="5400" spc="-1" strike="noStrike">
-              <a:latin typeface="Arial"/>
-            </a:endParaRPr>
-          </a:p>
-          <a:p>
-            <a:pPr algn="just">
-              <a:lnSpc>
-                <a:spcPct val="100000"/>
-              </a:lnSpc>
-              <a:spcBef>
-                <a:spcPts val="879"/>
-              </a:spcBef>
-            </a:pPr>
-            <a:endParaRPr b="0" lang="en-US" sz="5400" spc="-1" strike="noStrike">
-              <a:latin typeface="Arial"/>
-            </a:endParaRPr>
-          </a:p>
-          <a:p>
-            <a:pPr algn="just">
-              <a:lnSpc>
-                <a:spcPct val="100000"/>
-              </a:lnSpc>
-              <a:spcBef>
-                <a:spcPts val="879"/>
-              </a:spcBef>
-            </a:pPr>
-            <a:endParaRPr b="0" lang="en-US" sz="5400" spc="-1" strike="noStrike">
-              <a:latin typeface="Arial"/>
-            </a:endParaRPr>
-          </a:p>
-          <a:p>
-            <a:pPr algn="just">
-              <a:lnSpc>
-                <a:spcPct val="100000"/>
-              </a:lnSpc>
-              <a:spcBef>
-                <a:spcPts val="879"/>
-              </a:spcBef>
-            </a:pPr>
-            <a:endParaRPr b="0" lang="en-US" sz="5400" spc="-1" strike="noStrike">
-              <a:latin typeface="Arial"/>
-            </a:endParaRPr>
-          </a:p>
-          <a:p>
-            <a:pPr algn="just">
-              <a:lnSpc>
-                <a:spcPct val="100000"/>
-              </a:lnSpc>
-              <a:spcBef>
-                <a:spcPts val="879"/>
-              </a:spcBef>
-            </a:pPr>
-            <a:endParaRPr b="0" lang="en-US" sz="5400" spc="-1" strike="noStrike">
-              <a:latin typeface="Arial"/>
-            </a:endParaRPr>
-          </a:p>
-          <a:p>
-            <a:pPr algn="just">
-              <a:lnSpc>
-                <a:spcPct val="100000"/>
-              </a:lnSpc>
-              <a:spcBef>
-                <a:spcPts val="879"/>
-              </a:spcBef>
-            </a:pPr>
-            <a:endParaRPr b="0" lang="en-US" sz="5400" spc="-1" strike="noStrike">
-              <a:latin typeface="Arial"/>
-            </a:endParaRPr>
-          </a:p>
-          <a:p>
-            <a:pPr algn="just">
-              <a:lnSpc>
-                <a:spcPct val="100000"/>
-              </a:lnSpc>
-              <a:spcBef>
-                <a:spcPts val="879"/>
-              </a:spcBef>
-            </a:pPr>
-            <a:endParaRPr b="0" lang="en-US" sz="5400" spc="-1" strike="noStrike">
-              <a:latin typeface="Arial"/>
-            </a:endParaRPr>
-          </a:p>
-          <a:p>
             <a:pPr marL="895320" indent="-894600" algn="just">
               <a:lnSpc>
                 <a:spcPct val="100000"/>
@@ -3271,6 +3173,24 @@
               </a:rPr>
               <a:t>Tool pertinence is inferred from manually curated EDAM annotations, therefore a tool’s pertinence is as accurate as its bio.tools annotation</a:t>
             </a:r>
+            <a:endParaRPr b="0" lang="en-US" sz="4400" spc="-1" strike="noStrike">
+              <a:latin typeface="Arial"/>
+            </a:endParaRPr>
+          </a:p>
+          <a:p>
+            <a:pPr marL="895320" indent="-894600">
+              <a:lnSpc>
+                <a:spcPct val="100000"/>
+              </a:lnSpc>
+              <a:spcBef>
+                <a:spcPts val="879"/>
+              </a:spcBef>
+              <a:buClr>
+                <a:srgbClr val="000000"/>
+              </a:buClr>
+              <a:buFont typeface="Arial"/>
+              <a:buChar char="•"/>
+            </a:pPr>
             <a:endParaRPr b="0" lang="en-US" sz="4400" spc="-1" strike="noStrike">
               <a:latin typeface="Arial"/>
             </a:endParaRPr>
@@ -3487,19 +3407,7 @@
               <a:rPr b="0" lang="en-US" sz="4400" spc="-1" strike="noStrike">
                 <a:latin typeface="Arial Narrow"/>
               </a:rPr>
-              <a:t>Tool chaining and </a:t>
-            </a:r>
-            <a:r>
-              <a:rPr b="0" lang="en-US" sz="4400" spc="-1" strike="noStrike">
-                <a:latin typeface="Arial Narrow"/>
-              </a:rPr>
-              <a:t>parametrization  through </a:t>
-            </a:r>
-            <a:r>
-              <a:rPr b="0" lang="en-US" sz="4400" spc="-1" strike="noStrike">
-                <a:latin typeface="Arial Narrow"/>
-              </a:rPr>
-              <a:t>Galaxy’s interactive tours</a:t>
+              <a:t>Tool chaining and parametrization  through Galaxy’s interactive tours</a:t>
             </a:r>
             <a:endParaRPr b="0" lang="en-US" sz="4400" spc="-1" strike="noStrike">
               <a:latin typeface="Arial Narrow"/>
@@ -3539,13 +3447,49 @@
               <a:rPr b="0" lang="en-US" sz="4400" spc="-1" strike="noStrike">
                 <a:latin typeface="Arial Narrow"/>
               </a:rPr>
-              <a:t>Tool operations and input / output formats </a:t>
+              <a:t>Tool </a:t>
             </a:r>
             <a:r>
               <a:rPr b="0" lang="en-US" sz="4400" spc="-1" strike="noStrike">
                 <a:latin typeface="Arial Narrow"/>
               </a:rPr>
-              <a:t>through Elixir’s bio.tools</a:t>
+              <a:t>operations </a:t>
+            </a:r>
+            <a:r>
+              <a:rPr b="0" lang="en-US" sz="4400" spc="-1" strike="noStrike">
+                <a:latin typeface="Arial Narrow"/>
+              </a:rPr>
+              <a:t>and input / </a:t>
+            </a:r>
+            <a:r>
+              <a:rPr b="0" lang="en-US" sz="4400" spc="-1" strike="noStrike">
+                <a:latin typeface="Arial Narrow"/>
+              </a:rPr>
+              <a:t>output </a:t>
+            </a:r>
+            <a:r>
+              <a:rPr b="0" lang="en-US" sz="4400" spc="-1" strike="noStrike">
+                <a:latin typeface="Arial Narrow"/>
+              </a:rPr>
+              <a:t>formats </a:t>
+            </a:r>
+            <a:r>
+              <a:rPr b="0" lang="en-US" sz="4400" spc="-1" strike="noStrike">
+                <a:latin typeface="Arial Narrow"/>
+              </a:rPr>
+              <a:t>through </a:t>
+            </a:r>
+            <a:r>
+              <a:rPr b="0" lang="en-US" sz="4400" spc="-1" strike="noStrike">
+                <a:latin typeface="Arial Narrow"/>
+              </a:rPr>
+              <a:t>Elixir’s </a:t>
+            </a:r>
+            <a:r>
+              <a:rPr b="0" lang="en-US" sz="4400" spc="-1" strike="noStrike">
+                <a:latin typeface="Arial Narrow"/>
+              </a:rPr>
+              <a:t>bio.tools</a:t>
             </a:r>
             <a:endParaRPr b="0" lang="en-US" sz="4400" spc="-1" strike="noStrike">
               <a:latin typeface="Arial"/>
@@ -3584,31 +3528,67 @@
               <a:rPr b="0" lang="en-US" sz="4400" spc="-1" strike="noStrike">
                 <a:latin typeface="Arial Narrow"/>
               </a:rPr>
-              <a:t>Best practices </a:t>
+              <a:t>Best </a:t>
             </a:r>
             <a:r>
               <a:rPr b="0" lang="en-US" sz="4400" spc="-1" strike="noStrike">
                 <a:latin typeface="Arial Narrow"/>
               </a:rPr>
-              <a:t>and user-</a:t>
+              <a:t>practic</a:t>
             </a:r>
             <a:r>
               <a:rPr b="0" lang="en-US" sz="4400" spc="-1" strike="noStrike">
                 <a:latin typeface="Arial Narrow"/>
               </a:rPr>
-              <a:t>tracked data of </a:t>
+              <a:t>es and </a:t>
             </a:r>
             <a:r>
               <a:rPr b="0" lang="en-US" sz="4400" spc="-1" strike="noStrike">
                 <a:latin typeface="Arial Narrow"/>
               </a:rPr>
-              <a:t>RBC’s Galaxy </a:t>
+              <a:t>user-</a:t>
             </a:r>
             <a:r>
               <a:rPr b="0" lang="en-US" sz="4400" spc="-1" strike="noStrike">
                 <a:latin typeface="Arial Narrow"/>
               </a:rPr>
-              <a:t>instance</a:t>
+              <a:t>tracke</a:t>
+            </a:r>
+            <a:r>
+              <a:rPr b="0" lang="en-US" sz="4400" spc="-1" strike="noStrike">
+                <a:latin typeface="Arial Narrow"/>
+              </a:rPr>
+              <a:t>d data </a:t>
+            </a:r>
+            <a:r>
+              <a:rPr b="0" lang="en-US" sz="4400" spc="-1" strike="noStrike">
+                <a:latin typeface="Arial Narrow"/>
+              </a:rPr>
+              <a:t>of </a:t>
+            </a:r>
+            <a:r>
+              <a:rPr b="0" lang="en-US" sz="4400" spc="-1" strike="noStrike">
+                <a:latin typeface="Arial Narrow"/>
+              </a:rPr>
+              <a:t>RBC’s </a:t>
+            </a:r>
+            <a:r>
+              <a:rPr b="0" lang="en-US" sz="4400" spc="-1" strike="noStrike">
+                <a:latin typeface="Arial Narrow"/>
+              </a:rPr>
+              <a:t>Galaxy </a:t>
+            </a:r>
+            <a:r>
+              <a:rPr b="0" lang="en-US" sz="4400" spc="-1" strike="noStrike">
+                <a:latin typeface="Arial Narrow"/>
+              </a:rPr>
+              <a:t>instanc</a:t>
+            </a:r>
+            <a:r>
+              <a:rPr b="0" lang="en-US" sz="4400" spc="-1" strike="noStrike">
+                <a:latin typeface="Arial Narrow"/>
+              </a:rPr>
+              <a:t>e</a:t>
             </a:r>
             <a:endParaRPr b="0" lang="en-US" sz="4400" spc="-1" strike="noStrike">
               <a:latin typeface="Arial Narrow"/>
@@ -3673,7 +3653,43 @@
                 </a:solidFill>
                 <a:latin typeface="Arial Narrow"/>
               </a:rPr>
-              <a:t>Systems Biology and Bioinformatics</a:t>
+              <a:t>Systems </a:t>
+            </a:r>
+            <a:r>
+              <a:rPr b="0" lang="en-US" sz="3600" spc="-1" strike="noStrike">
+                <a:solidFill>
+                  <a:srgbClr val="ffffff"/>
+                </a:solidFill>
+                <a:latin typeface="Arial Narrow"/>
+              </a:rPr>
+              <a:t>Biology </a:t>
+            </a:r>
+            <a:r>
+              <a:rPr b="0" lang="en-US" sz="3600" spc="-1" strike="noStrike">
+                <a:solidFill>
+                  <a:srgbClr val="ffffff"/>
+                </a:solidFill>
+                <a:latin typeface="Arial Narrow"/>
+              </a:rPr>
+              <a:t>and </a:t>
+            </a:r>
+            <a:r>
+              <a:rPr b="0" lang="en-US" sz="3600" spc="-1" strike="noStrike">
+                <a:solidFill>
+                  <a:srgbClr val="ffffff"/>
+                </a:solidFill>
+                <a:latin typeface="Arial Narrow"/>
+              </a:rPr>
+              <a:t>Bioinform</a:t>
+            </a:r>
+            <a:r>
+              <a:rPr b="0" lang="en-US" sz="3600" spc="-1" strike="noStrike">
+                <a:solidFill>
+                  <a:srgbClr val="ffffff"/>
+                </a:solidFill>
+                <a:latin typeface="Arial Narrow"/>
+              </a:rPr>
+              <a:t>atics</a:t>
             </a:r>
             <a:endParaRPr b="0" lang="en-US" sz="3600" spc="-1" strike="noStrike">
               <a:solidFill>
@@ -3695,7 +3711,25 @@
                 </a:solidFill>
                 <a:latin typeface="Arial Narrow"/>
               </a:rPr>
-              <a:t>University of Rostock</a:t>
+              <a:t>Universit</a:t>
+            </a:r>
+            <a:r>
+              <a:rPr b="0" lang="en-US" sz="3600" spc="-1" strike="noStrike">
+                <a:solidFill>
+                  <a:srgbClr val="ffffff"/>
+                </a:solidFill>
+                <a:latin typeface="Arial Narrow"/>
+              </a:rPr>
+              <a:t>y of </a:t>
+            </a:r>
+            <a:r>
+              <a:rPr b="0" lang="en-US" sz="3600" spc="-1" strike="noStrike">
+                <a:solidFill>
+                  <a:srgbClr val="ffffff"/>
+                </a:solidFill>
+                <a:latin typeface="Arial Narrow"/>
+              </a:rPr>
+              <a:t>Rostock</a:t>
             </a:r>
             <a:endParaRPr b="0" lang="en-US" sz="3600" spc="-1" strike="noStrike">
               <a:solidFill>
@@ -3717,7 +3751,34 @@
                 </a:solidFill>
                 <a:latin typeface="Arial Narrow"/>
               </a:rPr>
-              <a:t>Ulmenstr. 69, 18051 Rostock</a:t>
+              <a:t>Ulmenstr. </a:t>
+            </a:r>
+            <a:r>
+              <a:rPr b="0" lang="en-US" sz="3600" spc="-1" strike="noStrike">
+                <a:solidFill>
+                  <a:srgbClr val="ffffff"/>
+                </a:solidFill>
+                <a:latin typeface="Arial Narrow"/>
+              </a:rPr>
+              <a:t>69, </a:t>
+            </a:r>
+            <a:r>
+              <a:rPr b="0" lang="en-US" sz="3600" spc="-1" strike="noStrike">
+                <a:solidFill>
+                  <a:srgbClr val="ffffff"/>
+                </a:solidFill>
+                <a:latin typeface="Arial Narrow"/>
+              </a:rPr>
+              <a:t>18051 </a:t>
+            </a:r>
+            <a:r>
+              <a:rPr b="0" lang="en-US" sz="3600" spc="-1" strike="noStrike">
+                <a:solidFill>
+                  <a:srgbClr val="ffffff"/>
+                </a:solidFill>
+                <a:latin typeface="Arial Narrow"/>
+              </a:rPr>
+              <a:t>Rostock</a:t>
             </a:r>
             <a:endParaRPr b="0" lang="en-US" sz="3600" spc="-1" strike="noStrike">
               <a:solidFill>
@@ -3739,7 +3800,34 @@
                 </a:solidFill>
                 <a:latin typeface="Arial Narrow"/>
               </a:rPr>
-              <a:t>www.sbi.uni-rostock.de</a:t>
+              <a:t>www.sbi.</a:t>
+            </a:r>
+            <a:r>
+              <a:rPr b="1" lang="en-US" sz="3600" spc="-1" strike="noStrike">
+                <a:solidFill>
+                  <a:srgbClr val="ffffff"/>
+                </a:solidFill>
+                <a:latin typeface="Arial Narrow"/>
+              </a:rPr>
+              <a:t>uni-</a:t>
+            </a:r>
+            <a:r>
+              <a:rPr b="1" lang="en-US" sz="3600" spc="-1" strike="noStrike">
+                <a:solidFill>
+                  <a:srgbClr val="ffffff"/>
+                </a:solidFill>
+                <a:latin typeface="Arial Narrow"/>
+              </a:rPr>
+              <a:t>rostock.</a:t>
+            </a:r>
+            <a:r>
+              <a:rPr b="1" lang="en-US" sz="3600" spc="-1" strike="noStrike">
+                <a:solidFill>
+                  <a:srgbClr val="ffffff"/>
+                </a:solidFill>
+                <a:latin typeface="Arial Narrow"/>
+              </a:rPr>
+              <a:t>de</a:t>
             </a:r>
             <a:endParaRPr b="0" lang="en-US" sz="3600" spc="-1" strike="noStrike">
               <a:solidFill>
@@ -3992,7 +4080,13 @@
               <a:rPr b="1" lang="en-US" sz="4400" spc="-1" strike="noStrike">
                 <a:latin typeface="Arial Narrow"/>
               </a:rPr>
-              <a:t>destairdenbi</a:t>
+              <a:t>destairde</a:t>
+            </a:r>
+            <a:r>
+              <a:rPr b="1" lang="en-US" sz="4400" spc="-1" strike="noStrike">
+                <a:latin typeface="Arial Narrow"/>
+              </a:rPr>
+              <a:t>nbi</a:t>
             </a:r>
             <a:endParaRPr b="0" lang="en-US" sz="4400" spc="-1" strike="noStrike">
               <a:latin typeface="Arial"/>
@@ -4027,19 +4121,7 @@
               <a:rPr b="0" lang="en-US" sz="3200" spc="-1" strike="noStrike">
                 <a:latin typeface="Arial Narrow"/>
               </a:rPr>
-              <a:t>destair.bio</a:t>
-            </a:r>
-            <a:r>
-              <a:rPr b="0" lang="en-US" sz="3200" spc="-1" strike="noStrike">
-                <a:latin typeface="Arial Narrow"/>
-              </a:rPr>
-              <a:t>inf.uni-</a:t>
-            </a:r>
-            <a:r>
-              <a:rPr b="0" lang="en-US" sz="3200" spc="-1" strike="noStrike">
-                <a:latin typeface="Arial Narrow"/>
-              </a:rPr>
-              <a:t>leipzig.de</a:t>
+              <a:t>destair.bioinf.uni-leipzig.de</a:t>
             </a:r>
             <a:endParaRPr b="0" lang="en-US" sz="3200" spc="-1" strike="noStrike">
               <a:latin typeface="Arial"/>
@@ -4195,9 +4277,68 @@
           <a:fontRef idx="minor"/>
         </p:style>
       </p:sp>
+      <p:sp>
+        <p:nvSpPr>
+          <p:cNvPr id="75" name="TextShape 24"/>
+          <p:cNvSpPr txBox="1"/>
+          <p:nvPr/>
+        </p:nvSpPr>
+        <p:spPr>
+          <a:xfrm>
+            <a:off x="15508800" y="26547120"/>
+            <a:ext cx="11247120" cy="914400"/>
+          </a:xfrm>
+          <a:prstGeom prst="rect">
+            <a:avLst/>
+          </a:prstGeom>
+          <a:noFill/>
+          <a:ln>
+            <a:noFill/>
+          </a:ln>
+        </p:spPr>
+        <p:txBody>
+          <a:bodyPr lIns="90000" rIns="90000" tIns="45000" bIns="45000"/>
+          <a:p>
+            <a:pPr algn="just"/>
+            <a:r>
+              <a:rPr b="0" lang="en-US" sz="3200" spc="-1" strike="noStrike">
+                <a:solidFill>
+                  <a:srgbClr val="3465a4"/>
+                </a:solidFill>
+                <a:latin typeface="Arial Narrow"/>
+              </a:rPr>
+              <a:t>Transcription factors and regulatory sites &gt; </a:t>
+            </a:r>
+            <a:r>
+              <a:rPr b="0" lang="en-US" sz="3200" spc="-1" strike="noStrike">
+                <a:solidFill>
+                  <a:srgbClr val="3465a4"/>
+                </a:solidFill>
+                <a:latin typeface="Arial Narrow"/>
+              </a:rPr>
+              <a:t>Functional, regulatory, and non-coding RNA &gt; </a:t>
+            </a:r>
+            <a:r>
+              <a:rPr b="0" lang="en-US" sz="3200" spc="-1" strike="noStrike">
+                <a:solidFill>
+                  <a:srgbClr val="3465a4"/>
+                </a:solidFill>
+                <a:latin typeface="Arial Narrow"/>
+              </a:rPr>
+              <a:t>RNA</a:t>
+            </a:r>
+            <a:endParaRPr b="0" lang="en-US" sz="3200" spc="-1" strike="noStrike">
+              <a:solidFill>
+                <a:srgbClr val="3465a4"/>
+              </a:solidFill>
+              <a:latin typeface="Arial Narrow"/>
+            </a:endParaRPr>
+          </a:p>
+        </p:txBody>
+      </p:sp>
       <p:pic>
         <p:nvPicPr>
-          <p:cNvPr id="75" name="" descr=""/>
+          <p:cNvPr id="76" name="" descr=""/>
           <p:cNvPicPr/>
           <p:nvPr/>
         </p:nvPicPr>
@@ -4207,8 +4348,72 @@
         </p:blipFill>
         <p:spPr>
           <a:xfrm>
-            <a:off x="15508440" y="24628320"/>
-            <a:ext cx="12563640" cy="6894360"/>
+            <a:off x="15536160" y="27489600"/>
+            <a:ext cx="12535920" cy="3494160"/>
+          </a:xfrm>
+          <a:prstGeom prst="rect">
+            <a:avLst/>
+          </a:prstGeom>
+          <a:ln>
+            <a:noFill/>
+          </a:ln>
+        </p:spPr>
+      </p:pic>
+      <p:sp>
+        <p:nvSpPr>
+          <p:cNvPr id="77" name="TextShape 25"/>
+          <p:cNvSpPr txBox="1"/>
+          <p:nvPr/>
+        </p:nvSpPr>
+        <p:spPr>
+          <a:xfrm>
+            <a:off x="15508800" y="24711120"/>
+            <a:ext cx="11247120" cy="471240"/>
+          </a:xfrm>
+          <a:prstGeom prst="rect">
+            <a:avLst/>
+          </a:prstGeom>
+          <a:noFill/>
+          <a:ln>
+            <a:noFill/>
+          </a:ln>
+        </p:spPr>
+        <p:txBody>
+          <a:bodyPr lIns="90000" rIns="90000" tIns="45000" bIns="45000"/>
+          <a:p>
+            <a:pPr algn="just"/>
+            <a:r>
+              <a:rPr b="0" lang="en-US" sz="3200" spc="-1" strike="noStrike">
+                <a:solidFill>
+                  <a:srgbClr val="3465a4"/>
+                </a:solidFill>
+                <a:latin typeface="Arial Narrow"/>
+              </a:rPr>
+              <a:t>Bioinformatics</a:t>
+            </a:r>
+            <a:endParaRPr b="0" lang="en-US" sz="3200" spc="-1" strike="noStrike">
+              <a:solidFill>
+                <a:srgbClr val="3465a4"/>
+              </a:solidFill>
+              <a:latin typeface="Arial Narrow"/>
+            </a:endParaRPr>
+          </a:p>
+        </p:txBody>
+      </p:sp>
+      <p:pic>
+        <p:nvPicPr>
+          <p:cNvPr id="78" name="" descr=""/>
+          <p:cNvPicPr/>
+          <p:nvPr/>
+        </p:nvPicPr>
+        <p:blipFill>
+          <a:blip r:embed="rId13"/>
+          <a:stretch/>
+        </p:blipFill>
+        <p:spPr>
+          <a:xfrm>
+            <a:off x="15533280" y="25284240"/>
+            <a:ext cx="12538800" cy="759600"/>
           </a:xfrm>
           <a:prstGeom prst="rect">
             <a:avLst/>

--- a/2017-11-23__rostock__forschungscamp/poster.pptx
+++ b/2017-11-23__rostock__forschungscamp/poster.pptx
@@ -1693,13 +1693,7 @@
               <a:rPr b="0" lang="en-US" sz="4400" spc="-1" strike="noStrike">
                 <a:latin typeface="Arial"/>
               </a:rPr>
-              <a:t>Click to edit the title text </a:t>
-            </a:r>
-            <a:r>
-              <a:rPr b="0" lang="en-US" sz="4400" spc="-1" strike="noStrike">
-                <a:latin typeface="Arial"/>
-              </a:rPr>
-              <a:t>format</a:t>
+              <a:t>Click to edit the title text format</a:t>
             </a:r>
             <a:endParaRPr b="0" lang="en-US" sz="4400" spc="-1" strike="noStrike">
               <a:latin typeface="Arial"/>
@@ -3041,102 +3035,6 @@
                 <a:spcPts val="879"/>
               </a:spcBef>
             </a:pPr>
-            <a:endParaRPr b="0" lang="en-US" sz="5400" spc="-1" strike="noStrike">
-              <a:latin typeface="Arial"/>
-            </a:endParaRPr>
-          </a:p>
-          <a:p>
-            <a:pPr algn="just">
-              <a:lnSpc>
-                <a:spcPct val="100000"/>
-              </a:lnSpc>
-              <a:spcBef>
-                <a:spcPts val="879"/>
-              </a:spcBef>
-            </a:pPr>
-            <a:endParaRPr b="0" lang="en-US" sz="5400" spc="-1" strike="noStrike">
-              <a:latin typeface="Arial"/>
-            </a:endParaRPr>
-          </a:p>
-          <a:p>
-            <a:pPr algn="just">
-              <a:lnSpc>
-                <a:spcPct val="100000"/>
-              </a:lnSpc>
-              <a:spcBef>
-                <a:spcPts val="879"/>
-              </a:spcBef>
-            </a:pPr>
-            <a:endParaRPr b="0" lang="en-US" sz="5400" spc="-1" strike="noStrike">
-              <a:latin typeface="Arial"/>
-            </a:endParaRPr>
-          </a:p>
-          <a:p>
-            <a:pPr algn="just">
-              <a:lnSpc>
-                <a:spcPct val="100000"/>
-              </a:lnSpc>
-              <a:spcBef>
-                <a:spcPts val="879"/>
-              </a:spcBef>
-            </a:pPr>
-            <a:endParaRPr b="0" lang="en-US" sz="5400" spc="-1" strike="noStrike">
-              <a:latin typeface="Arial"/>
-            </a:endParaRPr>
-          </a:p>
-          <a:p>
-            <a:pPr algn="just">
-              <a:lnSpc>
-                <a:spcPct val="100000"/>
-              </a:lnSpc>
-              <a:spcBef>
-                <a:spcPts val="879"/>
-              </a:spcBef>
-            </a:pPr>
-            <a:endParaRPr b="0" lang="en-US" sz="5400" spc="-1" strike="noStrike">
-              <a:latin typeface="Arial"/>
-            </a:endParaRPr>
-          </a:p>
-          <a:p>
-            <a:pPr algn="just">
-              <a:lnSpc>
-                <a:spcPct val="100000"/>
-              </a:lnSpc>
-              <a:spcBef>
-                <a:spcPts val="879"/>
-              </a:spcBef>
-            </a:pPr>
-            <a:endParaRPr b="0" lang="en-US" sz="5400" spc="-1" strike="noStrike">
-              <a:latin typeface="Arial"/>
-            </a:endParaRPr>
-          </a:p>
-          <a:p>
-            <a:pPr algn="just">
-              <a:lnSpc>
-                <a:spcPct val="100000"/>
-              </a:lnSpc>
-              <a:spcBef>
-                <a:spcPts val="879"/>
-              </a:spcBef>
-            </a:pPr>
-            <a:endParaRPr b="0" lang="en-US" sz="5400" spc="-1" strike="noStrike">
-              <a:latin typeface="Arial"/>
-            </a:endParaRPr>
-          </a:p>
-          <a:p>
-            <a:pPr marL="895320" indent="-894600" algn="just">
-              <a:lnSpc>
-                <a:spcPct val="100000"/>
-              </a:lnSpc>
-              <a:spcBef>
-                <a:spcPts val="879"/>
-              </a:spcBef>
-              <a:buClr>
-                <a:srgbClr val="000000"/>
-              </a:buClr>
-              <a:buFont typeface="Arial"/>
-              <a:buChar char="•"/>
-            </a:pPr>
             <a:r>
               <a:rPr b="0" lang="en-US" sz="4400" spc="-1" strike="noStrike">
                 <a:solidFill>
@@ -3151,18 +3049,442 @@
             </a:endParaRPr>
           </a:p>
           <a:p>
-            <a:pPr marL="895320" indent="-894600" algn="just">
-              <a:lnSpc>
-                <a:spcPct val="100000"/>
-              </a:lnSpc>
-              <a:spcBef>
-                <a:spcPts val="879"/>
-              </a:spcBef>
-              <a:buClr>
-                <a:srgbClr val="000000"/>
-              </a:buClr>
-              <a:buFont typeface="Arial"/>
-              <a:buChar char="•"/>
+            <a:pPr algn="just">
+              <a:lnSpc>
+                <a:spcPct val="100000"/>
+              </a:lnSpc>
+              <a:spcBef>
+                <a:spcPts val="879"/>
+              </a:spcBef>
+            </a:pPr>
+            <a:endParaRPr b="0" lang="en-US" sz="4400" spc="-1" strike="noStrike">
+              <a:latin typeface="Arial"/>
+            </a:endParaRPr>
+          </a:p>
+          <a:p>
+            <a:pPr algn="just">
+              <a:lnSpc>
+                <a:spcPct val="100000"/>
+              </a:lnSpc>
+              <a:spcBef>
+                <a:spcPts val="879"/>
+              </a:spcBef>
+            </a:pPr>
+            <a:endParaRPr b="0" lang="en-US" sz="4400" spc="-1" strike="noStrike">
+              <a:latin typeface="Arial"/>
+            </a:endParaRPr>
+          </a:p>
+          <a:p>
+            <a:pPr algn="just">
+              <a:lnSpc>
+                <a:spcPct val="100000"/>
+              </a:lnSpc>
+              <a:spcBef>
+                <a:spcPts val="879"/>
+              </a:spcBef>
+            </a:pPr>
+            <a:endParaRPr b="0" lang="en-US" sz="4400" spc="-1" strike="noStrike">
+              <a:latin typeface="Arial"/>
+            </a:endParaRPr>
+          </a:p>
+          <a:p>
+            <a:pPr algn="just">
+              <a:lnSpc>
+                <a:spcPct val="100000"/>
+              </a:lnSpc>
+              <a:spcBef>
+                <a:spcPts val="879"/>
+              </a:spcBef>
+            </a:pPr>
+            <a:endParaRPr b="0" lang="en-US" sz="4400" spc="-1" strike="noStrike">
+              <a:latin typeface="Arial"/>
+            </a:endParaRPr>
+          </a:p>
+          <a:p>
+            <a:pPr algn="just">
+              <a:lnSpc>
+                <a:spcPct val="100000"/>
+              </a:lnSpc>
+              <a:spcBef>
+                <a:spcPts val="879"/>
+              </a:spcBef>
+            </a:pPr>
+            <a:endParaRPr b="0" lang="en-US" sz="4400" spc="-1" strike="noStrike">
+              <a:latin typeface="Arial"/>
+            </a:endParaRPr>
+          </a:p>
+          <a:p>
+            <a:pPr algn="just">
+              <a:lnSpc>
+                <a:spcPct val="100000"/>
+              </a:lnSpc>
+              <a:spcBef>
+                <a:spcPts val="879"/>
+              </a:spcBef>
+            </a:pPr>
+            <a:endParaRPr b="0" lang="en-US" sz="4400" spc="-1" strike="noStrike">
+              <a:latin typeface="Arial"/>
+            </a:endParaRPr>
+          </a:p>
+          <a:p>
+            <a:pPr algn="just">
+              <a:lnSpc>
+                <a:spcPct val="100000"/>
+              </a:lnSpc>
+              <a:spcBef>
+                <a:spcPts val="879"/>
+              </a:spcBef>
+            </a:pPr>
+            <a:endParaRPr b="0" lang="en-US" sz="4400" spc="-1" strike="noStrike">
+              <a:latin typeface="Arial"/>
+            </a:endParaRPr>
+          </a:p>
+          <a:p>
+            <a:pPr algn="just">
+              <a:lnSpc>
+                <a:spcPct val="100000"/>
+              </a:lnSpc>
+              <a:spcBef>
+                <a:spcPts val="879"/>
+              </a:spcBef>
+            </a:pPr>
+            <a:endParaRPr b="0" lang="en-US" sz="4400" spc="-1" strike="noStrike">
+              <a:latin typeface="Arial"/>
+            </a:endParaRPr>
+          </a:p>
+          <a:p>
+            <a:pPr algn="just">
+              <a:lnSpc>
+                <a:spcPct val="100000"/>
+              </a:lnSpc>
+              <a:spcBef>
+                <a:spcPts val="879"/>
+              </a:spcBef>
+            </a:pPr>
+            <a:endParaRPr b="0" lang="en-US" sz="4400" spc="-1" strike="noStrike">
+              <a:latin typeface="Arial"/>
+            </a:endParaRPr>
+          </a:p>
+          <a:p>
+            <a:pPr algn="just">
+              <a:lnSpc>
+                <a:spcPct val="100000"/>
+              </a:lnSpc>
+              <a:spcBef>
+                <a:spcPts val="879"/>
+              </a:spcBef>
+            </a:pPr>
+            <a:endParaRPr b="0" lang="en-US" sz="4400" spc="-1" strike="noStrike">
+              <a:latin typeface="Arial"/>
+            </a:endParaRPr>
+          </a:p>
+          <a:p>
+            <a:pPr algn="just">
+              <a:lnSpc>
+                <a:spcPct val="100000"/>
+              </a:lnSpc>
+              <a:spcBef>
+                <a:spcPts val="879"/>
+              </a:spcBef>
+            </a:pPr>
+            <a:endParaRPr b="0" lang="en-US" sz="4400" spc="-1" strike="noStrike">
+              <a:latin typeface="Arial"/>
+            </a:endParaRPr>
+          </a:p>
+          <a:p>
+            <a:pPr algn="just">
+              <a:lnSpc>
+                <a:spcPct val="100000"/>
+              </a:lnSpc>
+              <a:spcBef>
+                <a:spcPts val="879"/>
+              </a:spcBef>
+            </a:pPr>
+            <a:endParaRPr b="0" lang="en-US" sz="4400" spc="-1" strike="noStrike">
+              <a:latin typeface="Arial"/>
+            </a:endParaRPr>
+          </a:p>
+          <a:p>
+            <a:pPr algn="just">
+              <a:lnSpc>
+                <a:spcPct val="100000"/>
+              </a:lnSpc>
+              <a:spcBef>
+                <a:spcPts val="879"/>
+              </a:spcBef>
+            </a:pPr>
+            <a:endParaRPr b="0" lang="en-US" sz="4400" spc="-1" strike="noStrike">
+              <a:latin typeface="Arial"/>
+            </a:endParaRPr>
+          </a:p>
+          <a:p>
+            <a:pPr algn="just">
+              <a:lnSpc>
+                <a:spcPct val="100000"/>
+              </a:lnSpc>
+              <a:spcBef>
+                <a:spcPts val="879"/>
+              </a:spcBef>
+            </a:pPr>
+            <a:endParaRPr b="0" lang="en-US" sz="4400" spc="-1" strike="noStrike">
+              <a:latin typeface="Arial"/>
+            </a:endParaRPr>
+          </a:p>
+          <a:p>
+            <a:pPr algn="just">
+              <a:lnSpc>
+                <a:spcPct val="100000"/>
+              </a:lnSpc>
+              <a:spcBef>
+                <a:spcPts val="879"/>
+              </a:spcBef>
+            </a:pPr>
+            <a:endParaRPr b="0" lang="en-US" sz="4400" spc="-1" strike="noStrike">
+              <a:latin typeface="Arial"/>
+            </a:endParaRPr>
+          </a:p>
+          <a:p>
+            <a:pPr algn="just">
+              <a:lnSpc>
+                <a:spcPct val="100000"/>
+              </a:lnSpc>
+              <a:spcBef>
+                <a:spcPts val="879"/>
+              </a:spcBef>
+            </a:pPr>
+            <a:endParaRPr b="0" lang="en-US" sz="4400" spc="-1" strike="noStrike">
+              <a:latin typeface="Arial"/>
+            </a:endParaRPr>
+          </a:p>
+          <a:p>
+            <a:pPr algn="just">
+              <a:lnSpc>
+                <a:spcPct val="100000"/>
+              </a:lnSpc>
+              <a:spcBef>
+                <a:spcPts val="879"/>
+              </a:spcBef>
+            </a:pPr>
+            <a:endParaRPr b="0" lang="en-US" sz="4400" spc="-1" strike="noStrike">
+              <a:latin typeface="Arial"/>
+            </a:endParaRPr>
+          </a:p>
+          <a:p>
+            <a:pPr algn="just">
+              <a:lnSpc>
+                <a:spcPct val="100000"/>
+              </a:lnSpc>
+              <a:spcBef>
+                <a:spcPts val="879"/>
+              </a:spcBef>
+            </a:pPr>
+            <a:endParaRPr b="0" lang="en-US" sz="4400" spc="-1" strike="noStrike">
+              <a:latin typeface="Arial"/>
+            </a:endParaRPr>
+          </a:p>
+          <a:p>
+            <a:pPr algn="just">
+              <a:lnSpc>
+                <a:spcPct val="100000"/>
+              </a:lnSpc>
+              <a:spcBef>
+                <a:spcPts val="879"/>
+              </a:spcBef>
+            </a:pPr>
+            <a:endParaRPr b="0" lang="en-US" sz="4400" spc="-1" strike="noStrike">
+              <a:latin typeface="Arial"/>
+            </a:endParaRPr>
+          </a:p>
+          <a:p>
+            <a:pPr algn="just">
+              <a:lnSpc>
+                <a:spcPct val="100000"/>
+              </a:lnSpc>
+              <a:spcBef>
+                <a:spcPts val="879"/>
+              </a:spcBef>
+            </a:pPr>
+            <a:endParaRPr b="0" lang="en-US" sz="4400" spc="-1" strike="noStrike">
+              <a:latin typeface="Arial"/>
+            </a:endParaRPr>
+          </a:p>
+          <a:p>
+            <a:pPr algn="just">
+              <a:lnSpc>
+                <a:spcPct val="100000"/>
+              </a:lnSpc>
+              <a:spcBef>
+                <a:spcPts val="879"/>
+              </a:spcBef>
+            </a:pPr>
+            <a:endParaRPr b="0" lang="en-US" sz="4400" spc="-1" strike="noStrike">
+              <a:latin typeface="Arial"/>
+            </a:endParaRPr>
+          </a:p>
+          <a:p>
+            <a:pPr algn="just">
+              <a:lnSpc>
+                <a:spcPct val="100000"/>
+              </a:lnSpc>
+              <a:spcBef>
+                <a:spcPts val="879"/>
+              </a:spcBef>
+            </a:pPr>
+            <a:endParaRPr b="0" lang="en-US" sz="4400" spc="-1" strike="noStrike">
+              <a:latin typeface="Arial"/>
+            </a:endParaRPr>
+          </a:p>
+          <a:p>
+            <a:pPr algn="just">
+              <a:lnSpc>
+                <a:spcPct val="100000"/>
+              </a:lnSpc>
+              <a:spcBef>
+                <a:spcPts val="879"/>
+              </a:spcBef>
+            </a:pPr>
+            <a:endParaRPr b="0" lang="en-US" sz="4400" spc="-1" strike="noStrike">
+              <a:latin typeface="Arial"/>
+            </a:endParaRPr>
+          </a:p>
+          <a:p>
+            <a:pPr algn="just">
+              <a:lnSpc>
+                <a:spcPct val="100000"/>
+              </a:lnSpc>
+              <a:spcBef>
+                <a:spcPts val="879"/>
+              </a:spcBef>
+            </a:pPr>
+            <a:endParaRPr b="0" lang="en-US" sz="4400" spc="-1" strike="noStrike">
+              <a:latin typeface="Arial"/>
+            </a:endParaRPr>
+          </a:p>
+          <a:p>
+            <a:pPr algn="just">
+              <a:lnSpc>
+                <a:spcPct val="100000"/>
+              </a:lnSpc>
+              <a:spcBef>
+                <a:spcPts val="879"/>
+              </a:spcBef>
+            </a:pPr>
+            <a:endParaRPr b="0" lang="en-US" sz="4400" spc="-1" strike="noStrike">
+              <a:latin typeface="Arial"/>
+            </a:endParaRPr>
+          </a:p>
+          <a:p>
+            <a:pPr algn="just">
+              <a:lnSpc>
+                <a:spcPct val="100000"/>
+              </a:lnSpc>
+              <a:spcBef>
+                <a:spcPts val="879"/>
+              </a:spcBef>
+            </a:pPr>
+            <a:endParaRPr b="0" lang="en-US" sz="4400" spc="-1" strike="noStrike">
+              <a:latin typeface="Arial"/>
+            </a:endParaRPr>
+          </a:p>
+          <a:p>
+            <a:pPr algn="just">
+              <a:lnSpc>
+                <a:spcPct val="100000"/>
+              </a:lnSpc>
+              <a:spcBef>
+                <a:spcPts val="879"/>
+              </a:spcBef>
+            </a:pPr>
+            <a:endParaRPr b="0" lang="en-US" sz="4400" spc="-1" strike="noStrike">
+              <a:latin typeface="Arial"/>
+            </a:endParaRPr>
+          </a:p>
+          <a:p>
+            <a:pPr algn="just">
+              <a:lnSpc>
+                <a:spcPct val="100000"/>
+              </a:lnSpc>
+              <a:spcBef>
+                <a:spcPts val="879"/>
+              </a:spcBef>
+            </a:pPr>
+            <a:endParaRPr b="0" lang="en-US" sz="4400" spc="-1" strike="noStrike">
+              <a:latin typeface="Arial"/>
+            </a:endParaRPr>
+          </a:p>
+          <a:p>
+            <a:pPr algn="just">
+              <a:lnSpc>
+                <a:spcPct val="100000"/>
+              </a:lnSpc>
+              <a:spcBef>
+                <a:spcPts val="879"/>
+              </a:spcBef>
+            </a:pPr>
+            <a:endParaRPr b="0" lang="en-US" sz="4400" spc="-1" strike="noStrike">
+              <a:latin typeface="Arial"/>
+            </a:endParaRPr>
+          </a:p>
+          <a:p>
+            <a:pPr algn="just">
+              <a:lnSpc>
+                <a:spcPct val="100000"/>
+              </a:lnSpc>
+              <a:spcBef>
+                <a:spcPts val="879"/>
+              </a:spcBef>
+            </a:pPr>
+            <a:endParaRPr b="0" lang="en-US" sz="4400" spc="-1" strike="noStrike">
+              <a:latin typeface="Arial"/>
+            </a:endParaRPr>
+          </a:p>
+          <a:p>
+            <a:pPr algn="just">
+              <a:lnSpc>
+                <a:spcPct val="100000"/>
+              </a:lnSpc>
+              <a:spcBef>
+                <a:spcPts val="879"/>
+              </a:spcBef>
+            </a:pPr>
+            <a:endParaRPr b="0" lang="en-US" sz="4400" spc="-1" strike="noStrike">
+              <a:latin typeface="Arial"/>
+            </a:endParaRPr>
+          </a:p>
+          <a:p>
+            <a:pPr algn="just">
+              <a:lnSpc>
+                <a:spcPct val="100000"/>
+              </a:lnSpc>
+              <a:spcBef>
+                <a:spcPts val="879"/>
+              </a:spcBef>
+            </a:pPr>
+            <a:endParaRPr b="0" lang="en-US" sz="4400" spc="-1" strike="noStrike">
+              <a:latin typeface="Arial"/>
+            </a:endParaRPr>
+          </a:p>
+          <a:p>
+            <a:pPr algn="just">
+              <a:lnSpc>
+                <a:spcPct val="100000"/>
+              </a:lnSpc>
+              <a:spcBef>
+                <a:spcPts val="879"/>
+              </a:spcBef>
+            </a:pPr>
+            <a:endParaRPr b="0" lang="en-US" sz="4400" spc="-1" strike="noStrike">
+              <a:latin typeface="Arial"/>
+            </a:endParaRPr>
+          </a:p>
+          <a:p>
+            <a:pPr algn="just">
+              <a:lnSpc>
+                <a:spcPct val="100000"/>
+              </a:lnSpc>
+              <a:spcBef>
+                <a:spcPts val="879"/>
+              </a:spcBef>
             </a:pPr>
             <a:r>
               <a:rPr b="0" lang="en-US" sz="4400" spc="-1" strike="noStrike">
@@ -3653,43 +3975,7 @@
                 </a:solidFill>
                 <a:latin typeface="Arial Narrow"/>
               </a:rPr>
-              <a:t>Systems </a:t>
-            </a:r>
-            <a:r>
-              <a:rPr b="0" lang="en-US" sz="3600" spc="-1" strike="noStrike">
-                <a:solidFill>
-                  <a:srgbClr val="ffffff"/>
-                </a:solidFill>
-                <a:latin typeface="Arial Narrow"/>
-              </a:rPr>
-              <a:t>Biology </a:t>
-            </a:r>
-            <a:r>
-              <a:rPr b="0" lang="en-US" sz="3600" spc="-1" strike="noStrike">
-                <a:solidFill>
-                  <a:srgbClr val="ffffff"/>
-                </a:solidFill>
-                <a:latin typeface="Arial Narrow"/>
-              </a:rPr>
-              <a:t>and </a:t>
-            </a:r>
-            <a:r>
-              <a:rPr b="0" lang="en-US" sz="3600" spc="-1" strike="noStrike">
-                <a:solidFill>
-                  <a:srgbClr val="ffffff"/>
-                </a:solidFill>
-                <a:latin typeface="Arial Narrow"/>
-              </a:rPr>
-              <a:t>Bioinform</a:t>
-            </a:r>
-            <a:r>
-              <a:rPr b="0" lang="en-US" sz="3600" spc="-1" strike="noStrike">
-                <a:solidFill>
-                  <a:srgbClr val="ffffff"/>
-                </a:solidFill>
-                <a:latin typeface="Arial Narrow"/>
-              </a:rPr>
-              <a:t>atics</a:t>
+              <a:t>Systems Biology and Bioinformatics</a:t>
             </a:r>
             <a:endParaRPr b="0" lang="en-US" sz="3600" spc="-1" strike="noStrike">
               <a:solidFill>
@@ -3711,25 +3997,7 @@
                 </a:solidFill>
                 <a:latin typeface="Arial Narrow"/>
               </a:rPr>
-              <a:t>Universit</a:t>
-            </a:r>
-            <a:r>
-              <a:rPr b="0" lang="en-US" sz="3600" spc="-1" strike="noStrike">
-                <a:solidFill>
-                  <a:srgbClr val="ffffff"/>
-                </a:solidFill>
-                <a:latin typeface="Arial Narrow"/>
-              </a:rPr>
-              <a:t>y of </a:t>
-            </a:r>
-            <a:r>
-              <a:rPr b="0" lang="en-US" sz="3600" spc="-1" strike="noStrike">
-                <a:solidFill>
-                  <a:srgbClr val="ffffff"/>
-                </a:solidFill>
-                <a:latin typeface="Arial Narrow"/>
-              </a:rPr>
-              <a:t>Rostock</a:t>
+              <a:t>University of Rostock</a:t>
             </a:r>
             <a:endParaRPr b="0" lang="en-US" sz="3600" spc="-1" strike="noStrike">
               <a:solidFill>
@@ -3751,34 +4019,7 @@
                 </a:solidFill>
                 <a:latin typeface="Arial Narrow"/>
               </a:rPr>
-              <a:t>Ulmenstr. </a:t>
-            </a:r>
-            <a:r>
-              <a:rPr b="0" lang="en-US" sz="3600" spc="-1" strike="noStrike">
-                <a:solidFill>
-                  <a:srgbClr val="ffffff"/>
-                </a:solidFill>
-                <a:latin typeface="Arial Narrow"/>
-              </a:rPr>
-              <a:t>69, </a:t>
-            </a:r>
-            <a:r>
-              <a:rPr b="0" lang="en-US" sz="3600" spc="-1" strike="noStrike">
-                <a:solidFill>
-                  <a:srgbClr val="ffffff"/>
-                </a:solidFill>
-                <a:latin typeface="Arial Narrow"/>
-              </a:rPr>
-              <a:t>18051 </a:t>
-            </a:r>
-            <a:r>
-              <a:rPr b="0" lang="en-US" sz="3600" spc="-1" strike="noStrike">
-                <a:solidFill>
-                  <a:srgbClr val="ffffff"/>
-                </a:solidFill>
-                <a:latin typeface="Arial Narrow"/>
-              </a:rPr>
-              <a:t>Rostock</a:t>
+              <a:t>Ulmenstr. 69, 18051 Rostock</a:t>
             </a:r>
             <a:endParaRPr b="0" lang="en-US" sz="3600" spc="-1" strike="noStrike">
               <a:solidFill>
@@ -3800,34 +4041,7 @@
                 </a:solidFill>
                 <a:latin typeface="Arial Narrow"/>
               </a:rPr>
-              <a:t>www.sbi.</a:t>
-            </a:r>
-            <a:r>
-              <a:rPr b="1" lang="en-US" sz="3600" spc="-1" strike="noStrike">
-                <a:solidFill>
-                  <a:srgbClr val="ffffff"/>
-                </a:solidFill>
-                <a:latin typeface="Arial Narrow"/>
-              </a:rPr>
-              <a:t>uni-</a:t>
-            </a:r>
-            <a:r>
-              <a:rPr b="1" lang="en-US" sz="3600" spc="-1" strike="noStrike">
-                <a:solidFill>
-                  <a:srgbClr val="ffffff"/>
-                </a:solidFill>
-                <a:latin typeface="Arial Narrow"/>
-              </a:rPr>
-              <a:t>rostock.</a:t>
-            </a:r>
-            <a:r>
-              <a:rPr b="1" lang="en-US" sz="3600" spc="-1" strike="noStrike">
-                <a:solidFill>
-                  <a:srgbClr val="ffffff"/>
-                </a:solidFill>
-                <a:latin typeface="Arial Narrow"/>
-              </a:rPr>
-              <a:t>de</a:t>
+              <a:t>www.sbi.uni-rostock.de</a:t>
             </a:r>
             <a:endParaRPr b="0" lang="en-US" sz="3600" spc="-1" strike="noStrike">
               <a:solidFill>
@@ -4080,13 +4294,7 @@
               <a:rPr b="1" lang="en-US" sz="4400" spc="-1" strike="noStrike">
                 <a:latin typeface="Arial Narrow"/>
               </a:rPr>
-              <a:t>destairde</a:t>
-            </a:r>
-            <a:r>
-              <a:rPr b="1" lang="en-US" sz="4400" spc="-1" strike="noStrike">
-                <a:latin typeface="Arial Narrow"/>
-              </a:rPr>
-              <a:t>nbi</a:t>
+              <a:t>destairdenbi</a:t>
             </a:r>
             <a:endParaRPr b="0" lang="en-US" sz="4400" spc="-1" strike="noStrike">
               <a:latin typeface="Arial"/>
@@ -4285,7 +4493,7 @@
         </p:nvSpPr>
         <p:spPr>
           <a:xfrm>
-            <a:off x="15508800" y="26547120"/>
+            <a:off x="15472800" y="28779120"/>
             <a:ext cx="11247120" cy="914400"/>
           </a:xfrm>
           <a:prstGeom prst="rect">
@@ -4348,7 +4556,7 @@
         </p:blipFill>
         <p:spPr>
           <a:xfrm>
-            <a:off x="15536160" y="27489600"/>
+            <a:off x="15500160" y="29721600"/>
             <a:ext cx="12535920" cy="3494160"/>
           </a:xfrm>
           <a:prstGeom prst="rect">
@@ -4367,7 +4575,7 @@
         </p:nvSpPr>
         <p:spPr>
           <a:xfrm>
-            <a:off x="15508800" y="24711120"/>
+            <a:off x="15472800" y="26943120"/>
             <a:ext cx="11247120" cy="471240"/>
           </a:xfrm>
           <a:prstGeom prst="rect">
@@ -4412,7 +4620,7 @@
         </p:blipFill>
         <p:spPr>
           <a:xfrm>
-            <a:off x="15533280" y="25284240"/>
+            <a:off x="15497280" y="27516240"/>
             <a:ext cx="12538800" cy="759600"/>
           </a:xfrm>
           <a:prstGeom prst="rect">

--- a/2017-11-23__rostock__forschungscamp/poster.pptx
+++ b/2017-11-23__rostock__forschungscamp/poster.pptx
@@ -1377,7 +1377,7 @@
         <p:spPr>
           <a:xfrm>
             <a:off x="2145240" y="39298320"/>
-            <a:ext cx="26027280" cy="3480480"/>
+            <a:ext cx="26026920" cy="3480120"/>
           </a:xfrm>
           <a:prstGeom prst="rect">
             <a:avLst/>
@@ -1408,7 +1408,7 @@
         <p:spPr>
           <a:xfrm>
             <a:off x="2146320" y="6102720"/>
-            <a:ext cx="26026200" cy="33177960"/>
+            <a:ext cx="26025840" cy="33177600"/>
           </a:xfrm>
           <a:custGeom>
             <a:avLst/>
@@ -1656,7 +1656,7 @@
         <p:spPr>
           <a:xfrm>
             <a:off x="2155680" y="1386000"/>
-            <a:ext cx="15972120" cy="3276000"/>
+            <a:ext cx="15971760" cy="3275640"/>
           </a:xfrm>
           <a:prstGeom prst="rect">
             <a:avLst/>
@@ -1925,8 +1925,8 @@
         </p:nvSpPr>
         <p:spPr>
           <a:xfrm>
-            <a:off x="22020480" y="39355200"/>
-            <a:ext cx="3436920" cy="1828800"/>
+            <a:off x="18165600" y="39518640"/>
+            <a:ext cx="9902520" cy="1538280"/>
           </a:xfrm>
           <a:prstGeom prst="rect">
             <a:avLst/>
@@ -1959,8 +1959,8 @@
         </p:blipFill>
         <p:spPr>
           <a:xfrm rot="10795200">
-            <a:off x="2250000" y="41291640"/>
-            <a:ext cx="25857000" cy="1509480"/>
+            <a:off x="2250360" y="41292000"/>
+            <a:ext cx="25856640" cy="1509120"/>
           </a:xfrm>
           <a:prstGeom prst="rect">
             <a:avLst/>
@@ -1979,7 +1979,7 @@
         <p:spPr>
           <a:xfrm>
             <a:off x="2934720" y="6606720"/>
-            <a:ext cx="24119280" cy="2051640"/>
+            <a:ext cx="24118920" cy="2051280"/>
           </a:xfrm>
           <a:prstGeom prst="rect">
             <a:avLst/>
@@ -1998,7 +1998,7 @@
         <p:txBody>
           <a:bodyPr lIns="0" rIns="417600" tIns="208800" bIns="208800" anchor="ctr"/>
           <a:p>
-            <a:pPr>
+            <a:pPr algn="ctr">
               <a:lnSpc>
                 <a:spcPct val="100000"/>
               </a:lnSpc>
@@ -2009,11 +2009,12 @@
                   <a:srgbClr val="004a99"/>
                 </a:solidFill>
                 <a:latin typeface="Verdana"/>
+                <a:ea typeface="DejaVu Sans"/>
               </a:rPr>
               <a:t>Towards automating workflow analyses in Galaxy</a:t>
             </a:r>
             <a:endParaRPr b="0" lang="en-US" sz="6600" spc="-1" strike="noStrike">
-              <a:latin typeface="Verdana"/>
+              <a:latin typeface="Arial"/>
             </a:endParaRPr>
           </a:p>
         </p:txBody>
@@ -2027,7 +2028,7 @@
         <p:spPr>
           <a:xfrm>
             <a:off x="2928960" y="10063080"/>
-            <a:ext cx="11795760" cy="28981800"/>
+            <a:ext cx="11795400" cy="28981440"/>
           </a:xfrm>
           <a:prstGeom prst="rect">
             <a:avLst/>
@@ -2060,6 +2061,7 @@
                   <a:srgbClr val="000000"/>
                 </a:solidFill>
                 <a:latin typeface="Arial Narrow"/>
+                <a:ea typeface="DejaVu Sans"/>
               </a:rPr>
               <a:t>Introduction</a:t>
             </a:r>
@@ -2082,9 +2084,36 @@
                   <a:srgbClr val="000000"/>
                 </a:solidFill>
                 <a:latin typeface="Arial Narrow"/>
+                <a:ea typeface="DejaVu Sans"/>
               </a:rPr>
               <a:t>The Galaxy community is promoting RNA-Seq protocols and best practices through the reuse of existing tools, and the consolidation of a Training Network to provide guidance to researchers through example datasets, tutorials, and interactive tours. However, the more tools and techniques are showcased, the more complex the options for tool chaining and parametrization become.</a:t>
             </a:r>
+            <a:endParaRPr b="0" lang="en-US" sz="4400" spc="-1" strike="noStrike">
+              <a:latin typeface="Arial"/>
+            </a:endParaRPr>
+          </a:p>
+          <a:p>
+            <a:pPr algn="just">
+              <a:lnSpc>
+                <a:spcPct val="100000"/>
+              </a:lnSpc>
+              <a:spcBef>
+                <a:spcPts val="879"/>
+              </a:spcBef>
+            </a:pPr>
+            <a:endParaRPr b="0" lang="en-US" sz="4400" spc="-1" strike="noStrike">
+              <a:latin typeface="Arial"/>
+            </a:endParaRPr>
+          </a:p>
+          <a:p>
+            <a:pPr algn="just">
+              <a:lnSpc>
+                <a:spcPct val="100000"/>
+              </a:lnSpc>
+              <a:spcBef>
+                <a:spcPts val="879"/>
+              </a:spcBef>
+            </a:pPr>
             <a:endParaRPr b="0" lang="en-US" sz="4400" spc="-1" strike="noStrike">
               <a:latin typeface="Arial"/>
             </a:endParaRPr>
@@ -2117,6 +2146,7 @@
                   <a:srgbClr val="000000"/>
                 </a:solidFill>
                 <a:latin typeface="Arial Narrow"/>
+                <a:ea typeface="DejaVu Sans"/>
               </a:rPr>
               <a:t>Objectives</a:t>
             </a:r>
@@ -2125,7 +2155,7 @@
             </a:endParaRPr>
           </a:p>
           <a:p>
-            <a:pPr marL="895320" indent="-894600" algn="just">
+            <a:pPr marL="895320" indent="-894240" algn="just">
               <a:lnSpc>
                 <a:spcPct val="100000"/>
               </a:lnSpc>
@@ -2144,6 +2174,7 @@
                   <a:srgbClr val="000000"/>
                 </a:solidFill>
                 <a:latin typeface="Arial Narrow"/>
+                <a:ea typeface="DejaVu Sans"/>
               </a:rPr>
               <a:t>Assist researchers in carrying out their analyses</a:t>
             </a:r>
@@ -2152,7 +2183,7 @@
             </a:endParaRPr>
           </a:p>
           <a:p>
-            <a:pPr marL="895320" indent="-894600" algn="just">
+            <a:pPr marL="895320" indent="-894240" algn="just">
               <a:lnSpc>
                 <a:spcPct val="100000"/>
               </a:lnSpc>
@@ -2171,6 +2202,7 @@
                   <a:srgbClr val="000000"/>
                 </a:solidFill>
                 <a:latin typeface="Arial Narrow"/>
+                <a:ea typeface="DejaVu Sans"/>
               </a:rPr>
               <a:t>Integrate the Galaxy framework with an interactive recommendation system leveraging on community consolidated best practices as well as EDAM annotated tools</a:t>
             </a:r>
@@ -2179,7 +2211,7 @@
             </a:endParaRPr>
           </a:p>
           <a:p>
-            <a:pPr marL="895320" indent="-894600" algn="just">
+            <a:pPr marL="895320" indent="-894240" algn="just">
               <a:lnSpc>
                 <a:spcPct val="100000"/>
               </a:lnSpc>
@@ -2198,6 +2230,7 @@
                   <a:srgbClr val="000000"/>
                 </a:solidFill>
                 <a:latin typeface="Arial Narrow"/>
+                <a:ea typeface="DejaVu Sans"/>
               </a:rPr>
               <a:t>Promote the adoption of well established pipelines</a:t>
             </a:r>
@@ -2206,7 +2239,7 @@
             </a:endParaRPr>
           </a:p>
           <a:p>
-            <a:pPr marL="895320" indent="-894600" algn="just">
+            <a:pPr marL="895320" indent="-894240" algn="just">
               <a:lnSpc>
                 <a:spcPct val="100000"/>
               </a:lnSpc>
@@ -2225,6 +2258,7 @@
                   <a:srgbClr val="000000"/>
                 </a:solidFill>
                 <a:latin typeface="Arial Narrow"/>
+                <a:ea typeface="DejaVu Sans"/>
               </a:rPr>
               <a:t>Allow room for experimental tools</a:t>
             </a:r>
@@ -2233,7 +2267,7 @@
             </a:endParaRPr>
           </a:p>
           <a:p>
-            <a:pPr marL="895320" indent="-894600" algn="just">
+            <a:pPr marL="895320" indent="-894240" algn="just">
               <a:lnSpc>
                 <a:spcPct val="100000"/>
               </a:lnSpc>
@@ -2252,9 +2286,23 @@
                   <a:srgbClr val="000000"/>
                 </a:solidFill>
                 <a:latin typeface="Arial Narrow"/>
+                <a:ea typeface="DejaVu Sans"/>
               </a:rPr>
               <a:t>Consolidate protocols and reproducibility</a:t>
             </a:r>
+            <a:endParaRPr b="0" lang="en-US" sz="4400" spc="-1" strike="noStrike">
+              <a:latin typeface="Arial"/>
+            </a:endParaRPr>
+          </a:p>
+          <a:p>
+            <a:pPr algn="just">
+              <a:lnSpc>
+                <a:spcPct val="100000"/>
+              </a:lnSpc>
+              <a:spcBef>
+                <a:spcPts val="879"/>
+              </a:spcBef>
+            </a:pPr>
             <a:endParaRPr b="0" lang="en-US" sz="4400" spc="-1" strike="noStrike">
               <a:latin typeface="Arial"/>
             </a:endParaRPr>
@@ -2287,6 +2335,7 @@
                   <a:srgbClr val="000000"/>
                 </a:solidFill>
                 <a:latin typeface="Arial Narrow"/>
+                <a:ea typeface="DejaVu Sans"/>
               </a:rPr>
               <a:t>Materials and Methods</a:t>
             </a:r>
@@ -2317,8 +2366,8 @@
         </p:nvSpPr>
         <p:spPr>
           <a:xfrm>
-            <a:off x="16688880" y="41583240"/>
-            <a:ext cx="11295360" cy="844920"/>
+            <a:off x="16796880" y="41583240"/>
+            <a:ext cx="11295000" cy="844560"/>
           </a:xfrm>
           <a:prstGeom prst="rect">
             <a:avLst/>
@@ -2348,14 +2397,12 @@
                   <a:srgbClr val="ffffff"/>
                 </a:solidFill>
                 <a:latin typeface="Verdana"/>
+                <a:ea typeface="DejaVu Sans"/>
               </a:rPr>
               <a:t>#forschungscamp2017 #galaxy #elixir #RNA #EDAM  #AI  #denbi</a:t>
             </a:r>
-            <a:endParaRPr b="1" lang="en-US" sz="4400" spc="-1" strike="noStrike">
-              <a:solidFill>
-                <a:srgbClr val="ffffff"/>
-              </a:solidFill>
-              <a:latin typeface="Verdana"/>
+            <a:endParaRPr b="0" lang="en-US" sz="4400" spc="-1" strike="noStrike">
+              <a:latin typeface="Arial"/>
             </a:endParaRPr>
           </a:p>
         </p:txBody>
@@ -2369,7 +2416,7 @@
         <p:spPr>
           <a:xfrm>
             <a:off x="2934720" y="8298720"/>
-            <a:ext cx="24119280" cy="1583280"/>
+            <a:ext cx="24118920" cy="1582920"/>
           </a:xfrm>
           <a:prstGeom prst="rect">
             <a:avLst/>
@@ -2388,7 +2435,7 @@
         <p:txBody>
           <a:bodyPr lIns="0" rIns="417600" tIns="208800" bIns="208800" anchor="ctr"/>
           <a:p>
-            <a:pPr>
+            <a:pPr algn="ctr">
               <a:lnSpc>
                 <a:spcPct val="100000"/>
               </a:lnSpc>
@@ -2479,7 +2526,7 @@
             </a:endParaRPr>
           </a:p>
           <a:p>
-            <a:pPr>
+            <a:pPr algn="ctr">
               <a:lnSpc>
                 <a:spcPct val="100000"/>
               </a:lnSpc>
@@ -2519,7 +2566,7 @@
         <p:spPr>
           <a:xfrm>
             <a:off x="18920520" y="1602000"/>
-            <a:ext cx="9252360" cy="2915640"/>
+            <a:ext cx="9252000" cy="2915280"/>
           </a:xfrm>
           <a:prstGeom prst="rect">
             <a:avLst/>
@@ -2545,7 +2592,7 @@
         <p:spPr>
           <a:xfrm>
             <a:off x="155520" y="-144360"/>
-            <a:ext cx="304200" cy="304200"/>
+            <a:ext cx="303840" cy="303840"/>
           </a:xfrm>
           <a:prstGeom prst="rect">
             <a:avLst/>
@@ -2571,7 +2618,7 @@
         <p:spPr>
           <a:xfrm>
             <a:off x="307800" y="7920"/>
-            <a:ext cx="304200" cy="304200"/>
+            <a:ext cx="303840" cy="303840"/>
           </a:xfrm>
           <a:prstGeom prst="rect">
             <a:avLst/>
@@ -2601,7 +2648,7 @@
         <p:spPr>
           <a:xfrm>
             <a:off x="20684880" y="1828800"/>
-            <a:ext cx="7517880" cy="2688840"/>
+            <a:ext cx="7517520" cy="2688480"/>
           </a:xfrm>
           <a:prstGeom prst="rect">
             <a:avLst/>
@@ -2620,7 +2667,7 @@
         <p:spPr>
           <a:xfrm>
             <a:off x="15475680" y="10077840"/>
-            <a:ext cx="11864880" cy="26030160"/>
+            <a:ext cx="11864520" cy="26029800"/>
           </a:xfrm>
           <a:prstGeom prst="rect">
             <a:avLst/>
@@ -2653,6 +2700,7 @@
                   <a:srgbClr val="000000"/>
                 </a:solidFill>
                 <a:latin typeface="Arial Narrow"/>
+                <a:ea typeface="DejaVu Sans"/>
               </a:rPr>
               <a:t>Results and discussion</a:t>
             </a:r>
@@ -2830,6 +2878,344 @@
             </a:endParaRPr>
           </a:p>
           <a:p>
+            <a:pPr algn="just">
+              <a:lnSpc>
+                <a:spcPct val="100000"/>
+              </a:lnSpc>
+              <a:spcBef>
+                <a:spcPts val="879"/>
+              </a:spcBef>
+            </a:pPr>
+            <a:endParaRPr b="0" lang="en-US" sz="5400" spc="-1" strike="noStrike">
+              <a:latin typeface="Arial"/>
+            </a:endParaRPr>
+          </a:p>
+          <a:p>
+            <a:pPr algn="just">
+              <a:lnSpc>
+                <a:spcPct val="100000"/>
+              </a:lnSpc>
+              <a:spcBef>
+                <a:spcPts val="879"/>
+              </a:spcBef>
+            </a:pPr>
+            <a:endParaRPr b="0" lang="en-US" sz="5400" spc="-1" strike="noStrike">
+              <a:latin typeface="Arial"/>
+            </a:endParaRPr>
+          </a:p>
+          <a:p>
+            <a:pPr algn="just">
+              <a:lnSpc>
+                <a:spcPct val="100000"/>
+              </a:lnSpc>
+              <a:spcBef>
+                <a:spcPts val="879"/>
+              </a:spcBef>
+            </a:pPr>
+            <a:endParaRPr b="0" lang="en-US" sz="5400" spc="-1" strike="noStrike">
+              <a:latin typeface="Arial"/>
+            </a:endParaRPr>
+          </a:p>
+          <a:p>
+            <a:pPr algn="just">
+              <a:lnSpc>
+                <a:spcPct val="100000"/>
+              </a:lnSpc>
+              <a:spcBef>
+                <a:spcPts val="879"/>
+              </a:spcBef>
+            </a:pPr>
+            <a:endParaRPr b="0" lang="en-US" sz="5400" spc="-1" strike="noStrike">
+              <a:latin typeface="Arial"/>
+            </a:endParaRPr>
+          </a:p>
+          <a:p>
+            <a:pPr algn="just">
+              <a:lnSpc>
+                <a:spcPct val="100000"/>
+              </a:lnSpc>
+              <a:spcBef>
+                <a:spcPts val="879"/>
+              </a:spcBef>
+            </a:pPr>
+            <a:endParaRPr b="0" lang="en-US" sz="5400" spc="-1" strike="noStrike">
+              <a:latin typeface="Arial"/>
+            </a:endParaRPr>
+          </a:p>
+          <a:p>
+            <a:pPr algn="just">
+              <a:lnSpc>
+                <a:spcPct val="100000"/>
+              </a:lnSpc>
+              <a:spcBef>
+                <a:spcPts val="879"/>
+              </a:spcBef>
+            </a:pPr>
+            <a:endParaRPr b="0" lang="en-US" sz="5400" spc="-1" strike="noStrike">
+              <a:latin typeface="Arial"/>
+            </a:endParaRPr>
+          </a:p>
+          <a:p>
+            <a:pPr algn="just">
+              <a:lnSpc>
+                <a:spcPct val="100000"/>
+              </a:lnSpc>
+              <a:spcBef>
+                <a:spcPts val="879"/>
+              </a:spcBef>
+            </a:pPr>
+            <a:endParaRPr b="0" lang="en-US" sz="5400" spc="-1" strike="noStrike">
+              <a:latin typeface="Arial"/>
+            </a:endParaRPr>
+          </a:p>
+          <a:p>
+            <a:pPr algn="just">
+              <a:lnSpc>
+                <a:spcPct val="100000"/>
+              </a:lnSpc>
+              <a:spcBef>
+                <a:spcPts val="879"/>
+              </a:spcBef>
+            </a:pPr>
+            <a:endParaRPr b="0" lang="en-US" sz="5400" spc="-1" strike="noStrike">
+              <a:latin typeface="Arial"/>
+            </a:endParaRPr>
+          </a:p>
+          <a:p>
+            <a:pPr algn="just">
+              <a:lnSpc>
+                <a:spcPct val="100000"/>
+              </a:lnSpc>
+              <a:spcBef>
+                <a:spcPts val="879"/>
+              </a:spcBef>
+            </a:pPr>
+            <a:endParaRPr b="0" lang="en-US" sz="5400" spc="-1" strike="noStrike">
+              <a:latin typeface="Arial"/>
+            </a:endParaRPr>
+          </a:p>
+          <a:p>
+            <a:pPr algn="just">
+              <a:lnSpc>
+                <a:spcPct val="100000"/>
+              </a:lnSpc>
+              <a:spcBef>
+                <a:spcPts val="879"/>
+              </a:spcBef>
+            </a:pPr>
+            <a:endParaRPr b="0" lang="en-US" sz="5400" spc="-1" strike="noStrike">
+              <a:latin typeface="Arial"/>
+            </a:endParaRPr>
+          </a:p>
+          <a:p>
+            <a:pPr algn="just">
+              <a:lnSpc>
+                <a:spcPct val="100000"/>
+              </a:lnSpc>
+              <a:spcBef>
+                <a:spcPts val="879"/>
+              </a:spcBef>
+            </a:pPr>
+            <a:endParaRPr b="0" lang="en-US" sz="5400" spc="-1" strike="noStrike">
+              <a:latin typeface="Arial"/>
+            </a:endParaRPr>
+          </a:p>
+          <a:p>
+            <a:pPr algn="just">
+              <a:lnSpc>
+                <a:spcPct val="100000"/>
+              </a:lnSpc>
+              <a:spcBef>
+                <a:spcPts val="879"/>
+              </a:spcBef>
+            </a:pPr>
+            <a:endParaRPr b="0" lang="en-US" sz="5400" spc="-1" strike="noStrike">
+              <a:latin typeface="Arial"/>
+            </a:endParaRPr>
+          </a:p>
+          <a:p>
+            <a:pPr algn="just">
+              <a:lnSpc>
+                <a:spcPct val="100000"/>
+              </a:lnSpc>
+              <a:spcBef>
+                <a:spcPts val="879"/>
+              </a:spcBef>
+            </a:pPr>
+            <a:endParaRPr b="0" lang="en-US" sz="5400" spc="-1" strike="noStrike">
+              <a:latin typeface="Arial"/>
+            </a:endParaRPr>
+          </a:p>
+          <a:p>
+            <a:pPr algn="just">
+              <a:lnSpc>
+                <a:spcPct val="100000"/>
+              </a:lnSpc>
+              <a:spcBef>
+                <a:spcPts val="879"/>
+              </a:spcBef>
+            </a:pPr>
+            <a:endParaRPr b="0" lang="en-US" sz="5400" spc="-1" strike="noStrike">
+              <a:latin typeface="Arial"/>
+            </a:endParaRPr>
+          </a:p>
+          <a:p>
+            <a:pPr algn="just">
+              <a:lnSpc>
+                <a:spcPct val="100000"/>
+              </a:lnSpc>
+              <a:spcBef>
+                <a:spcPts val="879"/>
+              </a:spcBef>
+            </a:pPr>
+            <a:endParaRPr b="0" lang="en-US" sz="5400" spc="-1" strike="noStrike">
+              <a:latin typeface="Arial"/>
+            </a:endParaRPr>
+          </a:p>
+          <a:p>
+            <a:pPr algn="just">
+              <a:lnSpc>
+                <a:spcPct val="100000"/>
+              </a:lnSpc>
+              <a:spcBef>
+                <a:spcPts val="879"/>
+              </a:spcBef>
+            </a:pPr>
+            <a:endParaRPr b="0" lang="en-US" sz="5400" spc="-1" strike="noStrike">
+              <a:latin typeface="Arial"/>
+            </a:endParaRPr>
+          </a:p>
+          <a:p>
+            <a:pPr algn="just">
+              <a:lnSpc>
+                <a:spcPct val="100000"/>
+              </a:lnSpc>
+              <a:spcBef>
+                <a:spcPts val="879"/>
+              </a:spcBef>
+            </a:pPr>
+            <a:endParaRPr b="0" lang="en-US" sz="5400" spc="-1" strike="noStrike">
+              <a:latin typeface="Arial"/>
+            </a:endParaRPr>
+          </a:p>
+          <a:p>
+            <a:pPr algn="just">
+              <a:lnSpc>
+                <a:spcPct val="100000"/>
+              </a:lnSpc>
+              <a:spcBef>
+                <a:spcPts val="879"/>
+              </a:spcBef>
+            </a:pPr>
+            <a:endParaRPr b="0" lang="en-US" sz="5400" spc="-1" strike="noStrike">
+              <a:latin typeface="Arial"/>
+            </a:endParaRPr>
+          </a:p>
+          <a:p>
+            <a:pPr algn="just">
+              <a:lnSpc>
+                <a:spcPct val="100000"/>
+              </a:lnSpc>
+              <a:spcBef>
+                <a:spcPts val="879"/>
+              </a:spcBef>
+            </a:pPr>
+            <a:endParaRPr b="0" lang="en-US" sz="5400" spc="-1" strike="noStrike">
+              <a:latin typeface="Arial"/>
+            </a:endParaRPr>
+          </a:p>
+          <a:p>
+            <a:pPr algn="just">
+              <a:lnSpc>
+                <a:spcPct val="100000"/>
+              </a:lnSpc>
+              <a:spcBef>
+                <a:spcPts val="879"/>
+              </a:spcBef>
+            </a:pPr>
+            <a:endParaRPr b="0" lang="en-US" sz="5400" spc="-1" strike="noStrike">
+              <a:latin typeface="Arial"/>
+            </a:endParaRPr>
+          </a:p>
+          <a:p>
+            <a:pPr algn="just">
+              <a:lnSpc>
+                <a:spcPct val="100000"/>
+              </a:lnSpc>
+              <a:spcBef>
+                <a:spcPts val="879"/>
+              </a:spcBef>
+            </a:pPr>
+            <a:endParaRPr b="0" lang="en-US" sz="5400" spc="-1" strike="noStrike">
+              <a:latin typeface="Arial"/>
+            </a:endParaRPr>
+          </a:p>
+          <a:p>
+            <a:pPr algn="just">
+              <a:lnSpc>
+                <a:spcPct val="100000"/>
+              </a:lnSpc>
+              <a:spcBef>
+                <a:spcPts val="879"/>
+              </a:spcBef>
+            </a:pPr>
+            <a:endParaRPr b="0" lang="en-US" sz="5400" spc="-1" strike="noStrike">
+              <a:latin typeface="Arial"/>
+            </a:endParaRPr>
+          </a:p>
+          <a:p>
+            <a:pPr algn="just">
+              <a:lnSpc>
+                <a:spcPct val="100000"/>
+              </a:lnSpc>
+              <a:spcBef>
+                <a:spcPts val="879"/>
+              </a:spcBef>
+            </a:pPr>
+            <a:endParaRPr b="0" lang="en-US" sz="5400" spc="-1" strike="noStrike">
+              <a:latin typeface="Arial"/>
+            </a:endParaRPr>
+          </a:p>
+          <a:p>
+            <a:pPr algn="just">
+              <a:lnSpc>
+                <a:spcPct val="100000"/>
+              </a:lnSpc>
+              <a:spcBef>
+                <a:spcPts val="879"/>
+              </a:spcBef>
+            </a:pPr>
+            <a:endParaRPr b="0" lang="en-US" sz="5400" spc="-1" strike="noStrike">
+              <a:latin typeface="Arial"/>
+            </a:endParaRPr>
+          </a:p>
+          <a:p>
+            <a:pPr algn="just">
+              <a:lnSpc>
+                <a:spcPct val="100000"/>
+              </a:lnSpc>
+              <a:spcBef>
+                <a:spcPts val="879"/>
+              </a:spcBef>
+            </a:pPr>
+            <a:endParaRPr b="0" lang="en-US" sz="5400" spc="-1" strike="noStrike">
+              <a:latin typeface="Arial"/>
+            </a:endParaRPr>
+          </a:p>
+          <a:p>
+            <a:pPr algn="just">
+              <a:lnSpc>
+                <a:spcPct val="100000"/>
+              </a:lnSpc>
+              <a:spcBef>
+                <a:spcPts val="879"/>
+              </a:spcBef>
+            </a:pPr>
+            <a:endParaRPr b="0" lang="en-US" sz="5400" spc="-1" strike="noStrike">
+              <a:latin typeface="Arial"/>
+            </a:endParaRPr>
+          </a:p>
+          <a:p>
             <a:pPr>
               <a:lnSpc>
                 <a:spcPct val="100000"/>
@@ -2843,7 +3229,7 @@
             </a:endParaRPr>
           </a:p>
           <a:p>
-            <a:pPr marL="895320" indent="-894600">
+            <a:pPr marL="895320" indent="-894240">
               <a:lnSpc>
                 <a:spcPct val="100000"/>
               </a:lnSpc>
@@ -2862,6 +3248,7 @@
                   <a:srgbClr val="000000"/>
                 </a:solidFill>
                 <a:latin typeface="Arial Narrow"/>
+                <a:ea typeface="DejaVu Sans"/>
               </a:rPr>
               <a:t>Galaxy tools are grouped by function</a:t>
             </a:r>
@@ -2870,7 +3257,7 @@
             </a:endParaRPr>
           </a:p>
           <a:p>
-            <a:pPr marL="895320" indent="-894600">
+            <a:pPr marL="895320" indent="-894240">
               <a:lnSpc>
                 <a:spcPct val="100000"/>
               </a:lnSpc>
@@ -2889,6 +3276,7 @@
                   <a:srgbClr val="000000"/>
                 </a:solidFill>
                 <a:latin typeface="Arial Narrow"/>
+                <a:ea typeface="DejaVu Sans"/>
               </a:rPr>
               <a:t>Each tool function bridges two different states of data</a:t>
             </a:r>
@@ -2897,7 +3285,7 @@
             </a:endParaRPr>
           </a:p>
           <a:p>
-            <a:pPr marL="895320" indent="-894600">
+            <a:pPr marL="895320" indent="-894240">
               <a:lnSpc>
                 <a:spcPct val="100000"/>
               </a:lnSpc>
@@ -2916,6 +3304,7 @@
                   <a:srgbClr val="000000"/>
                 </a:solidFill>
                 <a:latin typeface="Arial Narrow"/>
+                <a:ea typeface="DejaVu Sans"/>
               </a:rPr>
               <a:t>Tools are chained on their input / output data formats</a:t>
             </a:r>
@@ -2924,7 +3313,7 @@
             </a:endParaRPr>
           </a:p>
           <a:p>
-            <a:pPr marL="895320" indent="-894600">
+            <a:pPr marL="895320" indent="-894240">
               <a:lnSpc>
                 <a:spcPct val="100000"/>
               </a:lnSpc>
@@ -2943,6 +3332,7 @@
                   <a:srgbClr val="000000"/>
                 </a:solidFill>
                 <a:latin typeface="Arial Narrow"/>
+                <a:ea typeface="DejaVu Sans"/>
               </a:rPr>
               <a:t>Galaxy tours recommends pertinent tools step by step</a:t>
             </a:r>
@@ -2951,7 +3341,7 @@
             </a:endParaRPr>
           </a:p>
           <a:p>
-            <a:pPr marL="895320" indent="-894600">
+            <a:pPr marL="895320" indent="-894240">
               <a:lnSpc>
                 <a:spcPct val="100000"/>
               </a:lnSpc>
@@ -2970,6 +3360,7 @@
                   <a:srgbClr val="000000"/>
                 </a:solidFill>
                 <a:latin typeface="Arial Narrow"/>
+                <a:ea typeface="DejaVu Sans"/>
               </a:rPr>
               <a:t>Users decide which tool to select and parametrize</a:t>
             </a:r>
@@ -2978,7 +3369,7 @@
             </a:endParaRPr>
           </a:p>
           <a:p>
-            <a:pPr marL="895320" indent="-894600">
+            <a:pPr marL="895320" indent="-894240">
               <a:lnSpc>
                 <a:spcPct val="100000"/>
               </a:lnSpc>
@@ -2997,9 +3388,56 @@
                   <a:srgbClr val="000000"/>
                 </a:solidFill>
                 <a:latin typeface="Arial Narrow"/>
+                <a:ea typeface="DejaVu Sans"/>
               </a:rPr>
               <a:t> </a:t>
             </a:r>
+            <a:endParaRPr b="0" lang="en-US" sz="600" spc="-1" strike="noStrike">
+              <a:latin typeface="Arial"/>
+            </a:endParaRPr>
+          </a:p>
+          <a:p>
+            <a:pPr marL="895320" indent="-894240">
+              <a:lnSpc>
+                <a:spcPct val="100000"/>
+              </a:lnSpc>
+              <a:spcBef>
+                <a:spcPts val="879"/>
+              </a:spcBef>
+              <a:buClr>
+                <a:srgbClr val="000000"/>
+              </a:buClr>
+              <a:buFont typeface="Arial"/>
+              <a:buChar char="•"/>
+            </a:pPr>
+            <a:r>
+              <a:rPr b="0" lang="en-US" sz="600" spc="-1" strike="noStrike">
+                <a:solidFill>
+                  <a:srgbClr val="000000"/>
+                </a:solidFill>
+                <a:latin typeface="Arial Narrow"/>
+                <a:ea typeface="DejaVu Sans"/>
+              </a:rPr>
+              <a:t> </a:t>
+            </a:r>
+            <a:endParaRPr b="0" lang="en-US" sz="600" spc="-1" strike="noStrike">
+              <a:latin typeface="Arial"/>
+            </a:endParaRPr>
+          </a:p>
+          <a:p>
+            <a:pPr marL="895320" indent="-894240">
+              <a:lnSpc>
+                <a:spcPct val="100000"/>
+              </a:lnSpc>
+              <a:spcBef>
+                <a:spcPts val="879"/>
+              </a:spcBef>
+              <a:buClr>
+                <a:srgbClr val="000000"/>
+              </a:buClr>
+              <a:buFont typeface="Arial"/>
+              <a:buChar char="•"/>
+            </a:pPr>
             <a:endParaRPr b="0" lang="en-US" sz="600" spc="-1" strike="noStrike">
               <a:latin typeface="Arial"/>
             </a:endParaRPr>
@@ -3019,6 +3457,7 @@
                   <a:srgbClr val="000000"/>
                 </a:solidFill>
                 <a:latin typeface="Arial Narrow"/>
+                <a:ea typeface="DejaVu Sans"/>
               </a:rPr>
               <a:t>Conclusion</a:t>
             </a:r>
@@ -3041,6 +3480,7 @@
                   <a:srgbClr val="000000"/>
                 </a:solidFill>
                 <a:latin typeface="Arial Narrow"/>
+                <a:ea typeface="DejaVu Sans"/>
               </a:rPr>
               <a:t>A recommendation system enhances the visibility of each Galaxy tool, relieving the user from browsing tool categories, or sticking to the usual analysis tools</a:t>
             </a:r>
@@ -3492,6 +3932,7 @@
                   <a:srgbClr val="000000"/>
                 </a:solidFill>
                 <a:latin typeface="Arial Narrow"/>
+                <a:ea typeface="DejaVu Sans"/>
               </a:rPr>
               <a:t>Tool pertinence is inferred from manually curated EDAM annotations, therefore a tool’s pertinence is as accurate as its bio.tools annotation</a:t>
             </a:r>
@@ -3500,7 +3941,20 @@
             </a:endParaRPr>
           </a:p>
           <a:p>
-            <a:pPr marL="895320" indent="-894600">
+            <a:pPr>
+              <a:lnSpc>
+                <a:spcPct val="100000"/>
+              </a:lnSpc>
+              <a:spcBef>
+                <a:spcPts val="879"/>
+              </a:spcBef>
+            </a:pPr>
+            <a:endParaRPr b="0" lang="en-US" sz="4400" spc="-1" strike="noStrike">
+              <a:latin typeface="Arial"/>
+            </a:endParaRPr>
+          </a:p>
+          <a:p>
+            <a:pPr marL="895320" indent="-894240">
               <a:lnSpc>
                 <a:spcPct val="100000"/>
               </a:lnSpc>
@@ -3513,12 +3967,22 @@
               <a:buFont typeface="Arial"/>
               <a:buChar char="•"/>
             </a:pPr>
-            <a:endParaRPr b="0" lang="en-US" sz="4400" spc="-1" strike="noStrike">
-              <a:latin typeface="Arial"/>
-            </a:endParaRPr>
-          </a:p>
-          <a:p>
-            <a:pPr marL="895320" indent="-894600">
+            <a:r>
+              <a:rPr b="0" lang="en-US" sz="600" spc="-1" strike="noStrike">
+                <a:solidFill>
+                  <a:srgbClr val="000000"/>
+                </a:solidFill>
+                <a:latin typeface="Arial Narrow"/>
+                <a:ea typeface="DejaVu Sans"/>
+              </a:rPr>
+              <a:t> </a:t>
+            </a:r>
+            <a:endParaRPr b="0" lang="en-US" sz="600" spc="-1" strike="noStrike">
+              <a:latin typeface="Arial"/>
+            </a:endParaRPr>
+          </a:p>
+          <a:p>
+            <a:pPr marL="895320" indent="-894240">
               <a:lnSpc>
                 <a:spcPct val="100000"/>
               </a:lnSpc>
@@ -3537,6 +4001,7 @@
                   <a:srgbClr val="000000"/>
                 </a:solidFill>
                 <a:latin typeface="Arial Narrow"/>
+                <a:ea typeface="DejaVu Sans"/>
               </a:rPr>
               <a:t> </a:t>
             </a:r>
@@ -3559,6 +4024,7 @@
                   <a:srgbClr val="000000"/>
                 </a:solidFill>
                 <a:latin typeface="Arial Narrow"/>
+                <a:ea typeface="DejaVu Sans"/>
               </a:rPr>
               <a:t>References</a:t>
             </a:r>
@@ -3581,6 +4047,7 @@
                   <a:srgbClr val="000000"/>
                 </a:solidFill>
                 <a:latin typeface="Arial Narrow"/>
+                <a:ea typeface="DejaVu Sans"/>
               </a:rPr>
               <a:t>Lott SC et al. Customized workflow development and data modularization concepts for RNA-Sequencing and metatranscriptome experiments. Journal of Biotechnology, 2017. </a:t>
             </a:r>
@@ -3590,6 +4057,7 @@
                   <a:srgbClr val="3465a4"/>
                 </a:solidFill>
                 <a:latin typeface="Arial Narrow"/>
+                <a:ea typeface="DejaVu Sans"/>
               </a:rPr>
               <a:t>10.1016/j.jbiotec.2017.06.1203</a:t>
             </a:r>
@@ -3607,8 +4075,8 @@
         </p:nvSpPr>
         <p:spPr>
           <a:xfrm>
-            <a:off x="2959200" y="24991200"/>
-            <a:ext cx="7589520" cy="2834640"/>
+            <a:off x="2959200" y="25387200"/>
+            <a:ext cx="7589160" cy="2834280"/>
           </a:xfrm>
           <a:prstGeom prst="rect">
             <a:avLst/>
@@ -3638,8 +4106,8 @@
         </p:nvSpPr>
         <p:spPr>
           <a:xfrm>
-            <a:off x="2959200" y="28843200"/>
-            <a:ext cx="7589520" cy="2834640"/>
+            <a:off x="2959200" y="29239200"/>
+            <a:ext cx="7589160" cy="2834280"/>
           </a:xfrm>
           <a:prstGeom prst="rect">
             <a:avLst/>
@@ -3669,8 +4137,8 @@
         </p:nvSpPr>
         <p:spPr>
           <a:xfrm>
-            <a:off x="2959200" y="32659200"/>
-            <a:ext cx="7589520" cy="2834640"/>
+            <a:off x="2959200" y="33055200"/>
+            <a:ext cx="7589160" cy="2834280"/>
           </a:xfrm>
           <a:prstGeom prst="rect">
             <a:avLst/>
@@ -3694,14 +4162,14 @@
       </p:sp>
       <p:sp>
         <p:nvSpPr>
-          <p:cNvPr id="55" name="TextShape 13"/>
-          <p:cNvSpPr txBox="1"/>
+          <p:cNvPr id="55" name="CustomShape 13"/>
+          <p:cNvSpPr/>
           <p:nvPr/>
         </p:nvSpPr>
         <p:spPr>
           <a:xfrm>
-            <a:off x="3144960" y="25752960"/>
-            <a:ext cx="7292880" cy="1499040"/>
+            <a:off x="3144960" y="26004960"/>
+            <a:ext cx="7292520" cy="1498680"/>
           </a:xfrm>
           <a:prstGeom prst="rect">
             <a:avLst/>
@@ -3711,6 +4179,12 @@
             <a:noFill/>
           </a:ln>
         </p:spPr>
+        <p:style>
+          <a:lnRef idx="0"/>
+          <a:fillRef idx="0"/>
+          <a:effectRef idx="0"/>
+          <a:fontRef idx="minor"/>
+        </p:style>
         <p:txBody>
           <a:bodyPr lIns="90000" rIns="90000" tIns="45000" bIns="45000"/>
           <a:p>
@@ -3732,22 +4206,21 @@
               <a:t>Tool chaining and parametrization  through Galaxy’s interactive tours</a:t>
             </a:r>
             <a:endParaRPr b="0" lang="en-US" sz="4400" spc="-1" strike="noStrike">
-              <a:latin typeface="Arial Narrow"/>
-              <a:ea typeface="Noto Sans CJK SC Regular"/>
+              <a:latin typeface="Arial"/>
             </a:endParaRPr>
           </a:p>
         </p:txBody>
       </p:sp>
       <p:sp>
         <p:nvSpPr>
-          <p:cNvPr id="56" name="TextShape 14"/>
-          <p:cNvSpPr txBox="1"/>
+          <p:cNvPr id="56" name="CustomShape 14"/>
+          <p:cNvSpPr/>
           <p:nvPr/>
         </p:nvSpPr>
         <p:spPr>
           <a:xfrm>
-            <a:off x="3147840" y="29676960"/>
-            <a:ext cx="7290000" cy="1217160"/>
+            <a:off x="3147840" y="29856960"/>
+            <a:ext cx="7289640" cy="1216800"/>
           </a:xfrm>
           <a:prstGeom prst="rect">
             <a:avLst/>
@@ -3757,6 +4230,12 @@
             <a:noFill/>
           </a:ln>
         </p:spPr>
+        <p:style>
+          <a:lnRef idx="0"/>
+          <a:fillRef idx="0"/>
+          <a:effectRef idx="0"/>
+          <a:fontRef idx="minor"/>
+        </p:style>
         <p:txBody>
           <a:bodyPr lIns="90000" rIns="90000" tIns="45000" bIns="45000"/>
           <a:p>
@@ -3769,49 +4248,7 @@
               <a:rPr b="0" lang="en-US" sz="4400" spc="-1" strike="noStrike">
                 <a:latin typeface="Arial Narrow"/>
               </a:rPr>
-              <a:t>Tool </a:t>
-            </a:r>
-            <a:r>
-              <a:rPr b="0" lang="en-US" sz="4400" spc="-1" strike="noStrike">
-                <a:latin typeface="Arial Narrow"/>
-              </a:rPr>
-              <a:t>operations </a:t>
-            </a:r>
-            <a:r>
-              <a:rPr b="0" lang="en-US" sz="4400" spc="-1" strike="noStrike">
-                <a:latin typeface="Arial Narrow"/>
-              </a:rPr>
-              <a:t>and input / </a:t>
-            </a:r>
-            <a:r>
-              <a:rPr b="0" lang="en-US" sz="4400" spc="-1" strike="noStrike">
-                <a:latin typeface="Arial Narrow"/>
-              </a:rPr>
-              <a:t>output </a:t>
-            </a:r>
-            <a:r>
-              <a:rPr b="0" lang="en-US" sz="4400" spc="-1" strike="noStrike">
-                <a:latin typeface="Arial Narrow"/>
-              </a:rPr>
-              <a:t>formats </a:t>
-            </a:r>
-            <a:r>
-              <a:rPr b="0" lang="en-US" sz="4400" spc="-1" strike="noStrike">
-                <a:latin typeface="Arial Narrow"/>
-              </a:rPr>
-              <a:t>through </a:t>
-            </a:r>
-            <a:r>
-              <a:rPr b="0" lang="en-US" sz="4400" spc="-1" strike="noStrike">
-                <a:latin typeface="Arial Narrow"/>
-              </a:rPr>
-              <a:t>Elixir’s </a:t>
-            </a:r>
-            <a:r>
-              <a:rPr b="0" lang="en-US" sz="4400" spc="-1" strike="noStrike">
-                <a:latin typeface="Arial Narrow"/>
-              </a:rPr>
-              <a:t>bio.tools</a:t>
+              <a:t>Tool operations and input / output formats through Elixir’s bio.tools</a:t>
             </a:r>
             <a:endParaRPr b="0" lang="en-US" sz="4400" spc="-1" strike="noStrike">
               <a:latin typeface="Arial"/>
@@ -3821,14 +4258,14 @@
       </p:sp>
       <p:sp>
         <p:nvSpPr>
-          <p:cNvPr id="57" name="TextShape 15"/>
-          <p:cNvSpPr txBox="1"/>
+          <p:cNvPr id="57" name="CustomShape 15"/>
+          <p:cNvSpPr/>
           <p:nvPr/>
         </p:nvSpPr>
         <p:spPr>
           <a:xfrm>
-            <a:off x="3142080" y="33459120"/>
-            <a:ext cx="7223760" cy="1645920"/>
+            <a:off x="3142080" y="33675120"/>
+            <a:ext cx="7223400" cy="1645560"/>
           </a:xfrm>
           <a:prstGeom prst="rect">
             <a:avLst/>
@@ -3838,6 +4275,12 @@
             <a:noFill/>
           </a:ln>
         </p:spPr>
+        <p:style>
+          <a:lnRef idx="0"/>
+          <a:fillRef idx="0"/>
+          <a:effectRef idx="0"/>
+          <a:fontRef idx="minor"/>
+        </p:style>
         <p:txBody>
           <a:bodyPr lIns="90000" rIns="90000" tIns="45000" bIns="45000"/>
           <a:p>
@@ -3850,70 +4293,10 @@
               <a:rPr b="0" lang="en-US" sz="4400" spc="-1" strike="noStrike">
                 <a:latin typeface="Arial Narrow"/>
               </a:rPr>
-              <a:t>Best </a:t>
-            </a:r>
-            <a:r>
-              <a:rPr b="0" lang="en-US" sz="4400" spc="-1" strike="noStrike">
-                <a:latin typeface="Arial Narrow"/>
-              </a:rPr>
-              <a:t>practic</a:t>
-            </a:r>
-            <a:r>
-              <a:rPr b="0" lang="en-US" sz="4400" spc="-1" strike="noStrike">
-                <a:latin typeface="Arial Narrow"/>
-              </a:rPr>
-              <a:t>es and </a:t>
-            </a:r>
-            <a:r>
-              <a:rPr b="0" lang="en-US" sz="4400" spc="-1" strike="noStrike">
-                <a:latin typeface="Arial Narrow"/>
-              </a:rPr>
-              <a:t>user-</a:t>
-            </a:r>
-            <a:r>
-              <a:rPr b="0" lang="en-US" sz="4400" spc="-1" strike="noStrike">
-                <a:latin typeface="Arial Narrow"/>
-              </a:rPr>
-              <a:t>tracke</a:t>
-            </a:r>
-            <a:r>
-              <a:rPr b="0" lang="en-US" sz="4400" spc="-1" strike="noStrike">
-                <a:latin typeface="Arial Narrow"/>
-              </a:rPr>
-              <a:t>d data </a:t>
-            </a:r>
-            <a:r>
-              <a:rPr b="0" lang="en-US" sz="4400" spc="-1" strike="noStrike">
-                <a:latin typeface="Arial Narrow"/>
-              </a:rPr>
-              <a:t>of </a:t>
-            </a:r>
-            <a:r>
-              <a:rPr b="0" lang="en-US" sz="4400" spc="-1" strike="noStrike">
-                <a:latin typeface="Arial Narrow"/>
-              </a:rPr>
-              <a:t>RBC’s </a:t>
-            </a:r>
-            <a:r>
-              <a:rPr b="0" lang="en-US" sz="4400" spc="-1" strike="noStrike">
-                <a:latin typeface="Arial Narrow"/>
-              </a:rPr>
-              <a:t>Galaxy </a:t>
-            </a:r>
-            <a:r>
-              <a:rPr b="0" lang="en-US" sz="4400" spc="-1" strike="noStrike">
-                <a:latin typeface="Arial Narrow"/>
-              </a:rPr>
-              <a:t>instanc</a:t>
-            </a:r>
-            <a:r>
-              <a:rPr b="0" lang="en-US" sz="4400" spc="-1" strike="noStrike">
-                <a:latin typeface="Arial Narrow"/>
-              </a:rPr>
-              <a:t>e</a:t>
-            </a:r>
-            <a:endParaRPr b="0" lang="en-US" sz="4400" spc="-1" strike="noStrike">
-              <a:latin typeface="Arial Narrow"/>
+              <a:t>Best practices and user-tracked data of RBC’s Galaxy instance</a:t>
+            </a:r>
+            <a:endParaRPr b="0" lang="en-US" sz="4400" spc="-1" strike="noStrike">
+              <a:latin typeface="Arial"/>
             </a:endParaRPr>
           </a:p>
         </p:txBody>
@@ -3931,7 +4314,7 @@
         <p:spPr>
           <a:xfrm>
             <a:off x="2250000" y="39322080"/>
-            <a:ext cx="9401760" cy="1946520"/>
+            <a:ext cx="9401400" cy="1946160"/>
           </a:xfrm>
           <a:prstGeom prst="rect">
             <a:avLst/>
@@ -3943,14 +4326,14 @@
       </p:pic>
       <p:sp>
         <p:nvSpPr>
-          <p:cNvPr id="59" name="TextShape 16"/>
-          <p:cNvSpPr txBox="1"/>
+          <p:cNvPr id="59" name="CustomShape 16"/>
+          <p:cNvSpPr/>
           <p:nvPr/>
         </p:nvSpPr>
         <p:spPr>
           <a:xfrm>
-            <a:off x="11801880" y="39322080"/>
-            <a:ext cx="6267960" cy="1996200"/>
+            <a:off x="11693880" y="39214080"/>
+            <a:ext cx="6267600" cy="1995840"/>
           </a:xfrm>
           <a:prstGeom prst="rect">
             <a:avLst/>
@@ -3960,16 +4343,22 @@
             <a:noFill/>
           </a:ln>
         </p:spPr>
+        <p:style>
+          <a:lnRef idx="0"/>
+          <a:fillRef idx="0"/>
+          <a:effectRef idx="0"/>
+          <a:fontRef idx="minor"/>
+        </p:style>
         <p:txBody>
           <a:bodyPr lIns="90000" rIns="90000" tIns="45000" bIns="45000"/>
           <a:p>
             <a:pPr algn="just">
               <a:lnSpc>
-                <a:spcPct val="115000"/>
-              </a:lnSpc>
-            </a:pPr>
-            <a:r>
-              <a:rPr b="0" lang="en-US" sz="3600" spc="-1" strike="noStrike">
+                <a:spcPct val="100000"/>
+              </a:lnSpc>
+            </a:pPr>
+            <a:r>
+              <a:rPr b="0" lang="en-US" sz="3200" spc="-1" strike="noStrike">
                 <a:solidFill>
                   <a:srgbClr val="ffffff"/>
                 </a:solidFill>
@@ -3977,21 +4366,18 @@
               </a:rPr>
               <a:t>Systems Biology and Bioinformatics</a:t>
             </a:r>
-            <a:endParaRPr b="0" lang="en-US" sz="3600" spc="-1" strike="noStrike">
-              <a:solidFill>
-                <a:srgbClr val="ffffff"/>
-              </a:solidFill>
-              <a:latin typeface="Arial Narrow"/>
-            </a:endParaRPr>
-          </a:p>
-          <a:p>
-            <a:pPr algn="just">
-              <a:lnSpc>
-                <a:spcPct val="115000"/>
-              </a:lnSpc>
-            </a:pPr>
-            <a:r>
-              <a:rPr b="0" lang="en-US" sz="3600" spc="-1" strike="noStrike">
+            <a:endParaRPr b="0" lang="en-US" sz="3200" spc="-1" strike="noStrike">
+              <a:latin typeface="Arial"/>
+            </a:endParaRPr>
+          </a:p>
+          <a:p>
+            <a:pPr algn="just">
+              <a:lnSpc>
+                <a:spcPct val="100000"/>
+              </a:lnSpc>
+            </a:pPr>
+            <a:r>
+              <a:rPr b="0" lang="en-US" sz="3200" spc="-1" strike="noStrike">
                 <a:solidFill>
                   <a:srgbClr val="ffffff"/>
                 </a:solidFill>
@@ -3999,21 +4385,18 @@
               </a:rPr>
               <a:t>University of Rostock</a:t>
             </a:r>
-            <a:endParaRPr b="0" lang="en-US" sz="3600" spc="-1" strike="noStrike">
-              <a:solidFill>
-                <a:srgbClr val="ffffff"/>
-              </a:solidFill>
-              <a:latin typeface="Arial Narrow"/>
-            </a:endParaRPr>
-          </a:p>
-          <a:p>
-            <a:pPr algn="just">
-              <a:lnSpc>
-                <a:spcPct val="115000"/>
-              </a:lnSpc>
-            </a:pPr>
-            <a:r>
-              <a:rPr b="0" lang="en-US" sz="3600" spc="-1" strike="noStrike">
+            <a:endParaRPr b="0" lang="en-US" sz="3200" spc="-1" strike="noStrike">
+              <a:latin typeface="Arial"/>
+            </a:endParaRPr>
+          </a:p>
+          <a:p>
+            <a:pPr algn="just">
+              <a:lnSpc>
+                <a:spcPct val="100000"/>
+              </a:lnSpc>
+            </a:pPr>
+            <a:r>
+              <a:rPr b="0" lang="en-US" sz="3200" spc="-1" strike="noStrike">
                 <a:solidFill>
                   <a:srgbClr val="ffffff"/>
                 </a:solidFill>
@@ -4021,21 +4404,18 @@
               </a:rPr>
               <a:t>Ulmenstr. 69, 18051 Rostock</a:t>
             </a:r>
-            <a:endParaRPr b="0" lang="en-US" sz="3600" spc="-1" strike="noStrike">
-              <a:solidFill>
-                <a:srgbClr val="ffffff"/>
-              </a:solidFill>
-              <a:latin typeface="Arial Narrow"/>
-            </a:endParaRPr>
-          </a:p>
-          <a:p>
-            <a:pPr algn="just">
-              <a:lnSpc>
-                <a:spcPct val="115000"/>
-              </a:lnSpc>
-            </a:pPr>
-            <a:r>
-              <a:rPr b="1" lang="en-US" sz="3600" spc="-1" strike="noStrike">
+            <a:endParaRPr b="0" lang="en-US" sz="3200" spc="-1" strike="noStrike">
+              <a:latin typeface="Arial"/>
+            </a:endParaRPr>
+          </a:p>
+          <a:p>
+            <a:pPr algn="just">
+              <a:lnSpc>
+                <a:spcPct val="100000"/>
+              </a:lnSpc>
+            </a:pPr>
+            <a:r>
+              <a:rPr b="1" lang="en-US" sz="3200" spc="-1" strike="noStrike">
                 <a:solidFill>
                   <a:srgbClr val="ffffff"/>
                 </a:solidFill>
@@ -4043,11 +4423,8 @@
               </a:rPr>
               <a:t>www.sbi.uni-rostock.de</a:t>
             </a:r>
-            <a:endParaRPr b="0" lang="en-US" sz="3600" spc="-1" strike="noStrike">
-              <a:solidFill>
-                <a:srgbClr val="ffffff"/>
-              </a:solidFill>
-              <a:latin typeface="Arial Narrow"/>
+            <a:endParaRPr b="0" lang="en-US" sz="3200" spc="-1" strike="noStrike">
+              <a:latin typeface="Arial"/>
             </a:endParaRPr>
           </a:p>
         </p:txBody>
@@ -4064,8 +4441,8 @@
         </p:blipFill>
         <p:spPr>
           <a:xfrm>
-            <a:off x="11194560" y="28890000"/>
-            <a:ext cx="1807560" cy="1792800"/>
+            <a:off x="11590560" y="29286000"/>
+            <a:ext cx="1807200" cy="1792440"/>
           </a:xfrm>
           <a:prstGeom prst="rect">
             <a:avLst/>
@@ -4087,8 +4464,8 @@
         </p:blipFill>
         <p:spPr>
           <a:xfrm>
-            <a:off x="11136240" y="24998760"/>
-            <a:ext cx="1981080" cy="2004120"/>
+            <a:off x="11532240" y="25394760"/>
+            <a:ext cx="1980720" cy="2003760"/>
           </a:xfrm>
           <a:prstGeom prst="rect">
             <a:avLst/>
@@ -4110,8 +4487,8 @@
         </p:blipFill>
         <p:spPr>
           <a:xfrm>
-            <a:off x="11090160" y="32644800"/>
-            <a:ext cx="2129760" cy="3011040"/>
+            <a:off x="11486160" y="33040800"/>
+            <a:ext cx="2129400" cy="3010680"/>
           </a:xfrm>
           <a:prstGeom prst="rect">
             <a:avLst/>
@@ -4123,14 +4500,14 @@
       </p:pic>
       <p:sp>
         <p:nvSpPr>
-          <p:cNvPr id="63" name="TextShape 17"/>
-          <p:cNvSpPr txBox="1"/>
+          <p:cNvPr id="63" name="CustomShape 17"/>
+          <p:cNvSpPr/>
           <p:nvPr/>
         </p:nvSpPr>
         <p:spPr>
           <a:xfrm>
-            <a:off x="11097360" y="35019360"/>
-            <a:ext cx="2286000" cy="640080"/>
+            <a:off x="11493360" y="35415360"/>
+            <a:ext cx="2285640" cy="639720"/>
           </a:xfrm>
           <a:prstGeom prst="rect">
             <a:avLst/>
@@ -4140,10 +4517,20 @@
             <a:noFill/>
           </a:ln>
         </p:spPr>
+        <p:style>
+          <a:lnRef idx="0"/>
+          <a:fillRef idx="0"/>
+          <a:effectRef idx="0"/>
+          <a:fontRef idx="minor"/>
+        </p:style>
         <p:txBody>
           <a:bodyPr lIns="90000" rIns="90000" tIns="45000" bIns="45000"/>
           <a:p>
-            <a:pPr algn="just"/>
+            <a:pPr algn="just">
+              <a:lnSpc>
+                <a:spcPct val="100000"/>
+              </a:lnSpc>
+            </a:pPr>
             <a:r>
               <a:rPr b="0" lang="en-US" sz="3200" spc="-1" strike="noStrike">
                 <a:solidFill>
@@ -4154,24 +4541,21 @@
               <a:t>denbi.de/rbc</a:t>
             </a:r>
             <a:endParaRPr b="0" lang="en-US" sz="3200" spc="-1" strike="noStrike">
-              <a:solidFill>
-                <a:srgbClr val="3465a4"/>
-              </a:solidFill>
-              <a:latin typeface="Arial Narrow"/>
+              <a:latin typeface="Arial"/>
             </a:endParaRPr>
           </a:p>
         </p:txBody>
       </p:sp>
       <p:sp>
         <p:nvSpPr>
-          <p:cNvPr id="64" name="TextShape 18"/>
-          <p:cNvSpPr txBox="1"/>
+          <p:cNvPr id="64" name="CustomShape 18"/>
+          <p:cNvSpPr/>
           <p:nvPr/>
         </p:nvSpPr>
         <p:spPr>
           <a:xfrm>
-            <a:off x="11097360" y="31131360"/>
-            <a:ext cx="3108960" cy="852120"/>
+            <a:off x="11493360" y="31635360"/>
+            <a:ext cx="3108600" cy="851760"/>
           </a:xfrm>
           <a:prstGeom prst="rect">
             <a:avLst/>
@@ -4181,10 +4565,20 @@
             <a:noFill/>
           </a:ln>
         </p:spPr>
+        <p:style>
+          <a:lnRef idx="0"/>
+          <a:fillRef idx="0"/>
+          <a:effectRef idx="0"/>
+          <a:fontRef idx="minor"/>
+        </p:style>
         <p:txBody>
           <a:bodyPr lIns="90000" rIns="90000" tIns="45000" bIns="45000"/>
           <a:p>
-            <a:pPr algn="just"/>
+            <a:pPr algn="just">
+              <a:lnSpc>
+                <a:spcPct val="100000"/>
+              </a:lnSpc>
+            </a:pPr>
             <a:r>
               <a:rPr b="0" lang="en-US" sz="3200" spc="-1" strike="noStrike">
                 <a:solidFill>
@@ -4195,24 +4589,21 @@
               <a:t>edamontology.org</a:t>
             </a:r>
             <a:endParaRPr b="0" lang="en-US" sz="3200" spc="-1" strike="noStrike">
-              <a:solidFill>
-                <a:srgbClr val="3465a4"/>
-              </a:solidFill>
-              <a:latin typeface="Arial Narrow"/>
+              <a:latin typeface="Arial"/>
             </a:endParaRPr>
           </a:p>
         </p:txBody>
       </p:sp>
       <p:sp>
         <p:nvSpPr>
-          <p:cNvPr id="65" name="TextShape 19"/>
-          <p:cNvSpPr txBox="1"/>
+          <p:cNvPr id="65" name="CustomShape 19"/>
+          <p:cNvSpPr/>
           <p:nvPr/>
         </p:nvSpPr>
         <p:spPr>
           <a:xfrm>
-            <a:off x="11097360" y="27387720"/>
-            <a:ext cx="3108960" cy="852120"/>
+            <a:off x="11493360" y="27783720"/>
+            <a:ext cx="3108600" cy="851760"/>
           </a:xfrm>
           <a:prstGeom prst="rect">
             <a:avLst/>
@@ -4222,10 +4613,20 @@
             <a:noFill/>
           </a:ln>
         </p:spPr>
+        <p:style>
+          <a:lnRef idx="0"/>
+          <a:fillRef idx="0"/>
+          <a:effectRef idx="0"/>
+          <a:fontRef idx="minor"/>
+        </p:style>
         <p:txBody>
           <a:bodyPr lIns="90000" rIns="90000" tIns="45000" bIns="45000"/>
           <a:p>
-            <a:pPr algn="just"/>
+            <a:pPr algn="just">
+              <a:lnSpc>
+                <a:spcPct val="100000"/>
+              </a:lnSpc>
+            </a:pPr>
             <a:r>
               <a:rPr b="0" lang="en-US" sz="3200" spc="-1" strike="noStrike">
                 <a:solidFill>
@@ -4236,10 +4637,7 @@
               <a:t>galaxyproject.org</a:t>
             </a:r>
             <a:endParaRPr b="0" lang="en-US" sz="3200" spc="-1" strike="noStrike">
-              <a:solidFill>
-                <a:srgbClr val="3465a4"/>
-              </a:solidFill>
-              <a:latin typeface="Arial Narrow"/>
+              <a:latin typeface="Arial"/>
             </a:endParaRPr>
           </a:p>
         </p:txBody>
@@ -4256,8 +4654,8 @@
         </p:blipFill>
         <p:spPr>
           <a:xfrm>
-            <a:off x="3096360" y="36383760"/>
-            <a:ext cx="1671480" cy="1671480"/>
+            <a:off x="3096360" y="36995760"/>
+            <a:ext cx="1671120" cy="1671120"/>
           </a:xfrm>
           <a:prstGeom prst="rect">
             <a:avLst/>
@@ -4269,14 +4667,14 @@
       </p:pic>
       <p:sp>
         <p:nvSpPr>
-          <p:cNvPr id="67" name="TextShape 20"/>
-          <p:cNvSpPr txBox="1"/>
+          <p:cNvPr id="67" name="CustomShape 20"/>
+          <p:cNvSpPr/>
           <p:nvPr/>
         </p:nvSpPr>
         <p:spPr>
           <a:xfrm>
-            <a:off x="5069520" y="36717840"/>
-            <a:ext cx="2907000" cy="614520"/>
+            <a:off x="5069520" y="37329840"/>
+            <a:ext cx="2906640" cy="614160"/>
           </a:xfrm>
           <a:prstGeom prst="rect">
             <a:avLst/>
@@ -4286,10 +4684,20 @@
             <a:noFill/>
           </a:ln>
         </p:spPr>
+        <p:style>
+          <a:lnRef idx="0"/>
+          <a:fillRef idx="0"/>
+          <a:effectRef idx="0"/>
+          <a:fontRef idx="minor"/>
+        </p:style>
         <p:txBody>
           <a:bodyPr lIns="90000" rIns="90000" tIns="45000" bIns="45000"/>
           <a:p>
-            <a:pPr algn="just"/>
+            <a:pPr algn="just">
+              <a:lnSpc>
+                <a:spcPct val="100000"/>
+              </a:lnSpc>
+            </a:pPr>
             <a:r>
               <a:rPr b="1" lang="en-US" sz="4400" spc="-1" strike="noStrike">
                 <a:latin typeface="Arial Narrow"/>
@@ -4304,14 +4712,14 @@
       </p:sp>
       <p:sp>
         <p:nvSpPr>
-          <p:cNvPr id="68" name="TextShape 21"/>
-          <p:cNvSpPr txBox="1"/>
+          <p:cNvPr id="68" name="CustomShape 21"/>
+          <p:cNvSpPr/>
           <p:nvPr/>
         </p:nvSpPr>
         <p:spPr>
           <a:xfrm>
-            <a:off x="5069880" y="37330200"/>
-            <a:ext cx="4124880" cy="471240"/>
+            <a:off x="5069880" y="37942200"/>
+            <a:ext cx="4124520" cy="470880"/>
           </a:xfrm>
           <a:prstGeom prst="rect">
             <a:avLst/>
@@ -4321,10 +4729,20 @@
             <a:noFill/>
           </a:ln>
         </p:spPr>
+        <p:style>
+          <a:lnRef idx="0"/>
+          <a:fillRef idx="0"/>
+          <a:effectRef idx="0"/>
+          <a:fontRef idx="minor"/>
+        </p:style>
         <p:txBody>
           <a:bodyPr lIns="90000" rIns="90000" tIns="45000" bIns="45000"/>
           <a:p>
-            <a:pPr algn="just"/>
+            <a:pPr algn="just">
+              <a:lnSpc>
+                <a:spcPct val="100000"/>
+              </a:lnSpc>
+            </a:pPr>
             <a:r>
               <a:rPr b="0" lang="en-US" sz="3200" spc="-1" strike="noStrike">
                 <a:latin typeface="Arial Narrow"/>
@@ -4349,8 +4767,8 @@
         </p:blipFill>
         <p:spPr>
           <a:xfrm>
-            <a:off x="9047880" y="35337600"/>
-            <a:ext cx="5564520" cy="3931920"/>
+            <a:off x="9047880" y="36021600"/>
+            <a:ext cx="5564160" cy="3931560"/>
           </a:xfrm>
           <a:prstGeom prst="rect">
             <a:avLst/>
@@ -4372,8 +4790,8 @@
         </p:blipFill>
         <p:spPr>
           <a:xfrm>
-            <a:off x="25584480" y="39359520"/>
-            <a:ext cx="2484000" cy="1856880"/>
+            <a:off x="26052480" y="39539520"/>
+            <a:ext cx="1944720" cy="1453680"/>
           </a:xfrm>
           <a:prstGeom prst="rect">
             <a:avLst/>
@@ -4395,8 +4813,8 @@
         </p:blipFill>
         <p:spPr>
           <a:xfrm>
-            <a:off x="22020480" y="39410640"/>
-            <a:ext cx="3436920" cy="1773360"/>
+            <a:off x="22956480" y="39518640"/>
+            <a:ext cx="2981520" cy="1538280"/>
           </a:xfrm>
           <a:prstGeom prst="rect">
             <a:avLst/>
@@ -4418,8 +4836,8 @@
         </p:blipFill>
         <p:spPr>
           <a:xfrm>
-            <a:off x="15365160" y="11208600"/>
-            <a:ext cx="12715920" cy="7849800"/>
+            <a:off x="15257160" y="11244600"/>
+            <a:ext cx="12715560" cy="7849440"/>
           </a:xfrm>
           <a:prstGeom prst="rect">
             <a:avLst/>
@@ -4437,8 +4855,8 @@
         </p:nvSpPr>
         <p:spPr>
           <a:xfrm>
-            <a:off x="6858000" y="27825840"/>
-            <a:ext cx="0" cy="1017360"/>
+            <a:off x="6858000" y="28221840"/>
+            <a:ext cx="360" cy="1017360"/>
           </a:xfrm>
           <a:prstGeom prst="line">
             <a:avLst/>
@@ -4465,8 +4883,8 @@
         </p:nvSpPr>
         <p:spPr>
           <a:xfrm>
-            <a:off x="6858000" y="31673160"/>
-            <a:ext cx="0" cy="1017360"/>
+            <a:off x="6858000" y="32069160"/>
+            <a:ext cx="360" cy="1017360"/>
           </a:xfrm>
           <a:prstGeom prst="line">
             <a:avLst/>
@@ -4487,14 +4905,14 @@
       </p:sp>
       <p:sp>
         <p:nvSpPr>
-          <p:cNvPr id="75" name="TextShape 24"/>
-          <p:cNvSpPr txBox="1"/>
+          <p:cNvPr id="75" name="CustomShape 24"/>
+          <p:cNvSpPr/>
           <p:nvPr/>
         </p:nvSpPr>
         <p:spPr>
           <a:xfrm>
-            <a:off x="15472800" y="28779120"/>
-            <a:ext cx="11247120" cy="914400"/>
+            <a:off x="15472800" y="28707120"/>
+            <a:ext cx="11246760" cy="914040"/>
           </a:xfrm>
           <a:prstGeom prst="rect">
             <a:avLst/>
@@ -4504,10 +4922,20 @@
             <a:noFill/>
           </a:ln>
         </p:spPr>
+        <p:style>
+          <a:lnRef idx="0"/>
+          <a:fillRef idx="0"/>
+          <a:effectRef idx="0"/>
+          <a:fontRef idx="minor"/>
+        </p:style>
         <p:txBody>
           <a:bodyPr lIns="90000" rIns="90000" tIns="45000" bIns="45000"/>
           <a:p>
-            <a:pPr algn="just"/>
+            <a:pPr algn="just">
+              <a:lnSpc>
+                <a:spcPct val="100000"/>
+              </a:lnSpc>
+            </a:pPr>
             <a:r>
               <a:rPr b="0" lang="en-US" sz="3200" spc="-1" strike="noStrike">
                 <a:solidFill>
@@ -4515,31 +4943,10 @@
                 </a:solidFill>
                 <a:latin typeface="Arial Narrow"/>
               </a:rPr>
-              <a:t>Transcription factors and regulatory sites &gt; </a:t>
-            </a:r>
-            <a:r>
-              <a:rPr b="0" lang="en-US" sz="3200" spc="-1" strike="noStrike">
-                <a:solidFill>
-                  <a:srgbClr val="3465a4"/>
-                </a:solidFill>
-                <a:latin typeface="Arial Narrow"/>
-              </a:rPr>
-              <a:t>Functional, regulatory, and non-coding RNA &gt; </a:t>
-            </a:r>
-            <a:r>
-              <a:rPr b="0" lang="en-US" sz="3200" spc="-1" strike="noStrike">
-                <a:solidFill>
-                  <a:srgbClr val="3465a4"/>
-                </a:solidFill>
-                <a:latin typeface="Arial Narrow"/>
-              </a:rPr>
-              <a:t>RNA</a:t>
+              <a:t>Transcription factors and regulatory sites &gt; Functional, regulatory, and non-coding RNA &gt; RNA</a:t>
             </a:r>
             <a:endParaRPr b="0" lang="en-US" sz="3200" spc="-1" strike="noStrike">
-              <a:solidFill>
-                <a:srgbClr val="3465a4"/>
-              </a:solidFill>
-              <a:latin typeface="Arial Narrow"/>
+              <a:latin typeface="Arial"/>
             </a:endParaRPr>
           </a:p>
         </p:txBody>
@@ -4556,8 +4963,8 @@
         </p:blipFill>
         <p:spPr>
           <a:xfrm>
-            <a:off x="15500160" y="29721600"/>
-            <a:ext cx="12535920" cy="3494160"/>
+            <a:off x="15500160" y="29829600"/>
+            <a:ext cx="12535560" cy="3493800"/>
           </a:xfrm>
           <a:prstGeom prst="rect">
             <a:avLst/>
@@ -4569,14 +4976,14 @@
       </p:pic>
       <p:sp>
         <p:nvSpPr>
-          <p:cNvPr id="77" name="TextShape 25"/>
-          <p:cNvSpPr txBox="1"/>
+          <p:cNvPr id="77" name="CustomShape 25"/>
+          <p:cNvSpPr/>
           <p:nvPr/>
         </p:nvSpPr>
         <p:spPr>
           <a:xfrm>
             <a:off x="15472800" y="26943120"/>
-            <a:ext cx="11247120" cy="471240"/>
+            <a:ext cx="11246760" cy="470880"/>
           </a:xfrm>
           <a:prstGeom prst="rect">
             <a:avLst/>
@@ -4586,10 +4993,20 @@
             <a:noFill/>
           </a:ln>
         </p:spPr>
+        <p:style>
+          <a:lnRef idx="0"/>
+          <a:fillRef idx="0"/>
+          <a:effectRef idx="0"/>
+          <a:fontRef idx="minor"/>
+        </p:style>
         <p:txBody>
           <a:bodyPr lIns="90000" rIns="90000" tIns="45000" bIns="45000"/>
           <a:p>
-            <a:pPr algn="just"/>
+            <a:pPr algn="just">
+              <a:lnSpc>
+                <a:spcPct val="100000"/>
+              </a:lnSpc>
+            </a:pPr>
             <a:r>
               <a:rPr b="0" lang="en-US" sz="3200" spc="-1" strike="noStrike">
                 <a:solidFill>
@@ -4600,10 +5017,7 @@
               <a:t>Bioinformatics</a:t>
             </a:r>
             <a:endParaRPr b="0" lang="en-US" sz="3200" spc="-1" strike="noStrike">
-              <a:solidFill>
-                <a:srgbClr val="3465a4"/>
-              </a:solidFill>
-              <a:latin typeface="Arial Narrow"/>
+              <a:latin typeface="Arial"/>
             </a:endParaRPr>
           </a:p>
         </p:txBody>
@@ -4620,8 +5034,31 @@
         </p:blipFill>
         <p:spPr>
           <a:xfrm>
-            <a:off x="15497280" y="27516240"/>
-            <a:ext cx="12538800" cy="759600"/>
+            <a:off x="15497280" y="27624240"/>
+            <a:ext cx="12538440" cy="759240"/>
+          </a:xfrm>
+          <a:prstGeom prst="rect">
+            <a:avLst/>
+          </a:prstGeom>
+          <a:ln>
+            <a:noFill/>
+          </a:ln>
+        </p:spPr>
+      </p:pic>
+      <p:pic>
+        <p:nvPicPr>
+          <p:cNvPr id="79" name="" descr=""/>
+          <p:cNvPicPr/>
+          <p:nvPr/>
+        </p:nvPicPr>
+        <p:blipFill>
+          <a:blip r:embed="rId14"/>
+          <a:stretch/>
+        </p:blipFill>
+        <p:spPr>
+          <a:xfrm>
+            <a:off x="18273600" y="39694680"/>
+            <a:ext cx="4480560" cy="1179000"/>
           </a:xfrm>
           <a:prstGeom prst="rect">
             <a:avLst/>

--- a/2017-11-23__rostock__forschungscamp/poster.pptx
+++ b/2017-11-23__rostock__forschungscamp/poster.pptx
@@ -1377,7 +1377,7 @@
         <p:spPr>
           <a:xfrm>
             <a:off x="2145240" y="39298320"/>
-            <a:ext cx="26026920" cy="3480120"/>
+            <a:ext cx="26026560" cy="3479760"/>
           </a:xfrm>
           <a:prstGeom prst="rect">
             <a:avLst/>
@@ -1408,7 +1408,7 @@
         <p:spPr>
           <a:xfrm>
             <a:off x="2146320" y="6102720"/>
-            <a:ext cx="26025840" cy="33177600"/>
+            <a:ext cx="26025480" cy="33177240"/>
           </a:xfrm>
           <a:custGeom>
             <a:avLst/>
@@ -1656,7 +1656,7 @@
         <p:spPr>
           <a:xfrm>
             <a:off x="2155680" y="1386000"/>
-            <a:ext cx="15971760" cy="3275640"/>
+            <a:ext cx="15971400" cy="3275280"/>
           </a:xfrm>
           <a:prstGeom prst="rect">
             <a:avLst/>
@@ -1693,7 +1693,13 @@
               <a:rPr b="0" lang="en-US" sz="4400" spc="-1" strike="noStrike">
                 <a:latin typeface="Arial"/>
               </a:rPr>
-              <a:t>Click to edit the title text format</a:t>
+              <a:t>Click to edit the title text </a:t>
+            </a:r>
+            <a:r>
+              <a:rPr b="0" lang="en-US" sz="4400" spc="-1" strike="noStrike">
+                <a:latin typeface="Arial"/>
+              </a:rPr>
+              <a:t>format</a:t>
             </a:r>
             <a:endParaRPr b="0" lang="en-US" sz="4400" spc="-1" strike="noStrike">
               <a:latin typeface="Arial"/>
@@ -1926,7 +1932,7 @@
         <p:spPr>
           <a:xfrm>
             <a:off x="18165600" y="39518640"/>
-            <a:ext cx="9902520" cy="1538280"/>
+            <a:ext cx="9902160" cy="1537920"/>
           </a:xfrm>
           <a:prstGeom prst="rect">
             <a:avLst/>
@@ -1947,39 +1953,16 @@
           <a:fontRef idx="minor"/>
         </p:style>
       </p:sp>
-      <p:pic>
-        <p:nvPicPr>
-          <p:cNvPr id="42" name="Bild 4" descr=""/>
-          <p:cNvPicPr/>
-          <p:nvPr/>
-        </p:nvPicPr>
-        <p:blipFill>
-          <a:blip r:embed="rId1"/>
-          <a:stretch/>
-        </p:blipFill>
-        <p:spPr>
-          <a:xfrm rot="10795200">
-            <a:off x="2250360" y="41292000"/>
-            <a:ext cx="25856640" cy="1509120"/>
-          </a:xfrm>
-          <a:prstGeom prst="rect">
-            <a:avLst/>
-          </a:prstGeom>
-          <a:ln>
-            <a:noFill/>
-          </a:ln>
-        </p:spPr>
-      </p:pic>
-      <p:sp>
-        <p:nvSpPr>
-          <p:cNvPr id="43" name="CustomShape 2"/>
+      <p:sp>
+        <p:nvSpPr>
+          <p:cNvPr id="42" name="CustomShape 2"/>
           <p:cNvSpPr/>
           <p:nvPr/>
         </p:nvSpPr>
         <p:spPr>
           <a:xfrm>
             <a:off x="2934720" y="6606720"/>
-            <a:ext cx="24118920" cy="2051280"/>
+            <a:ext cx="24118560" cy="2050920"/>
           </a:xfrm>
           <a:prstGeom prst="rect">
             <a:avLst/>
@@ -2021,14 +2004,14 @@
       </p:sp>
       <p:sp>
         <p:nvSpPr>
-          <p:cNvPr id="44" name="CustomShape 3"/>
+          <p:cNvPr id="43" name="CustomShape 3"/>
           <p:cNvSpPr/>
           <p:nvPr/>
         </p:nvSpPr>
         <p:spPr>
           <a:xfrm>
             <a:off x="2928960" y="10063080"/>
-            <a:ext cx="11795400" cy="28981440"/>
+            <a:ext cx="11795040" cy="28981080"/>
           </a:xfrm>
           <a:prstGeom prst="rect">
             <a:avLst/>
@@ -2155,7 +2138,7 @@
             </a:endParaRPr>
           </a:p>
           <a:p>
-            <a:pPr marL="895320" indent="-894240" algn="just">
+            <a:pPr marL="895320" indent="-893880" algn="just">
               <a:lnSpc>
                 <a:spcPct val="100000"/>
               </a:lnSpc>
@@ -2183,7 +2166,7 @@
             </a:endParaRPr>
           </a:p>
           <a:p>
-            <a:pPr marL="895320" indent="-894240" algn="just">
+            <a:pPr marL="895320" indent="-893880" algn="just">
               <a:lnSpc>
                 <a:spcPct val="100000"/>
               </a:lnSpc>
@@ -2211,7 +2194,7 @@
             </a:endParaRPr>
           </a:p>
           <a:p>
-            <a:pPr marL="895320" indent="-894240" algn="just">
+            <a:pPr marL="895320" indent="-893880" algn="just">
               <a:lnSpc>
                 <a:spcPct val="100000"/>
               </a:lnSpc>
@@ -2239,7 +2222,7 @@
             </a:endParaRPr>
           </a:p>
           <a:p>
-            <a:pPr marL="895320" indent="-894240" algn="just">
+            <a:pPr marL="895320" indent="-893880" algn="just">
               <a:lnSpc>
                 <a:spcPct val="100000"/>
               </a:lnSpc>
@@ -2267,7 +2250,7 @@
             </a:endParaRPr>
           </a:p>
           <a:p>
-            <a:pPr marL="895320" indent="-894240" algn="just">
+            <a:pPr marL="895320" indent="-893880" algn="just">
               <a:lnSpc>
                 <a:spcPct val="100000"/>
               </a:lnSpc>
@@ -2329,6 +2312,19 @@
                 <a:spcPts val="879"/>
               </a:spcBef>
             </a:pPr>
+            <a:endParaRPr b="0" lang="en-US" sz="4400" spc="-1" strike="noStrike">
+              <a:latin typeface="Arial"/>
+            </a:endParaRPr>
+          </a:p>
+          <a:p>
+            <a:pPr algn="just">
+              <a:lnSpc>
+                <a:spcPct val="100000"/>
+              </a:lnSpc>
+              <a:spcBef>
+                <a:spcPts val="879"/>
+              </a:spcBef>
+            </a:pPr>
             <a:r>
               <a:rPr b="1" lang="en-US" sz="5400" spc="-1" strike="noStrike">
                 <a:solidFill>
@@ -2360,14 +2356,14 @@
       </p:sp>
       <p:sp>
         <p:nvSpPr>
-          <p:cNvPr id="45" name="CustomShape 4"/>
+          <p:cNvPr id="44" name="CustomShape 4"/>
           <p:cNvSpPr/>
           <p:nvPr/>
         </p:nvSpPr>
         <p:spPr>
           <a:xfrm>
             <a:off x="16796880" y="41583240"/>
-            <a:ext cx="11295000" cy="844560"/>
+            <a:ext cx="11294640" cy="844200"/>
           </a:xfrm>
           <a:prstGeom prst="rect">
             <a:avLst/>
@@ -2409,14 +2405,14 @@
       </p:sp>
       <p:sp>
         <p:nvSpPr>
-          <p:cNvPr id="46" name="CustomShape 5"/>
+          <p:cNvPr id="45" name="CustomShape 5"/>
           <p:cNvSpPr/>
           <p:nvPr/>
         </p:nvSpPr>
         <p:spPr>
           <a:xfrm>
             <a:off x="2934720" y="8298720"/>
-            <a:ext cx="24118920" cy="1582920"/>
+            <a:ext cx="24118560" cy="1582560"/>
           </a:xfrm>
           <a:prstGeom prst="rect">
             <a:avLst/>
@@ -2559,14 +2555,14 @@
       </p:sp>
       <p:sp>
         <p:nvSpPr>
-          <p:cNvPr id="47" name="CustomShape 6"/>
+          <p:cNvPr id="46" name="CustomShape 6"/>
           <p:cNvSpPr/>
           <p:nvPr/>
         </p:nvSpPr>
         <p:spPr>
           <a:xfrm>
             <a:off x="18920520" y="1602000"/>
-            <a:ext cx="9252000" cy="2915280"/>
+            <a:ext cx="9251640" cy="2914920"/>
           </a:xfrm>
           <a:prstGeom prst="rect">
             <a:avLst/>
@@ -2585,14 +2581,14 @@
       </p:sp>
       <p:sp>
         <p:nvSpPr>
-          <p:cNvPr id="48" name="CustomShape 7"/>
+          <p:cNvPr id="47" name="CustomShape 7"/>
           <p:cNvSpPr/>
           <p:nvPr/>
         </p:nvSpPr>
         <p:spPr>
           <a:xfrm>
             <a:off x="155520" y="-144360"/>
-            <a:ext cx="303840" cy="303840"/>
+            <a:ext cx="303480" cy="303480"/>
           </a:xfrm>
           <a:prstGeom prst="rect">
             <a:avLst/>
@@ -2611,14 +2607,14 @@
       </p:sp>
       <p:sp>
         <p:nvSpPr>
-          <p:cNvPr id="49" name="CustomShape 8"/>
+          <p:cNvPr id="48" name="CustomShape 8"/>
           <p:cNvSpPr/>
           <p:nvPr/>
         </p:nvSpPr>
         <p:spPr>
           <a:xfrm>
             <a:off x="307800" y="7920"/>
-            <a:ext cx="303840" cy="303840"/>
+            <a:ext cx="303480" cy="303480"/>
           </a:xfrm>
           <a:prstGeom prst="rect">
             <a:avLst/>
@@ -2637,18 +2633,18 @@
       </p:sp>
       <p:pic>
         <p:nvPicPr>
-          <p:cNvPr id="50" name="" descr=""/>
+          <p:cNvPr id="49" name="" descr=""/>
           <p:cNvPicPr/>
           <p:nvPr/>
         </p:nvPicPr>
         <p:blipFill>
-          <a:blip r:embed="rId2"/>
+          <a:blip r:embed="rId1"/>
           <a:stretch/>
         </p:blipFill>
         <p:spPr>
           <a:xfrm>
             <a:off x="20684880" y="1828800"/>
-            <a:ext cx="7517520" cy="2688480"/>
+            <a:ext cx="7517160" cy="2688120"/>
           </a:xfrm>
           <a:prstGeom prst="rect">
             <a:avLst/>
@@ -2660,14 +2656,14 @@
       </p:pic>
       <p:sp>
         <p:nvSpPr>
-          <p:cNvPr id="51" name="CustomShape 9"/>
+          <p:cNvPr id="50" name="CustomShape 9"/>
           <p:cNvSpPr/>
           <p:nvPr/>
         </p:nvSpPr>
         <p:spPr>
           <a:xfrm>
             <a:off x="15475680" y="10077840"/>
-            <a:ext cx="11864520" cy="26029800"/>
+            <a:ext cx="11864160" cy="26029440"/>
           </a:xfrm>
           <a:prstGeom prst="rect">
             <a:avLst/>
@@ -3216,7 +3212,7 @@
             </a:endParaRPr>
           </a:p>
           <a:p>
-            <a:pPr>
+            <a:pPr algn="just">
               <a:lnSpc>
                 <a:spcPct val="100000"/>
               </a:lnSpc>
@@ -3229,7 +3225,20 @@
             </a:endParaRPr>
           </a:p>
           <a:p>
-            <a:pPr marL="895320" indent="-894240">
+            <a:pPr algn="just">
+              <a:lnSpc>
+                <a:spcPct val="100000"/>
+              </a:lnSpc>
+              <a:spcBef>
+                <a:spcPts val="879"/>
+              </a:spcBef>
+            </a:pPr>
+            <a:endParaRPr b="0" lang="en-US" sz="5400" spc="-1" strike="noStrike">
+              <a:latin typeface="Arial"/>
+            </a:endParaRPr>
+          </a:p>
+          <a:p>
+            <a:pPr marL="895320" indent="-893880">
               <a:lnSpc>
                 <a:spcPct val="100000"/>
               </a:lnSpc>
@@ -3257,7 +3266,7 @@
             </a:endParaRPr>
           </a:p>
           <a:p>
-            <a:pPr marL="895320" indent="-894240">
+            <a:pPr marL="895320" indent="-893880">
               <a:lnSpc>
                 <a:spcPct val="100000"/>
               </a:lnSpc>
@@ -3285,7 +3294,7 @@
             </a:endParaRPr>
           </a:p>
           <a:p>
-            <a:pPr marL="895320" indent="-894240">
+            <a:pPr marL="895320" indent="-893880">
               <a:lnSpc>
                 <a:spcPct val="100000"/>
               </a:lnSpc>
@@ -3313,7 +3322,7 @@
             </a:endParaRPr>
           </a:p>
           <a:p>
-            <a:pPr marL="895320" indent="-894240">
+            <a:pPr marL="895320" indent="-893880">
               <a:lnSpc>
                 <a:spcPct val="100000"/>
               </a:lnSpc>
@@ -3341,7 +3350,7 @@
             </a:endParaRPr>
           </a:p>
           <a:p>
-            <a:pPr marL="895320" indent="-894240">
+            <a:pPr marL="895320" indent="-893880">
               <a:lnSpc>
                 <a:spcPct val="100000"/>
               </a:lnSpc>
@@ -3369,7 +3378,7 @@
             </a:endParaRPr>
           </a:p>
           <a:p>
-            <a:pPr marL="895320" indent="-894240">
+            <a:pPr marL="895320" indent="-893880">
               <a:lnSpc>
                 <a:spcPct val="100000"/>
               </a:lnSpc>
@@ -3397,7 +3406,7 @@
             </a:endParaRPr>
           </a:p>
           <a:p>
-            <a:pPr marL="895320" indent="-894240">
+            <a:pPr marL="895320" indent="-893880">
               <a:lnSpc>
                 <a:spcPct val="100000"/>
               </a:lnSpc>
@@ -3425,18 +3434,13 @@
             </a:endParaRPr>
           </a:p>
           <a:p>
-            <a:pPr marL="895320" indent="-894240">
-              <a:lnSpc>
-                <a:spcPct val="100000"/>
-              </a:lnSpc>
-              <a:spcBef>
-                <a:spcPts val="879"/>
-              </a:spcBef>
-              <a:buClr>
-                <a:srgbClr val="000000"/>
-              </a:buClr>
-              <a:buFont typeface="Arial"/>
-              <a:buChar char="•"/>
+            <a:pPr>
+              <a:lnSpc>
+                <a:spcPct val="100000"/>
+              </a:lnSpc>
+              <a:spcBef>
+                <a:spcPts val="879"/>
+              </a:spcBef>
             </a:pPr>
             <a:endParaRPr b="0" lang="en-US" sz="600" spc="-1" strike="noStrike">
               <a:latin typeface="Arial"/>
@@ -3954,7 +3958,7 @@
             </a:endParaRPr>
           </a:p>
           <a:p>
-            <a:pPr marL="895320" indent="-894240">
+            <a:pPr marL="895320" indent="-893880">
               <a:lnSpc>
                 <a:spcPct val="100000"/>
               </a:lnSpc>
@@ -3982,34 +3986,6 @@
             </a:endParaRPr>
           </a:p>
           <a:p>
-            <a:pPr marL="895320" indent="-894240">
-              <a:lnSpc>
-                <a:spcPct val="100000"/>
-              </a:lnSpc>
-              <a:spcBef>
-                <a:spcPts val="879"/>
-              </a:spcBef>
-              <a:buClr>
-                <a:srgbClr val="000000"/>
-              </a:buClr>
-              <a:buFont typeface="Arial"/>
-              <a:buChar char="•"/>
-            </a:pPr>
-            <a:r>
-              <a:rPr b="0" lang="en-US" sz="600" spc="-1" strike="noStrike">
-                <a:solidFill>
-                  <a:srgbClr val="000000"/>
-                </a:solidFill>
-                <a:latin typeface="Arial Narrow"/>
-                <a:ea typeface="DejaVu Sans"/>
-              </a:rPr>
-              <a:t> </a:t>
-            </a:r>
-            <a:endParaRPr b="0" lang="en-US" sz="600" spc="-1" strike="noStrike">
-              <a:latin typeface="Arial"/>
-            </a:endParaRPr>
-          </a:p>
-          <a:p>
             <a:pPr algn="just">
               <a:lnSpc>
                 <a:spcPct val="100000"/>
@@ -4069,14 +4045,14 @@
       </p:sp>
       <p:sp>
         <p:nvSpPr>
-          <p:cNvPr id="52" name="CustomShape 10"/>
+          <p:cNvPr id="51" name="CustomShape 10"/>
           <p:cNvSpPr/>
           <p:nvPr/>
         </p:nvSpPr>
         <p:spPr>
           <a:xfrm>
             <a:off x="2959200" y="25387200"/>
-            <a:ext cx="7589160" cy="2834280"/>
+            <a:ext cx="7588800" cy="2833920"/>
           </a:xfrm>
           <a:prstGeom prst="rect">
             <a:avLst/>
@@ -4100,14 +4076,14 @@
       </p:sp>
       <p:sp>
         <p:nvSpPr>
-          <p:cNvPr id="53" name="CustomShape 11"/>
+          <p:cNvPr id="52" name="CustomShape 11"/>
           <p:cNvSpPr/>
           <p:nvPr/>
         </p:nvSpPr>
         <p:spPr>
           <a:xfrm>
             <a:off x="2959200" y="29239200"/>
-            <a:ext cx="7589160" cy="2834280"/>
+            <a:ext cx="7588800" cy="2833920"/>
           </a:xfrm>
           <a:prstGeom prst="rect">
             <a:avLst/>
@@ -4131,14 +4107,14 @@
       </p:sp>
       <p:sp>
         <p:nvSpPr>
-          <p:cNvPr id="54" name="CustomShape 12"/>
+          <p:cNvPr id="53" name="CustomShape 12"/>
           <p:cNvSpPr/>
           <p:nvPr/>
         </p:nvSpPr>
         <p:spPr>
           <a:xfrm>
-            <a:off x="2959200" y="33055200"/>
-            <a:ext cx="7589160" cy="2834280"/>
+            <a:off x="2959200" y="33091200"/>
+            <a:ext cx="7588800" cy="2833920"/>
           </a:xfrm>
           <a:prstGeom prst="rect">
             <a:avLst/>
@@ -4162,14 +4138,14 @@
       </p:sp>
       <p:sp>
         <p:nvSpPr>
-          <p:cNvPr id="55" name="CustomShape 13"/>
+          <p:cNvPr id="54" name="CustomShape 13"/>
           <p:cNvSpPr/>
           <p:nvPr/>
         </p:nvSpPr>
         <p:spPr>
           <a:xfrm>
             <a:off x="3144960" y="26004960"/>
-            <a:ext cx="7292520" cy="1498680"/>
+            <a:ext cx="7292160" cy="1498320"/>
           </a:xfrm>
           <a:prstGeom prst="rect">
             <a:avLst/>
@@ -4201,7 +4177,11 @@
             </a:pPr>
             <a:r>
               <a:rPr b="0" lang="en-US" sz="4400" spc="-1" strike="noStrike">
+                <a:solidFill>
+                  <a:srgbClr val="000000"/>
+                </a:solidFill>
                 <a:latin typeface="Arial Narrow"/>
+                <a:ea typeface="DejaVu Sans"/>
               </a:rPr>
               <a:t>Tool chaining and parametrization  through Galaxy’s interactive tours</a:t>
             </a:r>
@@ -4213,14 +4193,14 @@
       </p:sp>
       <p:sp>
         <p:nvSpPr>
-          <p:cNvPr id="56" name="CustomShape 14"/>
+          <p:cNvPr id="55" name="CustomShape 14"/>
           <p:cNvSpPr/>
           <p:nvPr/>
         </p:nvSpPr>
         <p:spPr>
           <a:xfrm>
             <a:off x="3147840" y="29856960"/>
-            <a:ext cx="7289640" cy="1216800"/>
+            <a:ext cx="7289280" cy="1216440"/>
           </a:xfrm>
           <a:prstGeom prst="rect">
             <a:avLst/>
@@ -4246,7 +4226,11 @@
             </a:pPr>
             <a:r>
               <a:rPr b="0" lang="en-US" sz="4400" spc="-1" strike="noStrike">
+                <a:solidFill>
+                  <a:srgbClr val="000000"/>
+                </a:solidFill>
                 <a:latin typeface="Arial Narrow"/>
+                <a:ea typeface="DejaVu Sans"/>
               </a:rPr>
               <a:t>Tool operations and input / output formats through Elixir’s bio.tools</a:t>
             </a:r>
@@ -4258,14 +4242,14 @@
       </p:sp>
       <p:sp>
         <p:nvSpPr>
-          <p:cNvPr id="57" name="CustomShape 15"/>
+          <p:cNvPr id="56" name="CustomShape 15"/>
           <p:cNvSpPr/>
           <p:nvPr/>
         </p:nvSpPr>
         <p:spPr>
           <a:xfrm>
             <a:off x="3142080" y="33675120"/>
-            <a:ext cx="7223400" cy="1645560"/>
+            <a:ext cx="7223040" cy="1645200"/>
           </a:xfrm>
           <a:prstGeom prst="rect">
             <a:avLst/>
@@ -4291,7 +4275,11 @@
             </a:pPr>
             <a:r>
               <a:rPr b="0" lang="en-US" sz="4400" spc="-1" strike="noStrike">
+                <a:solidFill>
+                  <a:srgbClr val="000000"/>
+                </a:solidFill>
                 <a:latin typeface="Arial Narrow"/>
+                <a:ea typeface="DejaVu Sans"/>
               </a:rPr>
               <a:t>Best practices and user-tracked data of RBC’s Galaxy instance</a:t>
             </a:r>
@@ -4303,18 +4291,18 @@
       </p:sp>
       <p:pic>
         <p:nvPicPr>
-          <p:cNvPr id="58" name="" descr=""/>
+          <p:cNvPr id="57" name="" descr=""/>
           <p:cNvPicPr/>
           <p:nvPr/>
         </p:nvPicPr>
         <p:blipFill>
-          <a:blip r:embed="rId3"/>
+          <a:blip r:embed="rId2"/>
           <a:stretch/>
         </p:blipFill>
         <p:spPr>
           <a:xfrm>
             <a:off x="2250000" y="39322080"/>
-            <a:ext cx="9401400" cy="1946160"/>
+            <a:ext cx="9401040" cy="1945800"/>
           </a:xfrm>
           <a:prstGeom prst="rect">
             <a:avLst/>
@@ -4326,14 +4314,14 @@
       </p:pic>
       <p:sp>
         <p:nvSpPr>
-          <p:cNvPr id="59" name="CustomShape 16"/>
+          <p:cNvPr id="58" name="CustomShape 16"/>
           <p:cNvSpPr/>
           <p:nvPr/>
         </p:nvSpPr>
         <p:spPr>
           <a:xfrm>
-            <a:off x="11693880" y="39214080"/>
-            <a:ext cx="6267600" cy="1995840"/>
+            <a:off x="11693880" y="39250080"/>
+            <a:ext cx="6267240" cy="1995480"/>
           </a:xfrm>
           <a:prstGeom prst="rect">
             <a:avLst/>
@@ -4363,6 +4351,7 @@
                   <a:srgbClr val="ffffff"/>
                 </a:solidFill>
                 <a:latin typeface="Arial Narrow"/>
+                <a:ea typeface="DejaVu Sans"/>
               </a:rPr>
               <a:t>Systems Biology and Bioinformatics</a:t>
             </a:r>
@@ -4382,6 +4371,7 @@
                   <a:srgbClr val="ffffff"/>
                 </a:solidFill>
                 <a:latin typeface="Arial Narrow"/>
+                <a:ea typeface="DejaVu Sans"/>
               </a:rPr>
               <a:t>University of Rostock</a:t>
             </a:r>
@@ -4401,6 +4391,7 @@
                   <a:srgbClr val="ffffff"/>
                 </a:solidFill>
                 <a:latin typeface="Arial Narrow"/>
+                <a:ea typeface="DejaVu Sans"/>
               </a:rPr>
               <a:t>Ulmenstr. 69, 18051 Rostock</a:t>
             </a:r>
@@ -4420,6 +4411,7 @@
                   <a:srgbClr val="ffffff"/>
                 </a:solidFill>
                 <a:latin typeface="Arial Narrow"/>
+                <a:ea typeface="DejaVu Sans"/>
               </a:rPr>
               <a:t>www.sbi.uni-rostock.de</a:t>
             </a:r>
@@ -4429,6 +4421,29 @@
           </a:p>
         </p:txBody>
       </p:sp>
+      <p:pic>
+        <p:nvPicPr>
+          <p:cNvPr id="59" name="" descr=""/>
+          <p:cNvPicPr/>
+          <p:nvPr/>
+        </p:nvPicPr>
+        <p:blipFill>
+          <a:blip r:embed="rId3"/>
+          <a:stretch/>
+        </p:blipFill>
+        <p:spPr>
+          <a:xfrm>
+            <a:off x="11590560" y="29286000"/>
+            <a:ext cx="1806840" cy="1792080"/>
+          </a:xfrm>
+          <a:prstGeom prst="rect">
+            <a:avLst/>
+          </a:prstGeom>
+          <a:ln>
+            <a:noFill/>
+          </a:ln>
+        </p:spPr>
+      </p:pic>
       <p:pic>
         <p:nvPicPr>
           <p:cNvPr id="60" name="" descr=""/>
@@ -4441,8 +4456,8 @@
         </p:blipFill>
         <p:spPr>
           <a:xfrm>
-            <a:off x="11590560" y="29286000"/>
-            <a:ext cx="1807200" cy="1792440"/>
+            <a:off x="11532240" y="25394760"/>
+            <a:ext cx="1980360" cy="2003400"/>
           </a:xfrm>
           <a:prstGeom prst="rect">
             <a:avLst/>
@@ -4464,8 +4479,8 @@
         </p:blipFill>
         <p:spPr>
           <a:xfrm>
-            <a:off x="11532240" y="25394760"/>
-            <a:ext cx="1980720" cy="2003760"/>
+            <a:off x="11486160" y="33040800"/>
+            <a:ext cx="2129040" cy="3010320"/>
           </a:xfrm>
           <a:prstGeom prst="rect">
             <a:avLst/>
@@ -4475,39 +4490,16 @@
           </a:ln>
         </p:spPr>
       </p:pic>
-      <p:pic>
-        <p:nvPicPr>
-          <p:cNvPr id="62" name="" descr=""/>
-          <p:cNvPicPr/>
-          <p:nvPr/>
-        </p:nvPicPr>
-        <p:blipFill>
-          <a:blip r:embed="rId6"/>
-          <a:stretch/>
-        </p:blipFill>
-        <p:spPr>
-          <a:xfrm>
-            <a:off x="11486160" y="33040800"/>
-            <a:ext cx="2129400" cy="3010680"/>
-          </a:xfrm>
-          <a:prstGeom prst="rect">
-            <a:avLst/>
-          </a:prstGeom>
-          <a:ln>
-            <a:noFill/>
-          </a:ln>
-        </p:spPr>
-      </p:pic>
-      <p:sp>
-        <p:nvSpPr>
-          <p:cNvPr id="63" name="CustomShape 17"/>
+      <p:sp>
+        <p:nvSpPr>
+          <p:cNvPr id="62" name="CustomShape 17"/>
           <p:cNvSpPr/>
           <p:nvPr/>
         </p:nvSpPr>
         <p:spPr>
           <a:xfrm>
             <a:off x="11493360" y="35415360"/>
-            <a:ext cx="2285640" cy="639720"/>
+            <a:ext cx="2285280" cy="639360"/>
           </a:xfrm>
           <a:prstGeom prst="rect">
             <a:avLst/>
@@ -4537,6 +4529,7 @@
                   <a:srgbClr val="3465a4"/>
                 </a:solidFill>
                 <a:latin typeface="Arial Narrow"/>
+                <a:ea typeface="DejaVu Sans"/>
               </a:rPr>
               <a:t>denbi.de/rbc</a:t>
             </a:r>
@@ -4548,14 +4541,14 @@
       </p:sp>
       <p:sp>
         <p:nvSpPr>
-          <p:cNvPr id="64" name="CustomShape 18"/>
+          <p:cNvPr id="63" name="CustomShape 18"/>
           <p:cNvSpPr/>
           <p:nvPr/>
         </p:nvSpPr>
         <p:spPr>
           <a:xfrm>
             <a:off x="11493360" y="31635360"/>
-            <a:ext cx="3108600" cy="851760"/>
+            <a:ext cx="3108240" cy="851400"/>
           </a:xfrm>
           <a:prstGeom prst="rect">
             <a:avLst/>
@@ -4585,6 +4578,7 @@
                   <a:srgbClr val="3465a4"/>
                 </a:solidFill>
                 <a:latin typeface="Arial Narrow"/>
+                <a:ea typeface="DejaVu Sans"/>
               </a:rPr>
               <a:t>edamontology.org</a:t>
             </a:r>
@@ -4596,14 +4590,14 @@
       </p:sp>
       <p:sp>
         <p:nvSpPr>
-          <p:cNvPr id="65" name="CustomShape 19"/>
+          <p:cNvPr id="64" name="CustomShape 19"/>
           <p:cNvSpPr/>
           <p:nvPr/>
         </p:nvSpPr>
         <p:spPr>
           <a:xfrm>
             <a:off x="11493360" y="27783720"/>
-            <a:ext cx="3108600" cy="851760"/>
+            <a:ext cx="3108240" cy="851400"/>
           </a:xfrm>
           <a:prstGeom prst="rect">
             <a:avLst/>
@@ -4633,6 +4627,7 @@
                   <a:srgbClr val="3465a4"/>
                 </a:solidFill>
                 <a:latin typeface="Arial Narrow"/>
+                <a:ea typeface="DejaVu Sans"/>
               </a:rPr>
               <a:t>galaxyproject.org</a:t>
             </a:r>
@@ -4644,18 +4639,18 @@
       </p:sp>
       <p:pic>
         <p:nvPicPr>
-          <p:cNvPr id="66" name="" descr=""/>
+          <p:cNvPr id="65" name="" descr=""/>
           <p:cNvPicPr/>
           <p:nvPr/>
         </p:nvPicPr>
         <p:blipFill>
-          <a:blip r:embed="rId7"/>
+          <a:blip r:embed="rId6"/>
           <a:stretch/>
         </p:blipFill>
         <p:spPr>
           <a:xfrm>
-            <a:off x="3096360" y="36995760"/>
-            <a:ext cx="1671120" cy="1671120"/>
+            <a:off x="3096360" y="37031760"/>
+            <a:ext cx="1670760" cy="1670760"/>
           </a:xfrm>
           <a:prstGeom prst="rect">
             <a:avLst/>
@@ -4667,14 +4662,14 @@
       </p:pic>
       <p:sp>
         <p:nvSpPr>
-          <p:cNvPr id="67" name="CustomShape 20"/>
+          <p:cNvPr id="66" name="CustomShape 20"/>
           <p:cNvSpPr/>
           <p:nvPr/>
         </p:nvSpPr>
         <p:spPr>
           <a:xfrm>
-            <a:off x="5069520" y="37329840"/>
-            <a:ext cx="2906640" cy="614160"/>
+            <a:off x="5069520" y="37293840"/>
+            <a:ext cx="2906280" cy="613800"/>
           </a:xfrm>
           <a:prstGeom prst="rect">
             <a:avLst/>
@@ -4700,7 +4695,11 @@
             </a:pPr>
             <a:r>
               <a:rPr b="1" lang="en-US" sz="4400" spc="-1" strike="noStrike">
+                <a:solidFill>
+                  <a:srgbClr val="000000"/>
+                </a:solidFill>
                 <a:latin typeface="Arial Narrow"/>
+                <a:ea typeface="DejaVu Sans"/>
               </a:rPr>
               <a:t>destairdenbi</a:t>
             </a:r>
@@ -4712,14 +4711,14 @@
       </p:sp>
       <p:sp>
         <p:nvSpPr>
-          <p:cNvPr id="68" name="CustomShape 21"/>
+          <p:cNvPr id="67" name="CustomShape 21"/>
           <p:cNvSpPr/>
           <p:nvPr/>
         </p:nvSpPr>
         <p:spPr>
           <a:xfrm>
-            <a:off x="5069880" y="37942200"/>
-            <a:ext cx="4124520" cy="470880"/>
+            <a:off x="5069880" y="37906200"/>
+            <a:ext cx="4124160" cy="470520"/>
           </a:xfrm>
           <a:prstGeom prst="rect">
             <a:avLst/>
@@ -4745,7 +4744,11 @@
             </a:pPr>
             <a:r>
               <a:rPr b="0" lang="en-US" sz="3200" spc="-1" strike="noStrike">
+                <a:solidFill>
+                  <a:srgbClr val="000000"/>
+                </a:solidFill>
                 <a:latin typeface="Arial Narrow"/>
+                <a:ea typeface="DejaVu Sans"/>
               </a:rPr>
               <a:t>destair.bioinf.uni-leipzig.de</a:t>
             </a:r>
@@ -4755,6 +4758,29 @@
           </a:p>
         </p:txBody>
       </p:sp>
+      <p:pic>
+        <p:nvPicPr>
+          <p:cNvPr id="68" name="" descr=""/>
+          <p:cNvPicPr/>
+          <p:nvPr/>
+        </p:nvPicPr>
+        <p:blipFill>
+          <a:blip r:embed="rId7"/>
+          <a:stretch/>
+        </p:blipFill>
+        <p:spPr>
+          <a:xfrm>
+            <a:off x="9047880" y="36021600"/>
+            <a:ext cx="5563800" cy="3931200"/>
+          </a:xfrm>
+          <a:prstGeom prst="rect">
+            <a:avLst/>
+          </a:prstGeom>
+          <a:ln>
+            <a:noFill/>
+          </a:ln>
+        </p:spPr>
+      </p:pic>
       <p:pic>
         <p:nvPicPr>
           <p:cNvPr id="69" name="" descr=""/>
@@ -4767,8 +4793,8 @@
         </p:blipFill>
         <p:spPr>
           <a:xfrm>
-            <a:off x="9047880" y="36021600"/>
-            <a:ext cx="5564160" cy="3931560"/>
+            <a:off x="26052480" y="39539520"/>
+            <a:ext cx="1944360" cy="1453320"/>
           </a:xfrm>
           <a:prstGeom prst="rect">
             <a:avLst/>
@@ -4790,8 +4816,8 @@
         </p:blipFill>
         <p:spPr>
           <a:xfrm>
-            <a:off x="26052480" y="39539520"/>
-            <a:ext cx="1944720" cy="1453680"/>
+            <a:off x="22956480" y="39518640"/>
+            <a:ext cx="2981160" cy="1537920"/>
           </a:xfrm>
           <a:prstGeom prst="rect">
             <a:avLst/>
@@ -4813,8 +4839,8 @@
         </p:blipFill>
         <p:spPr>
           <a:xfrm>
-            <a:off x="22956480" y="39518640"/>
-            <a:ext cx="2981520" cy="1538280"/>
+            <a:off x="15257160" y="11244600"/>
+            <a:ext cx="12715200" cy="7849080"/>
           </a:xfrm>
           <a:prstGeom prst="rect">
             <a:avLst/>
@@ -4824,38 +4850,15 @@
           </a:ln>
         </p:spPr>
       </p:pic>
-      <p:pic>
-        <p:nvPicPr>
-          <p:cNvPr id="72" name="" descr=""/>
-          <p:cNvPicPr/>
-          <p:nvPr/>
-        </p:nvPicPr>
-        <p:blipFill>
-          <a:blip r:embed="rId11"/>
-          <a:stretch/>
-        </p:blipFill>
-        <p:spPr>
-          <a:xfrm>
-            <a:off x="15257160" y="11244600"/>
-            <a:ext cx="12715560" cy="7849440"/>
-          </a:xfrm>
-          <a:prstGeom prst="rect">
-            <a:avLst/>
-          </a:prstGeom>
-          <a:ln>
-            <a:noFill/>
-          </a:ln>
-        </p:spPr>
-      </p:pic>
-      <p:sp>
-        <p:nvSpPr>
-          <p:cNvPr id="73" name="Line 22"/>
+      <p:sp>
+        <p:nvSpPr>
+          <p:cNvPr id="72" name="Line 22"/>
           <p:cNvSpPr/>
           <p:nvPr/>
         </p:nvSpPr>
         <p:spPr>
           <a:xfrm>
-            <a:off x="6858000" y="28221840"/>
+            <a:off x="6750000" y="28221840"/>
             <a:ext cx="360" cy="1017360"/>
           </a:xfrm>
           <a:prstGeom prst="line">
@@ -4877,13 +4880,13 @@
       </p:sp>
       <p:sp>
         <p:nvSpPr>
-          <p:cNvPr id="74" name="Line 23"/>
+          <p:cNvPr id="73" name="Line 23"/>
           <p:cNvSpPr/>
           <p:nvPr/>
         </p:nvSpPr>
         <p:spPr>
           <a:xfrm>
-            <a:off x="6858000" y="32069160"/>
+            <a:off x="6750000" y="32069160"/>
             <a:ext cx="360" cy="1017360"/>
           </a:xfrm>
           <a:prstGeom prst="line">
@@ -4905,14 +4908,14 @@
       </p:sp>
       <p:sp>
         <p:nvSpPr>
-          <p:cNvPr id="75" name="CustomShape 24"/>
+          <p:cNvPr id="74" name="CustomShape 24"/>
           <p:cNvSpPr/>
           <p:nvPr/>
         </p:nvSpPr>
         <p:spPr>
           <a:xfrm>
-            <a:off x="15472800" y="28707120"/>
-            <a:ext cx="11246760" cy="914040"/>
+            <a:off x="15472800" y="28923120"/>
+            <a:ext cx="11246400" cy="913680"/>
           </a:xfrm>
           <a:prstGeom prst="rect">
             <a:avLst/>
@@ -4942,6 +4945,7 @@
                   <a:srgbClr val="3465a4"/>
                 </a:solidFill>
                 <a:latin typeface="Arial Narrow"/>
+                <a:ea typeface="DejaVu Sans"/>
               </a:rPr>
               <a:t>Transcription factors and regulatory sites &gt; Functional, regulatory, and non-coding RNA &gt; RNA</a:t>
             </a:r>
@@ -4953,18 +4957,18 @@
       </p:sp>
       <p:pic>
         <p:nvPicPr>
-          <p:cNvPr id="76" name="" descr=""/>
+          <p:cNvPr id="75" name="" descr=""/>
           <p:cNvPicPr/>
           <p:nvPr/>
         </p:nvPicPr>
         <p:blipFill>
-          <a:blip r:embed="rId12"/>
+          <a:blip r:embed="rId11"/>
           <a:stretch/>
         </p:blipFill>
         <p:spPr>
           <a:xfrm>
-            <a:off x="15500160" y="29829600"/>
-            <a:ext cx="12535560" cy="3493800"/>
+            <a:off x="15500160" y="30153600"/>
+            <a:ext cx="12535200" cy="3493440"/>
           </a:xfrm>
           <a:prstGeom prst="rect">
             <a:avLst/>
@@ -4976,14 +4980,14 @@
       </p:pic>
       <p:sp>
         <p:nvSpPr>
-          <p:cNvPr id="77" name="CustomShape 25"/>
+          <p:cNvPr id="76" name="CustomShape 25"/>
           <p:cNvSpPr/>
           <p:nvPr/>
         </p:nvSpPr>
         <p:spPr>
           <a:xfrm>
-            <a:off x="15472800" y="26943120"/>
-            <a:ext cx="11246760" cy="470880"/>
+            <a:off x="15436800" y="27123120"/>
+            <a:ext cx="11246400" cy="470520"/>
           </a:xfrm>
           <a:prstGeom prst="rect">
             <a:avLst/>
@@ -5013,6 +5017,7 @@
                   <a:srgbClr val="3465a4"/>
                 </a:solidFill>
                 <a:latin typeface="Arial Narrow"/>
+                <a:ea typeface="DejaVu Sans"/>
               </a:rPr>
               <a:t>Bioinformatics</a:t>
             </a:r>
@@ -5022,6 +5027,29 @@
           </a:p>
         </p:txBody>
       </p:sp>
+      <p:pic>
+        <p:nvPicPr>
+          <p:cNvPr id="77" name="" descr=""/>
+          <p:cNvPicPr/>
+          <p:nvPr/>
+        </p:nvPicPr>
+        <p:blipFill>
+          <a:blip r:embed="rId12"/>
+          <a:stretch/>
+        </p:blipFill>
+        <p:spPr>
+          <a:xfrm>
+            <a:off x="15497280" y="27840240"/>
+            <a:ext cx="12538080" cy="758880"/>
+          </a:xfrm>
+          <a:prstGeom prst="rect">
+            <a:avLst/>
+          </a:prstGeom>
+          <a:ln>
+            <a:noFill/>
+          </a:ln>
+        </p:spPr>
+      </p:pic>
       <p:pic>
         <p:nvPicPr>
           <p:cNvPr id="78" name="" descr=""/>
@@ -5034,8 +5062,8 @@
         </p:blipFill>
         <p:spPr>
           <a:xfrm>
-            <a:off x="15497280" y="27624240"/>
-            <a:ext cx="12538440" cy="759240"/>
+            <a:off x="18273600" y="39694680"/>
+            <a:ext cx="4480200" cy="1178640"/>
           </a:xfrm>
           <a:prstGeom prst="rect">
             <a:avLst/>
@@ -5056,9 +5084,9 @@
           <a:stretch/>
         </p:blipFill>
         <p:spPr>
-          <a:xfrm>
-            <a:off x="18273600" y="39694680"/>
-            <a:ext cx="4480560" cy="1179000"/>
+          <a:xfrm rot="10800000">
+            <a:off x="28072080" y="42738480"/>
+            <a:ext cx="25835040" cy="1371600"/>
           </a:xfrm>
           <a:prstGeom prst="rect">
             <a:avLst/>

--- a/2017-11-23__rostock__forschungscamp/poster.pptx
+++ b/2017-11-23__rostock__forschungscamp/poster.pptx
@@ -1923,9 +1923,32 @@
           <a:chExt cx="0" cy="0"/>
         </a:xfrm>
       </p:grpSpPr>
-      <p:sp>
-        <p:nvSpPr>
-          <p:cNvPr id="41" name="CustomShape 1"/>
+      <p:pic>
+        <p:nvPicPr>
+          <p:cNvPr id="41" name="" descr=""/>
+          <p:cNvPicPr/>
+          <p:nvPr/>
+        </p:nvPicPr>
+        <p:blipFill>
+          <a:blip r:embed="rId1"/>
+          <a:stretch/>
+        </p:blipFill>
+        <p:spPr>
+          <a:xfrm rot="10800000">
+            <a:off x="28072080" y="42738480"/>
+            <a:ext cx="25835040" cy="1371600"/>
+          </a:xfrm>
+          <a:prstGeom prst="rect">
+            <a:avLst/>
+          </a:prstGeom>
+          <a:ln>
+            <a:noFill/>
+          </a:ln>
+        </p:spPr>
+      </p:pic>
+      <p:sp>
+        <p:nvSpPr>
+          <p:cNvPr id="42" name="CustomShape 1"/>
           <p:cNvSpPr/>
           <p:nvPr/>
         </p:nvSpPr>
@@ -1955,7 +1978,7 @@
       </p:sp>
       <p:sp>
         <p:nvSpPr>
-          <p:cNvPr id="42" name="CustomShape 2"/>
+          <p:cNvPr id="43" name="CustomShape 2"/>
           <p:cNvSpPr/>
           <p:nvPr/>
         </p:nvSpPr>
@@ -2004,7 +2027,7 @@
       </p:sp>
       <p:sp>
         <p:nvSpPr>
-          <p:cNvPr id="43" name="CustomShape 3"/>
+          <p:cNvPr id="44" name="CustomShape 3"/>
           <p:cNvSpPr/>
           <p:nvPr/>
         </p:nvSpPr>
@@ -2356,7 +2379,7 @@
       </p:sp>
       <p:sp>
         <p:nvSpPr>
-          <p:cNvPr id="44" name="CustomShape 4"/>
+          <p:cNvPr id="45" name="CustomShape 4"/>
           <p:cNvSpPr/>
           <p:nvPr/>
         </p:nvSpPr>
@@ -2405,7 +2428,7 @@
       </p:sp>
       <p:sp>
         <p:nvSpPr>
-          <p:cNvPr id="45" name="CustomShape 5"/>
+          <p:cNvPr id="46" name="CustomShape 5"/>
           <p:cNvSpPr/>
           <p:nvPr/>
         </p:nvSpPr>
@@ -2555,7 +2578,7 @@
       </p:sp>
       <p:sp>
         <p:nvSpPr>
-          <p:cNvPr id="46" name="CustomShape 6"/>
+          <p:cNvPr id="47" name="CustomShape 6"/>
           <p:cNvSpPr/>
           <p:nvPr/>
         </p:nvSpPr>
@@ -2581,7 +2604,7 @@
       </p:sp>
       <p:sp>
         <p:nvSpPr>
-          <p:cNvPr id="47" name="CustomShape 7"/>
+          <p:cNvPr id="48" name="CustomShape 7"/>
           <p:cNvSpPr/>
           <p:nvPr/>
         </p:nvSpPr>
@@ -2607,7 +2630,7 @@
       </p:sp>
       <p:sp>
         <p:nvSpPr>
-          <p:cNvPr id="48" name="CustomShape 8"/>
+          <p:cNvPr id="49" name="CustomShape 8"/>
           <p:cNvSpPr/>
           <p:nvPr/>
         </p:nvSpPr>
@@ -2633,12 +2656,12 @@
       </p:sp>
       <p:pic>
         <p:nvPicPr>
-          <p:cNvPr id="49" name="" descr=""/>
+          <p:cNvPr id="50" name="" descr=""/>
           <p:cNvPicPr/>
           <p:nvPr/>
         </p:nvPicPr>
         <p:blipFill>
-          <a:blip r:embed="rId1"/>
+          <a:blip r:embed="rId2"/>
           <a:stretch/>
         </p:blipFill>
         <p:spPr>
@@ -2656,7 +2679,7 @@
       </p:pic>
       <p:sp>
         <p:nvSpPr>
-          <p:cNvPr id="50" name="CustomShape 9"/>
+          <p:cNvPr id="51" name="CustomShape 9"/>
           <p:cNvSpPr/>
           <p:nvPr/>
         </p:nvSpPr>
@@ -3378,18 +3401,26 @@
             </a:endParaRPr>
           </a:p>
           <a:p>
-            <a:pPr marL="895320" indent="-893880">
-              <a:lnSpc>
-                <a:spcPct val="100000"/>
-              </a:lnSpc>
-              <a:spcBef>
-                <a:spcPts val="879"/>
-              </a:spcBef>
-              <a:buClr>
-                <a:srgbClr val="000000"/>
-              </a:buClr>
-              <a:buFont typeface="Arial"/>
-              <a:buChar char="•"/>
+            <a:pPr>
+              <a:lnSpc>
+                <a:spcPct val="100000"/>
+              </a:lnSpc>
+              <a:spcBef>
+                <a:spcPts val="879"/>
+              </a:spcBef>
+            </a:pPr>
+            <a:endParaRPr b="0" lang="en-US" sz="4400" spc="-1" strike="noStrike">
+              <a:latin typeface="Arial"/>
+            </a:endParaRPr>
+          </a:p>
+          <a:p>
+            <a:pPr>
+              <a:lnSpc>
+                <a:spcPct val="100000"/>
+              </a:lnSpc>
+              <a:spcBef>
+                <a:spcPts val="879"/>
+              </a:spcBef>
             </a:pPr>
             <a:r>
               <a:rPr b="0" lang="en-US" sz="600" spc="-1" strike="noStrike">
@@ -3406,34 +3437,6 @@
             </a:endParaRPr>
           </a:p>
           <a:p>
-            <a:pPr marL="895320" indent="-893880">
-              <a:lnSpc>
-                <a:spcPct val="100000"/>
-              </a:lnSpc>
-              <a:spcBef>
-                <a:spcPts val="879"/>
-              </a:spcBef>
-              <a:buClr>
-                <a:srgbClr val="000000"/>
-              </a:buClr>
-              <a:buFont typeface="Arial"/>
-              <a:buChar char="•"/>
-            </a:pPr>
-            <a:r>
-              <a:rPr b="0" lang="en-US" sz="600" spc="-1" strike="noStrike">
-                <a:solidFill>
-                  <a:srgbClr val="000000"/>
-                </a:solidFill>
-                <a:latin typeface="Arial Narrow"/>
-                <a:ea typeface="DejaVu Sans"/>
-              </a:rPr>
-              <a:t> </a:t>
-            </a:r>
-            <a:endParaRPr b="0" lang="en-US" sz="600" spc="-1" strike="noStrike">
-              <a:latin typeface="Arial"/>
-            </a:endParaRPr>
-          </a:p>
-          <a:p>
             <a:pPr>
               <a:lnSpc>
                 <a:spcPct val="100000"/>
@@ -3958,30 +3961,15 @@
             </a:endParaRPr>
           </a:p>
           <a:p>
-            <a:pPr marL="895320" indent="-893880">
-              <a:lnSpc>
-                <a:spcPct val="100000"/>
-              </a:lnSpc>
-              <a:spcBef>
-                <a:spcPts val="879"/>
-              </a:spcBef>
-              <a:buClr>
-                <a:srgbClr val="000000"/>
-              </a:buClr>
-              <a:buFont typeface="Arial"/>
-              <a:buChar char="•"/>
-            </a:pPr>
-            <a:r>
-              <a:rPr b="0" lang="en-US" sz="600" spc="-1" strike="noStrike">
-                <a:solidFill>
-                  <a:srgbClr val="000000"/>
-                </a:solidFill>
-                <a:latin typeface="Arial Narrow"/>
-                <a:ea typeface="DejaVu Sans"/>
-              </a:rPr>
-              <a:t> </a:t>
-            </a:r>
-            <a:endParaRPr b="0" lang="en-US" sz="600" spc="-1" strike="noStrike">
+            <a:pPr>
+              <a:lnSpc>
+                <a:spcPct val="100000"/>
+              </a:lnSpc>
+              <a:spcBef>
+                <a:spcPts val="879"/>
+              </a:spcBef>
+            </a:pPr>
+            <a:endParaRPr b="0" lang="en-US" sz="4400" spc="-1" strike="noStrike">
               <a:latin typeface="Arial"/>
             </a:endParaRPr>
           </a:p>
@@ -4045,7 +4033,7 @@
       </p:sp>
       <p:sp>
         <p:nvSpPr>
-          <p:cNvPr id="51" name="CustomShape 10"/>
+          <p:cNvPr id="52" name="CustomShape 10"/>
           <p:cNvSpPr/>
           <p:nvPr/>
         </p:nvSpPr>
@@ -4076,7 +4064,7 @@
       </p:sp>
       <p:sp>
         <p:nvSpPr>
-          <p:cNvPr id="52" name="CustomShape 11"/>
+          <p:cNvPr id="53" name="CustomShape 11"/>
           <p:cNvSpPr/>
           <p:nvPr/>
         </p:nvSpPr>
@@ -4107,7 +4095,7 @@
       </p:sp>
       <p:sp>
         <p:nvSpPr>
-          <p:cNvPr id="53" name="CustomShape 12"/>
+          <p:cNvPr id="54" name="CustomShape 12"/>
           <p:cNvSpPr/>
           <p:nvPr/>
         </p:nvSpPr>
@@ -4138,7 +4126,7 @@
       </p:sp>
       <p:sp>
         <p:nvSpPr>
-          <p:cNvPr id="54" name="CustomShape 13"/>
+          <p:cNvPr id="55" name="CustomShape 13"/>
           <p:cNvSpPr/>
           <p:nvPr/>
         </p:nvSpPr>
@@ -4193,7 +4181,7 @@
       </p:sp>
       <p:sp>
         <p:nvSpPr>
-          <p:cNvPr id="55" name="CustomShape 14"/>
+          <p:cNvPr id="56" name="CustomShape 14"/>
           <p:cNvSpPr/>
           <p:nvPr/>
         </p:nvSpPr>
@@ -4242,7 +4230,7 @@
       </p:sp>
       <p:sp>
         <p:nvSpPr>
-          <p:cNvPr id="56" name="CustomShape 15"/>
+          <p:cNvPr id="57" name="CustomShape 15"/>
           <p:cNvSpPr/>
           <p:nvPr/>
         </p:nvSpPr>
@@ -4291,12 +4279,12 @@
       </p:sp>
       <p:pic>
         <p:nvPicPr>
-          <p:cNvPr id="57" name="" descr=""/>
+          <p:cNvPr id="58" name="" descr=""/>
           <p:cNvPicPr/>
           <p:nvPr/>
         </p:nvPicPr>
         <p:blipFill>
-          <a:blip r:embed="rId2"/>
+          <a:blip r:embed="rId3"/>
           <a:stretch/>
         </p:blipFill>
         <p:spPr>
@@ -4314,7 +4302,7 @@
       </p:pic>
       <p:sp>
         <p:nvSpPr>
-          <p:cNvPr id="58" name="CustomShape 16"/>
+          <p:cNvPr id="59" name="CustomShape 16"/>
           <p:cNvSpPr/>
           <p:nvPr/>
         </p:nvSpPr>
@@ -4421,29 +4409,6 @@
           </a:p>
         </p:txBody>
       </p:sp>
-      <p:pic>
-        <p:nvPicPr>
-          <p:cNvPr id="59" name="" descr=""/>
-          <p:cNvPicPr/>
-          <p:nvPr/>
-        </p:nvPicPr>
-        <p:blipFill>
-          <a:blip r:embed="rId3"/>
-          <a:stretch/>
-        </p:blipFill>
-        <p:spPr>
-          <a:xfrm>
-            <a:off x="11590560" y="29286000"/>
-            <a:ext cx="1806840" cy="1792080"/>
-          </a:xfrm>
-          <a:prstGeom prst="rect">
-            <a:avLst/>
-          </a:prstGeom>
-          <a:ln>
-            <a:noFill/>
-          </a:ln>
-        </p:spPr>
-      </p:pic>
       <p:pic>
         <p:nvPicPr>
           <p:cNvPr id="60" name="" descr=""/>
@@ -4456,8 +4421,8 @@
         </p:blipFill>
         <p:spPr>
           <a:xfrm>
-            <a:off x="11532240" y="25394760"/>
-            <a:ext cx="1980360" cy="2003400"/>
+            <a:off x="11590560" y="29286000"/>
+            <a:ext cx="1806840" cy="1792080"/>
           </a:xfrm>
           <a:prstGeom prst="rect">
             <a:avLst/>
@@ -4479,8 +4444,8 @@
         </p:blipFill>
         <p:spPr>
           <a:xfrm>
-            <a:off x="11486160" y="33040800"/>
-            <a:ext cx="2129040" cy="3010320"/>
+            <a:off x="11532240" y="25394760"/>
+            <a:ext cx="1980360" cy="2003400"/>
           </a:xfrm>
           <a:prstGeom prst="rect">
             <a:avLst/>
@@ -4490,9 +4455,32 @@
           </a:ln>
         </p:spPr>
       </p:pic>
-      <p:sp>
-        <p:nvSpPr>
-          <p:cNvPr id="62" name="CustomShape 17"/>
+      <p:pic>
+        <p:nvPicPr>
+          <p:cNvPr id="62" name="" descr=""/>
+          <p:cNvPicPr/>
+          <p:nvPr/>
+        </p:nvPicPr>
+        <p:blipFill>
+          <a:blip r:embed="rId6"/>
+          <a:stretch/>
+        </p:blipFill>
+        <p:spPr>
+          <a:xfrm>
+            <a:off x="11486160" y="33040800"/>
+            <a:ext cx="2129040" cy="3010320"/>
+          </a:xfrm>
+          <a:prstGeom prst="rect">
+            <a:avLst/>
+          </a:prstGeom>
+          <a:ln>
+            <a:noFill/>
+          </a:ln>
+        </p:spPr>
+      </p:pic>
+      <p:sp>
+        <p:nvSpPr>
+          <p:cNvPr id="63" name="CustomShape 17"/>
           <p:cNvSpPr/>
           <p:nvPr/>
         </p:nvSpPr>
@@ -4541,7 +4529,7 @@
       </p:sp>
       <p:sp>
         <p:nvSpPr>
-          <p:cNvPr id="63" name="CustomShape 18"/>
+          <p:cNvPr id="64" name="CustomShape 18"/>
           <p:cNvSpPr/>
           <p:nvPr/>
         </p:nvSpPr>
@@ -4590,7 +4578,7 @@
       </p:sp>
       <p:sp>
         <p:nvSpPr>
-          <p:cNvPr id="64" name="CustomShape 19"/>
+          <p:cNvPr id="65" name="CustomShape 19"/>
           <p:cNvSpPr/>
           <p:nvPr/>
         </p:nvSpPr>
@@ -4639,12 +4627,12 @@
       </p:sp>
       <p:pic>
         <p:nvPicPr>
-          <p:cNvPr id="65" name="" descr=""/>
+          <p:cNvPr id="66" name="" descr=""/>
           <p:cNvPicPr/>
           <p:nvPr/>
         </p:nvPicPr>
         <p:blipFill>
-          <a:blip r:embed="rId6"/>
+          <a:blip r:embed="rId7"/>
           <a:stretch/>
         </p:blipFill>
         <p:spPr>
@@ -4662,7 +4650,7 @@
       </p:pic>
       <p:sp>
         <p:nvSpPr>
-          <p:cNvPr id="66" name="CustomShape 20"/>
+          <p:cNvPr id="67" name="CustomShape 20"/>
           <p:cNvSpPr/>
           <p:nvPr/>
         </p:nvSpPr>
@@ -4711,7 +4699,7 @@
       </p:sp>
       <p:sp>
         <p:nvSpPr>
-          <p:cNvPr id="67" name="CustomShape 21"/>
+          <p:cNvPr id="68" name="CustomShape 21"/>
           <p:cNvSpPr/>
           <p:nvPr/>
         </p:nvSpPr>
@@ -4758,29 +4746,6 @@
           </a:p>
         </p:txBody>
       </p:sp>
-      <p:pic>
-        <p:nvPicPr>
-          <p:cNvPr id="68" name="" descr=""/>
-          <p:cNvPicPr/>
-          <p:nvPr/>
-        </p:nvPicPr>
-        <p:blipFill>
-          <a:blip r:embed="rId7"/>
-          <a:stretch/>
-        </p:blipFill>
-        <p:spPr>
-          <a:xfrm>
-            <a:off x="9047880" y="36021600"/>
-            <a:ext cx="5563800" cy="3931200"/>
-          </a:xfrm>
-          <a:prstGeom prst="rect">
-            <a:avLst/>
-          </a:prstGeom>
-          <a:ln>
-            <a:noFill/>
-          </a:ln>
-        </p:spPr>
-      </p:pic>
       <p:pic>
         <p:nvPicPr>
           <p:cNvPr id="69" name="" descr=""/>
@@ -4793,8 +4758,8 @@
         </p:blipFill>
         <p:spPr>
           <a:xfrm>
-            <a:off x="26052480" y="39539520"/>
-            <a:ext cx="1944360" cy="1453320"/>
+            <a:off x="9047880" y="36021600"/>
+            <a:ext cx="5563800" cy="3931200"/>
           </a:xfrm>
           <a:prstGeom prst="rect">
             <a:avLst/>
@@ -4816,8 +4781,8 @@
         </p:blipFill>
         <p:spPr>
           <a:xfrm>
-            <a:off x="22956480" y="39518640"/>
-            <a:ext cx="2981160" cy="1537920"/>
+            <a:off x="26052480" y="39539520"/>
+            <a:ext cx="1944360" cy="1453320"/>
           </a:xfrm>
           <a:prstGeom prst="rect">
             <a:avLst/>
@@ -4839,8 +4804,8 @@
         </p:blipFill>
         <p:spPr>
           <a:xfrm>
-            <a:off x="15257160" y="11244600"/>
-            <a:ext cx="12715200" cy="7849080"/>
+            <a:off x="22956480" y="39518640"/>
+            <a:ext cx="2981160" cy="1537920"/>
           </a:xfrm>
           <a:prstGeom prst="rect">
             <a:avLst/>
@@ -4850,9 +4815,32 @@
           </a:ln>
         </p:spPr>
       </p:pic>
-      <p:sp>
-        <p:nvSpPr>
-          <p:cNvPr id="72" name="Line 22"/>
+      <p:pic>
+        <p:nvPicPr>
+          <p:cNvPr id="72" name="" descr=""/>
+          <p:cNvPicPr/>
+          <p:nvPr/>
+        </p:nvPicPr>
+        <p:blipFill>
+          <a:blip r:embed="rId11"/>
+          <a:stretch/>
+        </p:blipFill>
+        <p:spPr>
+          <a:xfrm>
+            <a:off x="15257160" y="11244600"/>
+            <a:ext cx="12715200" cy="7849080"/>
+          </a:xfrm>
+          <a:prstGeom prst="rect">
+            <a:avLst/>
+          </a:prstGeom>
+          <a:ln>
+            <a:noFill/>
+          </a:ln>
+        </p:spPr>
+      </p:pic>
+      <p:sp>
+        <p:nvSpPr>
+          <p:cNvPr id="73" name="Line 22"/>
           <p:cNvSpPr/>
           <p:nvPr/>
         </p:nvSpPr>
@@ -4880,7 +4868,7 @@
       </p:sp>
       <p:sp>
         <p:nvSpPr>
-          <p:cNvPr id="73" name="Line 23"/>
+          <p:cNvPr id="74" name="Line 23"/>
           <p:cNvSpPr/>
           <p:nvPr/>
         </p:nvSpPr>
@@ -4908,7 +4896,7 @@
       </p:sp>
       <p:sp>
         <p:nvSpPr>
-          <p:cNvPr id="74" name="CustomShape 24"/>
+          <p:cNvPr id="75" name="CustomShape 24"/>
           <p:cNvSpPr/>
           <p:nvPr/>
         </p:nvSpPr>
@@ -4957,12 +4945,12 @@
       </p:sp>
       <p:pic>
         <p:nvPicPr>
-          <p:cNvPr id="75" name="" descr=""/>
+          <p:cNvPr id="76" name="" descr=""/>
           <p:cNvPicPr/>
           <p:nvPr/>
         </p:nvPicPr>
         <p:blipFill>
-          <a:blip r:embed="rId11"/>
+          <a:blip r:embed="rId12"/>
           <a:stretch/>
         </p:blipFill>
         <p:spPr>
@@ -4980,7 +4968,7 @@
       </p:pic>
       <p:sp>
         <p:nvSpPr>
-          <p:cNvPr id="76" name="CustomShape 25"/>
+          <p:cNvPr id="77" name="CustomShape 25"/>
           <p:cNvSpPr/>
           <p:nvPr/>
         </p:nvSpPr>
@@ -5027,29 +5015,6 @@
           </a:p>
         </p:txBody>
       </p:sp>
-      <p:pic>
-        <p:nvPicPr>
-          <p:cNvPr id="77" name="" descr=""/>
-          <p:cNvPicPr/>
-          <p:nvPr/>
-        </p:nvPicPr>
-        <p:blipFill>
-          <a:blip r:embed="rId12"/>
-          <a:stretch/>
-        </p:blipFill>
-        <p:spPr>
-          <a:xfrm>
-            <a:off x="15497280" y="27840240"/>
-            <a:ext cx="12538080" cy="758880"/>
-          </a:xfrm>
-          <a:prstGeom prst="rect">
-            <a:avLst/>
-          </a:prstGeom>
-          <a:ln>
-            <a:noFill/>
-          </a:ln>
-        </p:spPr>
-      </p:pic>
       <p:pic>
         <p:nvPicPr>
           <p:cNvPr id="78" name="" descr=""/>
@@ -5062,8 +5027,8 @@
         </p:blipFill>
         <p:spPr>
           <a:xfrm>
-            <a:off x="18273600" y="39694680"/>
-            <a:ext cx="4480200" cy="1178640"/>
+            <a:off x="15497280" y="27840240"/>
+            <a:ext cx="12538080" cy="758880"/>
           </a:xfrm>
           <a:prstGeom prst="rect">
             <a:avLst/>
@@ -5084,9 +5049,9 @@
           <a:stretch/>
         </p:blipFill>
         <p:spPr>
-          <a:xfrm rot="10800000">
-            <a:off x="28072080" y="42738480"/>
-            <a:ext cx="25835040" cy="1371600"/>
+          <a:xfrm>
+            <a:off x="18273600" y="39694680"/>
+            <a:ext cx="4480200" cy="1178640"/>
           </a:xfrm>
           <a:prstGeom prst="rect">
             <a:avLst/>
